--- a/SL_website_components.pptx
+++ b/SL_website_components.pptx
@@ -7,6 +7,7 @@
   <p:sldIdLst>
     <p:sldId id="257" r:id="rId2"/>
     <p:sldId id="258" r:id="rId3"/>
+    <p:sldId id="259" r:id="rId4"/>
   </p:sldIdLst>
   <p:sldSz cx="9144000" cy="6858000" type="screen4x3"/>
   <p:notesSz cx="6858000" cy="9144000"/>
@@ -1558,6 +1559,13 @@
         </dgm:presLayoutVars>
       </dgm:prSet>
       <dgm:spPr/>
+      <dgm:t>
+        <a:bodyPr/>
+        <a:lstStyle/>
+        <a:p>
+          <a:endParaRPr lang="en-US"/>
+        </a:p>
+      </dgm:t>
     </dgm:pt>
     <dgm:pt modelId="{06BC75EC-62A1-9649-ADDE-8C5F6EC71E50}" type="pres">
       <dgm:prSet presAssocID="{4A74C196-E0CB-1249-B4E9-31D880902150}" presName="desTx" presStyleLbl="revTx" presStyleIdx="0" presStyleCnt="5">
@@ -1711,6 +1719,13 @@
         </dgm:presLayoutVars>
       </dgm:prSet>
       <dgm:spPr/>
+      <dgm:t>
+        <a:bodyPr/>
+        <a:lstStyle/>
+        <a:p>
+          <a:endParaRPr lang="en-US"/>
+        </a:p>
+      </dgm:t>
     </dgm:pt>
     <dgm:pt modelId="{46E28B06-E90D-394A-BC19-3F215570B9DD}" type="pres">
       <dgm:prSet presAssocID="{B497304B-0EC9-C641-878A-635376A1DC88}" presName="desTx" presStyleLbl="revTx" presStyleIdx="3" presStyleCnt="5">
@@ -1769,43 +1784,43 @@
     </dgm:pt>
   </dgm:ptLst>
   <dgm:cxnLst>
+    <dgm:cxn modelId="{DE342405-6108-1C4B-91B2-230A214F761E}" srcId="{F455E73B-139F-5B4C-B339-D53508984FF3}" destId="{F8AC6589-26B5-DA48-8E39-73845864B478}" srcOrd="0" destOrd="0" parTransId="{F5ED7CAF-3C86-6243-8636-8377907F25CF}" sibTransId="{9C503DC8-7079-DA42-824E-C7F895276D86}"/>
+    <dgm:cxn modelId="{27437533-6A4C-344C-A83F-EAC62C314FE1}" srcId="{B497304B-0EC9-C641-878A-635376A1DC88}" destId="{1DDCE655-072A-CA46-8C79-B81FBF221E88}" srcOrd="2" destOrd="0" parTransId="{9E541773-9C5F-5B4C-B64B-6558FE1FFD4C}" sibTransId="{EAFFAC9A-B74C-CC40-B663-FF1172784467}"/>
+    <dgm:cxn modelId="{28C87505-83FC-C642-9BA6-B28C71AFAFE7}" srcId="{84EC724F-CD95-8A47-AD7B-E40ECE29B29C}" destId="{5CCF9EF2-717F-1E48-AEF3-99045E9A72A6}" srcOrd="1" destOrd="0" parTransId="{C44D7D03-37CC-8944-AB22-C19942EA80E7}" sibTransId="{7728E7AD-756F-2446-BFE3-0B60C80651D9}"/>
     <dgm:cxn modelId="{F03AA9E4-0010-9942-9B2A-4B50E05BBE98}" srcId="{84EC724F-CD95-8A47-AD7B-E40ECE29B29C}" destId="{E72EECAB-7D2D-CB4B-8DB6-523626A56813}" srcOrd="0" destOrd="0" parTransId="{2E6CC1A7-A852-B747-86BB-1730EA0049E0}" sibTransId="{91A1F862-85B6-FB48-A1BF-875F58AFE334}"/>
+    <dgm:cxn modelId="{28C34488-F687-7F48-8FCD-8FB5629A17DE}" type="presOf" srcId="{3FA1105B-56D0-E742-B559-3423FE154781}" destId="{EC592A6F-44B1-8244-B7BE-E21154215D48}" srcOrd="0" destOrd="0" presId="urn:microsoft.com/office/officeart/2005/8/layout/chevron1"/>
+    <dgm:cxn modelId="{BC73F862-567A-4542-986C-7097C420A4F6}" type="presOf" srcId="{84EC724F-CD95-8A47-AD7B-E40ECE29B29C}" destId="{6BF6BCA7-8170-9B46-B85B-2EE60E0EBA22}" srcOrd="0" destOrd="0" presId="urn:microsoft.com/office/officeart/2005/8/layout/chevron1"/>
+    <dgm:cxn modelId="{3104ACF8-C7B2-E646-9307-509E63564DCE}" type="presOf" srcId="{B497304B-0EC9-C641-878A-635376A1DC88}" destId="{5ABC5531-B6FA-624C-8342-D73DBAC40F1F}" srcOrd="0" destOrd="0" presId="urn:microsoft.com/office/officeart/2005/8/layout/chevron1"/>
+    <dgm:cxn modelId="{59F04D35-4D43-0F49-A0B9-3BD4A902ACCB}" srcId="{3FA1105B-56D0-E742-B559-3423FE154781}" destId="{E78FED39-41C5-1B4A-9C79-C24870FED316}" srcOrd="1" destOrd="0" parTransId="{71A86EC9-0278-0641-832F-052ABDFBB45D}" sibTransId="{0D28240A-695C-1146-8FD1-30FE4A973B53}"/>
+    <dgm:cxn modelId="{91B4C5E6-E78A-1A45-B73A-BDC9382BFD5E}" type="presOf" srcId="{3696EE42-0699-5843-B317-54260231D197}" destId="{7C16100D-7D03-7B47-80B0-D8730883E916}" srcOrd="0" destOrd="0" presId="urn:microsoft.com/office/officeart/2005/8/layout/chevron1"/>
+    <dgm:cxn modelId="{3F5162CD-1DB9-9547-948B-87C63250F9A9}" type="presOf" srcId="{E78FED39-41C5-1B4A-9C79-C24870FED316}" destId="{2F587FE5-A5FC-D54E-A534-D04AAED85470}" srcOrd="0" destOrd="1" presId="urn:microsoft.com/office/officeart/2005/8/layout/chevron1"/>
+    <dgm:cxn modelId="{EB4010C5-6164-DC4A-BDE8-13135CBD5981}" type="presOf" srcId="{F455E73B-139F-5B4C-B339-D53508984FF3}" destId="{4E8F90C4-0AFD-BA4A-8721-D710906AC62E}" srcOrd="0" destOrd="0" presId="urn:microsoft.com/office/officeart/2005/8/layout/chevron1"/>
+    <dgm:cxn modelId="{4BB5B9E3-A0AD-0D46-9B53-6F2EF728A0BE}" srcId="{F455E73B-139F-5B4C-B339-D53508984FF3}" destId="{AAF01738-8176-D24E-9E49-953309BD4F92}" srcOrd="1" destOrd="0" parTransId="{2B561B21-0C85-C644-9513-738BF49AF334}" sibTransId="{2101BD5F-A817-9447-AA4F-F4CD3EE95FF0}"/>
+    <dgm:cxn modelId="{8B8B1ABD-6B7B-744C-9882-08C32F753AD1}" srcId="{7A57F91B-C114-8B4E-86B0-505DD9ED1F5A}" destId="{3696EE42-0699-5843-B317-54260231D197}" srcOrd="3" destOrd="0" parTransId="{0FFA1B8D-030F-9C47-BE23-2735147E75B5}" sibTransId="{7E24CA96-C115-514B-881D-5FECEDE39366}"/>
+    <dgm:cxn modelId="{E98BE5B1-30A6-1145-8D2F-5BFF1A9A1A00}" type="presOf" srcId="{F8AC6589-26B5-DA48-8E39-73845864B478}" destId="{7DFC62E4-E651-4F40-868C-EB54460A2F8C}" srcOrd="0" destOrd="0" presId="urn:microsoft.com/office/officeart/2005/8/layout/chevron1"/>
+    <dgm:cxn modelId="{281335DD-1C0C-6348-9D6D-EAC0AE110E8A}" type="presOf" srcId="{F074EDA9-7961-9341-94F4-2C8A448D4304}" destId="{46E28B06-E90D-394A-BC19-3F215570B9DD}" srcOrd="0" destOrd="0" presId="urn:microsoft.com/office/officeart/2005/8/layout/chevron1"/>
+    <dgm:cxn modelId="{F78D21E7-9EE7-F94E-9D7C-9DFE4F159838}" srcId="{7A57F91B-C114-8B4E-86B0-505DD9ED1F5A}" destId="{F455E73B-139F-5B4C-B339-D53508984FF3}" srcOrd="1" destOrd="0" parTransId="{F4541FD7-6E3C-3443-B621-FD7409CA5CAA}" sibTransId="{00230CA9-4B0B-B242-8D20-545200546735}"/>
+    <dgm:cxn modelId="{5CC9A1C7-2DE8-254A-8FCB-EB6EEC98F310}" srcId="{B497304B-0EC9-C641-878A-635376A1DC88}" destId="{AD2FACD8-51B8-194A-9DFA-BB7B3CA220D3}" srcOrd="1" destOrd="0" parTransId="{E7A017B2-CE99-0745-80EA-956548E1D6BF}" sibTransId="{8C2615CD-4925-A444-9F76-4C0AD254542F}"/>
+    <dgm:cxn modelId="{BD88610B-83C2-554A-B16B-0CC8CBCD3641}" srcId="{F455E73B-139F-5B4C-B339-D53508984FF3}" destId="{671EDA6E-6736-B447-9A01-111FEA05AE6F}" srcOrd="2" destOrd="0" parTransId="{56305F1A-C5ED-784E-87B0-54030273357F}" sibTransId="{E3612F99-4F16-C341-9440-0362D7B8DB67}"/>
+    <dgm:cxn modelId="{EE8516CC-D3EF-7A41-A9E3-703B74F1EE01}" srcId="{7A57F91B-C114-8B4E-86B0-505DD9ED1F5A}" destId="{B497304B-0EC9-C641-878A-635376A1DC88}" srcOrd="4" destOrd="0" parTransId="{E2CD0753-C669-9243-AB50-EB59323609C4}" sibTransId="{6D25F3CB-D3D1-AE49-9AD6-A8D2551A1BF9}"/>
+    <dgm:cxn modelId="{53C3307B-6F59-0C48-8AA6-80EE40A5DD77}" srcId="{B497304B-0EC9-C641-878A-635376A1DC88}" destId="{F074EDA9-7961-9341-94F4-2C8A448D4304}" srcOrd="0" destOrd="0" parTransId="{E3107CCF-9FBA-A849-9EEC-1FF1E43C56AD}" sibTransId="{11C6DF21-FC58-6147-87DF-2B1CC4183C4A}"/>
+    <dgm:cxn modelId="{24C71B9F-914C-3C4D-91F2-11D5276C9F4D}" type="presOf" srcId="{1DDCE655-072A-CA46-8C79-B81FBF221E88}" destId="{46E28B06-E90D-394A-BC19-3F215570B9DD}" srcOrd="0" destOrd="2" presId="urn:microsoft.com/office/officeart/2005/8/layout/chevron1"/>
+    <dgm:cxn modelId="{0DF81702-8693-DD47-9DFF-C7FB3F0A0D40}" type="presOf" srcId="{AAF01738-8176-D24E-9E49-953309BD4F92}" destId="{7DFC62E4-E651-4F40-868C-EB54460A2F8C}" srcOrd="0" destOrd="1" presId="urn:microsoft.com/office/officeart/2005/8/layout/chevron1"/>
+    <dgm:cxn modelId="{2B2CE414-CAEE-4140-BFF5-5D352478002A}" type="presOf" srcId="{68EF91FD-6D20-EC4E-94B8-6B157AAC0116}" destId="{8887EB1A-C2E2-3D48-B5DB-9F1B6E37194E}" srcOrd="0" destOrd="1" presId="urn:microsoft.com/office/officeart/2005/8/layout/chevron1"/>
+    <dgm:cxn modelId="{016F4BC6-4E7D-024B-B2E3-D1C8953222EB}" srcId="{3696EE42-0699-5843-B317-54260231D197}" destId="{68EF91FD-6D20-EC4E-94B8-6B157AAC0116}" srcOrd="1" destOrd="0" parTransId="{666B0721-335C-974B-873B-DF4D42244A8C}" sibTransId="{1D4D69E8-A37A-D049-B8E5-97D15112A038}"/>
+    <dgm:cxn modelId="{0E16EEB7-7C9A-404F-93EE-569F5E53271A}" srcId="{3696EE42-0699-5843-B317-54260231D197}" destId="{149B45F3-F4BD-BD49-9230-47834B8837E6}" srcOrd="0" destOrd="0" parTransId="{CCFA6060-31EF-0D43-96E6-385A35E5FB0B}" sibTransId="{E8D73227-72DA-A447-A8B7-EF0B54126978}"/>
+    <dgm:cxn modelId="{DD611928-440D-9C4B-8AAE-8F0B17483AB8}" srcId="{7A57F91B-C114-8B4E-86B0-505DD9ED1F5A}" destId="{4A74C196-E0CB-1249-B4E9-31D880902150}" srcOrd="0" destOrd="0" parTransId="{E1750942-93A4-7D4F-B907-5E9CAE950694}" sibTransId="{4110B16D-A48B-6F4E-BA79-244FDB8EBC24}"/>
+    <dgm:cxn modelId="{119D518A-F2B7-D24E-B8F9-FAC83CAA2AF8}" type="presOf" srcId="{149B45F3-F4BD-BD49-9230-47834B8837E6}" destId="{8887EB1A-C2E2-3D48-B5DB-9F1B6E37194E}" srcOrd="0" destOrd="0" presId="urn:microsoft.com/office/officeart/2005/8/layout/chevron1"/>
+    <dgm:cxn modelId="{3B1D797C-95C3-F44C-98AA-F1BA5422A5DA}" type="presOf" srcId="{7A57F91B-C114-8B4E-86B0-505DD9ED1F5A}" destId="{D2552DFF-6A88-8C4B-A337-5464BEB40A8D}" srcOrd="0" destOrd="0" presId="urn:microsoft.com/office/officeart/2005/8/layout/chevron1"/>
+    <dgm:cxn modelId="{BCB6C379-EA13-EB48-AC42-816FB8E9962E}" type="presOf" srcId="{5CCF9EF2-717F-1E48-AEF3-99045E9A72A6}" destId="{3F0F7C6D-0AC5-AB46-BF90-D57471BE8B55}" srcOrd="0" destOrd="1" presId="urn:microsoft.com/office/officeart/2005/8/layout/chevron1"/>
+    <dgm:cxn modelId="{6EB933D0-D521-6545-B383-51A82D1BF565}" type="presOf" srcId="{AD2FACD8-51B8-194A-9DFA-BB7B3CA220D3}" destId="{46E28B06-E90D-394A-BC19-3F215570B9DD}" srcOrd="0" destOrd="1" presId="urn:microsoft.com/office/officeart/2005/8/layout/chevron1"/>
     <dgm:cxn modelId="{F3D2BC01-9442-5449-B74A-83C88CCDA118}" type="presOf" srcId="{E72EECAB-7D2D-CB4B-8DB6-523626A56813}" destId="{3F0F7C6D-0AC5-AB46-BF90-D57471BE8B55}" srcOrd="0" destOrd="0" presId="urn:microsoft.com/office/officeart/2005/8/layout/chevron1"/>
-    <dgm:cxn modelId="{0DF81702-8693-DD47-9DFF-C7FB3F0A0D40}" type="presOf" srcId="{AAF01738-8176-D24E-9E49-953309BD4F92}" destId="{7DFC62E4-E651-4F40-868C-EB54460A2F8C}" srcOrd="0" destOrd="1" presId="urn:microsoft.com/office/officeart/2005/8/layout/chevron1"/>
+    <dgm:cxn modelId="{743EBC90-0CD7-2D4A-9427-84D8F0FCD55E}" type="presOf" srcId="{671EDA6E-6736-B447-9A01-111FEA05AE6F}" destId="{7DFC62E4-E651-4F40-868C-EB54460A2F8C}" srcOrd="0" destOrd="2" presId="urn:microsoft.com/office/officeart/2005/8/layout/chevron1"/>
+    <dgm:cxn modelId="{B4776EC2-37DF-FC46-B6CC-2030B7D6F4FA}" type="presOf" srcId="{7AF78604-2FF9-7A42-99C8-DCF0966BF795}" destId="{2F587FE5-A5FC-D54E-A534-D04AAED85470}" srcOrd="0" destOrd="0" presId="urn:microsoft.com/office/officeart/2005/8/layout/chevron1"/>
+    <dgm:cxn modelId="{0FDAFD2B-A48A-F844-8F2B-D902F986BD6B}" srcId="{7A57F91B-C114-8B4E-86B0-505DD9ED1F5A}" destId="{3FA1105B-56D0-E742-B559-3423FE154781}" srcOrd="5" destOrd="0" parTransId="{4343CE6F-96DF-D34C-B653-DCFAF56D9B91}" sibTransId="{5EF50988-4361-FB43-AD3B-8802A7763BB9}"/>
+    <dgm:cxn modelId="{3054953F-6410-7642-8638-3EF7007D4515}" srcId="{3FA1105B-56D0-E742-B559-3423FE154781}" destId="{7AF78604-2FF9-7A42-99C8-DCF0966BF795}" srcOrd="0" destOrd="0" parTransId="{270D2051-8376-2C42-BC29-A2EBB395EC43}" sibTransId="{D5AD0D8B-FC5D-104F-9E86-D81E5CEBDEA3}"/>
+    <dgm:cxn modelId="{707666A5-A598-A74B-976B-F01E6086B85B}" srcId="{7A57F91B-C114-8B4E-86B0-505DD9ED1F5A}" destId="{84EC724F-CD95-8A47-AD7B-E40ECE29B29C}" srcOrd="2" destOrd="0" parTransId="{73245F63-1FF5-5D4D-B103-E5FB4C6B96E2}" sibTransId="{CF37BA28-51CB-4B4C-ADB2-B56158860883}"/>
     <dgm:cxn modelId="{1D824A16-B5CE-F442-BF42-CC0B6C032613}" type="presOf" srcId="{4A74C196-E0CB-1249-B4E9-31D880902150}" destId="{0DE361F5-0520-2540-9FC8-4E0CB397F72A}" srcOrd="0" destOrd="0" presId="urn:microsoft.com/office/officeart/2005/8/layout/chevron1"/>
-    <dgm:cxn modelId="{707666A5-A598-A74B-976B-F01E6086B85B}" srcId="{7A57F91B-C114-8B4E-86B0-505DD9ED1F5A}" destId="{84EC724F-CD95-8A47-AD7B-E40ECE29B29C}" srcOrd="2" destOrd="0" parTransId="{73245F63-1FF5-5D4D-B103-E5FB4C6B96E2}" sibTransId="{CF37BA28-51CB-4B4C-ADB2-B56158860883}"/>
-    <dgm:cxn modelId="{0E16EEB7-7C9A-404F-93EE-569F5E53271A}" srcId="{3696EE42-0699-5843-B317-54260231D197}" destId="{149B45F3-F4BD-BD49-9230-47834B8837E6}" srcOrd="0" destOrd="0" parTransId="{CCFA6060-31EF-0D43-96E6-385A35E5FB0B}" sibTransId="{E8D73227-72DA-A447-A8B7-EF0B54126978}"/>
-    <dgm:cxn modelId="{4BB5B9E3-A0AD-0D46-9B53-6F2EF728A0BE}" srcId="{F455E73B-139F-5B4C-B339-D53508984FF3}" destId="{AAF01738-8176-D24E-9E49-953309BD4F92}" srcOrd="1" destOrd="0" parTransId="{2B561B21-0C85-C644-9513-738BF49AF334}" sibTransId="{2101BD5F-A817-9447-AA4F-F4CD3EE95FF0}"/>
-    <dgm:cxn modelId="{2B2CE414-CAEE-4140-BFF5-5D352478002A}" type="presOf" srcId="{68EF91FD-6D20-EC4E-94B8-6B157AAC0116}" destId="{8887EB1A-C2E2-3D48-B5DB-9F1B6E37194E}" srcOrd="0" destOrd="1" presId="urn:microsoft.com/office/officeart/2005/8/layout/chevron1"/>
-    <dgm:cxn modelId="{DD611928-440D-9C4B-8AAE-8F0B17483AB8}" srcId="{7A57F91B-C114-8B4E-86B0-505DD9ED1F5A}" destId="{4A74C196-E0CB-1249-B4E9-31D880902150}" srcOrd="0" destOrd="0" parTransId="{E1750942-93A4-7D4F-B907-5E9CAE950694}" sibTransId="{4110B16D-A48B-6F4E-BA79-244FDB8EBC24}"/>
-    <dgm:cxn modelId="{27437533-6A4C-344C-A83F-EAC62C314FE1}" srcId="{B497304B-0EC9-C641-878A-635376A1DC88}" destId="{1DDCE655-072A-CA46-8C79-B81FBF221E88}" srcOrd="2" destOrd="0" parTransId="{9E541773-9C5F-5B4C-B64B-6558FE1FFD4C}" sibTransId="{EAFFAC9A-B74C-CC40-B663-FF1172784467}"/>
-    <dgm:cxn modelId="{DE342405-6108-1C4B-91B2-230A214F761E}" srcId="{F455E73B-139F-5B4C-B339-D53508984FF3}" destId="{F8AC6589-26B5-DA48-8E39-73845864B478}" srcOrd="0" destOrd="0" parTransId="{F5ED7CAF-3C86-6243-8636-8377907F25CF}" sibTransId="{9C503DC8-7079-DA42-824E-C7F895276D86}"/>
-    <dgm:cxn modelId="{BCB6C379-EA13-EB48-AC42-816FB8E9962E}" type="presOf" srcId="{5CCF9EF2-717F-1E48-AEF3-99045E9A72A6}" destId="{3F0F7C6D-0AC5-AB46-BF90-D57471BE8B55}" srcOrd="0" destOrd="1" presId="urn:microsoft.com/office/officeart/2005/8/layout/chevron1"/>
-    <dgm:cxn modelId="{3054953F-6410-7642-8638-3EF7007D4515}" srcId="{3FA1105B-56D0-E742-B559-3423FE154781}" destId="{7AF78604-2FF9-7A42-99C8-DCF0966BF795}" srcOrd="0" destOrd="0" parTransId="{270D2051-8376-2C42-BC29-A2EBB395EC43}" sibTransId="{D5AD0D8B-FC5D-104F-9E86-D81E5CEBDEA3}"/>
-    <dgm:cxn modelId="{28C87505-83FC-C642-9BA6-B28C71AFAFE7}" srcId="{84EC724F-CD95-8A47-AD7B-E40ECE29B29C}" destId="{5CCF9EF2-717F-1E48-AEF3-99045E9A72A6}" srcOrd="1" destOrd="0" parTransId="{C44D7D03-37CC-8944-AB22-C19942EA80E7}" sibTransId="{7728E7AD-756F-2446-BFE3-0B60C80651D9}"/>
-    <dgm:cxn modelId="{3104ACF8-C7B2-E646-9307-509E63564DCE}" type="presOf" srcId="{B497304B-0EC9-C641-878A-635376A1DC88}" destId="{5ABC5531-B6FA-624C-8342-D73DBAC40F1F}" srcOrd="0" destOrd="0" presId="urn:microsoft.com/office/officeart/2005/8/layout/chevron1"/>
-    <dgm:cxn modelId="{EE8516CC-D3EF-7A41-A9E3-703B74F1EE01}" srcId="{7A57F91B-C114-8B4E-86B0-505DD9ED1F5A}" destId="{B497304B-0EC9-C641-878A-635376A1DC88}" srcOrd="4" destOrd="0" parTransId="{E2CD0753-C669-9243-AB50-EB59323609C4}" sibTransId="{6D25F3CB-D3D1-AE49-9AD6-A8D2551A1BF9}"/>
-    <dgm:cxn modelId="{016F4BC6-4E7D-024B-B2E3-D1C8953222EB}" srcId="{3696EE42-0699-5843-B317-54260231D197}" destId="{68EF91FD-6D20-EC4E-94B8-6B157AAC0116}" srcOrd="1" destOrd="0" parTransId="{666B0721-335C-974B-873B-DF4D42244A8C}" sibTransId="{1D4D69E8-A37A-D049-B8E5-97D15112A038}"/>
-    <dgm:cxn modelId="{E98BE5B1-30A6-1145-8D2F-5BFF1A9A1A00}" type="presOf" srcId="{F8AC6589-26B5-DA48-8E39-73845864B478}" destId="{7DFC62E4-E651-4F40-868C-EB54460A2F8C}" srcOrd="0" destOrd="0" presId="urn:microsoft.com/office/officeart/2005/8/layout/chevron1"/>
-    <dgm:cxn modelId="{119D518A-F2B7-D24E-B8F9-FAC83CAA2AF8}" type="presOf" srcId="{149B45F3-F4BD-BD49-9230-47834B8837E6}" destId="{8887EB1A-C2E2-3D48-B5DB-9F1B6E37194E}" srcOrd="0" destOrd="0" presId="urn:microsoft.com/office/officeart/2005/8/layout/chevron1"/>
-    <dgm:cxn modelId="{24C71B9F-914C-3C4D-91F2-11D5276C9F4D}" type="presOf" srcId="{1DDCE655-072A-CA46-8C79-B81FBF221E88}" destId="{46E28B06-E90D-394A-BC19-3F215570B9DD}" srcOrd="0" destOrd="2" presId="urn:microsoft.com/office/officeart/2005/8/layout/chevron1"/>
-    <dgm:cxn modelId="{0FDAFD2B-A48A-F844-8F2B-D902F986BD6B}" srcId="{7A57F91B-C114-8B4E-86B0-505DD9ED1F5A}" destId="{3FA1105B-56D0-E742-B559-3423FE154781}" srcOrd="5" destOrd="0" parTransId="{4343CE6F-96DF-D34C-B653-DCFAF56D9B91}" sibTransId="{5EF50988-4361-FB43-AD3B-8802A7763BB9}"/>
-    <dgm:cxn modelId="{F78D21E7-9EE7-F94E-9D7C-9DFE4F159838}" srcId="{7A57F91B-C114-8B4E-86B0-505DD9ED1F5A}" destId="{F455E73B-139F-5B4C-B339-D53508984FF3}" srcOrd="1" destOrd="0" parTransId="{F4541FD7-6E3C-3443-B621-FD7409CA5CAA}" sibTransId="{00230CA9-4B0B-B242-8D20-545200546735}"/>
-    <dgm:cxn modelId="{743EBC90-0CD7-2D4A-9427-84D8F0FCD55E}" type="presOf" srcId="{671EDA6E-6736-B447-9A01-111FEA05AE6F}" destId="{7DFC62E4-E651-4F40-868C-EB54460A2F8C}" srcOrd="0" destOrd="2" presId="urn:microsoft.com/office/officeart/2005/8/layout/chevron1"/>
-    <dgm:cxn modelId="{6EB933D0-D521-6545-B383-51A82D1BF565}" type="presOf" srcId="{AD2FACD8-51B8-194A-9DFA-BB7B3CA220D3}" destId="{46E28B06-E90D-394A-BC19-3F215570B9DD}" srcOrd="0" destOrd="1" presId="urn:microsoft.com/office/officeart/2005/8/layout/chevron1"/>
-    <dgm:cxn modelId="{59F04D35-4D43-0F49-A0B9-3BD4A902ACCB}" srcId="{3FA1105B-56D0-E742-B559-3423FE154781}" destId="{E78FED39-41C5-1B4A-9C79-C24870FED316}" srcOrd="1" destOrd="0" parTransId="{71A86EC9-0278-0641-832F-052ABDFBB45D}" sibTransId="{0D28240A-695C-1146-8FD1-30FE4A973B53}"/>
-    <dgm:cxn modelId="{3B1D797C-95C3-F44C-98AA-F1BA5422A5DA}" type="presOf" srcId="{7A57F91B-C114-8B4E-86B0-505DD9ED1F5A}" destId="{D2552DFF-6A88-8C4B-A337-5464BEB40A8D}" srcOrd="0" destOrd="0" presId="urn:microsoft.com/office/officeart/2005/8/layout/chevron1"/>
-    <dgm:cxn modelId="{EB4010C5-6164-DC4A-BDE8-13135CBD5981}" type="presOf" srcId="{F455E73B-139F-5B4C-B339-D53508984FF3}" destId="{4E8F90C4-0AFD-BA4A-8721-D710906AC62E}" srcOrd="0" destOrd="0" presId="urn:microsoft.com/office/officeart/2005/8/layout/chevron1"/>
-    <dgm:cxn modelId="{281335DD-1C0C-6348-9D6D-EAC0AE110E8A}" type="presOf" srcId="{F074EDA9-7961-9341-94F4-2C8A448D4304}" destId="{46E28B06-E90D-394A-BC19-3F215570B9DD}" srcOrd="0" destOrd="0" presId="urn:microsoft.com/office/officeart/2005/8/layout/chevron1"/>
-    <dgm:cxn modelId="{BD88610B-83C2-554A-B16B-0CC8CBCD3641}" srcId="{F455E73B-139F-5B4C-B339-D53508984FF3}" destId="{671EDA6E-6736-B447-9A01-111FEA05AE6F}" srcOrd="2" destOrd="0" parTransId="{56305F1A-C5ED-784E-87B0-54030273357F}" sibTransId="{E3612F99-4F16-C341-9440-0362D7B8DB67}"/>
-    <dgm:cxn modelId="{53C3307B-6F59-0C48-8AA6-80EE40A5DD77}" srcId="{B497304B-0EC9-C641-878A-635376A1DC88}" destId="{F074EDA9-7961-9341-94F4-2C8A448D4304}" srcOrd="0" destOrd="0" parTransId="{E3107CCF-9FBA-A849-9EEC-1FF1E43C56AD}" sibTransId="{11C6DF21-FC58-6147-87DF-2B1CC4183C4A}"/>
-    <dgm:cxn modelId="{B4776EC2-37DF-FC46-B6CC-2030B7D6F4FA}" type="presOf" srcId="{7AF78604-2FF9-7A42-99C8-DCF0966BF795}" destId="{2F587FE5-A5FC-D54E-A534-D04AAED85470}" srcOrd="0" destOrd="0" presId="urn:microsoft.com/office/officeart/2005/8/layout/chevron1"/>
-    <dgm:cxn modelId="{28C34488-F687-7F48-8FCD-8FB5629A17DE}" type="presOf" srcId="{3FA1105B-56D0-E742-B559-3423FE154781}" destId="{EC592A6F-44B1-8244-B7BE-E21154215D48}" srcOrd="0" destOrd="0" presId="urn:microsoft.com/office/officeart/2005/8/layout/chevron1"/>
-    <dgm:cxn modelId="{5CC9A1C7-2DE8-254A-8FCB-EB6EEC98F310}" srcId="{B497304B-0EC9-C641-878A-635376A1DC88}" destId="{AD2FACD8-51B8-194A-9DFA-BB7B3CA220D3}" srcOrd="1" destOrd="0" parTransId="{E7A017B2-CE99-0745-80EA-956548E1D6BF}" sibTransId="{8C2615CD-4925-A444-9F76-4C0AD254542F}"/>
-    <dgm:cxn modelId="{91B4C5E6-E78A-1A45-B73A-BDC9382BFD5E}" type="presOf" srcId="{3696EE42-0699-5843-B317-54260231D197}" destId="{7C16100D-7D03-7B47-80B0-D8730883E916}" srcOrd="0" destOrd="0" presId="urn:microsoft.com/office/officeart/2005/8/layout/chevron1"/>
-    <dgm:cxn modelId="{BC73F862-567A-4542-986C-7097C420A4F6}" type="presOf" srcId="{84EC724F-CD95-8A47-AD7B-E40ECE29B29C}" destId="{6BF6BCA7-8170-9B46-B85B-2EE60E0EBA22}" srcOrd="0" destOrd="0" presId="urn:microsoft.com/office/officeart/2005/8/layout/chevron1"/>
-    <dgm:cxn modelId="{3F5162CD-1DB9-9547-948B-87C63250F9A9}" type="presOf" srcId="{E78FED39-41C5-1B4A-9C79-C24870FED316}" destId="{2F587FE5-A5FC-D54E-A534-D04AAED85470}" srcOrd="0" destOrd="1" presId="urn:microsoft.com/office/officeart/2005/8/layout/chevron1"/>
-    <dgm:cxn modelId="{8B8B1ABD-6B7B-744C-9882-08C32F753AD1}" srcId="{7A57F91B-C114-8B4E-86B0-505DD9ED1F5A}" destId="{3696EE42-0699-5843-B317-54260231D197}" srcOrd="3" destOrd="0" parTransId="{0FFA1B8D-030F-9C47-BE23-2735147E75B5}" sibTransId="{7E24CA96-C115-514B-881D-5FECEDE39366}"/>
     <dgm:cxn modelId="{1447E255-E407-C044-A4B4-B964FB9B2AE9}" type="presParOf" srcId="{D2552DFF-6A88-8C4B-A337-5464BEB40A8D}" destId="{21CC8539-DA6C-B847-828E-205D32DDE42E}" srcOrd="0" destOrd="0" presId="urn:microsoft.com/office/officeart/2005/8/layout/chevron1"/>
     <dgm:cxn modelId="{F373CC96-3037-FA49-BEB4-FBDC15CC512B}" type="presParOf" srcId="{21CC8539-DA6C-B847-828E-205D32DDE42E}" destId="{0DE361F5-0520-2540-9FC8-4E0CB397F72A}" srcOrd="0" destOrd="0" presId="urn:microsoft.com/office/officeart/2005/8/layout/chevron1"/>
     <dgm:cxn modelId="{ACDD1215-5E0E-7648-8DF0-FCADF3424CF0}" type="presParOf" srcId="{21CC8539-DA6C-B847-828E-205D32DDE42E}" destId="{06BC75EC-62A1-9649-ADDE-8C5F6EC71E50}" srcOrd="1" destOrd="0" presId="urn:microsoft.com/office/officeart/2005/8/layout/chevron1"/>
@@ -4418,7 +4433,7 @@
           <a:p>
             <a:fld id="{42C8FD29-FE79-F342-B3A1-DE230763DD95}" type="datetimeFigureOut">
               <a:rPr lang="en-US" smtClean="0"/>
-              <a:t>10/23/12</a:t>
+              <a:t>10/31/12</a:t>
             </a:fld>
             <a:endParaRPr lang="en-US"/>
           </a:p>
@@ -4588,7 +4603,7 @@
           <a:p>
             <a:fld id="{42C8FD29-FE79-F342-B3A1-DE230763DD95}" type="datetimeFigureOut">
               <a:rPr lang="en-US" smtClean="0"/>
-              <a:t>10/23/12</a:t>
+              <a:t>10/31/12</a:t>
             </a:fld>
             <a:endParaRPr lang="en-US"/>
           </a:p>
@@ -4768,7 +4783,7 @@
           <a:p>
             <a:fld id="{42C8FD29-FE79-F342-B3A1-DE230763DD95}" type="datetimeFigureOut">
               <a:rPr lang="en-US" smtClean="0"/>
-              <a:t>10/23/12</a:t>
+              <a:t>10/31/12</a:t>
             </a:fld>
             <a:endParaRPr lang="en-US"/>
           </a:p>
@@ -4938,7 +4953,7 @@
           <a:p>
             <a:fld id="{42C8FD29-FE79-F342-B3A1-DE230763DD95}" type="datetimeFigureOut">
               <a:rPr lang="en-US" smtClean="0"/>
-              <a:t>10/23/12</a:t>
+              <a:t>10/31/12</a:t>
             </a:fld>
             <a:endParaRPr lang="en-US"/>
           </a:p>
@@ -5184,7 +5199,7 @@
           <a:p>
             <a:fld id="{42C8FD29-FE79-F342-B3A1-DE230763DD95}" type="datetimeFigureOut">
               <a:rPr lang="en-US" smtClean="0"/>
-              <a:t>10/23/12</a:t>
+              <a:t>10/31/12</a:t>
             </a:fld>
             <a:endParaRPr lang="en-US"/>
           </a:p>
@@ -5472,7 +5487,7 @@
           <a:p>
             <a:fld id="{42C8FD29-FE79-F342-B3A1-DE230763DD95}" type="datetimeFigureOut">
               <a:rPr lang="en-US" smtClean="0"/>
-              <a:t>10/23/12</a:t>
+              <a:t>10/31/12</a:t>
             </a:fld>
             <a:endParaRPr lang="en-US"/>
           </a:p>
@@ -5894,7 +5909,7 @@
           <a:p>
             <a:fld id="{42C8FD29-FE79-F342-B3A1-DE230763DD95}" type="datetimeFigureOut">
               <a:rPr lang="en-US" smtClean="0"/>
-              <a:t>10/23/12</a:t>
+              <a:t>10/31/12</a:t>
             </a:fld>
             <a:endParaRPr lang="en-US"/>
           </a:p>
@@ -6012,7 +6027,7 @@
           <a:p>
             <a:fld id="{42C8FD29-FE79-F342-B3A1-DE230763DD95}" type="datetimeFigureOut">
               <a:rPr lang="en-US" smtClean="0"/>
-              <a:t>10/23/12</a:t>
+              <a:t>10/31/12</a:t>
             </a:fld>
             <a:endParaRPr lang="en-US"/>
           </a:p>
@@ -6107,7 +6122,7 @@
           <a:p>
             <a:fld id="{42C8FD29-FE79-F342-B3A1-DE230763DD95}" type="datetimeFigureOut">
               <a:rPr lang="en-US" smtClean="0"/>
-              <a:t>10/23/12</a:t>
+              <a:t>10/31/12</a:t>
             </a:fld>
             <a:endParaRPr lang="en-US"/>
           </a:p>
@@ -6384,7 +6399,7 @@
           <a:p>
             <a:fld id="{42C8FD29-FE79-F342-B3A1-DE230763DD95}" type="datetimeFigureOut">
               <a:rPr lang="en-US" smtClean="0"/>
-              <a:t>10/23/12</a:t>
+              <a:t>10/31/12</a:t>
             </a:fld>
             <a:endParaRPr lang="en-US"/>
           </a:p>
@@ -6637,7 +6652,7 @@
           <a:p>
             <a:fld id="{42C8FD29-FE79-F342-B3A1-DE230763DD95}" type="datetimeFigureOut">
               <a:rPr lang="en-US" smtClean="0"/>
-              <a:t>10/23/12</a:t>
+              <a:t>10/31/12</a:t>
             </a:fld>
             <a:endParaRPr lang="en-US"/>
           </a:p>
@@ -6850,7 +6865,7 @@
           <a:p>
             <a:fld id="{42C8FD29-FE79-F342-B3A1-DE230763DD95}" type="datetimeFigureOut">
               <a:rPr lang="en-US" smtClean="0"/>
-              <a:t>10/23/12</a:t>
+              <a:t>10/31/12</a:t>
             </a:fld>
             <a:endParaRPr lang="en-US"/>
           </a:p>
@@ -7457,6 +7472,425 @@
 </p:sld>
 </file>
 
+<file path=ppt/slides/slide3.xml><?xml version="1.0" encoding="utf-8"?>
+<p:sld xmlns:a="http://schemas.openxmlformats.org/drawingml/2006/main" xmlns:r="http://schemas.openxmlformats.org/officeDocument/2006/relationships" xmlns:p="http://schemas.openxmlformats.org/presentationml/2006/main">
+  <p:cSld>
+    <p:spTree>
+      <p:nvGrpSpPr>
+        <p:cNvPr id="1" name=""/>
+        <p:cNvGrpSpPr/>
+        <p:nvPr/>
+      </p:nvGrpSpPr>
+      <p:grpSpPr>
+        <a:xfrm>
+          <a:off x="0" y="0"/>
+          <a:ext cx="0" cy="0"/>
+          <a:chOff x="0" y="0"/>
+          <a:chExt cx="0" cy="0"/>
+        </a:xfrm>
+      </p:grpSpPr>
+      <p:sp>
+        <p:nvSpPr>
+          <p:cNvPr id="4" name="Rectangle 3"/>
+          <p:cNvSpPr/>
+          <p:nvPr/>
+        </p:nvSpPr>
+        <p:spPr>
+          <a:xfrm>
+            <a:off x="1325961" y="1417638"/>
+            <a:ext cx="2857356" cy="1066417"/>
+          </a:xfrm>
+          <a:prstGeom prst="rect">
+            <a:avLst/>
+          </a:prstGeom>
+        </p:spPr>
+        <p:style>
+          <a:lnRef idx="1">
+            <a:schemeClr val="accent1"/>
+          </a:lnRef>
+          <a:fillRef idx="3">
+            <a:schemeClr val="accent1"/>
+          </a:fillRef>
+          <a:effectRef idx="2">
+            <a:schemeClr val="accent1"/>
+          </a:effectRef>
+          <a:fontRef idx="minor">
+            <a:schemeClr val="lt1"/>
+          </a:fontRef>
+        </p:style>
+        <p:txBody>
+          <a:bodyPr rtlCol="0" anchor="ctr"/>
+          <a:lstStyle/>
+          <a:p>
+            <a:pPr algn="ctr"/>
+            <a:r>
+              <a:rPr lang="en-US" sz="1600" dirty="0" smtClean="0"/>
+              <a:t>Browser:</a:t>
+            </a:r>
+          </a:p>
+          <a:p>
+            <a:pPr algn="ctr"/>
+            <a:r>
+              <a:rPr lang="en-US" sz="1600" dirty="0" smtClean="0"/>
+              <a:t>HTML, CSS, jQuery</a:t>
+            </a:r>
+            <a:endParaRPr lang="en-US" sz="1600" dirty="0"/>
+          </a:p>
+        </p:txBody>
+      </p:sp>
+      <p:sp>
+        <p:nvSpPr>
+          <p:cNvPr id="5" name="Rectangle 4"/>
+          <p:cNvSpPr/>
+          <p:nvPr/>
+        </p:nvSpPr>
+        <p:spPr>
+          <a:xfrm>
+            <a:off x="2157022" y="2720502"/>
+            <a:ext cx="2521195" cy="709730"/>
+          </a:xfrm>
+          <a:prstGeom prst="rect">
+            <a:avLst/>
+          </a:prstGeom>
+        </p:spPr>
+        <p:style>
+          <a:lnRef idx="1">
+            <a:schemeClr val="accent1"/>
+          </a:lnRef>
+          <a:fillRef idx="3">
+            <a:schemeClr val="accent1"/>
+          </a:fillRef>
+          <a:effectRef idx="2">
+            <a:schemeClr val="accent1"/>
+          </a:effectRef>
+          <a:fontRef idx="minor">
+            <a:schemeClr val="lt1"/>
+          </a:fontRef>
+        </p:style>
+        <p:txBody>
+          <a:bodyPr rtlCol="0" anchor="ctr"/>
+          <a:lstStyle/>
+          <a:p>
+            <a:pPr algn="ctr"/>
+            <a:r>
+              <a:rPr lang="en-US" sz="1600" dirty="0" smtClean="0"/>
+              <a:t>Views: Freemarker</a:t>
+            </a:r>
+            <a:endParaRPr lang="en-US" sz="1600" dirty="0"/>
+          </a:p>
+        </p:txBody>
+      </p:sp>
+      <p:sp>
+        <p:nvSpPr>
+          <p:cNvPr id="6" name="L-Shape 5"/>
+          <p:cNvSpPr/>
+          <p:nvPr/>
+        </p:nvSpPr>
+        <p:spPr>
+          <a:xfrm>
+            <a:off x="1325961" y="2720502"/>
+            <a:ext cx="3352255" cy="1621925"/>
+          </a:xfrm>
+          <a:prstGeom prst="corner">
+            <a:avLst>
+              <a:gd name="adj1" fmla="val 50000"/>
+              <a:gd name="adj2" fmla="val 44243"/>
+            </a:avLst>
+          </a:prstGeom>
+        </p:spPr>
+        <p:style>
+          <a:lnRef idx="1">
+            <a:schemeClr val="accent1"/>
+          </a:lnRef>
+          <a:fillRef idx="3">
+            <a:schemeClr val="accent1"/>
+          </a:fillRef>
+          <a:effectRef idx="2">
+            <a:schemeClr val="accent1"/>
+          </a:effectRef>
+          <a:fontRef idx="minor">
+            <a:schemeClr val="lt1"/>
+          </a:fontRef>
+        </p:style>
+        <p:txBody>
+          <a:bodyPr rtlCol="0" anchor="ctr"/>
+          <a:lstStyle/>
+          <a:p>
+            <a:pPr algn="ctr"/>
+            <a:r>
+              <a:rPr lang="en-US" sz="1600" dirty="0" smtClean="0"/>
+              <a:t>Spring MVC</a:t>
+            </a:r>
+            <a:endParaRPr lang="en-US" sz="1600" dirty="0"/>
+          </a:p>
+        </p:txBody>
+      </p:sp>
+      <p:sp>
+        <p:nvSpPr>
+          <p:cNvPr id="7" name="Rectangle 6"/>
+          <p:cNvSpPr/>
+          <p:nvPr/>
+        </p:nvSpPr>
+        <p:spPr>
+          <a:xfrm>
+            <a:off x="1325962" y="4491845"/>
+            <a:ext cx="1923578" cy="709730"/>
+          </a:xfrm>
+          <a:prstGeom prst="rect">
+            <a:avLst/>
+          </a:prstGeom>
+        </p:spPr>
+        <p:style>
+          <a:lnRef idx="1">
+            <a:schemeClr val="accent1"/>
+          </a:lnRef>
+          <a:fillRef idx="3">
+            <a:schemeClr val="accent1"/>
+          </a:fillRef>
+          <a:effectRef idx="2">
+            <a:schemeClr val="accent1"/>
+          </a:effectRef>
+          <a:fontRef idx="minor">
+            <a:schemeClr val="lt1"/>
+          </a:fontRef>
+        </p:style>
+        <p:txBody>
+          <a:bodyPr rtlCol="0" anchor="ctr"/>
+          <a:lstStyle/>
+          <a:p>
+            <a:pPr algn="ctr"/>
+            <a:r>
+              <a:rPr lang="en-US" sz="1600" dirty="0" smtClean="0"/>
+              <a:t>Services: </a:t>
+            </a:r>
+          </a:p>
+          <a:p>
+            <a:pPr algn="ctr"/>
+            <a:r>
+              <a:rPr lang="en-US" sz="1600" dirty="0" smtClean="0"/>
+              <a:t>J2EE / CDI / Spring</a:t>
+            </a:r>
+            <a:endParaRPr lang="en-US" sz="1600" dirty="0"/>
+          </a:p>
+        </p:txBody>
+      </p:sp>
+      <p:sp>
+        <p:nvSpPr>
+          <p:cNvPr id="8" name="Can 7"/>
+          <p:cNvSpPr/>
+          <p:nvPr/>
+        </p:nvSpPr>
+        <p:spPr>
+          <a:xfrm>
+            <a:off x="4220664" y="4482506"/>
+            <a:ext cx="1438017" cy="719069"/>
+          </a:xfrm>
+          <a:prstGeom prst="can">
+            <a:avLst/>
+          </a:prstGeom>
+        </p:spPr>
+        <p:style>
+          <a:lnRef idx="1">
+            <a:schemeClr val="accent1"/>
+          </a:lnRef>
+          <a:fillRef idx="3">
+            <a:schemeClr val="accent1"/>
+          </a:fillRef>
+          <a:effectRef idx="2">
+            <a:schemeClr val="accent1"/>
+          </a:effectRef>
+          <a:fontRef idx="minor">
+            <a:schemeClr val="lt1"/>
+          </a:fontRef>
+        </p:style>
+        <p:txBody>
+          <a:bodyPr rtlCol="0" anchor="ctr"/>
+          <a:lstStyle/>
+          <a:p>
+            <a:pPr algn="ctr"/>
+            <a:r>
+              <a:rPr lang="en-US" sz="1600" dirty="0" smtClean="0"/>
+              <a:t>MySQL</a:t>
+            </a:r>
+            <a:endParaRPr lang="en-US" sz="1600" dirty="0"/>
+          </a:p>
+        </p:txBody>
+      </p:sp>
+      <p:sp>
+        <p:nvSpPr>
+          <p:cNvPr id="9" name="Can 8"/>
+          <p:cNvSpPr/>
+          <p:nvPr/>
+        </p:nvSpPr>
+        <p:spPr>
+          <a:xfrm>
+            <a:off x="3352254" y="4491845"/>
+            <a:ext cx="784373" cy="719069"/>
+          </a:xfrm>
+          <a:prstGeom prst="can">
+            <a:avLst/>
+          </a:prstGeom>
+        </p:spPr>
+        <p:style>
+          <a:lnRef idx="1">
+            <a:schemeClr val="accent1"/>
+          </a:lnRef>
+          <a:fillRef idx="3">
+            <a:schemeClr val="accent1"/>
+          </a:fillRef>
+          <a:effectRef idx="2">
+            <a:schemeClr val="accent1"/>
+          </a:effectRef>
+          <a:fontRef idx="minor">
+            <a:schemeClr val="lt1"/>
+          </a:fontRef>
+        </p:style>
+        <p:txBody>
+          <a:bodyPr rtlCol="0" anchor="ctr"/>
+          <a:lstStyle/>
+          <a:p>
+            <a:pPr algn="ctr"/>
+            <a:r>
+              <a:rPr lang="en-US" sz="1600" dirty="0" smtClean="0"/>
+              <a:t>Solr</a:t>
+            </a:r>
+            <a:endParaRPr lang="en-US" sz="1600" dirty="0"/>
+          </a:p>
+        </p:txBody>
+      </p:sp>
+      <p:cxnSp>
+        <p:nvCxnSpPr>
+          <p:cNvPr id="11" name="Straight Connector 10"/>
+          <p:cNvCxnSpPr/>
+          <p:nvPr/>
+        </p:nvCxnSpPr>
+        <p:spPr>
+          <a:xfrm>
+            <a:off x="1325961" y="2605455"/>
+            <a:ext cx="4332720" cy="0"/>
+          </a:xfrm>
+          <a:prstGeom prst="line">
+            <a:avLst/>
+          </a:prstGeom>
+        </p:spPr>
+        <p:style>
+          <a:lnRef idx="2">
+            <a:schemeClr val="accent1"/>
+          </a:lnRef>
+          <a:fillRef idx="0">
+            <a:schemeClr val="accent1"/>
+          </a:fillRef>
+          <a:effectRef idx="1">
+            <a:schemeClr val="accent1"/>
+          </a:effectRef>
+          <a:fontRef idx="minor">
+            <a:schemeClr val="tx1"/>
+          </a:fontRef>
+        </p:style>
+      </p:cxnSp>
+      <p:sp>
+        <p:nvSpPr>
+          <p:cNvPr id="12" name="Rectangle 11"/>
+          <p:cNvSpPr/>
+          <p:nvPr/>
+        </p:nvSpPr>
+        <p:spPr>
+          <a:xfrm>
+            <a:off x="4295368" y="1417638"/>
+            <a:ext cx="1363313" cy="1066417"/>
+          </a:xfrm>
+          <a:prstGeom prst="rect">
+            <a:avLst/>
+          </a:prstGeom>
+        </p:spPr>
+        <p:style>
+          <a:lnRef idx="1">
+            <a:schemeClr val="accent1"/>
+          </a:lnRef>
+          <a:fillRef idx="3">
+            <a:schemeClr val="accent1"/>
+          </a:fillRef>
+          <a:effectRef idx="2">
+            <a:schemeClr val="accent1"/>
+          </a:effectRef>
+          <a:fontRef idx="minor">
+            <a:schemeClr val="lt1"/>
+          </a:fontRef>
+        </p:style>
+        <p:txBody>
+          <a:bodyPr rtlCol="0" anchor="ctr"/>
+          <a:lstStyle/>
+          <a:p>
+            <a:pPr algn="ctr"/>
+            <a:r>
+              <a:rPr lang="en-US" sz="1600" dirty="0" smtClean="0"/>
+              <a:t>iOS, Android, jQuery Mobile</a:t>
+            </a:r>
+          </a:p>
+        </p:txBody>
+      </p:sp>
+      <p:sp>
+        <p:nvSpPr>
+          <p:cNvPr id="13" name="Rectangle 12"/>
+          <p:cNvSpPr/>
+          <p:nvPr/>
+        </p:nvSpPr>
+        <p:spPr>
+          <a:xfrm>
+            <a:off x="4780932" y="2720502"/>
+            <a:ext cx="877749" cy="1621925"/>
+          </a:xfrm>
+          <a:prstGeom prst="rect">
+            <a:avLst/>
+          </a:prstGeom>
+        </p:spPr>
+        <p:style>
+          <a:lnRef idx="1">
+            <a:schemeClr val="accent1"/>
+          </a:lnRef>
+          <a:fillRef idx="3">
+            <a:schemeClr val="accent1"/>
+          </a:fillRef>
+          <a:effectRef idx="2">
+            <a:schemeClr val="accent1"/>
+          </a:effectRef>
+          <a:fontRef idx="minor">
+            <a:schemeClr val="lt1"/>
+          </a:fontRef>
+        </p:style>
+        <p:txBody>
+          <a:bodyPr vert="vert270" rtlCol="0" anchor="ctr"/>
+          <a:lstStyle/>
+          <a:p>
+            <a:pPr algn="ctr"/>
+            <a:r>
+              <a:rPr lang="en-US" dirty="0" smtClean="0"/>
+              <a:t>Domain Model</a:t>
+            </a:r>
+            <a:endParaRPr lang="en-US" dirty="0"/>
+          </a:p>
+        </p:txBody>
+      </p:sp>
+    </p:spTree>
+    <p:extLst>
+      <p:ext uri="{BB962C8B-B14F-4D97-AF65-F5344CB8AC3E}">
+        <p14:creationId xmlns:p14="http://schemas.microsoft.com/office/powerpoint/2010/main" val="319882495"/>
+      </p:ext>
+    </p:extLst>
+  </p:cSld>
+  <p:clrMapOvr>
+    <a:masterClrMapping/>
+  </p:clrMapOvr>
+  <p:timing>
+    <p:tnLst>
+      <p:par>
+        <p:cTn xmlns:p14="http://schemas.microsoft.com/office/powerpoint/2010/main" id="1" dur="indefinite" restart="never" nodeType="tmRoot"/>
+      </p:par>
+    </p:tnLst>
+  </p:timing>
+</p:sld>
+</file>
+
 <file path=ppt/theme/theme1.xml><?xml version="1.0" encoding="utf-8"?>
 <a:theme xmlns:a="http://schemas.openxmlformats.org/drawingml/2006/main" name="Office Theme">
   <a:themeElements>

--- a/SL_website_components.pptx
+++ b/SL_website_components.pptx
@@ -8,6 +8,7 @@
     <p:sldId id="257" r:id="rId2"/>
     <p:sldId id="258" r:id="rId3"/>
     <p:sldId id="259" r:id="rId4"/>
+    <p:sldId id="260" r:id="rId5"/>
   </p:sldIdLst>
   <p:sldSz cx="9144000" cy="6858000" type="screen4x3"/>
   <p:notesSz cx="6858000" cy="9144000"/>
@@ -1784,43 +1785,43 @@
     </dgm:pt>
   </dgm:ptLst>
   <dgm:cxnLst>
-    <dgm:cxn modelId="{DE342405-6108-1C4B-91B2-230A214F761E}" srcId="{F455E73B-139F-5B4C-B339-D53508984FF3}" destId="{F8AC6589-26B5-DA48-8E39-73845864B478}" srcOrd="0" destOrd="0" parTransId="{F5ED7CAF-3C86-6243-8636-8377907F25CF}" sibTransId="{9C503DC8-7079-DA42-824E-C7F895276D86}"/>
-    <dgm:cxn modelId="{27437533-6A4C-344C-A83F-EAC62C314FE1}" srcId="{B497304B-0EC9-C641-878A-635376A1DC88}" destId="{1DDCE655-072A-CA46-8C79-B81FBF221E88}" srcOrd="2" destOrd="0" parTransId="{9E541773-9C5F-5B4C-B64B-6558FE1FFD4C}" sibTransId="{EAFFAC9A-B74C-CC40-B663-FF1172784467}"/>
+    <dgm:cxn modelId="{BC73F862-567A-4542-986C-7097C420A4F6}" type="presOf" srcId="{84EC724F-CD95-8A47-AD7B-E40ECE29B29C}" destId="{6BF6BCA7-8170-9B46-B85B-2EE60E0EBA22}" srcOrd="0" destOrd="0" presId="urn:microsoft.com/office/officeart/2005/8/layout/chevron1"/>
+    <dgm:cxn modelId="{28C34488-F687-7F48-8FCD-8FB5629A17DE}" type="presOf" srcId="{3FA1105B-56D0-E742-B559-3423FE154781}" destId="{EC592A6F-44B1-8244-B7BE-E21154215D48}" srcOrd="0" destOrd="0" presId="urn:microsoft.com/office/officeart/2005/8/layout/chevron1"/>
+    <dgm:cxn modelId="{BD88610B-83C2-554A-B16B-0CC8CBCD3641}" srcId="{F455E73B-139F-5B4C-B339-D53508984FF3}" destId="{671EDA6E-6736-B447-9A01-111FEA05AE6F}" srcOrd="2" destOrd="0" parTransId="{56305F1A-C5ED-784E-87B0-54030273357F}" sibTransId="{E3612F99-4F16-C341-9440-0362D7B8DB67}"/>
+    <dgm:cxn modelId="{0DF81702-8693-DD47-9DFF-C7FB3F0A0D40}" type="presOf" srcId="{AAF01738-8176-D24E-9E49-953309BD4F92}" destId="{7DFC62E4-E651-4F40-868C-EB54460A2F8C}" srcOrd="0" destOrd="1" presId="urn:microsoft.com/office/officeart/2005/8/layout/chevron1"/>
     <dgm:cxn modelId="{28C87505-83FC-C642-9BA6-B28C71AFAFE7}" srcId="{84EC724F-CD95-8A47-AD7B-E40ECE29B29C}" destId="{5CCF9EF2-717F-1E48-AEF3-99045E9A72A6}" srcOrd="1" destOrd="0" parTransId="{C44D7D03-37CC-8944-AB22-C19942EA80E7}" sibTransId="{7728E7AD-756F-2446-BFE3-0B60C80651D9}"/>
     <dgm:cxn modelId="{F03AA9E4-0010-9942-9B2A-4B50E05BBE98}" srcId="{84EC724F-CD95-8A47-AD7B-E40ECE29B29C}" destId="{E72EECAB-7D2D-CB4B-8DB6-523626A56813}" srcOrd="0" destOrd="0" parTransId="{2E6CC1A7-A852-B747-86BB-1730EA0049E0}" sibTransId="{91A1F862-85B6-FB48-A1BF-875F58AFE334}"/>
-    <dgm:cxn modelId="{28C34488-F687-7F48-8FCD-8FB5629A17DE}" type="presOf" srcId="{3FA1105B-56D0-E742-B559-3423FE154781}" destId="{EC592A6F-44B1-8244-B7BE-E21154215D48}" srcOrd="0" destOrd="0" presId="urn:microsoft.com/office/officeart/2005/8/layout/chevron1"/>
-    <dgm:cxn modelId="{BC73F862-567A-4542-986C-7097C420A4F6}" type="presOf" srcId="{84EC724F-CD95-8A47-AD7B-E40ECE29B29C}" destId="{6BF6BCA7-8170-9B46-B85B-2EE60E0EBA22}" srcOrd="0" destOrd="0" presId="urn:microsoft.com/office/officeart/2005/8/layout/chevron1"/>
-    <dgm:cxn modelId="{3104ACF8-C7B2-E646-9307-509E63564DCE}" type="presOf" srcId="{B497304B-0EC9-C641-878A-635376A1DC88}" destId="{5ABC5531-B6FA-624C-8342-D73DBAC40F1F}" srcOrd="0" destOrd="0" presId="urn:microsoft.com/office/officeart/2005/8/layout/chevron1"/>
-    <dgm:cxn modelId="{59F04D35-4D43-0F49-A0B9-3BD4A902ACCB}" srcId="{3FA1105B-56D0-E742-B559-3423FE154781}" destId="{E78FED39-41C5-1B4A-9C79-C24870FED316}" srcOrd="1" destOrd="0" parTransId="{71A86EC9-0278-0641-832F-052ABDFBB45D}" sibTransId="{0D28240A-695C-1146-8FD1-30FE4A973B53}"/>
-    <dgm:cxn modelId="{91B4C5E6-E78A-1A45-B73A-BDC9382BFD5E}" type="presOf" srcId="{3696EE42-0699-5843-B317-54260231D197}" destId="{7C16100D-7D03-7B47-80B0-D8730883E916}" srcOrd="0" destOrd="0" presId="urn:microsoft.com/office/officeart/2005/8/layout/chevron1"/>
+    <dgm:cxn modelId="{BCB6C379-EA13-EB48-AC42-816FB8E9962E}" type="presOf" srcId="{5CCF9EF2-717F-1E48-AEF3-99045E9A72A6}" destId="{3F0F7C6D-0AC5-AB46-BF90-D57471BE8B55}" srcOrd="0" destOrd="1" presId="urn:microsoft.com/office/officeart/2005/8/layout/chevron1"/>
+    <dgm:cxn modelId="{0E16EEB7-7C9A-404F-93EE-569F5E53271A}" srcId="{3696EE42-0699-5843-B317-54260231D197}" destId="{149B45F3-F4BD-BD49-9230-47834B8837E6}" srcOrd="0" destOrd="0" parTransId="{CCFA6060-31EF-0D43-96E6-385A35E5FB0B}" sibTransId="{E8D73227-72DA-A447-A8B7-EF0B54126978}"/>
     <dgm:cxn modelId="{3F5162CD-1DB9-9547-948B-87C63250F9A9}" type="presOf" srcId="{E78FED39-41C5-1B4A-9C79-C24870FED316}" destId="{2F587FE5-A5FC-D54E-A534-D04AAED85470}" srcOrd="0" destOrd="1" presId="urn:microsoft.com/office/officeart/2005/8/layout/chevron1"/>
     <dgm:cxn modelId="{EB4010C5-6164-DC4A-BDE8-13135CBD5981}" type="presOf" srcId="{F455E73B-139F-5B4C-B339-D53508984FF3}" destId="{4E8F90C4-0AFD-BA4A-8721-D710906AC62E}" srcOrd="0" destOrd="0" presId="urn:microsoft.com/office/officeart/2005/8/layout/chevron1"/>
     <dgm:cxn modelId="{4BB5B9E3-A0AD-0D46-9B53-6F2EF728A0BE}" srcId="{F455E73B-139F-5B4C-B339-D53508984FF3}" destId="{AAF01738-8176-D24E-9E49-953309BD4F92}" srcOrd="1" destOrd="0" parTransId="{2B561B21-0C85-C644-9513-738BF49AF334}" sibTransId="{2101BD5F-A817-9447-AA4F-F4CD3EE95FF0}"/>
+    <dgm:cxn modelId="{59F04D35-4D43-0F49-A0B9-3BD4A902ACCB}" srcId="{3FA1105B-56D0-E742-B559-3423FE154781}" destId="{E78FED39-41C5-1B4A-9C79-C24870FED316}" srcOrd="1" destOrd="0" parTransId="{71A86EC9-0278-0641-832F-052ABDFBB45D}" sibTransId="{0D28240A-695C-1146-8FD1-30FE4A973B53}"/>
+    <dgm:cxn modelId="{EE8516CC-D3EF-7A41-A9E3-703B74F1EE01}" srcId="{7A57F91B-C114-8B4E-86B0-505DD9ED1F5A}" destId="{B497304B-0EC9-C641-878A-635376A1DC88}" srcOrd="4" destOrd="0" parTransId="{E2CD0753-C669-9243-AB50-EB59323609C4}" sibTransId="{6D25F3CB-D3D1-AE49-9AD6-A8D2551A1BF9}"/>
+    <dgm:cxn modelId="{F3D2BC01-9442-5449-B74A-83C88CCDA118}" type="presOf" srcId="{E72EECAB-7D2D-CB4B-8DB6-523626A56813}" destId="{3F0F7C6D-0AC5-AB46-BF90-D57471BE8B55}" srcOrd="0" destOrd="0" presId="urn:microsoft.com/office/officeart/2005/8/layout/chevron1"/>
+    <dgm:cxn modelId="{27437533-6A4C-344C-A83F-EAC62C314FE1}" srcId="{B497304B-0EC9-C641-878A-635376A1DC88}" destId="{1DDCE655-072A-CA46-8C79-B81FBF221E88}" srcOrd="2" destOrd="0" parTransId="{9E541773-9C5F-5B4C-B64B-6558FE1FFD4C}" sibTransId="{EAFFAC9A-B74C-CC40-B663-FF1172784467}"/>
+    <dgm:cxn modelId="{743EBC90-0CD7-2D4A-9427-84D8F0FCD55E}" type="presOf" srcId="{671EDA6E-6736-B447-9A01-111FEA05AE6F}" destId="{7DFC62E4-E651-4F40-868C-EB54460A2F8C}" srcOrd="0" destOrd="2" presId="urn:microsoft.com/office/officeart/2005/8/layout/chevron1"/>
+    <dgm:cxn modelId="{0FDAFD2B-A48A-F844-8F2B-D902F986BD6B}" srcId="{7A57F91B-C114-8B4E-86B0-505DD9ED1F5A}" destId="{3FA1105B-56D0-E742-B559-3423FE154781}" srcOrd="5" destOrd="0" parTransId="{4343CE6F-96DF-D34C-B653-DCFAF56D9B91}" sibTransId="{5EF50988-4361-FB43-AD3B-8802A7763BB9}"/>
+    <dgm:cxn modelId="{1D824A16-B5CE-F442-BF42-CC0B6C032613}" type="presOf" srcId="{4A74C196-E0CB-1249-B4E9-31D880902150}" destId="{0DE361F5-0520-2540-9FC8-4E0CB397F72A}" srcOrd="0" destOrd="0" presId="urn:microsoft.com/office/officeart/2005/8/layout/chevron1"/>
+    <dgm:cxn modelId="{DD611928-440D-9C4B-8AAE-8F0B17483AB8}" srcId="{7A57F91B-C114-8B4E-86B0-505DD9ED1F5A}" destId="{4A74C196-E0CB-1249-B4E9-31D880902150}" srcOrd="0" destOrd="0" parTransId="{E1750942-93A4-7D4F-B907-5E9CAE950694}" sibTransId="{4110B16D-A48B-6F4E-BA79-244FDB8EBC24}"/>
+    <dgm:cxn modelId="{2B2CE414-CAEE-4140-BFF5-5D352478002A}" type="presOf" srcId="{68EF91FD-6D20-EC4E-94B8-6B157AAC0116}" destId="{8887EB1A-C2E2-3D48-B5DB-9F1B6E37194E}" srcOrd="0" destOrd="1" presId="urn:microsoft.com/office/officeart/2005/8/layout/chevron1"/>
+    <dgm:cxn modelId="{E98BE5B1-30A6-1145-8D2F-5BFF1A9A1A00}" type="presOf" srcId="{F8AC6589-26B5-DA48-8E39-73845864B478}" destId="{7DFC62E4-E651-4F40-868C-EB54460A2F8C}" srcOrd="0" destOrd="0" presId="urn:microsoft.com/office/officeart/2005/8/layout/chevron1"/>
+    <dgm:cxn modelId="{24C71B9F-914C-3C4D-91F2-11D5276C9F4D}" type="presOf" srcId="{1DDCE655-072A-CA46-8C79-B81FBF221E88}" destId="{46E28B06-E90D-394A-BC19-3F215570B9DD}" srcOrd="0" destOrd="2" presId="urn:microsoft.com/office/officeart/2005/8/layout/chevron1"/>
+    <dgm:cxn modelId="{DE342405-6108-1C4B-91B2-230A214F761E}" srcId="{F455E73B-139F-5B4C-B339-D53508984FF3}" destId="{F8AC6589-26B5-DA48-8E39-73845864B478}" srcOrd="0" destOrd="0" parTransId="{F5ED7CAF-3C86-6243-8636-8377907F25CF}" sibTransId="{9C503DC8-7079-DA42-824E-C7F895276D86}"/>
+    <dgm:cxn modelId="{B4776EC2-37DF-FC46-B6CC-2030B7D6F4FA}" type="presOf" srcId="{7AF78604-2FF9-7A42-99C8-DCF0966BF795}" destId="{2F587FE5-A5FC-D54E-A534-D04AAED85470}" srcOrd="0" destOrd="0" presId="urn:microsoft.com/office/officeart/2005/8/layout/chevron1"/>
+    <dgm:cxn modelId="{3B1D797C-95C3-F44C-98AA-F1BA5422A5DA}" type="presOf" srcId="{7A57F91B-C114-8B4E-86B0-505DD9ED1F5A}" destId="{D2552DFF-6A88-8C4B-A337-5464BEB40A8D}" srcOrd="0" destOrd="0" presId="urn:microsoft.com/office/officeart/2005/8/layout/chevron1"/>
+    <dgm:cxn modelId="{6EB933D0-D521-6545-B383-51A82D1BF565}" type="presOf" srcId="{AD2FACD8-51B8-194A-9DFA-BB7B3CA220D3}" destId="{46E28B06-E90D-394A-BC19-3F215570B9DD}" srcOrd="0" destOrd="1" presId="urn:microsoft.com/office/officeart/2005/8/layout/chevron1"/>
+    <dgm:cxn modelId="{119D518A-F2B7-D24E-B8F9-FAC83CAA2AF8}" type="presOf" srcId="{149B45F3-F4BD-BD49-9230-47834B8837E6}" destId="{8887EB1A-C2E2-3D48-B5DB-9F1B6E37194E}" srcOrd="0" destOrd="0" presId="urn:microsoft.com/office/officeart/2005/8/layout/chevron1"/>
+    <dgm:cxn modelId="{707666A5-A598-A74B-976B-F01E6086B85B}" srcId="{7A57F91B-C114-8B4E-86B0-505DD9ED1F5A}" destId="{84EC724F-CD95-8A47-AD7B-E40ECE29B29C}" srcOrd="2" destOrd="0" parTransId="{73245F63-1FF5-5D4D-B103-E5FB4C6B96E2}" sibTransId="{CF37BA28-51CB-4B4C-ADB2-B56158860883}"/>
+    <dgm:cxn modelId="{91B4C5E6-E78A-1A45-B73A-BDC9382BFD5E}" type="presOf" srcId="{3696EE42-0699-5843-B317-54260231D197}" destId="{7C16100D-7D03-7B47-80B0-D8730883E916}" srcOrd="0" destOrd="0" presId="urn:microsoft.com/office/officeart/2005/8/layout/chevron1"/>
+    <dgm:cxn modelId="{281335DD-1C0C-6348-9D6D-EAC0AE110E8A}" type="presOf" srcId="{F074EDA9-7961-9341-94F4-2C8A448D4304}" destId="{46E28B06-E90D-394A-BC19-3F215570B9DD}" srcOrd="0" destOrd="0" presId="urn:microsoft.com/office/officeart/2005/8/layout/chevron1"/>
+    <dgm:cxn modelId="{016F4BC6-4E7D-024B-B2E3-D1C8953222EB}" srcId="{3696EE42-0699-5843-B317-54260231D197}" destId="{68EF91FD-6D20-EC4E-94B8-6B157AAC0116}" srcOrd="1" destOrd="0" parTransId="{666B0721-335C-974B-873B-DF4D42244A8C}" sibTransId="{1D4D69E8-A37A-D049-B8E5-97D15112A038}"/>
     <dgm:cxn modelId="{8B8B1ABD-6B7B-744C-9882-08C32F753AD1}" srcId="{7A57F91B-C114-8B4E-86B0-505DD9ED1F5A}" destId="{3696EE42-0699-5843-B317-54260231D197}" srcOrd="3" destOrd="0" parTransId="{0FFA1B8D-030F-9C47-BE23-2735147E75B5}" sibTransId="{7E24CA96-C115-514B-881D-5FECEDE39366}"/>
-    <dgm:cxn modelId="{E98BE5B1-30A6-1145-8D2F-5BFF1A9A1A00}" type="presOf" srcId="{F8AC6589-26B5-DA48-8E39-73845864B478}" destId="{7DFC62E4-E651-4F40-868C-EB54460A2F8C}" srcOrd="0" destOrd="0" presId="urn:microsoft.com/office/officeart/2005/8/layout/chevron1"/>
-    <dgm:cxn modelId="{281335DD-1C0C-6348-9D6D-EAC0AE110E8A}" type="presOf" srcId="{F074EDA9-7961-9341-94F4-2C8A448D4304}" destId="{46E28B06-E90D-394A-BC19-3F215570B9DD}" srcOrd="0" destOrd="0" presId="urn:microsoft.com/office/officeart/2005/8/layout/chevron1"/>
+    <dgm:cxn modelId="{53C3307B-6F59-0C48-8AA6-80EE40A5DD77}" srcId="{B497304B-0EC9-C641-878A-635376A1DC88}" destId="{F074EDA9-7961-9341-94F4-2C8A448D4304}" srcOrd="0" destOrd="0" parTransId="{E3107CCF-9FBA-A849-9EEC-1FF1E43C56AD}" sibTransId="{11C6DF21-FC58-6147-87DF-2B1CC4183C4A}"/>
+    <dgm:cxn modelId="{3104ACF8-C7B2-E646-9307-509E63564DCE}" type="presOf" srcId="{B497304B-0EC9-C641-878A-635376A1DC88}" destId="{5ABC5531-B6FA-624C-8342-D73DBAC40F1F}" srcOrd="0" destOrd="0" presId="urn:microsoft.com/office/officeart/2005/8/layout/chevron1"/>
+    <dgm:cxn modelId="{3054953F-6410-7642-8638-3EF7007D4515}" srcId="{3FA1105B-56D0-E742-B559-3423FE154781}" destId="{7AF78604-2FF9-7A42-99C8-DCF0966BF795}" srcOrd="0" destOrd="0" parTransId="{270D2051-8376-2C42-BC29-A2EBB395EC43}" sibTransId="{D5AD0D8B-FC5D-104F-9E86-D81E5CEBDEA3}"/>
+    <dgm:cxn modelId="{5CC9A1C7-2DE8-254A-8FCB-EB6EEC98F310}" srcId="{B497304B-0EC9-C641-878A-635376A1DC88}" destId="{AD2FACD8-51B8-194A-9DFA-BB7B3CA220D3}" srcOrd="1" destOrd="0" parTransId="{E7A017B2-CE99-0745-80EA-956548E1D6BF}" sibTransId="{8C2615CD-4925-A444-9F76-4C0AD254542F}"/>
     <dgm:cxn modelId="{F78D21E7-9EE7-F94E-9D7C-9DFE4F159838}" srcId="{7A57F91B-C114-8B4E-86B0-505DD9ED1F5A}" destId="{F455E73B-139F-5B4C-B339-D53508984FF3}" srcOrd="1" destOrd="0" parTransId="{F4541FD7-6E3C-3443-B621-FD7409CA5CAA}" sibTransId="{00230CA9-4B0B-B242-8D20-545200546735}"/>
-    <dgm:cxn modelId="{5CC9A1C7-2DE8-254A-8FCB-EB6EEC98F310}" srcId="{B497304B-0EC9-C641-878A-635376A1DC88}" destId="{AD2FACD8-51B8-194A-9DFA-BB7B3CA220D3}" srcOrd="1" destOrd="0" parTransId="{E7A017B2-CE99-0745-80EA-956548E1D6BF}" sibTransId="{8C2615CD-4925-A444-9F76-4C0AD254542F}"/>
-    <dgm:cxn modelId="{BD88610B-83C2-554A-B16B-0CC8CBCD3641}" srcId="{F455E73B-139F-5B4C-B339-D53508984FF3}" destId="{671EDA6E-6736-B447-9A01-111FEA05AE6F}" srcOrd="2" destOrd="0" parTransId="{56305F1A-C5ED-784E-87B0-54030273357F}" sibTransId="{E3612F99-4F16-C341-9440-0362D7B8DB67}"/>
-    <dgm:cxn modelId="{EE8516CC-D3EF-7A41-A9E3-703B74F1EE01}" srcId="{7A57F91B-C114-8B4E-86B0-505DD9ED1F5A}" destId="{B497304B-0EC9-C641-878A-635376A1DC88}" srcOrd="4" destOrd="0" parTransId="{E2CD0753-C669-9243-AB50-EB59323609C4}" sibTransId="{6D25F3CB-D3D1-AE49-9AD6-A8D2551A1BF9}"/>
-    <dgm:cxn modelId="{53C3307B-6F59-0C48-8AA6-80EE40A5DD77}" srcId="{B497304B-0EC9-C641-878A-635376A1DC88}" destId="{F074EDA9-7961-9341-94F4-2C8A448D4304}" srcOrd="0" destOrd="0" parTransId="{E3107CCF-9FBA-A849-9EEC-1FF1E43C56AD}" sibTransId="{11C6DF21-FC58-6147-87DF-2B1CC4183C4A}"/>
-    <dgm:cxn modelId="{24C71B9F-914C-3C4D-91F2-11D5276C9F4D}" type="presOf" srcId="{1DDCE655-072A-CA46-8C79-B81FBF221E88}" destId="{46E28B06-E90D-394A-BC19-3F215570B9DD}" srcOrd="0" destOrd="2" presId="urn:microsoft.com/office/officeart/2005/8/layout/chevron1"/>
-    <dgm:cxn modelId="{0DF81702-8693-DD47-9DFF-C7FB3F0A0D40}" type="presOf" srcId="{AAF01738-8176-D24E-9E49-953309BD4F92}" destId="{7DFC62E4-E651-4F40-868C-EB54460A2F8C}" srcOrd="0" destOrd="1" presId="urn:microsoft.com/office/officeart/2005/8/layout/chevron1"/>
-    <dgm:cxn modelId="{2B2CE414-CAEE-4140-BFF5-5D352478002A}" type="presOf" srcId="{68EF91FD-6D20-EC4E-94B8-6B157AAC0116}" destId="{8887EB1A-C2E2-3D48-B5DB-9F1B6E37194E}" srcOrd="0" destOrd="1" presId="urn:microsoft.com/office/officeart/2005/8/layout/chevron1"/>
-    <dgm:cxn modelId="{016F4BC6-4E7D-024B-B2E3-D1C8953222EB}" srcId="{3696EE42-0699-5843-B317-54260231D197}" destId="{68EF91FD-6D20-EC4E-94B8-6B157AAC0116}" srcOrd="1" destOrd="0" parTransId="{666B0721-335C-974B-873B-DF4D42244A8C}" sibTransId="{1D4D69E8-A37A-D049-B8E5-97D15112A038}"/>
-    <dgm:cxn modelId="{0E16EEB7-7C9A-404F-93EE-569F5E53271A}" srcId="{3696EE42-0699-5843-B317-54260231D197}" destId="{149B45F3-F4BD-BD49-9230-47834B8837E6}" srcOrd="0" destOrd="0" parTransId="{CCFA6060-31EF-0D43-96E6-385A35E5FB0B}" sibTransId="{E8D73227-72DA-A447-A8B7-EF0B54126978}"/>
-    <dgm:cxn modelId="{DD611928-440D-9C4B-8AAE-8F0B17483AB8}" srcId="{7A57F91B-C114-8B4E-86B0-505DD9ED1F5A}" destId="{4A74C196-E0CB-1249-B4E9-31D880902150}" srcOrd="0" destOrd="0" parTransId="{E1750942-93A4-7D4F-B907-5E9CAE950694}" sibTransId="{4110B16D-A48B-6F4E-BA79-244FDB8EBC24}"/>
-    <dgm:cxn modelId="{119D518A-F2B7-D24E-B8F9-FAC83CAA2AF8}" type="presOf" srcId="{149B45F3-F4BD-BD49-9230-47834B8837E6}" destId="{8887EB1A-C2E2-3D48-B5DB-9F1B6E37194E}" srcOrd="0" destOrd="0" presId="urn:microsoft.com/office/officeart/2005/8/layout/chevron1"/>
-    <dgm:cxn modelId="{3B1D797C-95C3-F44C-98AA-F1BA5422A5DA}" type="presOf" srcId="{7A57F91B-C114-8B4E-86B0-505DD9ED1F5A}" destId="{D2552DFF-6A88-8C4B-A337-5464BEB40A8D}" srcOrd="0" destOrd="0" presId="urn:microsoft.com/office/officeart/2005/8/layout/chevron1"/>
-    <dgm:cxn modelId="{BCB6C379-EA13-EB48-AC42-816FB8E9962E}" type="presOf" srcId="{5CCF9EF2-717F-1E48-AEF3-99045E9A72A6}" destId="{3F0F7C6D-0AC5-AB46-BF90-D57471BE8B55}" srcOrd="0" destOrd="1" presId="urn:microsoft.com/office/officeart/2005/8/layout/chevron1"/>
-    <dgm:cxn modelId="{6EB933D0-D521-6545-B383-51A82D1BF565}" type="presOf" srcId="{AD2FACD8-51B8-194A-9DFA-BB7B3CA220D3}" destId="{46E28B06-E90D-394A-BC19-3F215570B9DD}" srcOrd="0" destOrd="1" presId="urn:microsoft.com/office/officeart/2005/8/layout/chevron1"/>
-    <dgm:cxn modelId="{F3D2BC01-9442-5449-B74A-83C88CCDA118}" type="presOf" srcId="{E72EECAB-7D2D-CB4B-8DB6-523626A56813}" destId="{3F0F7C6D-0AC5-AB46-BF90-D57471BE8B55}" srcOrd="0" destOrd="0" presId="urn:microsoft.com/office/officeart/2005/8/layout/chevron1"/>
-    <dgm:cxn modelId="{743EBC90-0CD7-2D4A-9427-84D8F0FCD55E}" type="presOf" srcId="{671EDA6E-6736-B447-9A01-111FEA05AE6F}" destId="{7DFC62E4-E651-4F40-868C-EB54460A2F8C}" srcOrd="0" destOrd="2" presId="urn:microsoft.com/office/officeart/2005/8/layout/chevron1"/>
-    <dgm:cxn modelId="{B4776EC2-37DF-FC46-B6CC-2030B7D6F4FA}" type="presOf" srcId="{7AF78604-2FF9-7A42-99C8-DCF0966BF795}" destId="{2F587FE5-A5FC-D54E-A534-D04AAED85470}" srcOrd="0" destOrd="0" presId="urn:microsoft.com/office/officeart/2005/8/layout/chevron1"/>
-    <dgm:cxn modelId="{0FDAFD2B-A48A-F844-8F2B-D902F986BD6B}" srcId="{7A57F91B-C114-8B4E-86B0-505DD9ED1F5A}" destId="{3FA1105B-56D0-E742-B559-3423FE154781}" srcOrd="5" destOrd="0" parTransId="{4343CE6F-96DF-D34C-B653-DCFAF56D9B91}" sibTransId="{5EF50988-4361-FB43-AD3B-8802A7763BB9}"/>
-    <dgm:cxn modelId="{3054953F-6410-7642-8638-3EF7007D4515}" srcId="{3FA1105B-56D0-E742-B559-3423FE154781}" destId="{7AF78604-2FF9-7A42-99C8-DCF0966BF795}" srcOrd="0" destOrd="0" parTransId="{270D2051-8376-2C42-BC29-A2EBB395EC43}" sibTransId="{D5AD0D8B-FC5D-104F-9E86-D81E5CEBDEA3}"/>
-    <dgm:cxn modelId="{707666A5-A598-A74B-976B-F01E6086B85B}" srcId="{7A57F91B-C114-8B4E-86B0-505DD9ED1F5A}" destId="{84EC724F-CD95-8A47-AD7B-E40ECE29B29C}" srcOrd="2" destOrd="0" parTransId="{73245F63-1FF5-5D4D-B103-E5FB4C6B96E2}" sibTransId="{CF37BA28-51CB-4B4C-ADB2-B56158860883}"/>
-    <dgm:cxn modelId="{1D824A16-B5CE-F442-BF42-CC0B6C032613}" type="presOf" srcId="{4A74C196-E0CB-1249-B4E9-31D880902150}" destId="{0DE361F5-0520-2540-9FC8-4E0CB397F72A}" srcOrd="0" destOrd="0" presId="urn:microsoft.com/office/officeart/2005/8/layout/chevron1"/>
     <dgm:cxn modelId="{1447E255-E407-C044-A4B4-B964FB9B2AE9}" type="presParOf" srcId="{D2552DFF-6A88-8C4B-A337-5464BEB40A8D}" destId="{21CC8539-DA6C-B847-828E-205D32DDE42E}" srcOrd="0" destOrd="0" presId="urn:microsoft.com/office/officeart/2005/8/layout/chevron1"/>
     <dgm:cxn modelId="{F373CC96-3037-FA49-BEB4-FBDC15CC512B}" type="presParOf" srcId="{21CC8539-DA6C-B847-828E-205D32DDE42E}" destId="{0DE361F5-0520-2540-9FC8-4E0CB397F72A}" srcOrd="0" destOrd="0" presId="urn:microsoft.com/office/officeart/2005/8/layout/chevron1"/>
     <dgm:cxn modelId="{ACDD1215-5E0E-7648-8DF0-FCADF3424CF0}" type="presParOf" srcId="{21CC8539-DA6C-B847-828E-205D32DDE42E}" destId="{06BC75EC-62A1-9649-ADDE-8C5F6EC71E50}" srcOrd="1" destOrd="0" presId="urn:microsoft.com/office/officeart/2005/8/layout/chevron1"/>
@@ -4433,7 +4434,7 @@
           <a:p>
             <a:fld id="{42C8FD29-FE79-F342-B3A1-DE230763DD95}" type="datetimeFigureOut">
               <a:rPr lang="en-US" smtClean="0"/>
-              <a:t>10/31/12</a:t>
+              <a:t>11/13/12</a:t>
             </a:fld>
             <a:endParaRPr lang="en-US"/>
           </a:p>
@@ -4603,7 +4604,7 @@
           <a:p>
             <a:fld id="{42C8FD29-FE79-F342-B3A1-DE230763DD95}" type="datetimeFigureOut">
               <a:rPr lang="en-US" smtClean="0"/>
-              <a:t>10/31/12</a:t>
+              <a:t>11/13/12</a:t>
             </a:fld>
             <a:endParaRPr lang="en-US"/>
           </a:p>
@@ -4783,7 +4784,7 @@
           <a:p>
             <a:fld id="{42C8FD29-FE79-F342-B3A1-DE230763DD95}" type="datetimeFigureOut">
               <a:rPr lang="en-US" smtClean="0"/>
-              <a:t>10/31/12</a:t>
+              <a:t>11/13/12</a:t>
             </a:fld>
             <a:endParaRPr lang="en-US"/>
           </a:p>
@@ -4953,7 +4954,7 @@
           <a:p>
             <a:fld id="{42C8FD29-FE79-F342-B3A1-DE230763DD95}" type="datetimeFigureOut">
               <a:rPr lang="en-US" smtClean="0"/>
-              <a:t>10/31/12</a:t>
+              <a:t>11/13/12</a:t>
             </a:fld>
             <a:endParaRPr lang="en-US"/>
           </a:p>
@@ -5199,7 +5200,7 @@
           <a:p>
             <a:fld id="{42C8FD29-FE79-F342-B3A1-DE230763DD95}" type="datetimeFigureOut">
               <a:rPr lang="en-US" smtClean="0"/>
-              <a:t>10/31/12</a:t>
+              <a:t>11/13/12</a:t>
             </a:fld>
             <a:endParaRPr lang="en-US"/>
           </a:p>
@@ -5487,7 +5488,7 @@
           <a:p>
             <a:fld id="{42C8FD29-FE79-F342-B3A1-DE230763DD95}" type="datetimeFigureOut">
               <a:rPr lang="en-US" smtClean="0"/>
-              <a:t>10/31/12</a:t>
+              <a:t>11/13/12</a:t>
             </a:fld>
             <a:endParaRPr lang="en-US"/>
           </a:p>
@@ -5909,7 +5910,7 @@
           <a:p>
             <a:fld id="{42C8FD29-FE79-F342-B3A1-DE230763DD95}" type="datetimeFigureOut">
               <a:rPr lang="en-US" smtClean="0"/>
-              <a:t>10/31/12</a:t>
+              <a:t>11/13/12</a:t>
             </a:fld>
             <a:endParaRPr lang="en-US"/>
           </a:p>
@@ -6027,7 +6028,7 @@
           <a:p>
             <a:fld id="{42C8FD29-FE79-F342-B3A1-DE230763DD95}" type="datetimeFigureOut">
               <a:rPr lang="en-US" smtClean="0"/>
-              <a:t>10/31/12</a:t>
+              <a:t>11/13/12</a:t>
             </a:fld>
             <a:endParaRPr lang="en-US"/>
           </a:p>
@@ -6122,7 +6123,7 @@
           <a:p>
             <a:fld id="{42C8FD29-FE79-F342-B3A1-DE230763DD95}" type="datetimeFigureOut">
               <a:rPr lang="en-US" smtClean="0"/>
-              <a:t>10/31/12</a:t>
+              <a:t>11/13/12</a:t>
             </a:fld>
             <a:endParaRPr lang="en-US"/>
           </a:p>
@@ -6399,7 +6400,7 @@
           <a:p>
             <a:fld id="{42C8FD29-FE79-F342-B3A1-DE230763DD95}" type="datetimeFigureOut">
               <a:rPr lang="en-US" smtClean="0"/>
-              <a:t>10/31/12</a:t>
+              <a:t>11/13/12</a:t>
             </a:fld>
             <a:endParaRPr lang="en-US"/>
           </a:p>
@@ -6652,7 +6653,7 @@
           <a:p>
             <a:fld id="{42C8FD29-FE79-F342-B3A1-DE230763DD95}" type="datetimeFigureOut">
               <a:rPr lang="en-US" smtClean="0"/>
-              <a:t>10/31/12</a:t>
+              <a:t>11/13/12</a:t>
             </a:fld>
             <a:endParaRPr lang="en-US"/>
           </a:p>
@@ -6865,7 +6866,7 @@
           <a:p>
             <a:fld id="{42C8FD29-FE79-F342-B3A1-DE230763DD95}" type="datetimeFigureOut">
               <a:rPr lang="en-US" smtClean="0"/>
-              <a:t>10/31/12</a:t>
+              <a:t>11/13/12</a:t>
             </a:fld>
             <a:endParaRPr lang="en-US"/>
           </a:p>
@@ -7891,6 +7892,1145 @@
 </p:sld>
 </file>
 
+<file path=ppt/slides/slide4.xml><?xml version="1.0" encoding="utf-8"?>
+<p:sld xmlns:a="http://schemas.openxmlformats.org/drawingml/2006/main" xmlns:r="http://schemas.openxmlformats.org/officeDocument/2006/relationships" xmlns:p="http://schemas.openxmlformats.org/presentationml/2006/main">
+  <p:cSld>
+    <p:spTree>
+      <p:nvGrpSpPr>
+        <p:cNvPr id="1" name=""/>
+        <p:cNvGrpSpPr/>
+        <p:nvPr/>
+      </p:nvGrpSpPr>
+      <p:grpSpPr>
+        <a:xfrm>
+          <a:off x="0" y="0"/>
+          <a:ext cx="0" cy="0"/>
+          <a:chOff x="0" y="0"/>
+          <a:chExt cx="0" cy="0"/>
+        </a:xfrm>
+      </p:grpSpPr>
+      <p:sp>
+        <p:nvSpPr>
+          <p:cNvPr id="10" name="Rectangle 9"/>
+          <p:cNvSpPr/>
+          <p:nvPr/>
+        </p:nvSpPr>
+        <p:spPr>
+          <a:xfrm>
+            <a:off x="181434" y="941239"/>
+            <a:ext cx="8663483" cy="3923717"/>
+          </a:xfrm>
+          <a:prstGeom prst="rect">
+            <a:avLst/>
+          </a:prstGeom>
+          <a:solidFill>
+            <a:srgbClr val="CC9933">
+              <a:alpha val="26000"/>
+            </a:srgbClr>
+          </a:solidFill>
+        </p:spPr>
+        <p:style>
+          <a:lnRef idx="1">
+            <a:schemeClr val="accent1"/>
+          </a:lnRef>
+          <a:fillRef idx="3">
+            <a:schemeClr val="accent1"/>
+          </a:fillRef>
+          <a:effectRef idx="2">
+            <a:schemeClr val="accent1"/>
+          </a:effectRef>
+          <a:fontRef idx="minor">
+            <a:schemeClr val="lt1"/>
+          </a:fontRef>
+        </p:style>
+        <p:txBody>
+          <a:bodyPr rtlCol="0" anchor="ctr"/>
+          <a:lstStyle/>
+          <a:p>
+            <a:pPr algn="ctr"/>
+            <a:endParaRPr lang="en-US"/>
+          </a:p>
+        </p:txBody>
+      </p:sp>
+      <p:sp>
+        <p:nvSpPr>
+          <p:cNvPr id="4" name="Rectangle 3"/>
+          <p:cNvSpPr/>
+          <p:nvPr/>
+        </p:nvSpPr>
+        <p:spPr>
+          <a:xfrm>
+            <a:off x="464929" y="2528870"/>
+            <a:ext cx="782435" cy="691753"/>
+          </a:xfrm>
+          <a:prstGeom prst="rect">
+            <a:avLst/>
+          </a:prstGeom>
+          <a:solidFill>
+            <a:schemeClr val="bg2">
+              <a:lumMod val="50000"/>
+              <a:alpha val="26000"/>
+            </a:schemeClr>
+          </a:solidFill>
+        </p:spPr>
+        <p:style>
+          <a:lnRef idx="1">
+            <a:schemeClr val="accent1"/>
+          </a:lnRef>
+          <a:fillRef idx="3">
+            <a:schemeClr val="accent1"/>
+          </a:fillRef>
+          <a:effectRef idx="2">
+            <a:schemeClr val="accent1"/>
+          </a:effectRef>
+          <a:fontRef idx="minor">
+            <a:schemeClr val="lt1"/>
+          </a:fontRef>
+        </p:style>
+        <p:txBody>
+          <a:bodyPr rtlCol="0" anchor="ctr"/>
+          <a:lstStyle/>
+          <a:p>
+            <a:pPr algn="ctr"/>
+            <a:r>
+              <a:rPr lang="en-US" dirty="0" smtClean="0">
+                <a:solidFill>
+                  <a:schemeClr val="tx1"/>
+                </a:solidFill>
+              </a:rPr>
+              <a:t>Today</a:t>
+            </a:r>
+            <a:endParaRPr lang="en-US" dirty="0">
+              <a:solidFill>
+                <a:schemeClr val="tx1"/>
+              </a:solidFill>
+            </a:endParaRPr>
+          </a:p>
+        </p:txBody>
+      </p:sp>
+      <p:sp>
+        <p:nvSpPr>
+          <p:cNvPr id="7" name="TextBox 6"/>
+          <p:cNvSpPr txBox="1"/>
+          <p:nvPr/>
+        </p:nvSpPr>
+        <p:spPr>
+          <a:xfrm>
+            <a:off x="2143192" y="2635827"/>
+            <a:ext cx="1256098" cy="369332"/>
+          </a:xfrm>
+          <a:prstGeom prst="rect">
+            <a:avLst/>
+          </a:prstGeom>
+          <a:noFill/>
+        </p:spPr>
+        <p:txBody>
+          <a:bodyPr wrap="none" rtlCol="0">
+            <a:spAutoFit/>
+          </a:bodyPr>
+          <a:lstStyle/>
+          <a:p>
+            <a:r>
+              <a:rPr lang="en-US" dirty="0" smtClean="0"/>
+              <a:t>CTO Search</a:t>
+            </a:r>
+            <a:endParaRPr lang="en-US" dirty="0"/>
+          </a:p>
+        </p:txBody>
+      </p:sp>
+      <p:pic>
+        <p:nvPicPr>
+          <p:cNvPr id="12" name="Picture 11" descr="map-31589_640.png"/>
+          <p:cNvPicPr>
+            <a:picLocks noChangeAspect="1"/>
+          </p:cNvPicPr>
+          <p:nvPr/>
+        </p:nvPicPr>
+        <p:blipFill>
+          <a:blip r:embed="rId2">
+            <a:extLst>
+              <a:ext uri="{28A0092B-C50C-407E-A947-70E740481C1C}">
+                <a14:useLocalDpi xmlns:a14="http://schemas.microsoft.com/office/drawing/2010/main" val="0"/>
+              </a:ext>
+            </a:extLst>
+          </a:blip>
+          <a:stretch>
+            <a:fillRect/>
+          </a:stretch>
+        </p:blipFill>
+        <p:spPr>
+          <a:xfrm>
+            <a:off x="1994809" y="1567487"/>
+            <a:ext cx="1762211" cy="1068340"/>
+          </a:xfrm>
+          <a:prstGeom prst="rect">
+            <a:avLst/>
+          </a:prstGeom>
+        </p:spPr>
+      </p:pic>
+      <p:pic>
+        <p:nvPicPr>
+          <p:cNvPr id="13" name="Picture 12" descr="map-31589_640.png"/>
+          <p:cNvPicPr>
+            <a:picLocks noChangeAspect="1"/>
+          </p:cNvPicPr>
+          <p:nvPr/>
+        </p:nvPicPr>
+        <p:blipFill>
+          <a:blip r:embed="rId2">
+            <a:extLst>
+              <a:ext uri="{28A0092B-C50C-407E-A947-70E740481C1C}">
+                <a14:useLocalDpi xmlns:a14="http://schemas.microsoft.com/office/drawing/2010/main" val="0"/>
+              </a:ext>
+            </a:extLst>
+          </a:blip>
+          <a:stretch>
+            <a:fillRect/>
+          </a:stretch>
+        </p:blipFill>
+        <p:spPr>
+          <a:xfrm>
+            <a:off x="3541984" y="2899271"/>
+            <a:ext cx="1762211" cy="1068340"/>
+          </a:xfrm>
+          <a:prstGeom prst="rect">
+            <a:avLst/>
+          </a:prstGeom>
+        </p:spPr>
+      </p:pic>
+      <p:sp>
+        <p:nvSpPr>
+          <p:cNvPr id="14" name="TextBox 13"/>
+          <p:cNvSpPr txBox="1"/>
+          <p:nvPr/>
+        </p:nvSpPr>
+        <p:spPr>
+          <a:xfrm>
+            <a:off x="3511307" y="3967611"/>
+            <a:ext cx="2031325" cy="646331"/>
+          </a:xfrm>
+          <a:prstGeom prst="rect">
+            <a:avLst/>
+          </a:prstGeom>
+          <a:noFill/>
+        </p:spPr>
+        <p:txBody>
+          <a:bodyPr wrap="none" rtlCol="0">
+            <a:spAutoFit/>
+          </a:bodyPr>
+          <a:lstStyle/>
+          <a:p>
+            <a:pPr algn="ctr"/>
+            <a:r>
+              <a:rPr lang="en-US" dirty="0" smtClean="0"/>
+              <a:t>Flexible Technology</a:t>
+            </a:r>
+          </a:p>
+          <a:p>
+            <a:pPr algn="ctr"/>
+            <a:r>
+              <a:rPr lang="en-US" dirty="0" smtClean="0"/>
+              <a:t>Platform</a:t>
+            </a:r>
+            <a:endParaRPr lang="en-US" dirty="0"/>
+          </a:p>
+        </p:txBody>
+      </p:sp>
+      <p:pic>
+        <p:nvPicPr>
+          <p:cNvPr id="15" name="Picture 14" descr="map-31589_640.png"/>
+          <p:cNvPicPr>
+            <a:picLocks noChangeAspect="1"/>
+          </p:cNvPicPr>
+          <p:nvPr/>
+        </p:nvPicPr>
+        <p:blipFill>
+          <a:blip r:embed="rId2">
+            <a:extLst>
+              <a:ext uri="{28A0092B-C50C-407E-A947-70E740481C1C}">
+                <a14:useLocalDpi xmlns:a14="http://schemas.microsoft.com/office/drawing/2010/main" val="0"/>
+              </a:ext>
+            </a:extLst>
+          </a:blip>
+          <a:stretch>
+            <a:fillRect/>
+          </a:stretch>
+        </p:blipFill>
+        <p:spPr>
+          <a:xfrm>
+            <a:off x="5032462" y="1198155"/>
+            <a:ext cx="1762211" cy="1068340"/>
+          </a:xfrm>
+          <a:prstGeom prst="rect">
+            <a:avLst/>
+          </a:prstGeom>
+        </p:spPr>
+      </p:pic>
+      <p:sp>
+        <p:nvSpPr>
+          <p:cNvPr id="16" name="TextBox 15"/>
+          <p:cNvSpPr txBox="1"/>
+          <p:nvPr/>
+        </p:nvSpPr>
+        <p:spPr>
+          <a:xfrm>
+            <a:off x="5103845" y="2266495"/>
+            <a:ext cx="1810073" cy="369332"/>
+          </a:xfrm>
+          <a:prstGeom prst="rect">
+            <a:avLst/>
+          </a:prstGeom>
+          <a:noFill/>
+        </p:spPr>
+        <p:txBody>
+          <a:bodyPr wrap="none" rtlCol="0">
+            <a:spAutoFit/>
+          </a:bodyPr>
+          <a:lstStyle/>
+          <a:p>
+            <a:r>
+              <a:rPr lang="en-US" dirty="0" smtClean="0"/>
+              <a:t>Scaling The Team</a:t>
+            </a:r>
+            <a:endParaRPr lang="en-US" dirty="0"/>
+          </a:p>
+        </p:txBody>
+      </p:sp>
+      <p:sp>
+        <p:nvSpPr>
+          <p:cNvPr id="17" name="Rectangle 16"/>
+          <p:cNvSpPr/>
+          <p:nvPr/>
+        </p:nvSpPr>
+        <p:spPr>
+          <a:xfrm>
+            <a:off x="7489144" y="2528870"/>
+            <a:ext cx="1060942" cy="691753"/>
+          </a:xfrm>
+          <a:prstGeom prst="rect">
+            <a:avLst/>
+          </a:prstGeom>
+          <a:solidFill>
+            <a:schemeClr val="bg2">
+              <a:lumMod val="50000"/>
+              <a:alpha val="26000"/>
+            </a:schemeClr>
+          </a:solidFill>
+        </p:spPr>
+        <p:style>
+          <a:lnRef idx="1">
+            <a:schemeClr val="accent1"/>
+          </a:lnRef>
+          <a:fillRef idx="3">
+            <a:schemeClr val="accent1"/>
+          </a:fillRef>
+          <a:effectRef idx="2">
+            <a:schemeClr val="accent1"/>
+          </a:effectRef>
+          <a:fontRef idx="minor">
+            <a:schemeClr val="lt1"/>
+          </a:fontRef>
+        </p:style>
+        <p:txBody>
+          <a:bodyPr rtlCol="0" anchor="ctr"/>
+          <a:lstStyle/>
+          <a:p>
+            <a:pPr algn="ctr"/>
+            <a:r>
+              <a:rPr lang="en-US" dirty="0" smtClean="0">
+                <a:solidFill>
+                  <a:schemeClr val="tx1"/>
+                </a:solidFill>
+              </a:rPr>
+              <a:t>Product</a:t>
+            </a:r>
+            <a:br>
+              <a:rPr lang="en-US" dirty="0" smtClean="0">
+                <a:solidFill>
+                  <a:schemeClr val="tx1"/>
+                </a:solidFill>
+              </a:rPr>
+            </a:br>
+            <a:r>
+              <a:rPr lang="en-US" dirty="0" smtClean="0">
+                <a:solidFill>
+                  <a:schemeClr val="tx1"/>
+                </a:solidFill>
+              </a:rPr>
+              <a:t>Success</a:t>
+            </a:r>
+            <a:endParaRPr lang="en-US" dirty="0">
+              <a:solidFill>
+                <a:schemeClr val="tx1"/>
+              </a:solidFill>
+            </a:endParaRPr>
+          </a:p>
+        </p:txBody>
+      </p:sp>
+      <p:sp>
+        <p:nvSpPr>
+          <p:cNvPr id="3" name="Freeform 2"/>
+          <p:cNvSpPr/>
+          <p:nvPr/>
+        </p:nvSpPr>
+        <p:spPr>
+          <a:xfrm>
+            <a:off x="1245956" y="2671828"/>
+            <a:ext cx="6229781" cy="671054"/>
+          </a:xfrm>
+          <a:custGeom>
+            <a:avLst/>
+            <a:gdLst>
+              <a:gd name="connsiteX0" fmla="*/ 0 w 6229781"/>
+              <a:gd name="connsiteY0" fmla="*/ 215751 h 671054"/>
+              <a:gd name="connsiteX1" fmla="*/ 167725 w 6229781"/>
+              <a:gd name="connsiteY1" fmla="*/ 239714 h 671054"/>
+              <a:gd name="connsiteX2" fmla="*/ 263568 w 6229781"/>
+              <a:gd name="connsiteY2" fmla="*/ 251696 h 671054"/>
+              <a:gd name="connsiteX3" fmla="*/ 335450 w 6229781"/>
+              <a:gd name="connsiteY3" fmla="*/ 275659 h 671054"/>
+              <a:gd name="connsiteX4" fmla="*/ 491194 w 6229781"/>
+              <a:gd name="connsiteY4" fmla="*/ 311604 h 671054"/>
+              <a:gd name="connsiteX5" fmla="*/ 527135 w 6229781"/>
+              <a:gd name="connsiteY5" fmla="*/ 335568 h 671054"/>
+              <a:gd name="connsiteX6" fmla="*/ 563076 w 6229781"/>
+              <a:gd name="connsiteY6" fmla="*/ 347549 h 671054"/>
+              <a:gd name="connsiteX7" fmla="*/ 575057 w 6229781"/>
+              <a:gd name="connsiteY7" fmla="*/ 383494 h 671054"/>
+              <a:gd name="connsiteX8" fmla="*/ 610998 w 6229781"/>
+              <a:gd name="connsiteY8" fmla="*/ 407457 h 671054"/>
+              <a:gd name="connsiteX9" fmla="*/ 694860 w 6229781"/>
+              <a:gd name="connsiteY9" fmla="*/ 467366 h 671054"/>
+              <a:gd name="connsiteX10" fmla="*/ 742782 w 6229781"/>
+              <a:gd name="connsiteY10" fmla="*/ 491329 h 671054"/>
+              <a:gd name="connsiteX11" fmla="*/ 778723 w 6229781"/>
+              <a:gd name="connsiteY11" fmla="*/ 515292 h 671054"/>
+              <a:gd name="connsiteX12" fmla="*/ 862585 w 6229781"/>
+              <a:gd name="connsiteY12" fmla="*/ 527274 h 671054"/>
+              <a:gd name="connsiteX13" fmla="*/ 934467 w 6229781"/>
+              <a:gd name="connsiteY13" fmla="*/ 551237 h 671054"/>
+              <a:gd name="connsiteX14" fmla="*/ 982389 w 6229781"/>
+              <a:gd name="connsiteY14" fmla="*/ 563219 h 671054"/>
+              <a:gd name="connsiteX15" fmla="*/ 1018330 w 6229781"/>
+              <a:gd name="connsiteY15" fmla="*/ 587182 h 671054"/>
+              <a:gd name="connsiteX16" fmla="*/ 1126153 w 6229781"/>
+              <a:gd name="connsiteY16" fmla="*/ 611146 h 671054"/>
+              <a:gd name="connsiteX17" fmla="*/ 1162094 w 6229781"/>
+              <a:gd name="connsiteY17" fmla="*/ 635109 h 671054"/>
+              <a:gd name="connsiteX18" fmla="*/ 1233976 w 6229781"/>
+              <a:gd name="connsiteY18" fmla="*/ 647091 h 671054"/>
+              <a:gd name="connsiteX19" fmla="*/ 1521504 w 6229781"/>
+              <a:gd name="connsiteY19" fmla="*/ 671054 h 671054"/>
+              <a:gd name="connsiteX20" fmla="*/ 1940816 w 6229781"/>
+              <a:gd name="connsiteY20" fmla="*/ 647091 h 671054"/>
+              <a:gd name="connsiteX21" fmla="*/ 2012698 w 6229781"/>
+              <a:gd name="connsiteY21" fmla="*/ 611146 h 671054"/>
+              <a:gd name="connsiteX22" fmla="*/ 2048639 w 6229781"/>
+              <a:gd name="connsiteY22" fmla="*/ 599164 h 671054"/>
+              <a:gd name="connsiteX23" fmla="*/ 2072600 w 6229781"/>
+              <a:gd name="connsiteY23" fmla="*/ 563219 h 671054"/>
+              <a:gd name="connsiteX24" fmla="*/ 2108541 w 6229781"/>
+              <a:gd name="connsiteY24" fmla="*/ 551237 h 671054"/>
+              <a:gd name="connsiteX25" fmla="*/ 2120522 w 6229781"/>
+              <a:gd name="connsiteY25" fmla="*/ 515292 h 671054"/>
+              <a:gd name="connsiteX26" fmla="*/ 2192404 w 6229781"/>
+              <a:gd name="connsiteY26" fmla="*/ 479347 h 671054"/>
+              <a:gd name="connsiteX27" fmla="*/ 2264286 w 6229781"/>
+              <a:gd name="connsiteY27" fmla="*/ 419439 h 671054"/>
+              <a:gd name="connsiteX28" fmla="*/ 2300227 w 6229781"/>
+              <a:gd name="connsiteY28" fmla="*/ 407457 h 671054"/>
+              <a:gd name="connsiteX29" fmla="*/ 2372109 w 6229781"/>
+              <a:gd name="connsiteY29" fmla="*/ 371512 h 671054"/>
+              <a:gd name="connsiteX30" fmla="*/ 2408050 w 6229781"/>
+              <a:gd name="connsiteY30" fmla="*/ 335568 h 671054"/>
+              <a:gd name="connsiteX31" fmla="*/ 2491912 w 6229781"/>
+              <a:gd name="connsiteY31" fmla="*/ 287641 h 671054"/>
+              <a:gd name="connsiteX32" fmla="*/ 2539834 w 6229781"/>
+              <a:gd name="connsiteY32" fmla="*/ 275659 h 671054"/>
+              <a:gd name="connsiteX33" fmla="*/ 2575775 w 6229781"/>
+              <a:gd name="connsiteY33" fmla="*/ 251696 h 671054"/>
+              <a:gd name="connsiteX34" fmla="*/ 2611716 w 6229781"/>
+              <a:gd name="connsiteY34" fmla="*/ 239714 h 671054"/>
+              <a:gd name="connsiteX35" fmla="*/ 2647657 w 6229781"/>
+              <a:gd name="connsiteY35" fmla="*/ 203769 h 671054"/>
+              <a:gd name="connsiteX36" fmla="*/ 2731519 w 6229781"/>
+              <a:gd name="connsiteY36" fmla="*/ 155843 h 671054"/>
+              <a:gd name="connsiteX37" fmla="*/ 2755480 w 6229781"/>
+              <a:gd name="connsiteY37" fmla="*/ 131879 h 671054"/>
+              <a:gd name="connsiteX38" fmla="*/ 2827362 w 6229781"/>
+              <a:gd name="connsiteY38" fmla="*/ 107916 h 671054"/>
+              <a:gd name="connsiteX39" fmla="*/ 2911224 w 6229781"/>
+              <a:gd name="connsiteY39" fmla="*/ 71971 h 671054"/>
+              <a:gd name="connsiteX40" fmla="*/ 2971126 w 6229781"/>
+              <a:gd name="connsiteY40" fmla="*/ 48008 h 671054"/>
+              <a:gd name="connsiteX41" fmla="*/ 3019048 w 6229781"/>
+              <a:gd name="connsiteY41" fmla="*/ 36026 h 671054"/>
+              <a:gd name="connsiteX42" fmla="*/ 3126871 w 6229781"/>
+              <a:gd name="connsiteY42" fmla="*/ 81 h 671054"/>
+              <a:gd name="connsiteX43" fmla="*/ 3785790 w 6229781"/>
+              <a:gd name="connsiteY43" fmla="*/ 24044 h 671054"/>
+              <a:gd name="connsiteX44" fmla="*/ 3869652 w 6229781"/>
+              <a:gd name="connsiteY44" fmla="*/ 59989 h 671054"/>
+              <a:gd name="connsiteX45" fmla="*/ 3953515 w 6229781"/>
+              <a:gd name="connsiteY45" fmla="*/ 83953 h 671054"/>
+              <a:gd name="connsiteX46" fmla="*/ 3989456 w 6229781"/>
+              <a:gd name="connsiteY46" fmla="*/ 107916 h 671054"/>
+              <a:gd name="connsiteX47" fmla="*/ 4073318 w 6229781"/>
+              <a:gd name="connsiteY47" fmla="*/ 131879 h 671054"/>
+              <a:gd name="connsiteX48" fmla="*/ 4133220 w 6229781"/>
+              <a:gd name="connsiteY48" fmla="*/ 155843 h 671054"/>
+              <a:gd name="connsiteX49" fmla="*/ 4169161 w 6229781"/>
+              <a:gd name="connsiteY49" fmla="*/ 167824 h 671054"/>
+              <a:gd name="connsiteX50" fmla="*/ 4241043 w 6229781"/>
+              <a:gd name="connsiteY50" fmla="*/ 203769 h 671054"/>
+              <a:gd name="connsiteX51" fmla="*/ 4312925 w 6229781"/>
+              <a:gd name="connsiteY51" fmla="*/ 239714 h 671054"/>
+              <a:gd name="connsiteX52" fmla="*/ 4384807 w 6229781"/>
+              <a:gd name="connsiteY52" fmla="*/ 251696 h 671054"/>
+              <a:gd name="connsiteX53" fmla="*/ 4564512 w 6229781"/>
+              <a:gd name="connsiteY53" fmla="*/ 287641 h 671054"/>
+              <a:gd name="connsiteX54" fmla="*/ 4720257 w 6229781"/>
+              <a:gd name="connsiteY54" fmla="*/ 323586 h 671054"/>
+              <a:gd name="connsiteX55" fmla="*/ 4780159 w 6229781"/>
+              <a:gd name="connsiteY55" fmla="*/ 347549 h 671054"/>
+              <a:gd name="connsiteX56" fmla="*/ 4828080 w 6229781"/>
+              <a:gd name="connsiteY56" fmla="*/ 359531 h 671054"/>
+              <a:gd name="connsiteX57" fmla="*/ 4864021 w 6229781"/>
+              <a:gd name="connsiteY57" fmla="*/ 371512 h 671054"/>
+              <a:gd name="connsiteX58" fmla="*/ 4899962 w 6229781"/>
+              <a:gd name="connsiteY58" fmla="*/ 395476 h 671054"/>
+              <a:gd name="connsiteX59" fmla="*/ 4959864 w 6229781"/>
+              <a:gd name="connsiteY59" fmla="*/ 407457 h 671054"/>
+              <a:gd name="connsiteX60" fmla="*/ 5403137 w 6229781"/>
+              <a:gd name="connsiteY60" fmla="*/ 383494 h 671054"/>
+              <a:gd name="connsiteX61" fmla="*/ 5510960 w 6229781"/>
+              <a:gd name="connsiteY61" fmla="*/ 359531 h 671054"/>
+              <a:gd name="connsiteX62" fmla="*/ 5546901 w 6229781"/>
+              <a:gd name="connsiteY62" fmla="*/ 347549 h 671054"/>
+              <a:gd name="connsiteX63" fmla="*/ 5594822 w 6229781"/>
+              <a:gd name="connsiteY63" fmla="*/ 323586 h 671054"/>
+              <a:gd name="connsiteX64" fmla="*/ 5666704 w 6229781"/>
+              <a:gd name="connsiteY64" fmla="*/ 311604 h 671054"/>
+              <a:gd name="connsiteX65" fmla="*/ 5738586 w 6229781"/>
+              <a:gd name="connsiteY65" fmla="*/ 287641 h 671054"/>
+              <a:gd name="connsiteX66" fmla="*/ 5786508 w 6229781"/>
+              <a:gd name="connsiteY66" fmla="*/ 275659 h 671054"/>
+              <a:gd name="connsiteX67" fmla="*/ 5858390 w 6229781"/>
+              <a:gd name="connsiteY67" fmla="*/ 251696 h 671054"/>
+              <a:gd name="connsiteX68" fmla="*/ 5930272 w 6229781"/>
+              <a:gd name="connsiteY68" fmla="*/ 239714 h 671054"/>
+              <a:gd name="connsiteX69" fmla="*/ 6229781 w 6229781"/>
+              <a:gd name="connsiteY69" fmla="*/ 215751 h 671054"/>
+            </a:gdLst>
+            <a:ahLst/>
+            <a:cxnLst>
+              <a:cxn ang="0">
+                <a:pos x="connsiteX0" y="connsiteY0"/>
+              </a:cxn>
+              <a:cxn ang="0">
+                <a:pos x="connsiteX1" y="connsiteY1"/>
+              </a:cxn>
+              <a:cxn ang="0">
+                <a:pos x="connsiteX2" y="connsiteY2"/>
+              </a:cxn>
+              <a:cxn ang="0">
+                <a:pos x="connsiteX3" y="connsiteY3"/>
+              </a:cxn>
+              <a:cxn ang="0">
+                <a:pos x="connsiteX4" y="connsiteY4"/>
+              </a:cxn>
+              <a:cxn ang="0">
+                <a:pos x="connsiteX5" y="connsiteY5"/>
+              </a:cxn>
+              <a:cxn ang="0">
+                <a:pos x="connsiteX6" y="connsiteY6"/>
+              </a:cxn>
+              <a:cxn ang="0">
+                <a:pos x="connsiteX7" y="connsiteY7"/>
+              </a:cxn>
+              <a:cxn ang="0">
+                <a:pos x="connsiteX8" y="connsiteY8"/>
+              </a:cxn>
+              <a:cxn ang="0">
+                <a:pos x="connsiteX9" y="connsiteY9"/>
+              </a:cxn>
+              <a:cxn ang="0">
+                <a:pos x="connsiteX10" y="connsiteY10"/>
+              </a:cxn>
+              <a:cxn ang="0">
+                <a:pos x="connsiteX11" y="connsiteY11"/>
+              </a:cxn>
+              <a:cxn ang="0">
+                <a:pos x="connsiteX12" y="connsiteY12"/>
+              </a:cxn>
+              <a:cxn ang="0">
+                <a:pos x="connsiteX13" y="connsiteY13"/>
+              </a:cxn>
+              <a:cxn ang="0">
+                <a:pos x="connsiteX14" y="connsiteY14"/>
+              </a:cxn>
+              <a:cxn ang="0">
+                <a:pos x="connsiteX15" y="connsiteY15"/>
+              </a:cxn>
+              <a:cxn ang="0">
+                <a:pos x="connsiteX16" y="connsiteY16"/>
+              </a:cxn>
+              <a:cxn ang="0">
+                <a:pos x="connsiteX17" y="connsiteY17"/>
+              </a:cxn>
+              <a:cxn ang="0">
+                <a:pos x="connsiteX18" y="connsiteY18"/>
+              </a:cxn>
+              <a:cxn ang="0">
+                <a:pos x="connsiteX19" y="connsiteY19"/>
+              </a:cxn>
+              <a:cxn ang="0">
+                <a:pos x="connsiteX20" y="connsiteY20"/>
+              </a:cxn>
+              <a:cxn ang="0">
+                <a:pos x="connsiteX21" y="connsiteY21"/>
+              </a:cxn>
+              <a:cxn ang="0">
+                <a:pos x="connsiteX22" y="connsiteY22"/>
+              </a:cxn>
+              <a:cxn ang="0">
+                <a:pos x="connsiteX23" y="connsiteY23"/>
+              </a:cxn>
+              <a:cxn ang="0">
+                <a:pos x="connsiteX24" y="connsiteY24"/>
+              </a:cxn>
+              <a:cxn ang="0">
+                <a:pos x="connsiteX25" y="connsiteY25"/>
+              </a:cxn>
+              <a:cxn ang="0">
+                <a:pos x="connsiteX26" y="connsiteY26"/>
+              </a:cxn>
+              <a:cxn ang="0">
+                <a:pos x="connsiteX27" y="connsiteY27"/>
+              </a:cxn>
+              <a:cxn ang="0">
+                <a:pos x="connsiteX28" y="connsiteY28"/>
+              </a:cxn>
+              <a:cxn ang="0">
+                <a:pos x="connsiteX29" y="connsiteY29"/>
+              </a:cxn>
+              <a:cxn ang="0">
+                <a:pos x="connsiteX30" y="connsiteY30"/>
+              </a:cxn>
+              <a:cxn ang="0">
+                <a:pos x="connsiteX31" y="connsiteY31"/>
+              </a:cxn>
+              <a:cxn ang="0">
+                <a:pos x="connsiteX32" y="connsiteY32"/>
+              </a:cxn>
+              <a:cxn ang="0">
+                <a:pos x="connsiteX33" y="connsiteY33"/>
+              </a:cxn>
+              <a:cxn ang="0">
+                <a:pos x="connsiteX34" y="connsiteY34"/>
+              </a:cxn>
+              <a:cxn ang="0">
+                <a:pos x="connsiteX35" y="connsiteY35"/>
+              </a:cxn>
+              <a:cxn ang="0">
+                <a:pos x="connsiteX36" y="connsiteY36"/>
+              </a:cxn>
+              <a:cxn ang="0">
+                <a:pos x="connsiteX37" y="connsiteY37"/>
+              </a:cxn>
+              <a:cxn ang="0">
+                <a:pos x="connsiteX38" y="connsiteY38"/>
+              </a:cxn>
+              <a:cxn ang="0">
+                <a:pos x="connsiteX39" y="connsiteY39"/>
+              </a:cxn>
+              <a:cxn ang="0">
+                <a:pos x="connsiteX40" y="connsiteY40"/>
+              </a:cxn>
+              <a:cxn ang="0">
+                <a:pos x="connsiteX41" y="connsiteY41"/>
+              </a:cxn>
+              <a:cxn ang="0">
+                <a:pos x="connsiteX42" y="connsiteY42"/>
+              </a:cxn>
+              <a:cxn ang="0">
+                <a:pos x="connsiteX43" y="connsiteY43"/>
+              </a:cxn>
+              <a:cxn ang="0">
+                <a:pos x="connsiteX44" y="connsiteY44"/>
+              </a:cxn>
+              <a:cxn ang="0">
+                <a:pos x="connsiteX45" y="connsiteY45"/>
+              </a:cxn>
+              <a:cxn ang="0">
+                <a:pos x="connsiteX46" y="connsiteY46"/>
+              </a:cxn>
+              <a:cxn ang="0">
+                <a:pos x="connsiteX47" y="connsiteY47"/>
+              </a:cxn>
+              <a:cxn ang="0">
+                <a:pos x="connsiteX48" y="connsiteY48"/>
+              </a:cxn>
+              <a:cxn ang="0">
+                <a:pos x="connsiteX49" y="connsiteY49"/>
+              </a:cxn>
+              <a:cxn ang="0">
+                <a:pos x="connsiteX50" y="connsiteY50"/>
+              </a:cxn>
+              <a:cxn ang="0">
+                <a:pos x="connsiteX51" y="connsiteY51"/>
+              </a:cxn>
+              <a:cxn ang="0">
+                <a:pos x="connsiteX52" y="connsiteY52"/>
+              </a:cxn>
+              <a:cxn ang="0">
+                <a:pos x="connsiteX53" y="connsiteY53"/>
+              </a:cxn>
+              <a:cxn ang="0">
+                <a:pos x="connsiteX54" y="connsiteY54"/>
+              </a:cxn>
+              <a:cxn ang="0">
+                <a:pos x="connsiteX55" y="connsiteY55"/>
+              </a:cxn>
+              <a:cxn ang="0">
+                <a:pos x="connsiteX56" y="connsiteY56"/>
+              </a:cxn>
+              <a:cxn ang="0">
+                <a:pos x="connsiteX57" y="connsiteY57"/>
+              </a:cxn>
+              <a:cxn ang="0">
+                <a:pos x="connsiteX58" y="connsiteY58"/>
+              </a:cxn>
+              <a:cxn ang="0">
+                <a:pos x="connsiteX59" y="connsiteY59"/>
+              </a:cxn>
+              <a:cxn ang="0">
+                <a:pos x="connsiteX60" y="connsiteY60"/>
+              </a:cxn>
+              <a:cxn ang="0">
+                <a:pos x="connsiteX61" y="connsiteY61"/>
+              </a:cxn>
+              <a:cxn ang="0">
+                <a:pos x="connsiteX62" y="connsiteY62"/>
+              </a:cxn>
+              <a:cxn ang="0">
+                <a:pos x="connsiteX63" y="connsiteY63"/>
+              </a:cxn>
+              <a:cxn ang="0">
+                <a:pos x="connsiteX64" y="connsiteY64"/>
+              </a:cxn>
+              <a:cxn ang="0">
+                <a:pos x="connsiteX65" y="connsiteY65"/>
+              </a:cxn>
+              <a:cxn ang="0">
+                <a:pos x="connsiteX66" y="connsiteY66"/>
+              </a:cxn>
+              <a:cxn ang="0">
+                <a:pos x="connsiteX67" y="connsiteY67"/>
+              </a:cxn>
+              <a:cxn ang="0">
+                <a:pos x="connsiteX68" y="connsiteY68"/>
+              </a:cxn>
+              <a:cxn ang="0">
+                <a:pos x="connsiteX69" y="connsiteY69"/>
+              </a:cxn>
+            </a:cxnLst>
+            <a:rect l="l" t="t" r="r" b="b"/>
+            <a:pathLst>
+              <a:path w="6229781" h="671054">
+                <a:moveTo>
+                  <a:pt x="0" y="215751"/>
+                </a:moveTo>
+                <a:lnTo>
+                  <a:pt x="167725" y="239714"/>
+                </a:lnTo>
+                <a:cubicBezTo>
+                  <a:pt x="199626" y="244065"/>
+                  <a:pt x="232086" y="244949"/>
+                  <a:pt x="263568" y="251696"/>
+                </a:cubicBezTo>
+                <a:cubicBezTo>
+                  <a:pt x="288264" y="256989"/>
+                  <a:pt x="310947" y="269533"/>
+                  <a:pt x="335450" y="275659"/>
+                </a:cubicBezTo>
+                <a:cubicBezTo>
+                  <a:pt x="546961" y="328543"/>
+                  <a:pt x="392020" y="278544"/>
+                  <a:pt x="491194" y="311604"/>
+                </a:cubicBezTo>
+                <a:cubicBezTo>
+                  <a:pt x="503174" y="319592"/>
+                  <a:pt x="514256" y="329128"/>
+                  <a:pt x="527135" y="335568"/>
+                </a:cubicBezTo>
+                <a:cubicBezTo>
+                  <a:pt x="538430" y="341216"/>
+                  <a:pt x="554147" y="338619"/>
+                  <a:pt x="563076" y="347549"/>
+                </a:cubicBezTo>
+                <a:cubicBezTo>
+                  <a:pt x="572006" y="356480"/>
+                  <a:pt x="567168" y="373631"/>
+                  <a:pt x="575057" y="383494"/>
+                </a:cubicBezTo>
+                <a:cubicBezTo>
+                  <a:pt x="584051" y="394738"/>
+                  <a:pt x="599018" y="399469"/>
+                  <a:pt x="610998" y="407457"/>
+                </a:cubicBezTo>
+                <a:cubicBezTo>
+                  <a:pt x="648953" y="464394"/>
+                  <a:pt x="618505" y="433427"/>
+                  <a:pt x="694860" y="467366"/>
+                </a:cubicBezTo>
+                <a:cubicBezTo>
+                  <a:pt x="711180" y="474620"/>
+                  <a:pt x="727276" y="482467"/>
+                  <a:pt x="742782" y="491329"/>
+                </a:cubicBezTo>
+                <a:cubicBezTo>
+                  <a:pt x="755284" y="498473"/>
+                  <a:pt x="764931" y="511154"/>
+                  <a:pt x="778723" y="515292"/>
+                </a:cubicBezTo>
+                <a:cubicBezTo>
+                  <a:pt x="805770" y="523407"/>
+                  <a:pt x="834631" y="523280"/>
+                  <a:pt x="862585" y="527274"/>
+                </a:cubicBezTo>
+                <a:cubicBezTo>
+                  <a:pt x="886546" y="535262"/>
+                  <a:pt x="910275" y="543979"/>
+                  <a:pt x="934467" y="551237"/>
+                </a:cubicBezTo>
+                <a:cubicBezTo>
+                  <a:pt x="950238" y="555969"/>
+                  <a:pt x="967255" y="556732"/>
+                  <a:pt x="982389" y="563219"/>
+                </a:cubicBezTo>
+                <a:cubicBezTo>
+                  <a:pt x="995624" y="568892"/>
+                  <a:pt x="1005451" y="580742"/>
+                  <a:pt x="1018330" y="587182"/>
+                </a:cubicBezTo>
+                <a:cubicBezTo>
+                  <a:pt x="1047824" y="601931"/>
+                  <a:pt x="1098542" y="606543"/>
+                  <a:pt x="1126153" y="611146"/>
+                </a:cubicBezTo>
+                <a:cubicBezTo>
+                  <a:pt x="1138133" y="619134"/>
+                  <a:pt x="1148434" y="630555"/>
+                  <a:pt x="1162094" y="635109"/>
+                </a:cubicBezTo>
+                <a:cubicBezTo>
+                  <a:pt x="1185138" y="642791"/>
+                  <a:pt x="1209805" y="644674"/>
+                  <a:pt x="1233976" y="647091"/>
+                </a:cubicBezTo>
+                <a:cubicBezTo>
+                  <a:pt x="1329674" y="656662"/>
+                  <a:pt x="1425661" y="663066"/>
+                  <a:pt x="1521504" y="671054"/>
+                </a:cubicBezTo>
+                <a:cubicBezTo>
+                  <a:pt x="1661275" y="663066"/>
+                  <a:pt x="1801252" y="658110"/>
+                  <a:pt x="1940816" y="647091"/>
+                </a:cubicBezTo>
+                <a:cubicBezTo>
+                  <a:pt x="1976573" y="644268"/>
+                  <a:pt x="1982035" y="626479"/>
+                  <a:pt x="2012698" y="611146"/>
+                </a:cubicBezTo>
+                <a:cubicBezTo>
+                  <a:pt x="2023993" y="605498"/>
+                  <a:pt x="2036659" y="603158"/>
+                  <a:pt x="2048639" y="599164"/>
+                </a:cubicBezTo>
+                <a:cubicBezTo>
+                  <a:pt x="2056626" y="587182"/>
+                  <a:pt x="2061356" y="572215"/>
+                  <a:pt x="2072600" y="563219"/>
+                </a:cubicBezTo>
+                <a:cubicBezTo>
+                  <a:pt x="2082461" y="555329"/>
+                  <a:pt x="2099612" y="560167"/>
+                  <a:pt x="2108541" y="551237"/>
+                </a:cubicBezTo>
+                <a:cubicBezTo>
+                  <a:pt x="2117471" y="542306"/>
+                  <a:pt x="2112633" y="525155"/>
+                  <a:pt x="2120522" y="515292"/>
+                </a:cubicBezTo>
+                <a:cubicBezTo>
+                  <a:pt x="2143411" y="486678"/>
+                  <a:pt x="2163466" y="493818"/>
+                  <a:pt x="2192404" y="479347"/>
+                </a:cubicBezTo>
+                <a:cubicBezTo>
+                  <a:pt x="2270795" y="440147"/>
+                  <a:pt x="2184800" y="472436"/>
+                  <a:pt x="2264286" y="419439"/>
+                </a:cubicBezTo>
+                <a:cubicBezTo>
+                  <a:pt x="2274793" y="412433"/>
+                  <a:pt x="2288932" y="413105"/>
+                  <a:pt x="2300227" y="407457"/>
+                </a:cubicBezTo>
+                <a:cubicBezTo>
+                  <a:pt x="2393124" y="361004"/>
+                  <a:pt x="2281771" y="401629"/>
+                  <a:pt x="2372109" y="371512"/>
+                </a:cubicBezTo>
+                <a:cubicBezTo>
+                  <a:pt x="2384089" y="359531"/>
+                  <a:pt x="2395034" y="346416"/>
+                  <a:pt x="2408050" y="335568"/>
+                </a:cubicBezTo>
+                <a:cubicBezTo>
+                  <a:pt x="2427011" y="319765"/>
+                  <a:pt x="2470603" y="295633"/>
+                  <a:pt x="2491912" y="287641"/>
+                </a:cubicBezTo>
+                <a:cubicBezTo>
+                  <a:pt x="2507329" y="281859"/>
+                  <a:pt x="2523860" y="279653"/>
+                  <a:pt x="2539834" y="275659"/>
+                </a:cubicBezTo>
+                <a:cubicBezTo>
+                  <a:pt x="2551814" y="267671"/>
+                  <a:pt x="2562896" y="258136"/>
+                  <a:pt x="2575775" y="251696"/>
+                </a:cubicBezTo>
+                <a:cubicBezTo>
+                  <a:pt x="2587070" y="246048"/>
+                  <a:pt x="2601209" y="246720"/>
+                  <a:pt x="2611716" y="239714"/>
+                </a:cubicBezTo>
+                <a:cubicBezTo>
+                  <a:pt x="2625813" y="230315"/>
+                  <a:pt x="2633870" y="213618"/>
+                  <a:pt x="2647657" y="203769"/>
+                </a:cubicBezTo>
+                <a:cubicBezTo>
+                  <a:pt x="2762434" y="121777"/>
+                  <a:pt x="2637200" y="231307"/>
+                  <a:pt x="2731519" y="155843"/>
+                </a:cubicBezTo>
+                <a:cubicBezTo>
+                  <a:pt x="2740339" y="148786"/>
+                  <a:pt x="2745377" y="136931"/>
+                  <a:pt x="2755480" y="131879"/>
+                </a:cubicBezTo>
+                <a:cubicBezTo>
+                  <a:pt x="2778070" y="120583"/>
+                  <a:pt x="2804772" y="119212"/>
+                  <a:pt x="2827362" y="107916"/>
+                </a:cubicBezTo>
+                <a:cubicBezTo>
+                  <a:pt x="2911502" y="65842"/>
+                  <a:pt x="2840717" y="98414"/>
+                  <a:pt x="2911224" y="71971"/>
+                </a:cubicBezTo>
+                <a:cubicBezTo>
+                  <a:pt x="2931360" y="64419"/>
+                  <a:pt x="2950724" y="54809"/>
+                  <a:pt x="2971126" y="48008"/>
+                </a:cubicBezTo>
+                <a:cubicBezTo>
+                  <a:pt x="2986747" y="42801"/>
+                  <a:pt x="3003074" y="40020"/>
+                  <a:pt x="3019048" y="36026"/>
+                </a:cubicBezTo>
+                <a:cubicBezTo>
+                  <a:pt x="3061524" y="7706"/>
+                  <a:pt x="3063858" y="-952"/>
+                  <a:pt x="3126871" y="81"/>
+                </a:cubicBezTo>
+                <a:cubicBezTo>
+                  <a:pt x="3346626" y="3684"/>
+                  <a:pt x="3566150" y="16056"/>
+                  <a:pt x="3785790" y="24044"/>
+                </a:cubicBezTo>
+                <a:cubicBezTo>
+                  <a:pt x="3870078" y="52144"/>
+                  <a:pt x="3766024" y="15572"/>
+                  <a:pt x="3869652" y="59989"/>
+                </a:cubicBezTo>
+                <a:cubicBezTo>
+                  <a:pt x="3893716" y="70303"/>
+                  <a:pt x="3929194" y="77872"/>
+                  <a:pt x="3953515" y="83953"/>
+                </a:cubicBezTo>
+                <a:cubicBezTo>
+                  <a:pt x="3965495" y="91941"/>
+                  <a:pt x="3976577" y="101476"/>
+                  <a:pt x="3989456" y="107916"/>
+                </a:cubicBezTo>
+                <a:cubicBezTo>
+                  <a:pt x="4012538" y="119458"/>
+                  <a:pt x="4050278" y="124198"/>
+                  <a:pt x="4073318" y="131879"/>
+                </a:cubicBezTo>
+                <a:cubicBezTo>
+                  <a:pt x="4093720" y="138680"/>
+                  <a:pt x="4113084" y="148291"/>
+                  <a:pt x="4133220" y="155843"/>
+                </a:cubicBezTo>
+                <a:cubicBezTo>
+                  <a:pt x="4145044" y="160278"/>
+                  <a:pt x="4157181" y="163830"/>
+                  <a:pt x="4169161" y="167824"/>
+                </a:cubicBezTo>
+                <a:cubicBezTo>
+                  <a:pt x="4272165" y="236503"/>
+                  <a:pt x="4141841" y="154162"/>
+                  <a:pt x="4241043" y="203769"/>
+                </a:cubicBezTo>
+                <a:cubicBezTo>
+                  <a:pt x="4292744" y="229622"/>
+                  <a:pt x="4258717" y="227667"/>
+                  <a:pt x="4312925" y="239714"/>
+                </a:cubicBezTo>
+                <a:cubicBezTo>
+                  <a:pt x="4336638" y="244984"/>
+                  <a:pt x="4361241" y="245804"/>
+                  <a:pt x="4384807" y="251696"/>
+                </a:cubicBezTo>
+                <a:cubicBezTo>
+                  <a:pt x="4554706" y="294175"/>
+                  <a:pt x="4340367" y="262733"/>
+                  <a:pt x="4564512" y="287641"/>
+                </a:cubicBezTo>
+                <a:cubicBezTo>
+                  <a:pt x="4788375" y="362269"/>
+                  <a:pt x="4471421" y="261371"/>
+                  <a:pt x="4720257" y="323586"/>
+                </a:cubicBezTo>
+                <a:cubicBezTo>
+                  <a:pt x="4741121" y="328802"/>
+                  <a:pt x="4759757" y="340748"/>
+                  <a:pt x="4780159" y="347549"/>
+                </a:cubicBezTo>
+                <a:cubicBezTo>
+                  <a:pt x="4795779" y="352756"/>
+                  <a:pt x="4812248" y="355007"/>
+                  <a:pt x="4828080" y="359531"/>
+                </a:cubicBezTo>
+                <a:cubicBezTo>
+                  <a:pt x="4840222" y="363001"/>
+                  <a:pt x="4852041" y="367518"/>
+                  <a:pt x="4864021" y="371512"/>
+                </a:cubicBezTo>
+                <a:cubicBezTo>
+                  <a:pt x="4876001" y="379500"/>
+                  <a:pt x="4886480" y="390420"/>
+                  <a:pt x="4899962" y="395476"/>
+                </a:cubicBezTo>
+                <a:cubicBezTo>
+                  <a:pt x="4919028" y="402627"/>
+                  <a:pt x="4939507" y="407942"/>
+                  <a:pt x="4959864" y="407457"/>
+                </a:cubicBezTo>
+                <a:cubicBezTo>
+                  <a:pt x="5107795" y="403934"/>
+                  <a:pt x="5255379" y="391482"/>
+                  <a:pt x="5403137" y="383494"/>
+                </a:cubicBezTo>
+                <a:cubicBezTo>
+                  <a:pt x="5444295" y="375261"/>
+                  <a:pt x="5471495" y="370808"/>
+                  <a:pt x="5510960" y="359531"/>
+                </a:cubicBezTo>
+                <a:cubicBezTo>
+                  <a:pt x="5523103" y="356061"/>
+                  <a:pt x="5535294" y="352524"/>
+                  <a:pt x="5546901" y="347549"/>
+                </a:cubicBezTo>
+                <a:cubicBezTo>
+                  <a:pt x="5563316" y="340513"/>
+                  <a:pt x="5577716" y="328718"/>
+                  <a:pt x="5594822" y="323586"/>
+                </a:cubicBezTo>
+                <a:cubicBezTo>
+                  <a:pt x="5618089" y="316605"/>
+                  <a:pt x="5643138" y="317496"/>
+                  <a:pt x="5666704" y="311604"/>
+                </a:cubicBezTo>
+                <a:cubicBezTo>
+                  <a:pt x="5691207" y="305478"/>
+                  <a:pt x="5714394" y="294899"/>
+                  <a:pt x="5738586" y="287641"/>
+                </a:cubicBezTo>
+                <a:cubicBezTo>
+                  <a:pt x="5754357" y="282909"/>
+                  <a:pt x="5770737" y="280391"/>
+                  <a:pt x="5786508" y="275659"/>
+                </a:cubicBezTo>
+                <a:cubicBezTo>
+                  <a:pt x="5810700" y="268401"/>
+                  <a:pt x="5833887" y="257822"/>
+                  <a:pt x="5858390" y="251696"/>
+                </a:cubicBezTo>
+                <a:cubicBezTo>
+                  <a:pt x="5881956" y="245804"/>
+                  <a:pt x="5906225" y="243150"/>
+                  <a:pt x="5930272" y="239714"/>
+                </a:cubicBezTo>
+                <a:cubicBezTo>
+                  <a:pt x="6134939" y="210473"/>
+                  <a:pt x="6059208" y="215751"/>
+                  <a:pt x="6229781" y="215751"/>
+                </a:cubicBezTo>
+              </a:path>
+            </a:pathLst>
+          </a:custGeom>
+          <a:ln w="28575" cmpd="sng">
+            <a:solidFill>
+              <a:schemeClr val="accent2">
+                <a:lumMod val="75000"/>
+              </a:schemeClr>
+            </a:solidFill>
+          </a:ln>
+        </p:spPr>
+        <p:style>
+          <a:lnRef idx="2">
+            <a:schemeClr val="accent1"/>
+          </a:lnRef>
+          <a:fillRef idx="0">
+            <a:schemeClr val="accent1"/>
+          </a:fillRef>
+          <a:effectRef idx="1">
+            <a:schemeClr val="accent1"/>
+          </a:effectRef>
+          <a:fontRef idx="minor">
+            <a:schemeClr val="tx1"/>
+          </a:fontRef>
+        </p:style>
+        <p:txBody>
+          <a:bodyPr rtlCol="0" anchor="ctr"/>
+          <a:lstStyle/>
+          <a:p>
+            <a:pPr algn="ctr"/>
+            <a:endParaRPr lang="en-US"/>
+          </a:p>
+        </p:txBody>
+      </p:sp>
+    </p:spTree>
+    <p:extLst>
+      <p:ext uri="{BB962C8B-B14F-4D97-AF65-F5344CB8AC3E}">
+        <p14:creationId xmlns:p14="http://schemas.microsoft.com/office/powerpoint/2010/main" val="117516351"/>
+      </p:ext>
+    </p:extLst>
+  </p:cSld>
+  <p:clrMapOvr>
+    <a:masterClrMapping/>
+  </p:clrMapOvr>
+</p:sld>
+</file>
+
 <file path=ppt/theme/theme1.xml><?xml version="1.0" encoding="utf-8"?>
 <a:theme xmlns:a="http://schemas.openxmlformats.org/drawingml/2006/main" name="Office Theme">
   <a:themeElements>

--- a/SL_website_components.pptx
+++ b/SL_website_components.pptx
@@ -7972,6 +7972,9 @@
               <a:alpha val="26000"/>
             </a:schemeClr>
           </a:solidFill>
+          <a:ln>
+            <a:noFill/>
+          </a:ln>
         </p:spPr>
         <p:style>
           <a:lnRef idx="1">
@@ -8216,6 +8219,9 @@
               <a:alpha val="26000"/>
             </a:schemeClr>
           </a:solidFill>
+          <a:ln>
+            <a:noFill/>
+          </a:ln>
         </p:spPr>
         <p:style>
           <a:lnRef idx="1">

--- a/SL_website_components.pptx
+++ b/SL_website_components.pptx
@@ -9,6 +9,8 @@
     <p:sldId id="258" r:id="rId3"/>
     <p:sldId id="259" r:id="rId4"/>
     <p:sldId id="260" r:id="rId5"/>
+    <p:sldId id="261" r:id="rId6"/>
+    <p:sldId id="262" r:id="rId7"/>
   </p:sldIdLst>
   <p:sldSz cx="9144000" cy="6858000" type="screen4x3"/>
   <p:notesSz cx="6858000" cy="9144000"/>
@@ -4434,7 +4436,7 @@
           <a:p>
             <a:fld id="{42C8FD29-FE79-F342-B3A1-DE230763DD95}" type="datetimeFigureOut">
               <a:rPr lang="en-US" smtClean="0"/>
-              <a:t>11/13/12</a:t>
+              <a:t>11/15/12</a:t>
             </a:fld>
             <a:endParaRPr lang="en-US"/>
           </a:p>
@@ -4604,7 +4606,7 @@
           <a:p>
             <a:fld id="{42C8FD29-FE79-F342-B3A1-DE230763DD95}" type="datetimeFigureOut">
               <a:rPr lang="en-US" smtClean="0"/>
-              <a:t>11/13/12</a:t>
+              <a:t>11/15/12</a:t>
             </a:fld>
             <a:endParaRPr lang="en-US"/>
           </a:p>
@@ -4784,7 +4786,7 @@
           <a:p>
             <a:fld id="{42C8FD29-FE79-F342-B3A1-DE230763DD95}" type="datetimeFigureOut">
               <a:rPr lang="en-US" smtClean="0"/>
-              <a:t>11/13/12</a:t>
+              <a:t>11/15/12</a:t>
             </a:fld>
             <a:endParaRPr lang="en-US"/>
           </a:p>
@@ -4954,7 +4956,7 @@
           <a:p>
             <a:fld id="{42C8FD29-FE79-F342-B3A1-DE230763DD95}" type="datetimeFigureOut">
               <a:rPr lang="en-US" smtClean="0"/>
-              <a:t>11/13/12</a:t>
+              <a:t>11/15/12</a:t>
             </a:fld>
             <a:endParaRPr lang="en-US"/>
           </a:p>
@@ -5200,7 +5202,7 @@
           <a:p>
             <a:fld id="{42C8FD29-FE79-F342-B3A1-DE230763DD95}" type="datetimeFigureOut">
               <a:rPr lang="en-US" smtClean="0"/>
-              <a:t>11/13/12</a:t>
+              <a:t>11/15/12</a:t>
             </a:fld>
             <a:endParaRPr lang="en-US"/>
           </a:p>
@@ -5488,7 +5490,7 @@
           <a:p>
             <a:fld id="{42C8FD29-FE79-F342-B3A1-DE230763DD95}" type="datetimeFigureOut">
               <a:rPr lang="en-US" smtClean="0"/>
-              <a:t>11/13/12</a:t>
+              <a:t>11/15/12</a:t>
             </a:fld>
             <a:endParaRPr lang="en-US"/>
           </a:p>
@@ -5910,7 +5912,7 @@
           <a:p>
             <a:fld id="{42C8FD29-FE79-F342-B3A1-DE230763DD95}" type="datetimeFigureOut">
               <a:rPr lang="en-US" smtClean="0"/>
-              <a:t>11/13/12</a:t>
+              <a:t>11/15/12</a:t>
             </a:fld>
             <a:endParaRPr lang="en-US"/>
           </a:p>
@@ -6028,7 +6030,7 @@
           <a:p>
             <a:fld id="{42C8FD29-FE79-F342-B3A1-DE230763DD95}" type="datetimeFigureOut">
               <a:rPr lang="en-US" smtClean="0"/>
-              <a:t>11/13/12</a:t>
+              <a:t>11/15/12</a:t>
             </a:fld>
             <a:endParaRPr lang="en-US"/>
           </a:p>
@@ -6123,7 +6125,7 @@
           <a:p>
             <a:fld id="{42C8FD29-FE79-F342-B3A1-DE230763DD95}" type="datetimeFigureOut">
               <a:rPr lang="en-US" smtClean="0"/>
-              <a:t>11/13/12</a:t>
+              <a:t>11/15/12</a:t>
             </a:fld>
             <a:endParaRPr lang="en-US"/>
           </a:p>
@@ -6400,7 +6402,7 @@
           <a:p>
             <a:fld id="{42C8FD29-FE79-F342-B3A1-DE230763DD95}" type="datetimeFigureOut">
               <a:rPr lang="en-US" smtClean="0"/>
-              <a:t>11/13/12</a:t>
+              <a:t>11/15/12</a:t>
             </a:fld>
             <a:endParaRPr lang="en-US"/>
           </a:p>
@@ -6653,7 +6655,7 @@
           <a:p>
             <a:fld id="{42C8FD29-FE79-F342-B3A1-DE230763DD95}" type="datetimeFigureOut">
               <a:rPr lang="en-US" smtClean="0"/>
-              <a:t>11/13/12</a:t>
+              <a:t>11/15/12</a:t>
             </a:fld>
             <a:endParaRPr lang="en-US"/>
           </a:p>
@@ -6866,7 +6868,7 @@
           <a:p>
             <a:fld id="{42C8FD29-FE79-F342-B3A1-DE230763DD95}" type="datetimeFigureOut">
               <a:rPr lang="en-US" smtClean="0"/>
-              <a:t>11/13/12</a:t>
+              <a:t>11/15/12</a:t>
             </a:fld>
             <a:endParaRPr lang="en-US"/>
           </a:p>
@@ -9037,6 +9039,522 @@
 </p:sld>
 </file>
 
+<file path=ppt/slides/slide5.xml><?xml version="1.0" encoding="utf-8"?>
+<p:sld xmlns:a="http://schemas.openxmlformats.org/drawingml/2006/main" xmlns:r="http://schemas.openxmlformats.org/officeDocument/2006/relationships" xmlns:p="http://schemas.openxmlformats.org/presentationml/2006/main">
+  <p:cSld>
+    <p:spTree>
+      <p:nvGrpSpPr>
+        <p:cNvPr id="1" name=""/>
+        <p:cNvGrpSpPr/>
+        <p:nvPr/>
+      </p:nvGrpSpPr>
+      <p:grpSpPr>
+        <a:xfrm>
+          <a:off x="0" y="0"/>
+          <a:ext cx="0" cy="0"/>
+          <a:chOff x="0" y="0"/>
+          <a:chExt cx="0" cy="0"/>
+        </a:xfrm>
+      </p:grpSpPr>
+      <p:sp>
+        <p:nvSpPr>
+          <p:cNvPr id="10" name="Rectangle 9"/>
+          <p:cNvSpPr/>
+          <p:nvPr/>
+        </p:nvSpPr>
+        <p:spPr>
+          <a:xfrm>
+            <a:off x="181434" y="941239"/>
+            <a:ext cx="8663483" cy="3923717"/>
+          </a:xfrm>
+          <a:prstGeom prst="rect">
+            <a:avLst/>
+          </a:prstGeom>
+          <a:solidFill>
+            <a:srgbClr val="CC9933">
+              <a:alpha val="26000"/>
+            </a:srgbClr>
+          </a:solidFill>
+        </p:spPr>
+        <p:style>
+          <a:lnRef idx="1">
+            <a:schemeClr val="accent1"/>
+          </a:lnRef>
+          <a:fillRef idx="3">
+            <a:schemeClr val="accent1"/>
+          </a:fillRef>
+          <a:effectRef idx="2">
+            <a:schemeClr val="accent1"/>
+          </a:effectRef>
+          <a:fontRef idx="minor">
+            <a:schemeClr val="lt1"/>
+          </a:fontRef>
+        </p:style>
+        <p:txBody>
+          <a:bodyPr rtlCol="0" anchor="ctr"/>
+          <a:lstStyle/>
+          <a:p>
+            <a:pPr algn="ctr"/>
+            <a:endParaRPr lang="en-US"/>
+          </a:p>
+        </p:txBody>
+      </p:sp>
+      <p:sp>
+        <p:nvSpPr>
+          <p:cNvPr id="4" name="Rectangle 3"/>
+          <p:cNvSpPr/>
+          <p:nvPr/>
+        </p:nvSpPr>
+        <p:spPr>
+          <a:xfrm>
+            <a:off x="464929" y="2528870"/>
+            <a:ext cx="782435" cy="691753"/>
+          </a:xfrm>
+          <a:prstGeom prst="rect">
+            <a:avLst/>
+          </a:prstGeom>
+          <a:solidFill>
+            <a:schemeClr val="bg2">
+              <a:lumMod val="50000"/>
+              <a:alpha val="26000"/>
+            </a:schemeClr>
+          </a:solidFill>
+          <a:ln>
+            <a:noFill/>
+          </a:ln>
+        </p:spPr>
+        <p:style>
+          <a:lnRef idx="1">
+            <a:schemeClr val="accent1"/>
+          </a:lnRef>
+          <a:fillRef idx="3">
+            <a:schemeClr val="accent1"/>
+          </a:fillRef>
+          <a:effectRef idx="2">
+            <a:schemeClr val="accent1"/>
+          </a:effectRef>
+          <a:fontRef idx="minor">
+            <a:schemeClr val="lt1"/>
+          </a:fontRef>
+        </p:style>
+        <p:txBody>
+          <a:bodyPr rtlCol="0" anchor="ctr"/>
+          <a:lstStyle/>
+          <a:p>
+            <a:pPr algn="ctr"/>
+            <a:r>
+              <a:rPr lang="en-US" dirty="0" smtClean="0">
+                <a:solidFill>
+                  <a:schemeClr val="tx1"/>
+                </a:solidFill>
+              </a:rPr>
+              <a:t>Today</a:t>
+            </a:r>
+            <a:endParaRPr lang="en-US" dirty="0">
+              <a:solidFill>
+                <a:schemeClr val="tx1"/>
+              </a:solidFill>
+            </a:endParaRPr>
+          </a:p>
+        </p:txBody>
+      </p:sp>
+      <p:sp>
+        <p:nvSpPr>
+          <p:cNvPr id="7" name="TextBox 6"/>
+          <p:cNvSpPr txBox="1"/>
+          <p:nvPr/>
+        </p:nvSpPr>
+        <p:spPr>
+          <a:xfrm>
+            <a:off x="2291575" y="2706785"/>
+            <a:ext cx="1256098" cy="305233"/>
+          </a:xfrm>
+          <a:prstGeom prst="rect">
+            <a:avLst/>
+          </a:prstGeom>
+          <a:noFill/>
+        </p:spPr>
+        <p:txBody>
+          <a:bodyPr wrap="none" rtlCol="0">
+            <a:spAutoFit/>
+          </a:bodyPr>
+          <a:lstStyle/>
+          <a:p>
+            <a:r>
+              <a:rPr lang="en-US" dirty="0" smtClean="0"/>
+              <a:t>CTO Search</a:t>
+            </a:r>
+            <a:endParaRPr lang="en-US" dirty="0"/>
+          </a:p>
+        </p:txBody>
+      </p:sp>
+      <p:pic>
+        <p:nvPicPr>
+          <p:cNvPr id="12" name="Picture 11" descr="map-31589_640.png"/>
+          <p:cNvPicPr>
+            <a:picLocks noChangeAspect="1"/>
+          </p:cNvPicPr>
+          <p:nvPr/>
+        </p:nvPicPr>
+        <p:blipFill>
+          <a:blip r:embed="rId2">
+            <a:extLst>
+              <a:ext uri="{28A0092B-C50C-407E-A947-70E740481C1C}">
+                <a14:useLocalDpi xmlns:a14="http://schemas.microsoft.com/office/drawing/2010/main" val="0"/>
+              </a:ext>
+            </a:extLst>
+          </a:blip>
+          <a:stretch>
+            <a:fillRect/>
+          </a:stretch>
+        </p:blipFill>
+        <p:spPr>
+          <a:xfrm>
+            <a:off x="2296111" y="1744463"/>
+            <a:ext cx="1456373" cy="882925"/>
+          </a:xfrm>
+          <a:prstGeom prst="rect">
+            <a:avLst/>
+          </a:prstGeom>
+        </p:spPr>
+      </p:pic>
+      <p:pic>
+        <p:nvPicPr>
+          <p:cNvPr id="13" name="Picture 12" descr="map-31589_640.png"/>
+          <p:cNvPicPr>
+            <a:picLocks noChangeAspect="1"/>
+          </p:cNvPicPr>
+          <p:nvPr/>
+        </p:nvPicPr>
+        <p:blipFill>
+          <a:blip r:embed="rId2">
+            <a:extLst>
+              <a:ext uri="{28A0092B-C50C-407E-A947-70E740481C1C}">
+                <a14:useLocalDpi xmlns:a14="http://schemas.microsoft.com/office/drawing/2010/main" val="0"/>
+              </a:ext>
+            </a:extLst>
+          </a:blip>
+          <a:stretch>
+            <a:fillRect/>
+          </a:stretch>
+        </p:blipFill>
+        <p:spPr>
+          <a:xfrm>
+            <a:off x="3541984" y="2955971"/>
+            <a:ext cx="1762211" cy="1068340"/>
+          </a:xfrm>
+          <a:prstGeom prst="rect">
+            <a:avLst/>
+          </a:prstGeom>
+        </p:spPr>
+      </p:pic>
+      <p:sp>
+        <p:nvSpPr>
+          <p:cNvPr id="14" name="TextBox 13"/>
+          <p:cNvSpPr txBox="1"/>
+          <p:nvPr/>
+        </p:nvSpPr>
+        <p:spPr>
+          <a:xfrm>
+            <a:off x="3511307" y="4024311"/>
+            <a:ext cx="2031325" cy="646331"/>
+          </a:xfrm>
+          <a:prstGeom prst="rect">
+            <a:avLst/>
+          </a:prstGeom>
+          <a:noFill/>
+        </p:spPr>
+        <p:txBody>
+          <a:bodyPr wrap="none" rtlCol="0">
+            <a:spAutoFit/>
+          </a:bodyPr>
+          <a:lstStyle/>
+          <a:p>
+            <a:pPr algn="ctr"/>
+            <a:r>
+              <a:rPr lang="en-US" dirty="0" smtClean="0"/>
+              <a:t>Flexible Technology</a:t>
+            </a:r>
+          </a:p>
+          <a:p>
+            <a:pPr algn="ctr"/>
+            <a:r>
+              <a:rPr lang="en-US" dirty="0" smtClean="0"/>
+              <a:t>Platform</a:t>
+            </a:r>
+            <a:endParaRPr lang="en-US" dirty="0"/>
+          </a:p>
+        </p:txBody>
+      </p:sp>
+      <p:pic>
+        <p:nvPicPr>
+          <p:cNvPr id="15" name="Picture 14" descr="map-31589_640.png"/>
+          <p:cNvPicPr>
+            <a:picLocks noChangeAspect="1"/>
+          </p:cNvPicPr>
+          <p:nvPr/>
+        </p:nvPicPr>
+        <p:blipFill>
+          <a:blip r:embed="rId2">
+            <a:extLst>
+              <a:ext uri="{28A0092B-C50C-407E-A947-70E740481C1C}">
+                <a14:useLocalDpi xmlns:a14="http://schemas.microsoft.com/office/drawing/2010/main" val="0"/>
+              </a:ext>
+            </a:extLst>
+          </a:blip>
+          <a:stretch>
+            <a:fillRect/>
+          </a:stretch>
+        </p:blipFill>
+        <p:spPr>
+          <a:xfrm>
+            <a:off x="5123182" y="1198155"/>
+            <a:ext cx="1762211" cy="1068340"/>
+          </a:xfrm>
+          <a:prstGeom prst="rect">
+            <a:avLst/>
+          </a:prstGeom>
+        </p:spPr>
+      </p:pic>
+      <p:sp>
+        <p:nvSpPr>
+          <p:cNvPr id="16" name="TextBox 15"/>
+          <p:cNvSpPr txBox="1"/>
+          <p:nvPr/>
+        </p:nvSpPr>
+        <p:spPr>
+          <a:xfrm>
+            <a:off x="5194565" y="2266495"/>
+            <a:ext cx="1810073" cy="369332"/>
+          </a:xfrm>
+          <a:prstGeom prst="rect">
+            <a:avLst/>
+          </a:prstGeom>
+          <a:noFill/>
+        </p:spPr>
+        <p:txBody>
+          <a:bodyPr wrap="none" rtlCol="0">
+            <a:spAutoFit/>
+          </a:bodyPr>
+          <a:lstStyle/>
+          <a:p>
+            <a:r>
+              <a:rPr lang="en-US" dirty="0" smtClean="0"/>
+              <a:t>Scaling The Team</a:t>
+            </a:r>
+            <a:endParaRPr lang="en-US" dirty="0"/>
+          </a:p>
+        </p:txBody>
+      </p:sp>
+      <p:sp>
+        <p:nvSpPr>
+          <p:cNvPr id="17" name="Rectangle 16"/>
+          <p:cNvSpPr/>
+          <p:nvPr/>
+        </p:nvSpPr>
+        <p:spPr>
+          <a:xfrm>
+            <a:off x="7489144" y="2528870"/>
+            <a:ext cx="1060942" cy="691753"/>
+          </a:xfrm>
+          <a:prstGeom prst="rect">
+            <a:avLst/>
+          </a:prstGeom>
+          <a:solidFill>
+            <a:schemeClr val="bg2">
+              <a:lumMod val="50000"/>
+              <a:alpha val="26000"/>
+            </a:schemeClr>
+          </a:solidFill>
+          <a:ln>
+            <a:noFill/>
+          </a:ln>
+        </p:spPr>
+        <p:style>
+          <a:lnRef idx="1">
+            <a:schemeClr val="accent1"/>
+          </a:lnRef>
+          <a:fillRef idx="3">
+            <a:schemeClr val="accent1"/>
+          </a:fillRef>
+          <a:effectRef idx="2">
+            <a:schemeClr val="accent1"/>
+          </a:effectRef>
+          <a:fontRef idx="minor">
+            <a:schemeClr val="lt1"/>
+          </a:fontRef>
+        </p:style>
+        <p:txBody>
+          <a:bodyPr rtlCol="0" anchor="ctr"/>
+          <a:lstStyle/>
+          <a:p>
+            <a:pPr algn="ctr"/>
+            <a:r>
+              <a:rPr lang="en-US" dirty="0" smtClean="0">
+                <a:solidFill>
+                  <a:schemeClr val="tx1"/>
+                </a:solidFill>
+              </a:rPr>
+              <a:t>Product</a:t>
+            </a:r>
+            <a:br>
+              <a:rPr lang="en-US" dirty="0" smtClean="0">
+                <a:solidFill>
+                  <a:schemeClr val="tx1"/>
+                </a:solidFill>
+              </a:rPr>
+            </a:br>
+            <a:r>
+              <a:rPr lang="en-US" dirty="0" smtClean="0">
+                <a:solidFill>
+                  <a:schemeClr val="tx1"/>
+                </a:solidFill>
+              </a:rPr>
+              <a:t>Success</a:t>
+            </a:r>
+            <a:endParaRPr lang="en-US" dirty="0">
+              <a:solidFill>
+                <a:schemeClr val="tx1"/>
+              </a:solidFill>
+            </a:endParaRPr>
+          </a:p>
+        </p:txBody>
+      </p:sp>
+    </p:spTree>
+    <p:extLst>
+      <p:ext uri="{BB962C8B-B14F-4D97-AF65-F5344CB8AC3E}">
+        <p14:creationId xmlns:p14="http://schemas.microsoft.com/office/powerpoint/2010/main" val="1619281476"/>
+      </p:ext>
+    </p:extLst>
+  </p:cSld>
+  <p:clrMapOvr>
+    <a:masterClrMapping/>
+  </p:clrMapOvr>
+</p:sld>
+</file>
+
+<file path=ppt/slides/slide6.xml><?xml version="1.0" encoding="utf-8"?>
+<p:sld xmlns:a="http://schemas.openxmlformats.org/drawingml/2006/main" xmlns:r="http://schemas.openxmlformats.org/officeDocument/2006/relationships" xmlns:p="http://schemas.openxmlformats.org/presentationml/2006/main">
+  <p:cSld>
+    <p:spTree>
+      <p:nvGrpSpPr>
+        <p:cNvPr id="1" name=""/>
+        <p:cNvGrpSpPr/>
+        <p:nvPr/>
+      </p:nvGrpSpPr>
+      <p:grpSpPr>
+        <a:xfrm>
+          <a:off x="0" y="0"/>
+          <a:ext cx="0" cy="0"/>
+          <a:chOff x="0" y="0"/>
+          <a:chExt cx="0" cy="0"/>
+        </a:xfrm>
+      </p:grpSpPr>
+      <p:sp>
+        <p:nvSpPr>
+          <p:cNvPr id="2" name="Title 1"/>
+          <p:cNvSpPr>
+            <a:spLocks noGrp="1"/>
+          </p:cNvSpPr>
+          <p:nvPr>
+            <p:ph type="title"/>
+          </p:nvPr>
+        </p:nvSpPr>
+        <p:spPr/>
+        <p:txBody>
+          <a:bodyPr>
+            <a:noAutofit/>
+          </a:bodyPr>
+          <a:lstStyle/>
+          <a:p>
+            <a:r>
+              <a:rPr lang="en-US" sz="2400" dirty="0" err="1"/>
+              <a:t>Scandi</a:t>
+            </a:r>
+            <a:r>
+              <a:rPr lang="en-US" sz="2400" dirty="0"/>
+              <a:t> Labs helps startups overcome technology obstacles.</a:t>
+            </a:r>
+          </a:p>
+        </p:txBody>
+      </p:sp>
+      <p:pic>
+        <p:nvPicPr>
+          <p:cNvPr id="5" name="Picture 4" descr="rocks.png"/>
+          <p:cNvPicPr>
+            <a:picLocks noChangeAspect="1"/>
+          </p:cNvPicPr>
+          <p:nvPr/>
+        </p:nvPicPr>
+        <p:blipFill>
+          <a:blip r:embed="rId2">
+            <a:extLst>
+              <a:ext uri="{28A0092B-C50C-407E-A947-70E740481C1C}">
+                <a14:useLocalDpi xmlns:a14="http://schemas.microsoft.com/office/drawing/2010/main" val="0"/>
+              </a:ext>
+            </a:extLst>
+          </a:blip>
+          <a:stretch>
+            <a:fillRect/>
+          </a:stretch>
+        </p:blipFill>
+        <p:spPr>
+          <a:xfrm>
+            <a:off x="0" y="1343029"/>
+            <a:ext cx="9144000" cy="3665157"/>
+          </a:xfrm>
+          <a:prstGeom prst="rect">
+            <a:avLst/>
+          </a:prstGeom>
+        </p:spPr>
+      </p:pic>
+      <p:sp>
+        <p:nvSpPr>
+          <p:cNvPr id="6" name="TextBox 5"/>
+          <p:cNvSpPr txBox="1"/>
+          <p:nvPr/>
+        </p:nvSpPr>
+        <p:spPr>
+          <a:xfrm>
+            <a:off x="454224" y="2880417"/>
+            <a:ext cx="8232576" cy="369332"/>
+          </a:xfrm>
+          <a:prstGeom prst="rect">
+            <a:avLst/>
+          </a:prstGeom>
+          <a:solidFill>
+            <a:schemeClr val="bg1">
+              <a:alpha val="79000"/>
+            </a:schemeClr>
+          </a:solidFill>
+        </p:spPr>
+        <p:txBody>
+          <a:bodyPr wrap="square" rtlCol="0">
+            <a:spAutoFit/>
+          </a:bodyPr>
+          <a:lstStyle/>
+          <a:p>
+            <a:pPr algn="ctr"/>
+            <a:r>
+              <a:rPr lang="en-US" dirty="0" smtClean="0"/>
+              <a:t>CTO Search  |  Technology Platform  |  Scaling The Team  |  MVP Development</a:t>
+            </a:r>
+          </a:p>
+        </p:txBody>
+      </p:sp>
+    </p:spTree>
+    <p:extLst>
+      <p:ext uri="{BB962C8B-B14F-4D97-AF65-F5344CB8AC3E}">
+        <p14:creationId xmlns:p14="http://schemas.microsoft.com/office/powerpoint/2010/main" val="4107468049"/>
+      </p:ext>
+    </p:extLst>
+  </p:cSld>
+  <p:clrMapOvr>
+    <a:masterClrMapping/>
+  </p:clrMapOvr>
+</p:sld>
+</file>
+
 <file path=ppt/theme/theme1.xml><?xml version="1.0" encoding="utf-8"?>
 <a:theme xmlns:a="http://schemas.openxmlformats.org/drawingml/2006/main" name="Office Theme">
   <a:themeElements>

--- a/SL_website_components.pptx
+++ b/SL_website_components.pptx
@@ -11,6 +11,7 @@
     <p:sldId id="260" r:id="rId5"/>
     <p:sldId id="261" r:id="rId6"/>
     <p:sldId id="262" r:id="rId7"/>
+    <p:sldId id="264" r:id="rId8"/>
   </p:sldIdLst>
   <p:sldSz cx="9144000" cy="6858000" type="screen4x3"/>
   <p:notesSz cx="6858000" cy="9144000"/>
@@ -859,6 +860,753 @@
 </dgm:colorsDef>
 </file>
 
+<file path=ppt/diagrams/colors2.xml><?xml version="1.0" encoding="utf-8"?>
+<dgm:colorsDef xmlns:dgm="http://schemas.openxmlformats.org/drawingml/2006/diagram" xmlns:a="http://schemas.openxmlformats.org/drawingml/2006/main" uniqueId="urn:microsoft.com/office/officeart/2005/8/colors/accent1_2">
+  <dgm:title val=""/>
+  <dgm:desc val=""/>
+  <dgm:catLst>
+    <dgm:cat type="accent1" pri="11200"/>
+  </dgm:catLst>
+  <dgm:styleLbl name="node0">
+    <dgm:fillClrLst meth="repeat">
+      <a:schemeClr val="accent1"/>
+    </dgm:fillClrLst>
+    <dgm:linClrLst meth="repeat">
+      <a:schemeClr val="lt1"/>
+    </dgm:linClrLst>
+    <dgm:effectClrLst/>
+    <dgm:txLinClrLst/>
+    <dgm:txFillClrLst/>
+    <dgm:txEffectClrLst/>
+  </dgm:styleLbl>
+  <dgm:styleLbl name="alignNode1">
+    <dgm:fillClrLst meth="repeat">
+      <a:schemeClr val="accent1"/>
+    </dgm:fillClrLst>
+    <dgm:linClrLst meth="repeat">
+      <a:schemeClr val="accent1"/>
+    </dgm:linClrLst>
+    <dgm:effectClrLst/>
+    <dgm:txLinClrLst/>
+    <dgm:txFillClrLst/>
+    <dgm:txEffectClrLst/>
+  </dgm:styleLbl>
+  <dgm:styleLbl name="node1">
+    <dgm:fillClrLst meth="repeat">
+      <a:schemeClr val="accent1"/>
+    </dgm:fillClrLst>
+    <dgm:linClrLst meth="repeat">
+      <a:schemeClr val="lt1"/>
+    </dgm:linClrLst>
+    <dgm:effectClrLst/>
+    <dgm:txLinClrLst/>
+    <dgm:txFillClrLst/>
+    <dgm:txEffectClrLst/>
+  </dgm:styleLbl>
+  <dgm:styleLbl name="lnNode1">
+    <dgm:fillClrLst meth="repeat">
+      <a:schemeClr val="accent1"/>
+    </dgm:fillClrLst>
+    <dgm:linClrLst meth="repeat">
+      <a:schemeClr val="lt1"/>
+    </dgm:linClrLst>
+    <dgm:effectClrLst/>
+    <dgm:txLinClrLst/>
+    <dgm:txFillClrLst/>
+    <dgm:txEffectClrLst/>
+  </dgm:styleLbl>
+  <dgm:styleLbl name="vennNode1">
+    <dgm:fillClrLst meth="repeat">
+      <a:schemeClr val="accent1">
+        <a:alpha val="50000"/>
+      </a:schemeClr>
+    </dgm:fillClrLst>
+    <dgm:linClrLst meth="repeat">
+      <a:schemeClr val="lt1"/>
+    </dgm:linClrLst>
+    <dgm:effectClrLst/>
+    <dgm:txLinClrLst/>
+    <dgm:txFillClrLst/>
+    <dgm:txEffectClrLst/>
+  </dgm:styleLbl>
+  <dgm:styleLbl name="node2">
+    <dgm:fillClrLst meth="repeat">
+      <a:schemeClr val="accent1"/>
+    </dgm:fillClrLst>
+    <dgm:linClrLst meth="repeat">
+      <a:schemeClr val="lt1"/>
+    </dgm:linClrLst>
+    <dgm:effectClrLst/>
+    <dgm:txLinClrLst/>
+    <dgm:txFillClrLst/>
+    <dgm:txEffectClrLst/>
+  </dgm:styleLbl>
+  <dgm:styleLbl name="node3">
+    <dgm:fillClrLst meth="repeat">
+      <a:schemeClr val="accent1"/>
+    </dgm:fillClrLst>
+    <dgm:linClrLst meth="repeat">
+      <a:schemeClr val="lt1"/>
+    </dgm:linClrLst>
+    <dgm:effectClrLst/>
+    <dgm:txLinClrLst/>
+    <dgm:txFillClrLst/>
+    <dgm:txEffectClrLst/>
+  </dgm:styleLbl>
+  <dgm:styleLbl name="node4">
+    <dgm:fillClrLst meth="repeat">
+      <a:schemeClr val="accent1"/>
+    </dgm:fillClrLst>
+    <dgm:linClrLst meth="repeat">
+      <a:schemeClr val="lt1"/>
+    </dgm:linClrLst>
+    <dgm:effectClrLst/>
+    <dgm:txLinClrLst/>
+    <dgm:txFillClrLst/>
+    <dgm:txEffectClrLst/>
+  </dgm:styleLbl>
+  <dgm:styleLbl name="fgImgPlace1">
+    <dgm:fillClrLst meth="repeat">
+      <a:schemeClr val="accent1">
+        <a:tint val="50000"/>
+      </a:schemeClr>
+    </dgm:fillClrLst>
+    <dgm:linClrLst meth="repeat">
+      <a:schemeClr val="lt1"/>
+    </dgm:linClrLst>
+    <dgm:effectClrLst/>
+    <dgm:txLinClrLst/>
+    <dgm:txFillClrLst meth="repeat">
+      <a:schemeClr val="lt1"/>
+    </dgm:txFillClrLst>
+    <dgm:txEffectClrLst/>
+  </dgm:styleLbl>
+  <dgm:styleLbl name="alignImgPlace1">
+    <dgm:fillClrLst meth="repeat">
+      <a:schemeClr val="accent1">
+        <a:tint val="50000"/>
+      </a:schemeClr>
+    </dgm:fillClrLst>
+    <dgm:linClrLst meth="repeat">
+      <a:schemeClr val="lt1"/>
+    </dgm:linClrLst>
+    <dgm:effectClrLst/>
+    <dgm:txLinClrLst/>
+    <dgm:txFillClrLst meth="repeat">
+      <a:schemeClr val="lt1"/>
+    </dgm:txFillClrLst>
+    <dgm:txEffectClrLst/>
+  </dgm:styleLbl>
+  <dgm:styleLbl name="bgImgPlace1">
+    <dgm:fillClrLst meth="repeat">
+      <a:schemeClr val="accent1">
+        <a:tint val="50000"/>
+      </a:schemeClr>
+    </dgm:fillClrLst>
+    <dgm:linClrLst meth="repeat">
+      <a:schemeClr val="lt1"/>
+    </dgm:linClrLst>
+    <dgm:effectClrLst/>
+    <dgm:txLinClrLst/>
+    <dgm:txFillClrLst meth="repeat">
+      <a:schemeClr val="lt1"/>
+    </dgm:txFillClrLst>
+    <dgm:txEffectClrLst/>
+  </dgm:styleLbl>
+  <dgm:styleLbl name="sibTrans2D1">
+    <dgm:fillClrLst meth="repeat">
+      <a:schemeClr val="accent1">
+        <a:tint val="60000"/>
+      </a:schemeClr>
+    </dgm:fillClrLst>
+    <dgm:linClrLst meth="repeat">
+      <a:schemeClr val="accent1">
+        <a:tint val="60000"/>
+      </a:schemeClr>
+    </dgm:linClrLst>
+    <dgm:effectClrLst/>
+    <dgm:txLinClrLst/>
+    <dgm:txFillClrLst/>
+    <dgm:txEffectClrLst/>
+  </dgm:styleLbl>
+  <dgm:styleLbl name="fgSibTrans2D1">
+    <dgm:fillClrLst meth="repeat">
+      <a:schemeClr val="accent1">
+        <a:tint val="60000"/>
+      </a:schemeClr>
+    </dgm:fillClrLst>
+    <dgm:linClrLst meth="repeat">
+      <a:schemeClr val="accent1">
+        <a:tint val="60000"/>
+      </a:schemeClr>
+    </dgm:linClrLst>
+    <dgm:effectClrLst/>
+    <dgm:txLinClrLst/>
+    <dgm:txFillClrLst/>
+    <dgm:txEffectClrLst/>
+  </dgm:styleLbl>
+  <dgm:styleLbl name="bgSibTrans2D1">
+    <dgm:fillClrLst meth="repeat">
+      <a:schemeClr val="accent1">
+        <a:tint val="60000"/>
+      </a:schemeClr>
+    </dgm:fillClrLst>
+    <dgm:linClrLst meth="repeat">
+      <a:schemeClr val="accent1">
+        <a:tint val="60000"/>
+      </a:schemeClr>
+    </dgm:linClrLst>
+    <dgm:effectClrLst/>
+    <dgm:txLinClrLst/>
+    <dgm:txFillClrLst/>
+    <dgm:txEffectClrLst/>
+  </dgm:styleLbl>
+  <dgm:styleLbl name="sibTrans1D1">
+    <dgm:fillClrLst meth="repeat">
+      <a:schemeClr val="accent1"/>
+    </dgm:fillClrLst>
+    <dgm:linClrLst meth="repeat">
+      <a:schemeClr val="accent1"/>
+    </dgm:linClrLst>
+    <dgm:effectClrLst/>
+    <dgm:txLinClrLst/>
+    <dgm:txFillClrLst meth="repeat">
+      <a:schemeClr val="tx1"/>
+    </dgm:txFillClrLst>
+    <dgm:txEffectClrLst/>
+  </dgm:styleLbl>
+  <dgm:styleLbl name="callout">
+    <dgm:fillClrLst meth="repeat">
+      <a:schemeClr val="accent1"/>
+    </dgm:fillClrLst>
+    <dgm:linClrLst meth="repeat">
+      <a:schemeClr val="accent1">
+        <a:tint val="50000"/>
+      </a:schemeClr>
+    </dgm:linClrLst>
+    <dgm:effectClrLst/>
+    <dgm:txLinClrLst/>
+    <dgm:txFillClrLst meth="repeat">
+      <a:schemeClr val="tx1"/>
+    </dgm:txFillClrLst>
+    <dgm:txEffectClrLst/>
+  </dgm:styleLbl>
+  <dgm:styleLbl name="asst0">
+    <dgm:fillClrLst meth="repeat">
+      <a:schemeClr val="accent1"/>
+    </dgm:fillClrLst>
+    <dgm:linClrLst meth="repeat">
+      <a:schemeClr val="lt1"/>
+    </dgm:linClrLst>
+    <dgm:effectClrLst/>
+    <dgm:txLinClrLst/>
+    <dgm:txFillClrLst/>
+    <dgm:txEffectClrLst/>
+  </dgm:styleLbl>
+  <dgm:styleLbl name="asst1">
+    <dgm:fillClrLst meth="repeat">
+      <a:schemeClr val="accent1"/>
+    </dgm:fillClrLst>
+    <dgm:linClrLst meth="repeat">
+      <a:schemeClr val="lt1"/>
+    </dgm:linClrLst>
+    <dgm:effectClrLst/>
+    <dgm:txLinClrLst/>
+    <dgm:txFillClrLst/>
+    <dgm:txEffectClrLst/>
+  </dgm:styleLbl>
+  <dgm:styleLbl name="asst2">
+    <dgm:fillClrLst meth="repeat">
+      <a:schemeClr val="accent1"/>
+    </dgm:fillClrLst>
+    <dgm:linClrLst meth="repeat">
+      <a:schemeClr val="lt1"/>
+    </dgm:linClrLst>
+    <dgm:effectClrLst/>
+    <dgm:txLinClrLst/>
+    <dgm:txFillClrLst/>
+    <dgm:txEffectClrLst/>
+  </dgm:styleLbl>
+  <dgm:styleLbl name="asst3">
+    <dgm:fillClrLst meth="repeat">
+      <a:schemeClr val="accent1"/>
+    </dgm:fillClrLst>
+    <dgm:linClrLst meth="repeat">
+      <a:schemeClr val="lt1"/>
+    </dgm:linClrLst>
+    <dgm:effectClrLst/>
+    <dgm:txLinClrLst/>
+    <dgm:txFillClrLst/>
+    <dgm:txEffectClrLst/>
+  </dgm:styleLbl>
+  <dgm:styleLbl name="asst4">
+    <dgm:fillClrLst meth="repeat">
+      <a:schemeClr val="accent1"/>
+    </dgm:fillClrLst>
+    <dgm:linClrLst meth="repeat">
+      <a:schemeClr val="lt1"/>
+    </dgm:linClrLst>
+    <dgm:effectClrLst/>
+    <dgm:txLinClrLst/>
+    <dgm:txFillClrLst/>
+    <dgm:txEffectClrLst/>
+  </dgm:styleLbl>
+  <dgm:styleLbl name="parChTrans2D1">
+    <dgm:fillClrLst meth="repeat">
+      <a:schemeClr val="accent1">
+        <a:tint val="60000"/>
+      </a:schemeClr>
+    </dgm:fillClrLst>
+    <dgm:linClrLst meth="repeat">
+      <a:schemeClr val="accent1">
+        <a:tint val="60000"/>
+      </a:schemeClr>
+    </dgm:linClrLst>
+    <dgm:effectClrLst/>
+    <dgm:txLinClrLst/>
+    <dgm:txFillClrLst meth="repeat">
+      <a:schemeClr val="lt1"/>
+    </dgm:txFillClrLst>
+    <dgm:txEffectClrLst/>
+  </dgm:styleLbl>
+  <dgm:styleLbl name="parChTrans2D2">
+    <dgm:fillClrLst meth="repeat">
+      <a:schemeClr val="accent1"/>
+    </dgm:fillClrLst>
+    <dgm:linClrLst meth="repeat">
+      <a:schemeClr val="accent1"/>
+    </dgm:linClrLst>
+    <dgm:effectClrLst/>
+    <dgm:txLinClrLst/>
+    <dgm:txFillClrLst meth="repeat">
+      <a:schemeClr val="lt1"/>
+    </dgm:txFillClrLst>
+    <dgm:txEffectClrLst/>
+  </dgm:styleLbl>
+  <dgm:styleLbl name="parChTrans2D3">
+    <dgm:fillClrLst meth="repeat">
+      <a:schemeClr val="accent1"/>
+    </dgm:fillClrLst>
+    <dgm:linClrLst meth="repeat">
+      <a:schemeClr val="accent1"/>
+    </dgm:linClrLst>
+    <dgm:effectClrLst/>
+    <dgm:txLinClrLst/>
+    <dgm:txFillClrLst meth="repeat">
+      <a:schemeClr val="lt1"/>
+    </dgm:txFillClrLst>
+    <dgm:txEffectClrLst/>
+  </dgm:styleLbl>
+  <dgm:styleLbl name="parChTrans2D4">
+    <dgm:fillClrLst meth="repeat">
+      <a:schemeClr val="accent1"/>
+    </dgm:fillClrLst>
+    <dgm:linClrLst meth="repeat">
+      <a:schemeClr val="accent1"/>
+    </dgm:linClrLst>
+    <dgm:effectClrLst/>
+    <dgm:txLinClrLst/>
+    <dgm:txFillClrLst meth="repeat">
+      <a:schemeClr val="lt1"/>
+    </dgm:txFillClrLst>
+    <dgm:txEffectClrLst/>
+  </dgm:styleLbl>
+  <dgm:styleLbl name="parChTrans1D1">
+    <dgm:fillClrLst meth="repeat">
+      <a:schemeClr val="accent1"/>
+    </dgm:fillClrLst>
+    <dgm:linClrLst meth="repeat">
+      <a:schemeClr val="accent1">
+        <a:shade val="60000"/>
+      </a:schemeClr>
+    </dgm:linClrLst>
+    <dgm:effectClrLst/>
+    <dgm:txLinClrLst/>
+    <dgm:txFillClrLst meth="repeat">
+      <a:schemeClr val="tx1"/>
+    </dgm:txFillClrLst>
+    <dgm:txEffectClrLst/>
+  </dgm:styleLbl>
+  <dgm:styleLbl name="parChTrans1D2">
+    <dgm:fillClrLst meth="repeat">
+      <a:schemeClr val="accent1"/>
+    </dgm:fillClrLst>
+    <dgm:linClrLst meth="repeat">
+      <a:schemeClr val="accent1">
+        <a:shade val="60000"/>
+      </a:schemeClr>
+    </dgm:linClrLst>
+    <dgm:effectClrLst/>
+    <dgm:txLinClrLst/>
+    <dgm:txFillClrLst meth="repeat">
+      <a:schemeClr val="tx1"/>
+    </dgm:txFillClrLst>
+    <dgm:txEffectClrLst/>
+  </dgm:styleLbl>
+  <dgm:styleLbl name="parChTrans1D3">
+    <dgm:fillClrLst meth="repeat">
+      <a:schemeClr val="accent1"/>
+    </dgm:fillClrLst>
+    <dgm:linClrLst meth="repeat">
+      <a:schemeClr val="accent1">
+        <a:shade val="80000"/>
+      </a:schemeClr>
+    </dgm:linClrLst>
+    <dgm:effectClrLst/>
+    <dgm:txLinClrLst/>
+    <dgm:txFillClrLst meth="repeat">
+      <a:schemeClr val="tx1"/>
+    </dgm:txFillClrLst>
+    <dgm:txEffectClrLst/>
+  </dgm:styleLbl>
+  <dgm:styleLbl name="parChTrans1D4">
+    <dgm:fillClrLst meth="repeat">
+      <a:schemeClr val="accent1"/>
+    </dgm:fillClrLst>
+    <dgm:linClrLst meth="repeat">
+      <a:schemeClr val="accent1">
+        <a:shade val="80000"/>
+      </a:schemeClr>
+    </dgm:linClrLst>
+    <dgm:effectClrLst/>
+    <dgm:txLinClrLst/>
+    <dgm:txFillClrLst meth="repeat">
+      <a:schemeClr val="tx1"/>
+    </dgm:txFillClrLst>
+    <dgm:txEffectClrLst/>
+  </dgm:styleLbl>
+  <dgm:styleLbl name="fgAcc1">
+    <dgm:fillClrLst meth="repeat">
+      <a:schemeClr val="lt1">
+        <a:alpha val="90000"/>
+      </a:schemeClr>
+    </dgm:fillClrLst>
+    <dgm:linClrLst meth="repeat">
+      <a:schemeClr val="accent1"/>
+    </dgm:linClrLst>
+    <dgm:effectClrLst/>
+    <dgm:txLinClrLst/>
+    <dgm:txFillClrLst meth="repeat">
+      <a:schemeClr val="dk1"/>
+    </dgm:txFillClrLst>
+    <dgm:txEffectClrLst/>
+  </dgm:styleLbl>
+  <dgm:styleLbl name="conFgAcc1">
+    <dgm:fillClrLst meth="repeat">
+      <a:schemeClr val="lt1">
+        <a:alpha val="90000"/>
+      </a:schemeClr>
+    </dgm:fillClrLst>
+    <dgm:linClrLst meth="repeat">
+      <a:schemeClr val="accent1"/>
+    </dgm:linClrLst>
+    <dgm:effectClrLst/>
+    <dgm:txLinClrLst/>
+    <dgm:txFillClrLst meth="repeat">
+      <a:schemeClr val="dk1"/>
+    </dgm:txFillClrLst>
+    <dgm:txEffectClrLst/>
+  </dgm:styleLbl>
+  <dgm:styleLbl name="alignAcc1">
+    <dgm:fillClrLst meth="repeat">
+      <a:schemeClr val="lt1">
+        <a:alpha val="90000"/>
+      </a:schemeClr>
+    </dgm:fillClrLst>
+    <dgm:linClrLst meth="repeat">
+      <a:schemeClr val="accent1"/>
+    </dgm:linClrLst>
+    <dgm:effectClrLst/>
+    <dgm:txLinClrLst/>
+    <dgm:txFillClrLst meth="repeat">
+      <a:schemeClr val="dk1"/>
+    </dgm:txFillClrLst>
+    <dgm:txEffectClrLst/>
+  </dgm:styleLbl>
+  <dgm:styleLbl name="trAlignAcc1">
+    <dgm:fillClrLst meth="repeat">
+      <a:schemeClr val="lt1">
+        <a:alpha val="40000"/>
+      </a:schemeClr>
+    </dgm:fillClrLst>
+    <dgm:linClrLst meth="repeat">
+      <a:schemeClr val="accent1"/>
+    </dgm:linClrLst>
+    <dgm:effectClrLst/>
+    <dgm:txLinClrLst/>
+    <dgm:txFillClrLst meth="repeat">
+      <a:schemeClr val="dk1"/>
+    </dgm:txFillClrLst>
+    <dgm:txEffectClrLst/>
+  </dgm:styleLbl>
+  <dgm:styleLbl name="bgAcc1">
+    <dgm:fillClrLst meth="repeat">
+      <a:schemeClr val="lt1">
+        <a:alpha val="90000"/>
+      </a:schemeClr>
+    </dgm:fillClrLst>
+    <dgm:linClrLst meth="repeat">
+      <a:schemeClr val="accent1"/>
+    </dgm:linClrLst>
+    <dgm:effectClrLst/>
+    <dgm:txLinClrLst/>
+    <dgm:txFillClrLst meth="repeat">
+      <a:schemeClr val="dk1"/>
+    </dgm:txFillClrLst>
+    <dgm:txEffectClrLst/>
+  </dgm:styleLbl>
+  <dgm:styleLbl name="solidFgAcc1">
+    <dgm:fillClrLst meth="repeat">
+      <a:schemeClr val="lt1"/>
+    </dgm:fillClrLst>
+    <dgm:linClrLst meth="repeat">
+      <a:schemeClr val="accent1"/>
+    </dgm:linClrLst>
+    <dgm:effectClrLst/>
+    <dgm:txLinClrLst/>
+    <dgm:txFillClrLst meth="repeat">
+      <a:schemeClr val="dk1"/>
+    </dgm:txFillClrLst>
+    <dgm:txEffectClrLst/>
+  </dgm:styleLbl>
+  <dgm:styleLbl name="solidAlignAcc1">
+    <dgm:fillClrLst meth="repeat">
+      <a:schemeClr val="lt1"/>
+    </dgm:fillClrLst>
+    <dgm:linClrLst meth="repeat">
+      <a:schemeClr val="accent1"/>
+    </dgm:linClrLst>
+    <dgm:effectClrLst/>
+    <dgm:txLinClrLst/>
+    <dgm:txFillClrLst meth="repeat">
+      <a:schemeClr val="dk1"/>
+    </dgm:txFillClrLst>
+    <dgm:txEffectClrLst/>
+  </dgm:styleLbl>
+  <dgm:styleLbl name="solidBgAcc1">
+    <dgm:fillClrLst meth="repeat">
+      <a:schemeClr val="lt1"/>
+    </dgm:fillClrLst>
+    <dgm:linClrLst meth="repeat">
+      <a:schemeClr val="accent1"/>
+    </dgm:linClrLst>
+    <dgm:effectClrLst/>
+    <dgm:txLinClrLst/>
+    <dgm:txFillClrLst meth="repeat">
+      <a:schemeClr val="dk1"/>
+    </dgm:txFillClrLst>
+    <dgm:txEffectClrLst/>
+  </dgm:styleLbl>
+  <dgm:styleLbl name="fgAccFollowNode1">
+    <dgm:fillClrLst meth="repeat">
+      <a:schemeClr val="accent1">
+        <a:alpha val="90000"/>
+        <a:tint val="40000"/>
+      </a:schemeClr>
+    </dgm:fillClrLst>
+    <dgm:linClrLst meth="repeat">
+      <a:schemeClr val="accent1">
+        <a:alpha val="90000"/>
+        <a:tint val="40000"/>
+      </a:schemeClr>
+    </dgm:linClrLst>
+    <dgm:effectClrLst/>
+    <dgm:txLinClrLst/>
+    <dgm:txFillClrLst meth="repeat">
+      <a:schemeClr val="dk1"/>
+    </dgm:txFillClrLst>
+    <dgm:txEffectClrLst/>
+  </dgm:styleLbl>
+  <dgm:styleLbl name="alignAccFollowNode1">
+    <dgm:fillClrLst meth="repeat">
+      <a:schemeClr val="accent1">
+        <a:alpha val="90000"/>
+        <a:tint val="40000"/>
+      </a:schemeClr>
+    </dgm:fillClrLst>
+    <dgm:linClrLst meth="repeat">
+      <a:schemeClr val="accent1">
+        <a:alpha val="90000"/>
+        <a:tint val="40000"/>
+      </a:schemeClr>
+    </dgm:linClrLst>
+    <dgm:effectClrLst/>
+    <dgm:txLinClrLst/>
+    <dgm:txFillClrLst meth="repeat">
+      <a:schemeClr val="dk1"/>
+    </dgm:txFillClrLst>
+    <dgm:txEffectClrLst/>
+  </dgm:styleLbl>
+  <dgm:styleLbl name="bgAccFollowNode1">
+    <dgm:fillClrLst meth="repeat">
+      <a:schemeClr val="accent1">
+        <a:alpha val="90000"/>
+        <a:tint val="40000"/>
+      </a:schemeClr>
+    </dgm:fillClrLst>
+    <dgm:linClrLst meth="repeat">
+      <a:schemeClr val="accent1">
+        <a:alpha val="90000"/>
+        <a:tint val="40000"/>
+      </a:schemeClr>
+    </dgm:linClrLst>
+    <dgm:effectClrLst/>
+    <dgm:txLinClrLst/>
+    <dgm:txFillClrLst meth="repeat">
+      <a:schemeClr val="dk1"/>
+    </dgm:txFillClrLst>
+    <dgm:txEffectClrLst/>
+  </dgm:styleLbl>
+  <dgm:styleLbl name="fgAcc0">
+    <dgm:fillClrLst meth="repeat">
+      <a:schemeClr val="lt1">
+        <a:alpha val="90000"/>
+      </a:schemeClr>
+    </dgm:fillClrLst>
+    <dgm:linClrLst meth="repeat">
+      <a:schemeClr val="accent1"/>
+    </dgm:linClrLst>
+    <dgm:effectClrLst/>
+    <dgm:txLinClrLst/>
+    <dgm:txFillClrLst meth="repeat">
+      <a:schemeClr val="dk1"/>
+    </dgm:txFillClrLst>
+    <dgm:txEffectClrLst/>
+  </dgm:styleLbl>
+  <dgm:styleLbl name="fgAcc2">
+    <dgm:fillClrLst meth="repeat">
+      <a:schemeClr val="lt1">
+        <a:alpha val="90000"/>
+      </a:schemeClr>
+    </dgm:fillClrLst>
+    <dgm:linClrLst meth="repeat">
+      <a:schemeClr val="accent1"/>
+    </dgm:linClrLst>
+    <dgm:effectClrLst/>
+    <dgm:txLinClrLst/>
+    <dgm:txFillClrLst meth="repeat">
+      <a:schemeClr val="dk1"/>
+    </dgm:txFillClrLst>
+    <dgm:txEffectClrLst/>
+  </dgm:styleLbl>
+  <dgm:styleLbl name="fgAcc3">
+    <dgm:fillClrLst meth="repeat">
+      <a:schemeClr val="lt1">
+        <a:alpha val="90000"/>
+      </a:schemeClr>
+    </dgm:fillClrLst>
+    <dgm:linClrLst meth="repeat">
+      <a:schemeClr val="accent1"/>
+    </dgm:linClrLst>
+    <dgm:effectClrLst/>
+    <dgm:txLinClrLst/>
+    <dgm:txFillClrLst meth="repeat">
+      <a:schemeClr val="dk1"/>
+    </dgm:txFillClrLst>
+    <dgm:txEffectClrLst/>
+  </dgm:styleLbl>
+  <dgm:styleLbl name="fgAcc4">
+    <dgm:fillClrLst meth="repeat">
+      <a:schemeClr val="lt1">
+        <a:alpha val="90000"/>
+      </a:schemeClr>
+    </dgm:fillClrLst>
+    <dgm:linClrLst meth="repeat">
+      <a:schemeClr val="accent1"/>
+    </dgm:linClrLst>
+    <dgm:effectClrLst/>
+    <dgm:txLinClrLst/>
+    <dgm:txFillClrLst meth="repeat">
+      <a:schemeClr val="dk1"/>
+    </dgm:txFillClrLst>
+    <dgm:txEffectClrLst/>
+  </dgm:styleLbl>
+  <dgm:styleLbl name="bgShp">
+    <dgm:fillClrLst meth="repeat">
+      <a:schemeClr val="accent1">
+        <a:tint val="40000"/>
+      </a:schemeClr>
+    </dgm:fillClrLst>
+    <dgm:linClrLst meth="repeat">
+      <a:schemeClr val="accent1"/>
+    </dgm:linClrLst>
+    <dgm:effectClrLst/>
+    <dgm:txLinClrLst/>
+    <dgm:txFillClrLst meth="repeat">
+      <a:schemeClr val="dk1"/>
+    </dgm:txFillClrLst>
+    <dgm:txEffectClrLst/>
+  </dgm:styleLbl>
+  <dgm:styleLbl name="dkBgShp">
+    <dgm:fillClrLst meth="repeat">
+      <a:schemeClr val="accent1">
+        <a:shade val="80000"/>
+      </a:schemeClr>
+    </dgm:fillClrLst>
+    <dgm:linClrLst meth="repeat">
+      <a:schemeClr val="accent1"/>
+    </dgm:linClrLst>
+    <dgm:effectClrLst/>
+    <dgm:txLinClrLst/>
+    <dgm:txFillClrLst meth="repeat">
+      <a:schemeClr val="lt1"/>
+    </dgm:txFillClrLst>
+    <dgm:txEffectClrLst/>
+  </dgm:styleLbl>
+  <dgm:styleLbl name="trBgShp">
+    <dgm:fillClrLst meth="repeat">
+      <a:schemeClr val="accent1">
+        <a:tint val="50000"/>
+        <a:alpha val="40000"/>
+      </a:schemeClr>
+    </dgm:fillClrLst>
+    <dgm:linClrLst meth="repeat">
+      <a:schemeClr val="accent1"/>
+    </dgm:linClrLst>
+    <dgm:effectClrLst/>
+    <dgm:txLinClrLst/>
+    <dgm:txFillClrLst meth="repeat">
+      <a:schemeClr val="lt1"/>
+    </dgm:txFillClrLst>
+    <dgm:txEffectClrLst/>
+  </dgm:styleLbl>
+  <dgm:styleLbl name="fgShp">
+    <dgm:fillClrLst meth="repeat">
+      <a:schemeClr val="accent1">
+        <a:tint val="60000"/>
+      </a:schemeClr>
+    </dgm:fillClrLst>
+    <dgm:linClrLst meth="repeat">
+      <a:schemeClr val="lt1"/>
+    </dgm:linClrLst>
+    <dgm:effectClrLst/>
+    <dgm:txLinClrLst/>
+    <dgm:txFillClrLst meth="repeat">
+      <a:schemeClr val="dk1"/>
+    </dgm:txFillClrLst>
+    <dgm:txEffectClrLst/>
+  </dgm:styleLbl>
+  <dgm:styleLbl name="revTx">
+    <dgm:fillClrLst meth="repeat">
+      <a:schemeClr val="lt1">
+        <a:alpha val="0"/>
+      </a:schemeClr>
+    </dgm:fillClrLst>
+    <dgm:linClrLst meth="repeat">
+      <a:schemeClr val="dk1">
+        <a:alpha val="0"/>
+      </a:schemeClr>
+    </dgm:linClrLst>
+    <dgm:effectClrLst/>
+    <dgm:txLinClrLst/>
+    <dgm:txFillClrLst meth="repeat">
+      <a:schemeClr val="tx1"/>
+    </dgm:txFillClrLst>
+    <dgm:txEffectClrLst/>
+  </dgm:styleLbl>
+</dgm:colorsDef>
+</file>
+
 <file path=ppt/diagrams/data1.xml><?xml version="1.0" encoding="utf-8"?>
 <dgm:dataModel xmlns:dgm="http://schemas.openxmlformats.org/drawingml/2006/diagram" xmlns:a="http://schemas.openxmlformats.org/drawingml/2006/main">
   <dgm:ptLst>
@@ -1847,6 +2595,669 @@
     <dgm:cxn modelId="{DCC1A637-BD6A-D640-AD1F-86225DCC42A3}" type="presParOf" srcId="{D2552DFF-6A88-8C4B-A337-5464BEB40A8D}" destId="{4F280AB5-2269-5749-B765-F85E9D83EBDE}" srcOrd="10" destOrd="0" presId="urn:microsoft.com/office/officeart/2005/8/layout/chevron1"/>
     <dgm:cxn modelId="{1A577FAB-720A-314A-9D98-5DB6FCE18AB0}" type="presParOf" srcId="{4F280AB5-2269-5749-B765-F85E9D83EBDE}" destId="{EC592A6F-44B1-8244-B7BE-E21154215D48}" srcOrd="0" destOrd="0" presId="urn:microsoft.com/office/officeart/2005/8/layout/chevron1"/>
     <dgm:cxn modelId="{DCCC0A9C-3245-C840-946A-9B661603B692}" type="presParOf" srcId="{4F280AB5-2269-5749-B765-F85E9D83EBDE}" destId="{2F587FE5-A5FC-D54E-A534-D04AAED85470}" srcOrd="1" destOrd="0" presId="urn:microsoft.com/office/officeart/2005/8/layout/chevron1"/>
+  </dgm:cxnLst>
+  <dgm:bg/>
+  <dgm:whole/>
+  <dgm:extLst>
+    <a:ext uri="http://schemas.microsoft.com/office/drawing/2008/diagram">
+      <dsp:dataModelExt xmlns:dsp="http://schemas.microsoft.com/office/drawing/2008/diagram" relId="rId6" minVer="http://schemas.openxmlformats.org/drawingml/2006/diagram"/>
+    </a:ext>
+  </dgm:extLst>
+</dgm:dataModel>
+</file>
+
+<file path=ppt/diagrams/data2.xml><?xml version="1.0" encoding="utf-8"?>
+<dgm:dataModel xmlns:dgm="http://schemas.openxmlformats.org/drawingml/2006/diagram" xmlns:a="http://schemas.openxmlformats.org/drawingml/2006/main">
+  <dgm:ptLst>
+    <dgm:pt modelId="{B3471ACF-F02B-0148-ADED-4EDAC5A0EC60}" type="doc">
+      <dgm:prSet loTypeId="urn:microsoft.com/office/officeart/2005/8/layout/pyramid3" loCatId="" qsTypeId="urn:microsoft.com/office/officeart/2005/8/quickstyle/simple4" qsCatId="simple" csTypeId="urn:microsoft.com/office/officeart/2005/8/colors/accent1_2" csCatId="accent1" phldr="1"/>
+      <dgm:spPr/>
+    </dgm:pt>
+    <dgm:pt modelId="{91ECAC54-A2F5-E044-A718-942D090993E4}">
+      <dgm:prSet phldrT="[Text]"/>
+      <dgm:spPr/>
+      <dgm:t>
+        <a:bodyPr/>
+        <a:lstStyle/>
+        <a:p>
+          <a:r>
+            <a:rPr lang="en-US" dirty="0" smtClean="0"/>
+            <a:t>Idea stage</a:t>
+          </a:r>
+          <a:endParaRPr lang="en-US" dirty="0"/>
+        </a:p>
+      </dgm:t>
+    </dgm:pt>
+    <dgm:pt modelId="{188B425B-CDF7-204A-B120-21D2183D2CF0}" type="parTrans" cxnId="{334494DB-7E18-7A41-BE77-4D9E004C58A1}">
+      <dgm:prSet/>
+      <dgm:spPr/>
+    </dgm:pt>
+    <dgm:pt modelId="{7030D38B-80A5-2746-9B31-180E6F4169DB}" type="sibTrans" cxnId="{334494DB-7E18-7A41-BE77-4D9E004C58A1}">
+      <dgm:prSet/>
+      <dgm:spPr/>
+    </dgm:pt>
+    <dgm:pt modelId="{C559639B-D9AB-1B49-A598-2C9D63F1E200}">
+      <dgm:prSet phldrT="[Text]"/>
+      <dgm:spPr/>
+      <dgm:t>
+        <a:bodyPr/>
+        <a:lstStyle/>
+        <a:p>
+          <a:r>
+            <a:rPr lang="en-US" dirty="0" err="1" smtClean="0"/>
+            <a:t>Concepting</a:t>
+          </a:r>
+          <a:r>
+            <a:rPr lang="en-US" dirty="0" smtClean="0"/>
+            <a:t> stage</a:t>
+          </a:r>
+          <a:endParaRPr lang="en-US" dirty="0"/>
+        </a:p>
+      </dgm:t>
+    </dgm:pt>
+    <dgm:pt modelId="{AB4ABF48-4D3C-9141-A6CE-3F9995A8B132}" type="parTrans" cxnId="{FA8AE733-E4FB-8742-937B-48CA02C58FC6}">
+      <dgm:prSet/>
+      <dgm:spPr/>
+    </dgm:pt>
+    <dgm:pt modelId="{77865C0E-95C7-7C47-9502-1EF2EC07055A}" type="sibTrans" cxnId="{FA8AE733-E4FB-8742-937B-48CA02C58FC6}">
+      <dgm:prSet/>
+      <dgm:spPr/>
+    </dgm:pt>
+    <dgm:pt modelId="{5C1C7905-B1AA-2C40-A469-2A57F2C58469}">
+      <dgm:prSet phldrT="[Text]"/>
+      <dgm:spPr/>
+      <dgm:t>
+        <a:bodyPr/>
+        <a:lstStyle/>
+        <a:p>
+          <a:r>
+            <a:rPr lang="en-US" dirty="0" smtClean="0"/>
+            <a:t>Build stage</a:t>
+          </a:r>
+          <a:endParaRPr lang="en-US" dirty="0"/>
+        </a:p>
+      </dgm:t>
+    </dgm:pt>
+    <dgm:pt modelId="{93B2EE4C-B3DE-8940-B72E-EEDC80702EE6}" type="parTrans" cxnId="{9ED98955-DCF6-234D-BBBF-05623F360BDD}">
+      <dgm:prSet/>
+      <dgm:spPr/>
+    </dgm:pt>
+    <dgm:pt modelId="{9B10F7AF-55D0-C749-9F4A-165BE6C2385B}" type="sibTrans" cxnId="{9ED98955-DCF6-234D-BBBF-05623F360BDD}">
+      <dgm:prSet/>
+      <dgm:spPr/>
+    </dgm:pt>
+    <dgm:pt modelId="{2FBA6042-1D3F-FD45-B8DA-1E3767E439B7}">
+      <dgm:prSet phldrT="[Text]"/>
+      <dgm:spPr/>
+      <dgm:t>
+        <a:bodyPr/>
+        <a:lstStyle/>
+        <a:p>
+          <a:r>
+            <a:rPr lang="en-US" dirty="0" err="1" smtClean="0"/>
+            <a:t>Concepting</a:t>
+          </a:r>
+          <a:endParaRPr lang="en-US" dirty="0"/>
+        </a:p>
+      </dgm:t>
+    </dgm:pt>
+    <dgm:pt modelId="{227B47C7-72A7-AC47-ADA1-ECB6C0CB73D6}" type="parTrans" cxnId="{6205BBF0-8626-CF4F-81D1-6114330FEA8A}">
+      <dgm:prSet/>
+      <dgm:spPr/>
+    </dgm:pt>
+    <dgm:pt modelId="{093761F6-23B7-B34D-9D59-8DD4FD8D8260}" type="sibTrans" cxnId="{6205BBF0-8626-CF4F-81D1-6114330FEA8A}">
+      <dgm:prSet/>
+      <dgm:spPr/>
+    </dgm:pt>
+    <dgm:pt modelId="{27AACB5A-BFC3-BF4A-A4E7-540F38D14163}">
+      <dgm:prSet phldrT="[Text]"/>
+      <dgm:spPr/>
+      <dgm:t>
+        <a:bodyPr/>
+        <a:lstStyle/>
+        <a:p>
+          <a:r>
+            <a:rPr lang="en-US" dirty="0" smtClean="0"/>
+            <a:t>Funding</a:t>
+          </a:r>
+          <a:endParaRPr lang="en-US" dirty="0"/>
+        </a:p>
+      </dgm:t>
+    </dgm:pt>
+    <dgm:pt modelId="{BC5C68D7-0BCB-DD4A-B925-F2293112195B}" type="parTrans" cxnId="{D809F54F-0EA3-F24F-8B63-EA5B25B87AFD}">
+      <dgm:prSet/>
+      <dgm:spPr/>
+    </dgm:pt>
+    <dgm:pt modelId="{70131370-B034-8140-B335-D1E371C3C98C}" type="sibTrans" cxnId="{D809F54F-0EA3-F24F-8B63-EA5B25B87AFD}">
+      <dgm:prSet/>
+      <dgm:spPr/>
+    </dgm:pt>
+    <dgm:pt modelId="{F27CFEE9-BD56-8943-B9F6-35F1E49BA691}">
+      <dgm:prSet phldrT="[Text]"/>
+      <dgm:spPr/>
+      <dgm:t>
+        <a:bodyPr/>
+        <a:lstStyle/>
+        <a:p>
+          <a:r>
+            <a:rPr lang="en-US" dirty="0" smtClean="0"/>
+            <a:t>Connections</a:t>
+          </a:r>
+          <a:endParaRPr lang="en-US" dirty="0"/>
+        </a:p>
+      </dgm:t>
+    </dgm:pt>
+    <dgm:pt modelId="{CAEB420B-D1CC-6D4A-9D03-7F706E1B4B08}" type="parTrans" cxnId="{17DEE64A-0930-7C4A-BFEC-C757B9F25492}">
+      <dgm:prSet/>
+      <dgm:spPr/>
+    </dgm:pt>
+    <dgm:pt modelId="{D63147FD-32E7-B240-9288-B13037A38F94}" type="sibTrans" cxnId="{17DEE64A-0930-7C4A-BFEC-C757B9F25492}">
+      <dgm:prSet/>
+      <dgm:spPr/>
+    </dgm:pt>
+    <dgm:pt modelId="{64FCD341-D7FD-264F-8CFF-899C856D8808}">
+      <dgm:prSet phldrT="[Text]"/>
+      <dgm:spPr/>
+      <dgm:t>
+        <a:bodyPr/>
+        <a:lstStyle/>
+        <a:p>
+          <a:r>
+            <a:rPr lang="en-US" dirty="0" smtClean="0"/>
+            <a:t>MVP cheap, fast</a:t>
+          </a:r>
+          <a:endParaRPr lang="en-US" dirty="0"/>
+        </a:p>
+      </dgm:t>
+    </dgm:pt>
+    <dgm:pt modelId="{5B4E52B0-9011-5B46-BB96-3F8563C2C6F9}" type="parTrans" cxnId="{E64A737E-958A-5042-A0E3-3D2DC7690065}">
+      <dgm:prSet/>
+      <dgm:spPr/>
+    </dgm:pt>
+    <dgm:pt modelId="{14E2C643-D3D8-C44E-97AB-4D685BDDF021}" type="sibTrans" cxnId="{E64A737E-958A-5042-A0E3-3D2DC7690065}">
+      <dgm:prSet/>
+      <dgm:spPr/>
+    </dgm:pt>
+    <dgm:pt modelId="{DCC00C95-6912-4A43-8BD7-06427F440CC8}">
+      <dgm:prSet phldrT="[Text]"/>
+      <dgm:spPr/>
+      <dgm:t>
+        <a:bodyPr/>
+        <a:lstStyle/>
+        <a:p>
+          <a:r>
+            <a:rPr lang="en-US" dirty="0" smtClean="0"/>
+            <a:t>Funding</a:t>
+          </a:r>
+          <a:endParaRPr lang="en-US" dirty="0"/>
+        </a:p>
+      </dgm:t>
+    </dgm:pt>
+    <dgm:pt modelId="{D0E4163F-09E7-2049-8766-3B27BCBDE23F}" type="parTrans" cxnId="{52A4428A-2385-744D-83EB-AB4F734574F7}">
+      <dgm:prSet/>
+      <dgm:spPr/>
+    </dgm:pt>
+    <dgm:pt modelId="{59793A66-D0DC-F449-A370-62E462CD7307}" type="sibTrans" cxnId="{52A4428A-2385-744D-83EB-AB4F734574F7}">
+      <dgm:prSet/>
+      <dgm:spPr/>
+    </dgm:pt>
+    <dgm:pt modelId="{1BA3D334-8A2D-8D4B-B82F-14674E10CC53}">
+      <dgm:prSet phldrT="[Text]"/>
+      <dgm:spPr/>
+      <dgm:t>
+        <a:bodyPr/>
+        <a:lstStyle/>
+        <a:p>
+          <a:r>
+            <a:rPr lang="en-US" dirty="0" smtClean="0"/>
+            <a:t>CTO partner</a:t>
+          </a:r>
+          <a:endParaRPr lang="en-US" dirty="0"/>
+        </a:p>
+      </dgm:t>
+    </dgm:pt>
+    <dgm:pt modelId="{DB310F0B-5C13-BF4D-A8F6-DF8084FD9A68}" type="parTrans" cxnId="{5543607B-1EBE-EB4F-81E5-CEECC117FFE4}">
+      <dgm:prSet/>
+      <dgm:spPr/>
+    </dgm:pt>
+    <dgm:pt modelId="{0EEC1A43-E22C-4A48-8361-5AFAF360CB74}" type="sibTrans" cxnId="{5543607B-1EBE-EB4F-81E5-CEECC117FFE4}">
+      <dgm:prSet/>
+      <dgm:spPr/>
+    </dgm:pt>
+    <dgm:pt modelId="{66EFC987-E9B0-DA48-BF32-C66FE8F12748}">
+      <dgm:prSet phldrT="[Text]"/>
+      <dgm:spPr/>
+      <dgm:t>
+        <a:bodyPr/>
+        <a:lstStyle/>
+        <a:p>
+          <a:r>
+            <a:rPr lang="en-US" dirty="0" smtClean="0"/>
+            <a:t>Process</a:t>
+          </a:r>
+          <a:endParaRPr lang="en-US" dirty="0"/>
+        </a:p>
+      </dgm:t>
+    </dgm:pt>
+    <dgm:pt modelId="{E8995E6D-2BBA-3C45-95DC-6C07D7E6428B}" type="parTrans" cxnId="{86556745-C91D-2C4D-A18C-EC29BFC10D88}">
+      <dgm:prSet/>
+      <dgm:spPr/>
+    </dgm:pt>
+    <dgm:pt modelId="{89DB22ED-FAA9-BF40-BEC2-B2011A179731}" type="sibTrans" cxnId="{86556745-C91D-2C4D-A18C-EC29BFC10D88}">
+      <dgm:prSet/>
+      <dgm:spPr/>
+    </dgm:pt>
+    <dgm:pt modelId="{6CAA17DC-1D7C-AA41-899E-64A947AA6C75}">
+      <dgm:prSet phldrT="[Text]"/>
+      <dgm:spPr/>
+      <dgm:t>
+        <a:bodyPr/>
+        <a:lstStyle/>
+        <a:p>
+          <a:r>
+            <a:rPr lang="en-US" dirty="0" smtClean="0"/>
+            <a:t>Features</a:t>
+          </a:r>
+          <a:endParaRPr lang="en-US" dirty="0"/>
+        </a:p>
+      </dgm:t>
+    </dgm:pt>
+    <dgm:pt modelId="{780377E3-B6F0-7E49-AAF7-460D0E8FED26}" type="parTrans" cxnId="{73C284EB-C325-5F4C-AED0-04A6D2D6869C}">
+      <dgm:prSet/>
+      <dgm:spPr/>
+    </dgm:pt>
+    <dgm:pt modelId="{31436C3B-5987-9F4D-A2CE-1C382F809345}" type="sibTrans" cxnId="{73C284EB-C325-5F4C-AED0-04A6D2D6869C}">
+      <dgm:prSet/>
+      <dgm:spPr/>
+    </dgm:pt>
+    <dgm:pt modelId="{C6AB3235-8C81-6246-B11A-029AA07EF305}">
+      <dgm:prSet phldrT="[Text]"/>
+      <dgm:spPr/>
+      <dgm:t>
+        <a:bodyPr/>
+        <a:lstStyle/>
+        <a:p>
+          <a:r>
+            <a:rPr lang="en-US" dirty="0" smtClean="0"/>
+            <a:t>Speed/Scale</a:t>
+          </a:r>
+          <a:endParaRPr lang="en-US" dirty="0"/>
+        </a:p>
+      </dgm:t>
+    </dgm:pt>
+    <dgm:pt modelId="{8B0A4E66-B372-FF45-B8CA-3E02E10CA3B2}" type="parTrans" cxnId="{B3F4A245-D017-7C41-9503-059FD6A75E8C}">
+      <dgm:prSet/>
+      <dgm:spPr/>
+    </dgm:pt>
+    <dgm:pt modelId="{D32A7034-86D9-B24C-8F1C-94DA3D92B5C1}" type="sibTrans" cxnId="{B3F4A245-D017-7C41-9503-059FD6A75E8C}">
+      <dgm:prSet/>
+      <dgm:spPr/>
+    </dgm:pt>
+    <dgm:pt modelId="{99BEC77D-3F60-C341-AFAC-A1A86029AA42}">
+      <dgm:prSet phldrT="[Text]"/>
+      <dgm:spPr/>
+      <dgm:t>
+        <a:bodyPr/>
+        <a:lstStyle/>
+        <a:p>
+          <a:r>
+            <a:rPr lang="en-US" dirty="0" smtClean="0"/>
+            <a:t>Scaling stage</a:t>
+          </a:r>
+          <a:endParaRPr lang="en-US" dirty="0"/>
+        </a:p>
+      </dgm:t>
+    </dgm:pt>
+    <dgm:pt modelId="{F2349434-1BB1-8748-91BA-2C33423F5662}" type="parTrans" cxnId="{4D944B64-9DE8-464D-92A6-A9E46D98724A}">
+      <dgm:prSet/>
+      <dgm:spPr/>
+    </dgm:pt>
+    <dgm:pt modelId="{E2AA1975-FABE-9145-8E66-14155B26A308}" type="sibTrans" cxnId="{4D944B64-9DE8-464D-92A6-A9E46D98724A}">
+      <dgm:prSet/>
+      <dgm:spPr/>
+    </dgm:pt>
+    <dgm:pt modelId="{21834B05-4EC5-BE47-B975-E770A1A3C0A8}">
+      <dgm:prSet phldrT="[Text]"/>
+      <dgm:spPr/>
+      <dgm:t>
+        <a:bodyPr/>
+        <a:lstStyle/>
+        <a:p>
+          <a:r>
+            <a:rPr lang="en-US" dirty="0" smtClean="0"/>
+            <a:t>More engineers</a:t>
+          </a:r>
+          <a:endParaRPr lang="en-US" dirty="0"/>
+        </a:p>
+      </dgm:t>
+    </dgm:pt>
+    <dgm:pt modelId="{E0EAA080-722B-EE4F-BCD2-522C216D2C3F}" type="parTrans" cxnId="{EC980D6A-D65A-3948-92A2-4AFA322F5AFA}">
+      <dgm:prSet/>
+      <dgm:spPr/>
+    </dgm:pt>
+    <dgm:pt modelId="{52A16E67-7DA3-6340-AD52-03CC439B692A}" type="sibTrans" cxnId="{EC980D6A-D65A-3948-92A2-4AFA322F5AFA}">
+      <dgm:prSet/>
+      <dgm:spPr/>
+    </dgm:pt>
+    <dgm:pt modelId="{F7117F4D-DEAB-8041-BBAF-DAE0C20B60D9}">
+      <dgm:prSet phldrT="[Text]"/>
+      <dgm:spPr/>
+      <dgm:t>
+        <a:bodyPr/>
+        <a:lstStyle/>
+        <a:p>
+          <a:r>
+            <a:rPr lang="en-US" dirty="0" smtClean="0"/>
+            <a:t>Process</a:t>
+          </a:r>
+          <a:endParaRPr lang="en-US" dirty="0"/>
+        </a:p>
+      </dgm:t>
+    </dgm:pt>
+    <dgm:pt modelId="{1B29A668-061B-124B-BCE0-5697913BAB4D}" type="parTrans" cxnId="{9DBB715F-FF3B-D841-9932-52FA0BB01E1E}">
+      <dgm:prSet/>
+      <dgm:spPr/>
+    </dgm:pt>
+    <dgm:pt modelId="{AF821381-0F3B-B643-94D9-356F4FF8EF49}" type="sibTrans" cxnId="{9DBB715F-FF3B-D841-9932-52FA0BB01E1E}">
+      <dgm:prSet/>
+      <dgm:spPr/>
+    </dgm:pt>
+    <dgm:pt modelId="{08BBB9EC-DB7C-3B46-B42E-906E71E7BD1C}">
+      <dgm:prSet phldrT="[Text]"/>
+      <dgm:spPr/>
+      <dgm:t>
+        <a:bodyPr/>
+        <a:lstStyle/>
+        <a:p>
+          <a:r>
+            <a:rPr lang="en-US" dirty="0" smtClean="0"/>
+            <a:t>IT infrastructure</a:t>
+          </a:r>
+          <a:endParaRPr lang="en-US" dirty="0"/>
+        </a:p>
+      </dgm:t>
+    </dgm:pt>
+    <dgm:pt modelId="{5E14345C-EBC6-2C4B-967E-B60110A14A13}" type="parTrans" cxnId="{E8D65DCD-B0E9-A04A-8649-7A443D610DED}">
+      <dgm:prSet/>
+      <dgm:spPr/>
+    </dgm:pt>
+    <dgm:pt modelId="{843842FC-7575-4243-8E50-A28DB66EA82E}" type="sibTrans" cxnId="{E8D65DCD-B0E9-A04A-8649-7A443D610DED}">
+      <dgm:prSet/>
+      <dgm:spPr/>
+    </dgm:pt>
+    <dgm:pt modelId="{B751D1EF-582C-2447-8F32-3D71F4BB8BA9}" type="pres">
+      <dgm:prSet presAssocID="{B3471ACF-F02B-0148-ADED-4EDAC5A0EC60}" presName="Name0" presStyleCnt="0">
+        <dgm:presLayoutVars>
+          <dgm:dir/>
+          <dgm:animLvl val="lvl"/>
+          <dgm:resizeHandles val="exact"/>
+        </dgm:presLayoutVars>
+      </dgm:prSet>
+      <dgm:spPr/>
+    </dgm:pt>
+    <dgm:pt modelId="{28E9B7FD-4E73-6549-9A3C-C9C3F11AB9C0}" type="pres">
+      <dgm:prSet presAssocID="{91ECAC54-A2F5-E044-A718-942D090993E4}" presName="Name8" presStyleCnt="0"/>
+      <dgm:spPr/>
+    </dgm:pt>
+    <dgm:pt modelId="{496BD920-3458-2B47-8130-E33376B0FA38}" type="pres">
+      <dgm:prSet presAssocID="{91ECAC54-A2F5-E044-A718-942D090993E4}" presName="acctBkgd" presStyleLbl="alignAcc1" presStyleIdx="0" presStyleCnt="4"/>
+      <dgm:spPr/>
+    </dgm:pt>
+    <dgm:pt modelId="{C30709DD-7B49-684A-8F9C-5931BFA81612}" type="pres">
+      <dgm:prSet presAssocID="{91ECAC54-A2F5-E044-A718-942D090993E4}" presName="acctTx" presStyleLbl="alignAcc1" presStyleIdx="0" presStyleCnt="4">
+        <dgm:presLayoutVars>
+          <dgm:bulletEnabled val="1"/>
+        </dgm:presLayoutVars>
+      </dgm:prSet>
+      <dgm:spPr/>
+    </dgm:pt>
+    <dgm:pt modelId="{98E1E7A1-4094-6F42-8C87-ECA4E6CC74DB}" type="pres">
+      <dgm:prSet presAssocID="{91ECAC54-A2F5-E044-A718-942D090993E4}" presName="level" presStyleLbl="node1" presStyleIdx="0" presStyleCnt="4">
+        <dgm:presLayoutVars>
+          <dgm:chMax val="1"/>
+          <dgm:bulletEnabled val="1"/>
+        </dgm:presLayoutVars>
+      </dgm:prSet>
+      <dgm:spPr/>
+    </dgm:pt>
+    <dgm:pt modelId="{E7B436EB-F1D6-4E4B-A45A-184A3E2801DC}" type="pres">
+      <dgm:prSet presAssocID="{91ECAC54-A2F5-E044-A718-942D090993E4}" presName="levelTx" presStyleLbl="revTx" presStyleIdx="0" presStyleCnt="0">
+        <dgm:presLayoutVars>
+          <dgm:chMax val="1"/>
+          <dgm:bulletEnabled val="1"/>
+        </dgm:presLayoutVars>
+      </dgm:prSet>
+      <dgm:spPr/>
+    </dgm:pt>
+    <dgm:pt modelId="{7D8EB3A8-92FA-3442-8511-1B59B433B17B}" type="pres">
+      <dgm:prSet presAssocID="{C559639B-D9AB-1B49-A598-2C9D63F1E200}" presName="Name8" presStyleCnt="0"/>
+      <dgm:spPr/>
+    </dgm:pt>
+    <dgm:pt modelId="{E8711004-A79C-E84A-BB6C-551FD46B60D9}" type="pres">
+      <dgm:prSet presAssocID="{C559639B-D9AB-1B49-A598-2C9D63F1E200}" presName="acctBkgd" presStyleLbl="alignAcc1" presStyleIdx="1" presStyleCnt="4"/>
+      <dgm:spPr/>
+      <dgm:t>
+        <a:bodyPr/>
+        <a:lstStyle/>
+        <a:p>
+          <a:endParaRPr lang="en-US"/>
+        </a:p>
+      </dgm:t>
+    </dgm:pt>
+    <dgm:pt modelId="{49205E4E-76B7-8948-B093-064C85A2FC61}" type="pres">
+      <dgm:prSet presAssocID="{C559639B-D9AB-1B49-A598-2C9D63F1E200}" presName="acctTx" presStyleLbl="alignAcc1" presStyleIdx="1" presStyleCnt="4">
+        <dgm:presLayoutVars>
+          <dgm:bulletEnabled val="1"/>
+        </dgm:presLayoutVars>
+      </dgm:prSet>
+      <dgm:spPr/>
+      <dgm:t>
+        <a:bodyPr/>
+        <a:lstStyle/>
+        <a:p>
+          <a:endParaRPr lang="en-US"/>
+        </a:p>
+      </dgm:t>
+    </dgm:pt>
+    <dgm:pt modelId="{4A45014A-2C2D-1E41-AD4C-A433202774CF}" type="pres">
+      <dgm:prSet presAssocID="{C559639B-D9AB-1B49-A598-2C9D63F1E200}" presName="level" presStyleLbl="node1" presStyleIdx="1" presStyleCnt="4">
+        <dgm:presLayoutVars>
+          <dgm:chMax val="1"/>
+          <dgm:bulletEnabled val="1"/>
+        </dgm:presLayoutVars>
+      </dgm:prSet>
+      <dgm:spPr/>
+      <dgm:t>
+        <a:bodyPr/>
+        <a:lstStyle/>
+        <a:p>
+          <a:endParaRPr lang="en-US"/>
+        </a:p>
+      </dgm:t>
+    </dgm:pt>
+    <dgm:pt modelId="{F4B11C88-6846-B94B-B924-1969CDF7CC42}" type="pres">
+      <dgm:prSet presAssocID="{C559639B-D9AB-1B49-A598-2C9D63F1E200}" presName="levelTx" presStyleLbl="revTx" presStyleIdx="0" presStyleCnt="0">
+        <dgm:presLayoutVars>
+          <dgm:chMax val="1"/>
+          <dgm:bulletEnabled val="1"/>
+        </dgm:presLayoutVars>
+      </dgm:prSet>
+      <dgm:spPr/>
+      <dgm:t>
+        <a:bodyPr/>
+        <a:lstStyle/>
+        <a:p>
+          <a:endParaRPr lang="en-US"/>
+        </a:p>
+      </dgm:t>
+    </dgm:pt>
+    <dgm:pt modelId="{E09828CA-6638-4F41-8E85-63C27B2AEC7B}" type="pres">
+      <dgm:prSet presAssocID="{5C1C7905-B1AA-2C40-A469-2A57F2C58469}" presName="Name8" presStyleCnt="0"/>
+      <dgm:spPr/>
+    </dgm:pt>
+    <dgm:pt modelId="{1C3D28C7-1E5F-CF41-8338-D2C597E520C3}" type="pres">
+      <dgm:prSet presAssocID="{5C1C7905-B1AA-2C40-A469-2A57F2C58469}" presName="acctBkgd" presStyleLbl="alignAcc1" presStyleIdx="2" presStyleCnt="4"/>
+      <dgm:spPr/>
+      <dgm:t>
+        <a:bodyPr/>
+        <a:lstStyle/>
+        <a:p>
+          <a:endParaRPr lang="en-US"/>
+        </a:p>
+      </dgm:t>
+    </dgm:pt>
+    <dgm:pt modelId="{6712DA5E-4FB0-B94C-B6D1-F02BB2ABC33A}" type="pres">
+      <dgm:prSet presAssocID="{5C1C7905-B1AA-2C40-A469-2A57F2C58469}" presName="acctTx" presStyleLbl="alignAcc1" presStyleIdx="2" presStyleCnt="4">
+        <dgm:presLayoutVars>
+          <dgm:bulletEnabled val="1"/>
+        </dgm:presLayoutVars>
+      </dgm:prSet>
+      <dgm:spPr/>
+      <dgm:t>
+        <a:bodyPr/>
+        <a:lstStyle/>
+        <a:p>
+          <a:endParaRPr lang="en-US"/>
+        </a:p>
+      </dgm:t>
+    </dgm:pt>
+    <dgm:pt modelId="{1537DB8E-15E6-324A-8914-306ECDC7928C}" type="pres">
+      <dgm:prSet presAssocID="{5C1C7905-B1AA-2C40-A469-2A57F2C58469}" presName="level" presStyleLbl="node1" presStyleIdx="2" presStyleCnt="4">
+        <dgm:presLayoutVars>
+          <dgm:chMax val="1"/>
+          <dgm:bulletEnabled val="1"/>
+        </dgm:presLayoutVars>
+      </dgm:prSet>
+      <dgm:spPr/>
+    </dgm:pt>
+    <dgm:pt modelId="{0E6B5700-3091-214B-8535-EE851B91B59D}" type="pres">
+      <dgm:prSet presAssocID="{5C1C7905-B1AA-2C40-A469-2A57F2C58469}" presName="levelTx" presStyleLbl="revTx" presStyleIdx="0" presStyleCnt="0">
+        <dgm:presLayoutVars>
+          <dgm:chMax val="1"/>
+          <dgm:bulletEnabled val="1"/>
+        </dgm:presLayoutVars>
+      </dgm:prSet>
+      <dgm:spPr/>
+    </dgm:pt>
+    <dgm:pt modelId="{85AE50E1-DF2A-964C-ACD4-7D01DD45176D}" type="pres">
+      <dgm:prSet presAssocID="{99BEC77D-3F60-C341-AFAC-A1A86029AA42}" presName="Name8" presStyleCnt="0"/>
+      <dgm:spPr/>
+    </dgm:pt>
+    <dgm:pt modelId="{481B595E-653F-9C40-A731-B860258430A4}" type="pres">
+      <dgm:prSet presAssocID="{99BEC77D-3F60-C341-AFAC-A1A86029AA42}" presName="acctBkgd" presStyleLbl="alignAcc1" presStyleIdx="3" presStyleCnt="4"/>
+      <dgm:spPr/>
+    </dgm:pt>
+    <dgm:pt modelId="{8F3D15B9-1C0A-1946-84DC-C23F01523C52}" type="pres">
+      <dgm:prSet presAssocID="{99BEC77D-3F60-C341-AFAC-A1A86029AA42}" presName="acctTx" presStyleLbl="alignAcc1" presStyleIdx="3" presStyleCnt="4">
+        <dgm:presLayoutVars>
+          <dgm:bulletEnabled val="1"/>
+        </dgm:presLayoutVars>
+      </dgm:prSet>
+      <dgm:spPr/>
+    </dgm:pt>
+    <dgm:pt modelId="{687CBC0B-004E-344F-B38E-489B21050C37}" type="pres">
+      <dgm:prSet presAssocID="{99BEC77D-3F60-C341-AFAC-A1A86029AA42}" presName="level" presStyleLbl="node1" presStyleIdx="3" presStyleCnt="4">
+        <dgm:presLayoutVars>
+          <dgm:chMax val="1"/>
+          <dgm:bulletEnabled val="1"/>
+        </dgm:presLayoutVars>
+      </dgm:prSet>
+      <dgm:spPr/>
+      <dgm:t>
+        <a:bodyPr/>
+        <a:lstStyle/>
+        <a:p>
+          <a:endParaRPr lang="en-US"/>
+        </a:p>
+      </dgm:t>
+    </dgm:pt>
+    <dgm:pt modelId="{796142DD-9CC1-324A-810C-B52EFFE36D95}" type="pres">
+      <dgm:prSet presAssocID="{99BEC77D-3F60-C341-AFAC-A1A86029AA42}" presName="levelTx" presStyleLbl="revTx" presStyleIdx="0" presStyleCnt="0">
+        <dgm:presLayoutVars>
+          <dgm:chMax val="1"/>
+          <dgm:bulletEnabled val="1"/>
+        </dgm:presLayoutVars>
+      </dgm:prSet>
+      <dgm:spPr/>
+      <dgm:t>
+        <a:bodyPr/>
+        <a:lstStyle/>
+        <a:p>
+          <a:endParaRPr lang="en-US"/>
+        </a:p>
+      </dgm:t>
+    </dgm:pt>
+  </dgm:ptLst>
+  <dgm:cxnLst>
+    <dgm:cxn modelId="{5543607B-1EBE-EB4F-81E5-CEECC117FFE4}" srcId="{C559639B-D9AB-1B49-A598-2C9D63F1E200}" destId="{1BA3D334-8A2D-8D4B-B82F-14674E10CC53}" srcOrd="2" destOrd="0" parTransId="{DB310F0B-5C13-BF4D-A8F6-DF8084FD9A68}" sibTransId="{0EEC1A43-E22C-4A48-8361-5AFAF360CB74}"/>
+    <dgm:cxn modelId="{90C14D7F-EC94-C440-99EE-69D33F78B2B8}" type="presOf" srcId="{64FCD341-D7FD-264F-8CFF-899C856D8808}" destId="{E8711004-A79C-E84A-BB6C-551FD46B60D9}" srcOrd="0" destOrd="0" presId="urn:microsoft.com/office/officeart/2005/8/layout/pyramid3"/>
+    <dgm:cxn modelId="{334494DB-7E18-7A41-BE77-4D9E004C58A1}" srcId="{B3471ACF-F02B-0148-ADED-4EDAC5A0EC60}" destId="{91ECAC54-A2F5-E044-A718-942D090993E4}" srcOrd="0" destOrd="0" parTransId="{188B425B-CDF7-204A-B120-21D2183D2CF0}" sibTransId="{7030D38B-80A5-2746-9B31-180E6F4169DB}"/>
+    <dgm:cxn modelId="{372D7FB3-C1E3-184C-8EFE-EAF181020964}" type="presOf" srcId="{91ECAC54-A2F5-E044-A718-942D090993E4}" destId="{98E1E7A1-4094-6F42-8C87-ECA4E6CC74DB}" srcOrd="0" destOrd="0" presId="urn:microsoft.com/office/officeart/2005/8/layout/pyramid3"/>
+    <dgm:cxn modelId="{6E1A5BE3-6BFB-CF4F-8EC3-CE3AEB1E5014}" type="presOf" srcId="{5C1C7905-B1AA-2C40-A469-2A57F2C58469}" destId="{0E6B5700-3091-214B-8535-EE851B91B59D}" srcOrd="1" destOrd="0" presId="urn:microsoft.com/office/officeart/2005/8/layout/pyramid3"/>
+    <dgm:cxn modelId="{58DA661F-48A2-774A-A2A8-BE4115E11230}" type="presOf" srcId="{C6AB3235-8C81-6246-B11A-029AA07EF305}" destId="{6712DA5E-4FB0-B94C-B6D1-F02BB2ABC33A}" srcOrd="1" destOrd="2" presId="urn:microsoft.com/office/officeart/2005/8/layout/pyramid3"/>
+    <dgm:cxn modelId="{D809F54F-0EA3-F24F-8B63-EA5B25B87AFD}" srcId="{91ECAC54-A2F5-E044-A718-942D090993E4}" destId="{27AACB5A-BFC3-BF4A-A4E7-540F38D14163}" srcOrd="1" destOrd="0" parTransId="{BC5C68D7-0BCB-DD4A-B925-F2293112195B}" sibTransId="{70131370-B034-8140-B335-D1E371C3C98C}"/>
+    <dgm:cxn modelId="{D73736BF-F422-E047-9350-14ECBC11508D}" type="presOf" srcId="{91ECAC54-A2F5-E044-A718-942D090993E4}" destId="{E7B436EB-F1D6-4E4B-A45A-184A3E2801DC}" srcOrd="1" destOrd="0" presId="urn:microsoft.com/office/officeart/2005/8/layout/pyramid3"/>
+    <dgm:cxn modelId="{1FF7DA6F-DAC8-2A49-BC6F-0F77FD65A8CD}" type="presOf" srcId="{99BEC77D-3F60-C341-AFAC-A1A86029AA42}" destId="{796142DD-9CC1-324A-810C-B52EFFE36D95}" srcOrd="1" destOrd="0" presId="urn:microsoft.com/office/officeart/2005/8/layout/pyramid3"/>
+    <dgm:cxn modelId="{38DDF3DC-F757-6C46-8EA4-D7F163839975}" type="presOf" srcId="{1BA3D334-8A2D-8D4B-B82F-14674E10CC53}" destId="{E8711004-A79C-E84A-BB6C-551FD46B60D9}" srcOrd="0" destOrd="2" presId="urn:microsoft.com/office/officeart/2005/8/layout/pyramid3"/>
+    <dgm:cxn modelId="{0A7EAB17-4565-6747-BBFE-1CCE117970D7}" type="presOf" srcId="{27AACB5A-BFC3-BF4A-A4E7-540F38D14163}" destId="{C30709DD-7B49-684A-8F9C-5931BFA81612}" srcOrd="1" destOrd="1" presId="urn:microsoft.com/office/officeart/2005/8/layout/pyramid3"/>
+    <dgm:cxn modelId="{73C284EB-C325-5F4C-AED0-04A6D2D6869C}" srcId="{5C1C7905-B1AA-2C40-A469-2A57F2C58469}" destId="{6CAA17DC-1D7C-AA41-899E-64A947AA6C75}" srcOrd="1" destOrd="0" parTransId="{780377E3-B6F0-7E49-AAF7-460D0E8FED26}" sibTransId="{31436C3B-5987-9F4D-A2CE-1C382F809345}"/>
+    <dgm:cxn modelId="{D70044B7-FCB8-6746-A67C-7F479EF0C9D1}" type="presOf" srcId="{C559639B-D9AB-1B49-A598-2C9D63F1E200}" destId="{4A45014A-2C2D-1E41-AD4C-A433202774CF}" srcOrd="0" destOrd="0" presId="urn:microsoft.com/office/officeart/2005/8/layout/pyramid3"/>
+    <dgm:cxn modelId="{9ED98955-DCF6-234D-BBBF-05623F360BDD}" srcId="{B3471ACF-F02B-0148-ADED-4EDAC5A0EC60}" destId="{5C1C7905-B1AA-2C40-A469-2A57F2C58469}" srcOrd="2" destOrd="0" parTransId="{93B2EE4C-B3DE-8940-B72E-EEDC80702EE6}" sibTransId="{9B10F7AF-55D0-C749-9F4A-165BE6C2385B}"/>
+    <dgm:cxn modelId="{86556745-C91D-2C4D-A18C-EC29BFC10D88}" srcId="{5C1C7905-B1AA-2C40-A469-2A57F2C58469}" destId="{66EFC987-E9B0-DA48-BF32-C66FE8F12748}" srcOrd="0" destOrd="0" parTransId="{E8995E6D-2BBA-3C45-95DC-6C07D7E6428B}" sibTransId="{89DB22ED-FAA9-BF40-BEC2-B2011A179731}"/>
+    <dgm:cxn modelId="{25225F9E-8EEB-274B-95F3-E1A1BA7DFBC6}" type="presOf" srcId="{C559639B-D9AB-1B49-A598-2C9D63F1E200}" destId="{F4B11C88-6846-B94B-B924-1969CDF7CC42}" srcOrd="1" destOrd="0" presId="urn:microsoft.com/office/officeart/2005/8/layout/pyramid3"/>
+    <dgm:cxn modelId="{E64A737E-958A-5042-A0E3-3D2DC7690065}" srcId="{C559639B-D9AB-1B49-A598-2C9D63F1E200}" destId="{64FCD341-D7FD-264F-8CFF-899C856D8808}" srcOrd="0" destOrd="0" parTransId="{5B4E52B0-9011-5B46-BB96-3F8563C2C6F9}" sibTransId="{14E2C643-D3D8-C44E-97AB-4D685BDDF021}"/>
+    <dgm:cxn modelId="{5D2CE734-8A29-9141-9864-3344579396A1}" type="presOf" srcId="{1BA3D334-8A2D-8D4B-B82F-14674E10CC53}" destId="{49205E4E-76B7-8948-B093-064C85A2FC61}" srcOrd="1" destOrd="2" presId="urn:microsoft.com/office/officeart/2005/8/layout/pyramid3"/>
+    <dgm:cxn modelId="{0A735CC3-EF97-D641-B38E-FAE04360C265}" type="presOf" srcId="{DCC00C95-6912-4A43-8BD7-06427F440CC8}" destId="{E8711004-A79C-E84A-BB6C-551FD46B60D9}" srcOrd="0" destOrd="1" presId="urn:microsoft.com/office/officeart/2005/8/layout/pyramid3"/>
+    <dgm:cxn modelId="{26FAA9B4-BA1A-8C4A-8C42-D55EBE756324}" type="presOf" srcId="{08BBB9EC-DB7C-3B46-B42E-906E71E7BD1C}" destId="{481B595E-653F-9C40-A731-B860258430A4}" srcOrd="0" destOrd="2" presId="urn:microsoft.com/office/officeart/2005/8/layout/pyramid3"/>
+    <dgm:cxn modelId="{17DEE64A-0930-7C4A-BFEC-C757B9F25492}" srcId="{91ECAC54-A2F5-E044-A718-942D090993E4}" destId="{F27CFEE9-BD56-8943-B9F6-35F1E49BA691}" srcOrd="2" destOrd="0" parTransId="{CAEB420B-D1CC-6D4A-9D03-7F706E1B4B08}" sibTransId="{D63147FD-32E7-B240-9288-B13037A38F94}"/>
+    <dgm:cxn modelId="{9CE30E48-0ED2-D843-AA67-05E45EAE6518}" type="presOf" srcId="{64FCD341-D7FD-264F-8CFF-899C856D8808}" destId="{49205E4E-76B7-8948-B093-064C85A2FC61}" srcOrd="1" destOrd="0" presId="urn:microsoft.com/office/officeart/2005/8/layout/pyramid3"/>
+    <dgm:cxn modelId="{FFA3FC79-2011-FD4C-8E5D-0DB3C0119852}" type="presOf" srcId="{F7117F4D-DEAB-8041-BBAF-DAE0C20B60D9}" destId="{481B595E-653F-9C40-A731-B860258430A4}" srcOrd="0" destOrd="1" presId="urn:microsoft.com/office/officeart/2005/8/layout/pyramid3"/>
+    <dgm:cxn modelId="{2C4AB422-8676-584C-88CC-67AFEDFBD044}" type="presOf" srcId="{08BBB9EC-DB7C-3B46-B42E-906E71E7BD1C}" destId="{8F3D15B9-1C0A-1946-84DC-C23F01523C52}" srcOrd="1" destOrd="2" presId="urn:microsoft.com/office/officeart/2005/8/layout/pyramid3"/>
+    <dgm:cxn modelId="{EC980D6A-D65A-3948-92A2-4AFA322F5AFA}" srcId="{99BEC77D-3F60-C341-AFAC-A1A86029AA42}" destId="{21834B05-4EC5-BE47-B975-E770A1A3C0A8}" srcOrd="0" destOrd="0" parTransId="{E0EAA080-722B-EE4F-BCD2-522C216D2C3F}" sibTransId="{52A16E67-7DA3-6340-AD52-03CC439B692A}"/>
+    <dgm:cxn modelId="{3E13D742-A86B-AD4A-B70D-63B79B1A7F60}" type="presOf" srcId="{DCC00C95-6912-4A43-8BD7-06427F440CC8}" destId="{49205E4E-76B7-8948-B093-064C85A2FC61}" srcOrd="1" destOrd="1" presId="urn:microsoft.com/office/officeart/2005/8/layout/pyramid3"/>
+    <dgm:cxn modelId="{D847C91D-0BDC-3247-87DB-9E7A6B6C81BA}" type="presOf" srcId="{66EFC987-E9B0-DA48-BF32-C66FE8F12748}" destId="{1C3D28C7-1E5F-CF41-8338-D2C597E520C3}" srcOrd="0" destOrd="0" presId="urn:microsoft.com/office/officeart/2005/8/layout/pyramid3"/>
+    <dgm:cxn modelId="{B3F4A245-D017-7C41-9503-059FD6A75E8C}" srcId="{5C1C7905-B1AA-2C40-A469-2A57F2C58469}" destId="{C6AB3235-8C81-6246-B11A-029AA07EF305}" srcOrd="2" destOrd="0" parTransId="{8B0A4E66-B372-FF45-B8CA-3E02E10CA3B2}" sibTransId="{D32A7034-86D9-B24C-8F1C-94DA3D92B5C1}"/>
+    <dgm:cxn modelId="{5CF33624-EA61-5548-8CB9-62DA934286C3}" type="presOf" srcId="{C6AB3235-8C81-6246-B11A-029AA07EF305}" destId="{1C3D28C7-1E5F-CF41-8338-D2C597E520C3}" srcOrd="0" destOrd="2" presId="urn:microsoft.com/office/officeart/2005/8/layout/pyramid3"/>
+    <dgm:cxn modelId="{345975FC-2EC1-E044-92A4-CD9C22DB6561}" type="presOf" srcId="{F7117F4D-DEAB-8041-BBAF-DAE0C20B60D9}" destId="{8F3D15B9-1C0A-1946-84DC-C23F01523C52}" srcOrd="1" destOrd="1" presId="urn:microsoft.com/office/officeart/2005/8/layout/pyramid3"/>
+    <dgm:cxn modelId="{382B4A5B-919D-7842-999B-73411F62568D}" type="presOf" srcId="{B3471ACF-F02B-0148-ADED-4EDAC5A0EC60}" destId="{B751D1EF-582C-2447-8F32-3D71F4BB8BA9}" srcOrd="0" destOrd="0" presId="urn:microsoft.com/office/officeart/2005/8/layout/pyramid3"/>
+    <dgm:cxn modelId="{FA8AE733-E4FB-8742-937B-48CA02C58FC6}" srcId="{B3471ACF-F02B-0148-ADED-4EDAC5A0EC60}" destId="{C559639B-D9AB-1B49-A598-2C9D63F1E200}" srcOrd="1" destOrd="0" parTransId="{AB4ABF48-4D3C-9141-A6CE-3F9995A8B132}" sibTransId="{77865C0E-95C7-7C47-9502-1EF2EC07055A}"/>
+    <dgm:cxn modelId="{2DBD57A0-CAB0-034B-8A98-620F33A11056}" type="presOf" srcId="{99BEC77D-3F60-C341-AFAC-A1A86029AA42}" destId="{687CBC0B-004E-344F-B38E-489B21050C37}" srcOrd="0" destOrd="0" presId="urn:microsoft.com/office/officeart/2005/8/layout/pyramid3"/>
+    <dgm:cxn modelId="{E8D65DCD-B0E9-A04A-8649-7A443D610DED}" srcId="{99BEC77D-3F60-C341-AFAC-A1A86029AA42}" destId="{08BBB9EC-DB7C-3B46-B42E-906E71E7BD1C}" srcOrd="2" destOrd="0" parTransId="{5E14345C-EBC6-2C4B-967E-B60110A14A13}" sibTransId="{843842FC-7575-4243-8E50-A28DB66EA82E}"/>
+    <dgm:cxn modelId="{D14482F4-14B5-0544-8501-177F433426AB}" type="presOf" srcId="{5C1C7905-B1AA-2C40-A469-2A57F2C58469}" destId="{1537DB8E-15E6-324A-8914-306ECDC7928C}" srcOrd="0" destOrd="0" presId="urn:microsoft.com/office/officeart/2005/8/layout/pyramid3"/>
+    <dgm:cxn modelId="{C0375BF8-385A-E94D-A762-C9B3AD572D3A}" type="presOf" srcId="{27AACB5A-BFC3-BF4A-A4E7-540F38D14163}" destId="{496BD920-3458-2B47-8130-E33376B0FA38}" srcOrd="0" destOrd="1" presId="urn:microsoft.com/office/officeart/2005/8/layout/pyramid3"/>
+    <dgm:cxn modelId="{BCCC613D-1A9A-CB45-ABF7-09F074BD7F5C}" type="presOf" srcId="{6CAA17DC-1D7C-AA41-899E-64A947AA6C75}" destId="{6712DA5E-4FB0-B94C-B6D1-F02BB2ABC33A}" srcOrd="1" destOrd="1" presId="urn:microsoft.com/office/officeart/2005/8/layout/pyramid3"/>
+    <dgm:cxn modelId="{52A4428A-2385-744D-83EB-AB4F734574F7}" srcId="{C559639B-D9AB-1B49-A598-2C9D63F1E200}" destId="{DCC00C95-6912-4A43-8BD7-06427F440CC8}" srcOrd="1" destOrd="0" parTransId="{D0E4163F-09E7-2049-8766-3B27BCBDE23F}" sibTransId="{59793A66-D0DC-F449-A370-62E462CD7307}"/>
+    <dgm:cxn modelId="{3E9CEF84-C107-8E4A-85A1-A4DD0E1C7779}" type="presOf" srcId="{2FBA6042-1D3F-FD45-B8DA-1E3767E439B7}" destId="{C30709DD-7B49-684A-8F9C-5931BFA81612}" srcOrd="1" destOrd="0" presId="urn:microsoft.com/office/officeart/2005/8/layout/pyramid3"/>
+    <dgm:cxn modelId="{B8CC4E78-E8FE-A145-BB89-02A8C4CF51CA}" type="presOf" srcId="{21834B05-4EC5-BE47-B975-E770A1A3C0A8}" destId="{481B595E-653F-9C40-A731-B860258430A4}" srcOrd="0" destOrd="0" presId="urn:microsoft.com/office/officeart/2005/8/layout/pyramid3"/>
+    <dgm:cxn modelId="{EB142B01-F9D4-2B41-9DD3-4A2CC6260D56}" type="presOf" srcId="{F27CFEE9-BD56-8943-B9F6-35F1E49BA691}" destId="{496BD920-3458-2B47-8130-E33376B0FA38}" srcOrd="0" destOrd="2" presId="urn:microsoft.com/office/officeart/2005/8/layout/pyramid3"/>
+    <dgm:cxn modelId="{B237D47D-58FA-0748-B287-6BF7E828984D}" type="presOf" srcId="{2FBA6042-1D3F-FD45-B8DA-1E3767E439B7}" destId="{496BD920-3458-2B47-8130-E33376B0FA38}" srcOrd="0" destOrd="0" presId="urn:microsoft.com/office/officeart/2005/8/layout/pyramid3"/>
+    <dgm:cxn modelId="{6205BBF0-8626-CF4F-81D1-6114330FEA8A}" srcId="{91ECAC54-A2F5-E044-A718-942D090993E4}" destId="{2FBA6042-1D3F-FD45-B8DA-1E3767E439B7}" srcOrd="0" destOrd="0" parTransId="{227B47C7-72A7-AC47-ADA1-ECB6C0CB73D6}" sibTransId="{093761F6-23B7-B34D-9D59-8DD4FD8D8260}"/>
+    <dgm:cxn modelId="{9DBB715F-FF3B-D841-9932-52FA0BB01E1E}" srcId="{99BEC77D-3F60-C341-AFAC-A1A86029AA42}" destId="{F7117F4D-DEAB-8041-BBAF-DAE0C20B60D9}" srcOrd="1" destOrd="0" parTransId="{1B29A668-061B-124B-BCE0-5697913BAB4D}" sibTransId="{AF821381-0F3B-B643-94D9-356F4FF8EF49}"/>
+    <dgm:cxn modelId="{5C12252B-9B82-5041-8527-F531B690E6EA}" type="presOf" srcId="{F27CFEE9-BD56-8943-B9F6-35F1E49BA691}" destId="{C30709DD-7B49-684A-8F9C-5931BFA81612}" srcOrd="1" destOrd="2" presId="urn:microsoft.com/office/officeart/2005/8/layout/pyramid3"/>
+    <dgm:cxn modelId="{5EC114CD-C67A-3441-8C4C-AFA269DC1988}" type="presOf" srcId="{21834B05-4EC5-BE47-B975-E770A1A3C0A8}" destId="{8F3D15B9-1C0A-1946-84DC-C23F01523C52}" srcOrd="1" destOrd="0" presId="urn:microsoft.com/office/officeart/2005/8/layout/pyramid3"/>
+    <dgm:cxn modelId="{2CF7153D-ED36-3043-BA95-34773096C385}" type="presOf" srcId="{66EFC987-E9B0-DA48-BF32-C66FE8F12748}" destId="{6712DA5E-4FB0-B94C-B6D1-F02BB2ABC33A}" srcOrd="1" destOrd="0" presId="urn:microsoft.com/office/officeart/2005/8/layout/pyramid3"/>
+    <dgm:cxn modelId="{9A38E0DF-3BCF-0B47-9D68-3C60C8690DD1}" type="presOf" srcId="{6CAA17DC-1D7C-AA41-899E-64A947AA6C75}" destId="{1C3D28C7-1E5F-CF41-8338-D2C597E520C3}" srcOrd="0" destOrd="1" presId="urn:microsoft.com/office/officeart/2005/8/layout/pyramid3"/>
+    <dgm:cxn modelId="{4D944B64-9DE8-464D-92A6-A9E46D98724A}" srcId="{B3471ACF-F02B-0148-ADED-4EDAC5A0EC60}" destId="{99BEC77D-3F60-C341-AFAC-A1A86029AA42}" srcOrd="3" destOrd="0" parTransId="{F2349434-1BB1-8748-91BA-2C33423F5662}" sibTransId="{E2AA1975-FABE-9145-8E66-14155B26A308}"/>
+    <dgm:cxn modelId="{AEF8B542-0096-D843-8FB8-391621C535F7}" type="presParOf" srcId="{B751D1EF-582C-2447-8F32-3D71F4BB8BA9}" destId="{28E9B7FD-4E73-6549-9A3C-C9C3F11AB9C0}" srcOrd="0" destOrd="0" presId="urn:microsoft.com/office/officeart/2005/8/layout/pyramid3"/>
+    <dgm:cxn modelId="{6D0ED092-C949-DB43-8CB0-BDBFFE0D1C97}" type="presParOf" srcId="{28E9B7FD-4E73-6549-9A3C-C9C3F11AB9C0}" destId="{496BD920-3458-2B47-8130-E33376B0FA38}" srcOrd="0" destOrd="0" presId="urn:microsoft.com/office/officeart/2005/8/layout/pyramid3"/>
+    <dgm:cxn modelId="{178957B7-E39D-1248-8C2B-A5B59F6B90A9}" type="presParOf" srcId="{28E9B7FD-4E73-6549-9A3C-C9C3F11AB9C0}" destId="{C30709DD-7B49-684A-8F9C-5931BFA81612}" srcOrd="1" destOrd="0" presId="urn:microsoft.com/office/officeart/2005/8/layout/pyramid3"/>
+    <dgm:cxn modelId="{CAE81327-FF55-0349-95BE-4E69E0287DD3}" type="presParOf" srcId="{28E9B7FD-4E73-6549-9A3C-C9C3F11AB9C0}" destId="{98E1E7A1-4094-6F42-8C87-ECA4E6CC74DB}" srcOrd="2" destOrd="0" presId="urn:microsoft.com/office/officeart/2005/8/layout/pyramid3"/>
+    <dgm:cxn modelId="{DCCD8E11-EF1B-8340-B14E-D5D19087A898}" type="presParOf" srcId="{28E9B7FD-4E73-6549-9A3C-C9C3F11AB9C0}" destId="{E7B436EB-F1D6-4E4B-A45A-184A3E2801DC}" srcOrd="3" destOrd="0" presId="urn:microsoft.com/office/officeart/2005/8/layout/pyramid3"/>
+    <dgm:cxn modelId="{8F3DC72C-BAC2-1942-9806-EB57841CBFD9}" type="presParOf" srcId="{B751D1EF-582C-2447-8F32-3D71F4BB8BA9}" destId="{7D8EB3A8-92FA-3442-8511-1B59B433B17B}" srcOrd="1" destOrd="0" presId="urn:microsoft.com/office/officeart/2005/8/layout/pyramid3"/>
+    <dgm:cxn modelId="{2A300B8F-4378-1846-B494-36334BD4B7E8}" type="presParOf" srcId="{7D8EB3A8-92FA-3442-8511-1B59B433B17B}" destId="{E8711004-A79C-E84A-BB6C-551FD46B60D9}" srcOrd="0" destOrd="0" presId="urn:microsoft.com/office/officeart/2005/8/layout/pyramid3"/>
+    <dgm:cxn modelId="{3CA3E609-333E-CB4D-80C2-826ED7FF7A06}" type="presParOf" srcId="{7D8EB3A8-92FA-3442-8511-1B59B433B17B}" destId="{49205E4E-76B7-8948-B093-064C85A2FC61}" srcOrd="1" destOrd="0" presId="urn:microsoft.com/office/officeart/2005/8/layout/pyramid3"/>
+    <dgm:cxn modelId="{9F96A019-F731-9345-AD5F-111CAE42D66E}" type="presParOf" srcId="{7D8EB3A8-92FA-3442-8511-1B59B433B17B}" destId="{4A45014A-2C2D-1E41-AD4C-A433202774CF}" srcOrd="2" destOrd="0" presId="urn:microsoft.com/office/officeart/2005/8/layout/pyramid3"/>
+    <dgm:cxn modelId="{6C833628-7398-B04B-8C80-52AD1B32676D}" type="presParOf" srcId="{7D8EB3A8-92FA-3442-8511-1B59B433B17B}" destId="{F4B11C88-6846-B94B-B924-1969CDF7CC42}" srcOrd="3" destOrd="0" presId="urn:microsoft.com/office/officeart/2005/8/layout/pyramid3"/>
+    <dgm:cxn modelId="{8C4ADC27-3B09-534B-82BC-9CFC38ADE716}" type="presParOf" srcId="{B751D1EF-582C-2447-8F32-3D71F4BB8BA9}" destId="{E09828CA-6638-4F41-8E85-63C27B2AEC7B}" srcOrd="2" destOrd="0" presId="urn:microsoft.com/office/officeart/2005/8/layout/pyramid3"/>
+    <dgm:cxn modelId="{37498677-97AD-0A40-B9C8-3D787F067267}" type="presParOf" srcId="{E09828CA-6638-4F41-8E85-63C27B2AEC7B}" destId="{1C3D28C7-1E5F-CF41-8338-D2C597E520C3}" srcOrd="0" destOrd="0" presId="urn:microsoft.com/office/officeart/2005/8/layout/pyramid3"/>
+    <dgm:cxn modelId="{1688758D-A468-B84B-8636-E370B384FC31}" type="presParOf" srcId="{E09828CA-6638-4F41-8E85-63C27B2AEC7B}" destId="{6712DA5E-4FB0-B94C-B6D1-F02BB2ABC33A}" srcOrd="1" destOrd="0" presId="urn:microsoft.com/office/officeart/2005/8/layout/pyramid3"/>
+    <dgm:cxn modelId="{F6D0445C-35E7-2A4F-B2A1-3249F6FD0CF3}" type="presParOf" srcId="{E09828CA-6638-4F41-8E85-63C27B2AEC7B}" destId="{1537DB8E-15E6-324A-8914-306ECDC7928C}" srcOrd="2" destOrd="0" presId="urn:microsoft.com/office/officeart/2005/8/layout/pyramid3"/>
+    <dgm:cxn modelId="{5AE6B3E6-6D99-0A46-88E9-7AE79DC7174B}" type="presParOf" srcId="{E09828CA-6638-4F41-8E85-63C27B2AEC7B}" destId="{0E6B5700-3091-214B-8535-EE851B91B59D}" srcOrd="3" destOrd="0" presId="urn:microsoft.com/office/officeart/2005/8/layout/pyramid3"/>
+    <dgm:cxn modelId="{06B6FF49-6CFD-414D-AEDB-83454EC5D391}" type="presParOf" srcId="{B751D1EF-582C-2447-8F32-3D71F4BB8BA9}" destId="{85AE50E1-DF2A-964C-ACD4-7D01DD45176D}" srcOrd="3" destOrd="0" presId="urn:microsoft.com/office/officeart/2005/8/layout/pyramid3"/>
+    <dgm:cxn modelId="{AA047725-153D-304E-98D0-BB7A72F3F43F}" type="presParOf" srcId="{85AE50E1-DF2A-964C-ACD4-7D01DD45176D}" destId="{481B595E-653F-9C40-A731-B860258430A4}" srcOrd="0" destOrd="0" presId="urn:microsoft.com/office/officeart/2005/8/layout/pyramid3"/>
+    <dgm:cxn modelId="{2CDE7880-A437-3F44-AE81-BAC34228503F}" type="presParOf" srcId="{85AE50E1-DF2A-964C-ACD4-7D01DD45176D}" destId="{8F3D15B9-1C0A-1946-84DC-C23F01523C52}" srcOrd="1" destOrd="0" presId="urn:microsoft.com/office/officeart/2005/8/layout/pyramid3"/>
+    <dgm:cxn modelId="{CE90842B-F148-714B-9181-1987614D9867}" type="presParOf" srcId="{85AE50E1-DF2A-964C-ACD4-7D01DD45176D}" destId="{687CBC0B-004E-344F-B38E-489B21050C37}" srcOrd="2" destOrd="0" presId="urn:microsoft.com/office/officeart/2005/8/layout/pyramid3"/>
+    <dgm:cxn modelId="{FA0C0086-E28E-7B4A-B5A6-1EF9071D001F}" type="presParOf" srcId="{85AE50E1-DF2A-964C-ACD4-7D01DD45176D}" destId="{796142DD-9CC1-324A-810C-B52EFFE36D95}" srcOrd="3" destOrd="0" presId="urn:microsoft.com/office/officeart/2005/8/layout/pyramid3"/>
   </dgm:cxnLst>
   <dgm:bg/>
   <dgm:whole/>
@@ -2938,6 +4349,878 @@
 </dsp:drawing>
 </file>
 
+<file path=ppt/diagrams/drawing2.xml><?xml version="1.0" encoding="utf-8"?>
+<dsp:drawing xmlns:dgm="http://schemas.openxmlformats.org/drawingml/2006/diagram" xmlns:dsp="http://schemas.microsoft.com/office/drawing/2008/diagram" xmlns:a="http://schemas.openxmlformats.org/drawingml/2006/main">
+  <dsp:spTree>
+    <dsp:nvGrpSpPr>
+      <dsp:cNvPr id="0" name=""/>
+      <dsp:cNvGrpSpPr/>
+    </dsp:nvGrpSpPr>
+    <dsp:grpSpPr/>
+    <dsp:sp modelId="{496BD920-3458-2B47-8130-E33376B0FA38}">
+      <dsp:nvSpPr>
+        <dsp:cNvPr id="0" name=""/>
+        <dsp:cNvSpPr/>
+      </dsp:nvSpPr>
+      <dsp:spPr>
+        <a:xfrm>
+          <a:off x="3627120" y="0"/>
+          <a:ext cx="2468880" cy="1016000"/>
+        </a:xfrm>
+        <a:prstGeom prst="nonIsoscelesTrapezoid">
+          <a:avLst>
+            <a:gd name="adj1" fmla="val 51000"/>
+            <a:gd name="adj2" fmla="val 0"/>
+          </a:avLst>
+        </a:prstGeom>
+        <a:solidFill>
+          <a:schemeClr val="lt1">
+            <a:alpha val="90000"/>
+            <a:hueOff val="0"/>
+            <a:satOff val="0"/>
+            <a:lumOff val="0"/>
+            <a:alphaOff val="0"/>
+          </a:schemeClr>
+        </a:solidFill>
+        <a:ln w="9525" cap="flat" cmpd="sng" algn="ctr">
+          <a:solidFill>
+            <a:schemeClr val="accent1">
+              <a:hueOff val="0"/>
+              <a:satOff val="0"/>
+              <a:lumOff val="0"/>
+              <a:alphaOff val="0"/>
+            </a:schemeClr>
+          </a:solidFill>
+          <a:prstDash val="solid"/>
+        </a:ln>
+        <a:effectLst/>
+      </dsp:spPr>
+      <dsp:style>
+        <a:lnRef idx="1">
+          <a:scrgbClr r="0" g="0" b="0"/>
+        </a:lnRef>
+        <a:fillRef idx="1">
+          <a:scrgbClr r="0" g="0" b="0"/>
+        </a:fillRef>
+        <a:effectRef idx="0">
+          <a:scrgbClr r="0" g="0" b="0"/>
+        </a:effectRef>
+        <a:fontRef idx="minor"/>
+      </dsp:style>
+      <dsp:txBody>
+        <a:bodyPr spcFirstLastPara="0" vert="horz" wrap="square" lIns="68580" tIns="68580" rIns="68580" bIns="68580" numCol="1" spcCol="1270" anchor="t" anchorCtr="0">
+          <a:noAutofit/>
+        </a:bodyPr>
+        <a:lstStyle/>
+        <a:p>
+          <a:pPr marL="171450" lvl="1" indent="-171450" algn="l" defTabSz="800100">
+            <a:lnSpc>
+              <a:spcPct val="90000"/>
+            </a:lnSpc>
+            <a:spcBef>
+              <a:spcPct val="0"/>
+            </a:spcBef>
+            <a:spcAft>
+              <a:spcPct val="15000"/>
+            </a:spcAft>
+            <a:buChar char="••"/>
+          </a:pPr>
+          <a:r>
+            <a:rPr lang="en-US" sz="1800" kern="1200" dirty="0" err="1" smtClean="0"/>
+            <a:t>Concepting</a:t>
+          </a:r>
+          <a:endParaRPr lang="en-US" sz="1800" kern="1200" dirty="0"/>
+        </a:p>
+        <a:p>
+          <a:pPr marL="171450" lvl="1" indent="-171450" algn="l" defTabSz="800100">
+            <a:lnSpc>
+              <a:spcPct val="90000"/>
+            </a:lnSpc>
+            <a:spcBef>
+              <a:spcPct val="0"/>
+            </a:spcBef>
+            <a:spcAft>
+              <a:spcPct val="15000"/>
+            </a:spcAft>
+            <a:buChar char="••"/>
+          </a:pPr>
+          <a:r>
+            <a:rPr lang="en-US" sz="1800" kern="1200" dirty="0" smtClean="0"/>
+            <a:t>Funding</a:t>
+          </a:r>
+          <a:endParaRPr lang="en-US" sz="1800" kern="1200" dirty="0"/>
+        </a:p>
+        <a:p>
+          <a:pPr marL="171450" lvl="1" indent="-171450" algn="l" defTabSz="800100">
+            <a:lnSpc>
+              <a:spcPct val="90000"/>
+            </a:lnSpc>
+            <a:spcBef>
+              <a:spcPct val="0"/>
+            </a:spcBef>
+            <a:spcAft>
+              <a:spcPct val="15000"/>
+            </a:spcAft>
+            <a:buChar char="••"/>
+          </a:pPr>
+          <a:r>
+            <a:rPr lang="en-US" sz="1800" kern="1200" dirty="0" smtClean="0"/>
+            <a:t>Connections</a:t>
+          </a:r>
+          <a:endParaRPr lang="en-US" sz="1800" kern="1200" dirty="0"/>
+        </a:p>
+      </dsp:txBody>
+      <dsp:txXfrm>
+        <a:off x="4145280" y="0"/>
+        <a:ext cx="1950720" cy="1016000"/>
+      </dsp:txXfrm>
+    </dsp:sp>
+    <dsp:sp modelId="{98E1E7A1-4094-6F42-8C87-ECA4E6CC74DB}">
+      <dsp:nvSpPr>
+        <dsp:cNvPr id="0" name=""/>
+        <dsp:cNvSpPr/>
+      </dsp:nvSpPr>
+      <dsp:spPr>
+        <a:xfrm rot="10800000">
+          <a:off x="0" y="0"/>
+          <a:ext cx="4145280" cy="1016000"/>
+        </a:xfrm>
+        <a:prstGeom prst="trapezoid">
+          <a:avLst>
+            <a:gd name="adj" fmla="val 51000"/>
+          </a:avLst>
+        </a:prstGeom>
+        <a:gradFill rotWithShape="0">
+          <a:gsLst>
+            <a:gs pos="0">
+              <a:schemeClr val="accent1">
+                <a:hueOff val="0"/>
+                <a:satOff val="0"/>
+                <a:lumOff val="0"/>
+                <a:alphaOff val="0"/>
+                <a:tint val="100000"/>
+                <a:shade val="100000"/>
+                <a:satMod val="130000"/>
+              </a:schemeClr>
+            </a:gs>
+            <a:gs pos="100000">
+              <a:schemeClr val="accent1">
+                <a:hueOff val="0"/>
+                <a:satOff val="0"/>
+                <a:lumOff val="0"/>
+                <a:alphaOff val="0"/>
+                <a:tint val="50000"/>
+                <a:shade val="100000"/>
+                <a:satMod val="350000"/>
+              </a:schemeClr>
+            </a:gs>
+          </a:gsLst>
+          <a:lin ang="16200000" scaled="0"/>
+        </a:gradFill>
+        <a:ln>
+          <a:noFill/>
+        </a:ln>
+        <a:effectLst>
+          <a:outerShdw blurRad="40000" dist="23000" dir="5400000" rotWithShape="0">
+            <a:srgbClr val="000000">
+              <a:alpha val="35000"/>
+            </a:srgbClr>
+          </a:outerShdw>
+        </a:effectLst>
+      </dsp:spPr>
+      <dsp:style>
+        <a:lnRef idx="0">
+          <a:scrgbClr r="0" g="0" b="0"/>
+        </a:lnRef>
+        <a:fillRef idx="3">
+          <a:scrgbClr r="0" g="0" b="0"/>
+        </a:fillRef>
+        <a:effectRef idx="2">
+          <a:scrgbClr r="0" g="0" b="0"/>
+        </a:effectRef>
+        <a:fontRef idx="minor">
+          <a:schemeClr val="lt1"/>
+        </a:fontRef>
+      </dsp:style>
+      <dsp:txBody>
+        <a:bodyPr spcFirstLastPara="0" vert="horz" wrap="square" lIns="34290" tIns="34290" rIns="34290" bIns="34290" numCol="1" spcCol="1270" anchor="ctr" anchorCtr="0">
+          <a:noAutofit/>
+        </a:bodyPr>
+        <a:lstStyle/>
+        <a:p>
+          <a:pPr lvl="0" algn="ctr" defTabSz="1200150">
+            <a:lnSpc>
+              <a:spcPct val="90000"/>
+            </a:lnSpc>
+            <a:spcBef>
+              <a:spcPct val="0"/>
+            </a:spcBef>
+            <a:spcAft>
+              <a:spcPct val="35000"/>
+            </a:spcAft>
+          </a:pPr>
+          <a:r>
+            <a:rPr lang="en-US" sz="2700" kern="1200" dirty="0" smtClean="0"/>
+            <a:t>Idea stage</a:t>
+          </a:r>
+          <a:endParaRPr lang="en-US" sz="2700" kern="1200" dirty="0"/>
+        </a:p>
+      </dsp:txBody>
+      <dsp:txXfrm rot="-10800000">
+        <a:off x="725423" y="0"/>
+        <a:ext cx="2694432" cy="1016000"/>
+      </dsp:txXfrm>
+    </dsp:sp>
+    <dsp:sp modelId="{E8711004-A79C-E84A-BB6C-551FD46B60D9}">
+      <dsp:nvSpPr>
+        <dsp:cNvPr id="0" name=""/>
+        <dsp:cNvSpPr/>
+      </dsp:nvSpPr>
+      <dsp:spPr>
+        <a:xfrm>
+          <a:off x="3108959" y="1016000"/>
+          <a:ext cx="2987040" cy="1016000"/>
+        </a:xfrm>
+        <a:prstGeom prst="nonIsoscelesTrapezoid">
+          <a:avLst>
+            <a:gd name="adj1" fmla="val 51000"/>
+            <a:gd name="adj2" fmla="val 0"/>
+          </a:avLst>
+        </a:prstGeom>
+        <a:solidFill>
+          <a:schemeClr val="lt1">
+            <a:alpha val="90000"/>
+            <a:hueOff val="0"/>
+            <a:satOff val="0"/>
+            <a:lumOff val="0"/>
+            <a:alphaOff val="0"/>
+          </a:schemeClr>
+        </a:solidFill>
+        <a:ln w="9525" cap="flat" cmpd="sng" algn="ctr">
+          <a:solidFill>
+            <a:schemeClr val="accent1">
+              <a:hueOff val="0"/>
+              <a:satOff val="0"/>
+              <a:lumOff val="0"/>
+              <a:alphaOff val="0"/>
+            </a:schemeClr>
+          </a:solidFill>
+          <a:prstDash val="solid"/>
+        </a:ln>
+        <a:effectLst/>
+      </dsp:spPr>
+      <dsp:style>
+        <a:lnRef idx="1">
+          <a:scrgbClr r="0" g="0" b="0"/>
+        </a:lnRef>
+        <a:fillRef idx="1">
+          <a:scrgbClr r="0" g="0" b="0"/>
+        </a:fillRef>
+        <a:effectRef idx="0">
+          <a:scrgbClr r="0" g="0" b="0"/>
+        </a:effectRef>
+        <a:fontRef idx="minor"/>
+      </dsp:style>
+      <dsp:txBody>
+        <a:bodyPr spcFirstLastPara="0" vert="horz" wrap="square" lIns="68580" tIns="68580" rIns="68580" bIns="68580" numCol="1" spcCol="1270" anchor="t" anchorCtr="0">
+          <a:noAutofit/>
+        </a:bodyPr>
+        <a:lstStyle/>
+        <a:p>
+          <a:pPr marL="171450" lvl="1" indent="-171450" algn="l" defTabSz="800100">
+            <a:lnSpc>
+              <a:spcPct val="90000"/>
+            </a:lnSpc>
+            <a:spcBef>
+              <a:spcPct val="0"/>
+            </a:spcBef>
+            <a:spcAft>
+              <a:spcPct val="15000"/>
+            </a:spcAft>
+            <a:buChar char="••"/>
+          </a:pPr>
+          <a:r>
+            <a:rPr lang="en-US" sz="1800" kern="1200" dirty="0" smtClean="0"/>
+            <a:t>MVP cheap, fast</a:t>
+          </a:r>
+          <a:endParaRPr lang="en-US" sz="1800" kern="1200" dirty="0"/>
+        </a:p>
+        <a:p>
+          <a:pPr marL="171450" lvl="1" indent="-171450" algn="l" defTabSz="800100">
+            <a:lnSpc>
+              <a:spcPct val="90000"/>
+            </a:lnSpc>
+            <a:spcBef>
+              <a:spcPct val="0"/>
+            </a:spcBef>
+            <a:spcAft>
+              <a:spcPct val="15000"/>
+            </a:spcAft>
+            <a:buChar char="••"/>
+          </a:pPr>
+          <a:r>
+            <a:rPr lang="en-US" sz="1800" kern="1200" dirty="0" smtClean="0"/>
+            <a:t>Funding</a:t>
+          </a:r>
+          <a:endParaRPr lang="en-US" sz="1800" kern="1200" dirty="0"/>
+        </a:p>
+        <a:p>
+          <a:pPr marL="171450" lvl="1" indent="-171450" algn="l" defTabSz="800100">
+            <a:lnSpc>
+              <a:spcPct val="90000"/>
+            </a:lnSpc>
+            <a:spcBef>
+              <a:spcPct val="0"/>
+            </a:spcBef>
+            <a:spcAft>
+              <a:spcPct val="15000"/>
+            </a:spcAft>
+            <a:buChar char="••"/>
+          </a:pPr>
+          <a:r>
+            <a:rPr lang="en-US" sz="1800" kern="1200" dirty="0" smtClean="0"/>
+            <a:t>CTO partner</a:t>
+          </a:r>
+          <a:endParaRPr lang="en-US" sz="1800" kern="1200" dirty="0"/>
+        </a:p>
+      </dsp:txBody>
+      <dsp:txXfrm>
+        <a:off x="3627119" y="1016000"/>
+        <a:ext cx="2468880" cy="1016000"/>
+      </dsp:txXfrm>
+    </dsp:sp>
+    <dsp:sp modelId="{4A45014A-2C2D-1E41-AD4C-A433202774CF}">
+      <dsp:nvSpPr>
+        <dsp:cNvPr id="0" name=""/>
+        <dsp:cNvSpPr/>
+      </dsp:nvSpPr>
+      <dsp:spPr>
+        <a:xfrm rot="10800000">
+          <a:off x="518160" y="1016000"/>
+          <a:ext cx="3108959" cy="1016000"/>
+        </a:xfrm>
+        <a:prstGeom prst="trapezoid">
+          <a:avLst>
+            <a:gd name="adj" fmla="val 51000"/>
+          </a:avLst>
+        </a:prstGeom>
+        <a:gradFill rotWithShape="0">
+          <a:gsLst>
+            <a:gs pos="0">
+              <a:schemeClr val="accent1">
+                <a:hueOff val="0"/>
+                <a:satOff val="0"/>
+                <a:lumOff val="0"/>
+                <a:alphaOff val="0"/>
+                <a:tint val="100000"/>
+                <a:shade val="100000"/>
+                <a:satMod val="130000"/>
+              </a:schemeClr>
+            </a:gs>
+            <a:gs pos="100000">
+              <a:schemeClr val="accent1">
+                <a:hueOff val="0"/>
+                <a:satOff val="0"/>
+                <a:lumOff val="0"/>
+                <a:alphaOff val="0"/>
+                <a:tint val="50000"/>
+                <a:shade val="100000"/>
+                <a:satMod val="350000"/>
+              </a:schemeClr>
+            </a:gs>
+          </a:gsLst>
+          <a:lin ang="16200000" scaled="0"/>
+        </a:gradFill>
+        <a:ln>
+          <a:noFill/>
+        </a:ln>
+        <a:effectLst>
+          <a:outerShdw blurRad="40000" dist="23000" dir="5400000" rotWithShape="0">
+            <a:srgbClr val="000000">
+              <a:alpha val="35000"/>
+            </a:srgbClr>
+          </a:outerShdw>
+        </a:effectLst>
+      </dsp:spPr>
+      <dsp:style>
+        <a:lnRef idx="0">
+          <a:scrgbClr r="0" g="0" b="0"/>
+        </a:lnRef>
+        <a:fillRef idx="3">
+          <a:scrgbClr r="0" g="0" b="0"/>
+        </a:fillRef>
+        <a:effectRef idx="2">
+          <a:scrgbClr r="0" g="0" b="0"/>
+        </a:effectRef>
+        <a:fontRef idx="minor">
+          <a:schemeClr val="lt1"/>
+        </a:fontRef>
+      </dsp:style>
+      <dsp:txBody>
+        <a:bodyPr spcFirstLastPara="0" vert="horz" wrap="square" lIns="34290" tIns="34290" rIns="34290" bIns="34290" numCol="1" spcCol="1270" anchor="ctr" anchorCtr="0">
+          <a:noAutofit/>
+        </a:bodyPr>
+        <a:lstStyle/>
+        <a:p>
+          <a:pPr lvl="0" algn="ctr" defTabSz="1200150">
+            <a:lnSpc>
+              <a:spcPct val="90000"/>
+            </a:lnSpc>
+            <a:spcBef>
+              <a:spcPct val="0"/>
+            </a:spcBef>
+            <a:spcAft>
+              <a:spcPct val="35000"/>
+            </a:spcAft>
+          </a:pPr>
+          <a:r>
+            <a:rPr lang="en-US" sz="2700" kern="1200" dirty="0" err="1" smtClean="0"/>
+            <a:t>Concepting</a:t>
+          </a:r>
+          <a:r>
+            <a:rPr lang="en-US" sz="2700" kern="1200" dirty="0" smtClean="0"/>
+            <a:t> stage</a:t>
+          </a:r>
+          <a:endParaRPr lang="en-US" sz="2700" kern="1200" dirty="0"/>
+        </a:p>
+      </dsp:txBody>
+      <dsp:txXfrm rot="-10800000">
+        <a:off x="1062227" y="1016000"/>
+        <a:ext cx="2020824" cy="1016000"/>
+      </dsp:txXfrm>
+    </dsp:sp>
+    <dsp:sp modelId="{1C3D28C7-1E5F-CF41-8338-D2C597E520C3}">
+      <dsp:nvSpPr>
+        <dsp:cNvPr id="0" name=""/>
+        <dsp:cNvSpPr/>
+      </dsp:nvSpPr>
+      <dsp:spPr>
+        <a:xfrm>
+          <a:off x="2590800" y="2032000"/>
+          <a:ext cx="3505200" cy="1016000"/>
+        </a:xfrm>
+        <a:prstGeom prst="nonIsoscelesTrapezoid">
+          <a:avLst>
+            <a:gd name="adj1" fmla="val 51000"/>
+            <a:gd name="adj2" fmla="val 0"/>
+          </a:avLst>
+        </a:prstGeom>
+        <a:solidFill>
+          <a:schemeClr val="lt1">
+            <a:alpha val="90000"/>
+            <a:hueOff val="0"/>
+            <a:satOff val="0"/>
+            <a:lumOff val="0"/>
+            <a:alphaOff val="0"/>
+          </a:schemeClr>
+        </a:solidFill>
+        <a:ln w="9525" cap="flat" cmpd="sng" algn="ctr">
+          <a:solidFill>
+            <a:schemeClr val="accent1">
+              <a:hueOff val="0"/>
+              <a:satOff val="0"/>
+              <a:lumOff val="0"/>
+              <a:alphaOff val="0"/>
+            </a:schemeClr>
+          </a:solidFill>
+          <a:prstDash val="solid"/>
+        </a:ln>
+        <a:effectLst/>
+      </dsp:spPr>
+      <dsp:style>
+        <a:lnRef idx="1">
+          <a:scrgbClr r="0" g="0" b="0"/>
+        </a:lnRef>
+        <a:fillRef idx="1">
+          <a:scrgbClr r="0" g="0" b="0"/>
+        </a:fillRef>
+        <a:effectRef idx="0">
+          <a:scrgbClr r="0" g="0" b="0"/>
+        </a:effectRef>
+        <a:fontRef idx="minor"/>
+      </dsp:style>
+      <dsp:txBody>
+        <a:bodyPr spcFirstLastPara="0" vert="horz" wrap="square" lIns="68580" tIns="68580" rIns="68580" bIns="68580" numCol="1" spcCol="1270" anchor="t" anchorCtr="0">
+          <a:noAutofit/>
+        </a:bodyPr>
+        <a:lstStyle/>
+        <a:p>
+          <a:pPr marL="171450" lvl="1" indent="-171450" algn="l" defTabSz="800100">
+            <a:lnSpc>
+              <a:spcPct val="90000"/>
+            </a:lnSpc>
+            <a:spcBef>
+              <a:spcPct val="0"/>
+            </a:spcBef>
+            <a:spcAft>
+              <a:spcPct val="15000"/>
+            </a:spcAft>
+            <a:buChar char="••"/>
+          </a:pPr>
+          <a:r>
+            <a:rPr lang="en-US" sz="1800" kern="1200" dirty="0" smtClean="0"/>
+            <a:t>Process</a:t>
+          </a:r>
+          <a:endParaRPr lang="en-US" sz="1800" kern="1200" dirty="0"/>
+        </a:p>
+        <a:p>
+          <a:pPr marL="171450" lvl="1" indent="-171450" algn="l" defTabSz="800100">
+            <a:lnSpc>
+              <a:spcPct val="90000"/>
+            </a:lnSpc>
+            <a:spcBef>
+              <a:spcPct val="0"/>
+            </a:spcBef>
+            <a:spcAft>
+              <a:spcPct val="15000"/>
+            </a:spcAft>
+            <a:buChar char="••"/>
+          </a:pPr>
+          <a:r>
+            <a:rPr lang="en-US" sz="1800" kern="1200" dirty="0" smtClean="0"/>
+            <a:t>Features</a:t>
+          </a:r>
+          <a:endParaRPr lang="en-US" sz="1800" kern="1200" dirty="0"/>
+        </a:p>
+        <a:p>
+          <a:pPr marL="171450" lvl="1" indent="-171450" algn="l" defTabSz="800100">
+            <a:lnSpc>
+              <a:spcPct val="90000"/>
+            </a:lnSpc>
+            <a:spcBef>
+              <a:spcPct val="0"/>
+            </a:spcBef>
+            <a:spcAft>
+              <a:spcPct val="15000"/>
+            </a:spcAft>
+            <a:buChar char="••"/>
+          </a:pPr>
+          <a:r>
+            <a:rPr lang="en-US" sz="1800" kern="1200" dirty="0" smtClean="0"/>
+            <a:t>Speed/Scale</a:t>
+          </a:r>
+          <a:endParaRPr lang="en-US" sz="1800" kern="1200" dirty="0"/>
+        </a:p>
+      </dsp:txBody>
+      <dsp:txXfrm>
+        <a:off x="3108959" y="2032000"/>
+        <a:ext cx="2987040" cy="1016000"/>
+      </dsp:txXfrm>
+    </dsp:sp>
+    <dsp:sp modelId="{1537DB8E-15E6-324A-8914-306ECDC7928C}">
+      <dsp:nvSpPr>
+        <dsp:cNvPr id="0" name=""/>
+        <dsp:cNvSpPr/>
+      </dsp:nvSpPr>
+      <dsp:spPr>
+        <a:xfrm rot="10800000">
+          <a:off x="1036320" y="2032000"/>
+          <a:ext cx="2072640" cy="1016000"/>
+        </a:xfrm>
+        <a:prstGeom prst="trapezoid">
+          <a:avLst>
+            <a:gd name="adj" fmla="val 51000"/>
+          </a:avLst>
+        </a:prstGeom>
+        <a:gradFill rotWithShape="0">
+          <a:gsLst>
+            <a:gs pos="0">
+              <a:schemeClr val="accent1">
+                <a:hueOff val="0"/>
+                <a:satOff val="0"/>
+                <a:lumOff val="0"/>
+                <a:alphaOff val="0"/>
+                <a:tint val="100000"/>
+                <a:shade val="100000"/>
+                <a:satMod val="130000"/>
+              </a:schemeClr>
+            </a:gs>
+            <a:gs pos="100000">
+              <a:schemeClr val="accent1">
+                <a:hueOff val="0"/>
+                <a:satOff val="0"/>
+                <a:lumOff val="0"/>
+                <a:alphaOff val="0"/>
+                <a:tint val="50000"/>
+                <a:shade val="100000"/>
+                <a:satMod val="350000"/>
+              </a:schemeClr>
+            </a:gs>
+          </a:gsLst>
+          <a:lin ang="16200000" scaled="0"/>
+        </a:gradFill>
+        <a:ln>
+          <a:noFill/>
+        </a:ln>
+        <a:effectLst>
+          <a:outerShdw blurRad="40000" dist="23000" dir="5400000" rotWithShape="0">
+            <a:srgbClr val="000000">
+              <a:alpha val="35000"/>
+            </a:srgbClr>
+          </a:outerShdw>
+        </a:effectLst>
+      </dsp:spPr>
+      <dsp:style>
+        <a:lnRef idx="0">
+          <a:scrgbClr r="0" g="0" b="0"/>
+        </a:lnRef>
+        <a:fillRef idx="3">
+          <a:scrgbClr r="0" g="0" b="0"/>
+        </a:fillRef>
+        <a:effectRef idx="2">
+          <a:scrgbClr r="0" g="0" b="0"/>
+        </a:effectRef>
+        <a:fontRef idx="minor">
+          <a:schemeClr val="lt1"/>
+        </a:fontRef>
+      </dsp:style>
+      <dsp:txBody>
+        <a:bodyPr spcFirstLastPara="0" vert="horz" wrap="square" lIns="34290" tIns="34290" rIns="34290" bIns="34290" numCol="1" spcCol="1270" anchor="ctr" anchorCtr="0">
+          <a:noAutofit/>
+        </a:bodyPr>
+        <a:lstStyle/>
+        <a:p>
+          <a:pPr lvl="0" algn="ctr" defTabSz="1200150">
+            <a:lnSpc>
+              <a:spcPct val="90000"/>
+            </a:lnSpc>
+            <a:spcBef>
+              <a:spcPct val="0"/>
+            </a:spcBef>
+            <a:spcAft>
+              <a:spcPct val="35000"/>
+            </a:spcAft>
+          </a:pPr>
+          <a:r>
+            <a:rPr lang="en-US" sz="2700" kern="1200" dirty="0" smtClean="0"/>
+            <a:t>Build stage</a:t>
+          </a:r>
+          <a:endParaRPr lang="en-US" sz="2700" kern="1200" dirty="0"/>
+        </a:p>
+      </dsp:txBody>
+      <dsp:txXfrm rot="-10800000">
+        <a:off x="1399031" y="2032000"/>
+        <a:ext cx="1347216" cy="1016000"/>
+      </dsp:txXfrm>
+    </dsp:sp>
+    <dsp:sp modelId="{481B595E-653F-9C40-A731-B860258430A4}">
+      <dsp:nvSpPr>
+        <dsp:cNvPr id="0" name=""/>
+        <dsp:cNvSpPr/>
+      </dsp:nvSpPr>
+      <dsp:spPr>
+        <a:xfrm>
+          <a:off x="2072640" y="3047999"/>
+          <a:ext cx="4023360" cy="1016000"/>
+        </a:xfrm>
+        <a:prstGeom prst="nonIsoscelesTrapezoid">
+          <a:avLst>
+            <a:gd name="adj1" fmla="val 51000"/>
+            <a:gd name="adj2" fmla="val 0"/>
+          </a:avLst>
+        </a:prstGeom>
+        <a:solidFill>
+          <a:schemeClr val="lt1">
+            <a:alpha val="90000"/>
+            <a:hueOff val="0"/>
+            <a:satOff val="0"/>
+            <a:lumOff val="0"/>
+            <a:alphaOff val="0"/>
+          </a:schemeClr>
+        </a:solidFill>
+        <a:ln w="9525" cap="flat" cmpd="sng" algn="ctr">
+          <a:solidFill>
+            <a:schemeClr val="accent1">
+              <a:hueOff val="0"/>
+              <a:satOff val="0"/>
+              <a:lumOff val="0"/>
+              <a:alphaOff val="0"/>
+            </a:schemeClr>
+          </a:solidFill>
+          <a:prstDash val="solid"/>
+        </a:ln>
+        <a:effectLst/>
+      </dsp:spPr>
+      <dsp:style>
+        <a:lnRef idx="1">
+          <a:scrgbClr r="0" g="0" b="0"/>
+        </a:lnRef>
+        <a:fillRef idx="1">
+          <a:scrgbClr r="0" g="0" b="0"/>
+        </a:fillRef>
+        <a:effectRef idx="0">
+          <a:scrgbClr r="0" g="0" b="0"/>
+        </a:effectRef>
+        <a:fontRef idx="minor"/>
+      </dsp:style>
+      <dsp:txBody>
+        <a:bodyPr spcFirstLastPara="0" vert="horz" wrap="square" lIns="68580" tIns="68580" rIns="68580" bIns="68580" numCol="1" spcCol="1270" anchor="t" anchorCtr="0">
+          <a:noAutofit/>
+        </a:bodyPr>
+        <a:lstStyle/>
+        <a:p>
+          <a:pPr marL="171450" lvl="1" indent="-171450" algn="l" defTabSz="800100">
+            <a:lnSpc>
+              <a:spcPct val="90000"/>
+            </a:lnSpc>
+            <a:spcBef>
+              <a:spcPct val="0"/>
+            </a:spcBef>
+            <a:spcAft>
+              <a:spcPct val="15000"/>
+            </a:spcAft>
+            <a:buChar char="••"/>
+          </a:pPr>
+          <a:r>
+            <a:rPr lang="en-US" sz="1800" kern="1200" dirty="0" smtClean="0"/>
+            <a:t>More engineers</a:t>
+          </a:r>
+          <a:endParaRPr lang="en-US" sz="1800" kern="1200" dirty="0"/>
+        </a:p>
+        <a:p>
+          <a:pPr marL="171450" lvl="1" indent="-171450" algn="l" defTabSz="800100">
+            <a:lnSpc>
+              <a:spcPct val="90000"/>
+            </a:lnSpc>
+            <a:spcBef>
+              <a:spcPct val="0"/>
+            </a:spcBef>
+            <a:spcAft>
+              <a:spcPct val="15000"/>
+            </a:spcAft>
+            <a:buChar char="••"/>
+          </a:pPr>
+          <a:r>
+            <a:rPr lang="en-US" sz="1800" kern="1200" dirty="0" smtClean="0"/>
+            <a:t>Process</a:t>
+          </a:r>
+          <a:endParaRPr lang="en-US" sz="1800" kern="1200" dirty="0"/>
+        </a:p>
+        <a:p>
+          <a:pPr marL="171450" lvl="1" indent="-171450" algn="l" defTabSz="800100">
+            <a:lnSpc>
+              <a:spcPct val="90000"/>
+            </a:lnSpc>
+            <a:spcBef>
+              <a:spcPct val="0"/>
+            </a:spcBef>
+            <a:spcAft>
+              <a:spcPct val="15000"/>
+            </a:spcAft>
+            <a:buChar char="••"/>
+          </a:pPr>
+          <a:r>
+            <a:rPr lang="en-US" sz="1800" kern="1200" dirty="0" smtClean="0"/>
+            <a:t>IT infrastructure</a:t>
+          </a:r>
+          <a:endParaRPr lang="en-US" sz="1800" kern="1200" dirty="0"/>
+        </a:p>
+      </dsp:txBody>
+      <dsp:txXfrm>
+        <a:off x="2590800" y="3047999"/>
+        <a:ext cx="3505200" cy="1016000"/>
+      </dsp:txXfrm>
+    </dsp:sp>
+    <dsp:sp modelId="{687CBC0B-004E-344F-B38E-489B21050C37}">
+      <dsp:nvSpPr>
+        <dsp:cNvPr id="0" name=""/>
+        <dsp:cNvSpPr/>
+      </dsp:nvSpPr>
+      <dsp:spPr>
+        <a:xfrm rot="10800000">
+          <a:off x="1554480" y="3047999"/>
+          <a:ext cx="1036320" cy="1016000"/>
+        </a:xfrm>
+        <a:prstGeom prst="trapezoid">
+          <a:avLst>
+            <a:gd name="adj" fmla="val 51000"/>
+          </a:avLst>
+        </a:prstGeom>
+        <a:gradFill rotWithShape="0">
+          <a:gsLst>
+            <a:gs pos="0">
+              <a:schemeClr val="accent1">
+                <a:hueOff val="0"/>
+                <a:satOff val="0"/>
+                <a:lumOff val="0"/>
+                <a:alphaOff val="0"/>
+                <a:tint val="100000"/>
+                <a:shade val="100000"/>
+                <a:satMod val="130000"/>
+              </a:schemeClr>
+            </a:gs>
+            <a:gs pos="100000">
+              <a:schemeClr val="accent1">
+                <a:hueOff val="0"/>
+                <a:satOff val="0"/>
+                <a:lumOff val="0"/>
+                <a:alphaOff val="0"/>
+                <a:tint val="50000"/>
+                <a:shade val="100000"/>
+                <a:satMod val="350000"/>
+              </a:schemeClr>
+            </a:gs>
+          </a:gsLst>
+          <a:lin ang="16200000" scaled="0"/>
+        </a:gradFill>
+        <a:ln>
+          <a:noFill/>
+        </a:ln>
+        <a:effectLst>
+          <a:outerShdw blurRad="40000" dist="23000" dir="5400000" rotWithShape="0">
+            <a:srgbClr val="000000">
+              <a:alpha val="35000"/>
+            </a:srgbClr>
+          </a:outerShdw>
+        </a:effectLst>
+      </dsp:spPr>
+      <dsp:style>
+        <a:lnRef idx="0">
+          <a:scrgbClr r="0" g="0" b="0"/>
+        </a:lnRef>
+        <a:fillRef idx="3">
+          <a:scrgbClr r="0" g="0" b="0"/>
+        </a:fillRef>
+        <a:effectRef idx="2">
+          <a:scrgbClr r="0" g="0" b="0"/>
+        </a:effectRef>
+        <a:fontRef idx="minor">
+          <a:schemeClr val="lt1"/>
+        </a:fontRef>
+      </dsp:style>
+      <dsp:txBody>
+        <a:bodyPr spcFirstLastPara="0" vert="horz" wrap="square" lIns="34290" tIns="34290" rIns="34290" bIns="34290" numCol="1" spcCol="1270" anchor="ctr" anchorCtr="0">
+          <a:noAutofit/>
+        </a:bodyPr>
+        <a:lstStyle/>
+        <a:p>
+          <a:pPr lvl="0" algn="ctr" defTabSz="1200150">
+            <a:lnSpc>
+              <a:spcPct val="90000"/>
+            </a:lnSpc>
+            <a:spcBef>
+              <a:spcPct val="0"/>
+            </a:spcBef>
+            <a:spcAft>
+              <a:spcPct val="35000"/>
+            </a:spcAft>
+          </a:pPr>
+          <a:r>
+            <a:rPr lang="en-US" sz="2700" kern="1200" dirty="0" smtClean="0"/>
+            <a:t>Scaling stage</a:t>
+          </a:r>
+          <a:endParaRPr lang="en-US" sz="2700" kern="1200" dirty="0"/>
+        </a:p>
+      </dsp:txBody>
+      <dsp:txXfrm rot="-10800000">
+        <a:off x="1554480" y="3047999"/>
+        <a:ext cx="1036320" cy="1016000"/>
+      </dsp:txXfrm>
+    </dsp:sp>
+  </dsp:spTree>
+</dsp:drawing>
+</file>
+
 <file path=ppt/diagrams/layout1.xml><?xml version="1.0" encoding="utf-8"?>
 <dgm:layoutDef xmlns:dgm="http://schemas.openxmlformats.org/drawingml/2006/diagram" xmlns:a="http://schemas.openxmlformats.org/drawingml/2006/main" uniqueId="urn:microsoft.com/office/officeart/2005/8/layout/chevron1">
   <dgm:title val=""/>
@@ -3221,6 +5504,238 @@
 </dgm:layoutDef>
 </file>
 
+<file path=ppt/diagrams/layout2.xml><?xml version="1.0" encoding="utf-8"?>
+<dgm:layoutDef xmlns:dgm="http://schemas.openxmlformats.org/drawingml/2006/diagram" xmlns:a="http://schemas.openxmlformats.org/drawingml/2006/main" uniqueId="urn:microsoft.com/office/officeart/2005/8/layout/pyramid3">
+  <dgm:title val=""/>
+  <dgm:desc val=""/>
+  <dgm:catLst>
+    <dgm:cat type="pyramid" pri="2000"/>
+  </dgm:catLst>
+  <dgm:sampData useDef="1">
+    <dgm:dataModel>
+      <dgm:ptLst/>
+      <dgm:bg/>
+      <dgm:whole/>
+    </dgm:dataModel>
+  </dgm:sampData>
+  <dgm:styleData>
+    <dgm:dataModel>
+      <dgm:ptLst>
+        <dgm:pt modelId="0" type="doc"/>
+        <dgm:pt modelId="1"/>
+        <dgm:pt modelId="2"/>
+      </dgm:ptLst>
+      <dgm:cxnLst>
+        <dgm:cxn modelId="3" srcId="0" destId="1" srcOrd="0" destOrd="0"/>
+        <dgm:cxn modelId="4" srcId="0" destId="2" srcOrd="1" destOrd="0"/>
+      </dgm:cxnLst>
+      <dgm:bg/>
+      <dgm:whole/>
+    </dgm:dataModel>
+  </dgm:styleData>
+  <dgm:clrData>
+    <dgm:dataModel>
+      <dgm:ptLst>
+        <dgm:pt modelId="0" type="doc"/>
+        <dgm:pt modelId="1"/>
+        <dgm:pt modelId="2"/>
+        <dgm:pt modelId="3"/>
+        <dgm:pt modelId="4"/>
+      </dgm:ptLst>
+      <dgm:cxnLst>
+        <dgm:cxn modelId="5" srcId="0" destId="1" srcOrd="0" destOrd="0"/>
+        <dgm:cxn modelId="6" srcId="0" destId="2" srcOrd="1" destOrd="0"/>
+        <dgm:cxn modelId="7" srcId="0" destId="3" srcOrd="2" destOrd="0"/>
+        <dgm:cxn modelId="8" srcId="0" destId="4" srcOrd="3" destOrd="0"/>
+      </dgm:cxnLst>
+      <dgm:bg/>
+      <dgm:whole/>
+    </dgm:dataModel>
+  </dgm:clrData>
+  <dgm:layoutNode name="Name0">
+    <dgm:varLst>
+      <dgm:dir/>
+      <dgm:animLvl val="lvl"/>
+      <dgm:resizeHandles val="exact"/>
+    </dgm:varLst>
+    <dgm:choose name="Name1">
+      <dgm:if name="Name2" func="var" arg="dir" op="equ" val="norm">
+        <dgm:alg type="pyra">
+          <dgm:param type="linDir" val="fromT"/>
+          <dgm:param type="txDir" val="fromT"/>
+          <dgm:param type="pyraAcctPos" val="aft"/>
+          <dgm:param type="pyraAcctTxMar" val="step"/>
+          <dgm:param type="pyraAcctBkgdNode" val="acctBkgd"/>
+          <dgm:param type="pyraAcctTxNode" val="acctTx"/>
+          <dgm:param type="pyraLvlNode" val="level"/>
+        </dgm:alg>
+      </dgm:if>
+      <dgm:else name="Name3">
+        <dgm:alg type="pyra">
+          <dgm:param type="linDir" val="fromT"/>
+          <dgm:param type="txDir" val="fromT"/>
+          <dgm:param type="pyraAcctPos" val="bef"/>
+          <dgm:param type="pyraAcctTxMar" val="step"/>
+          <dgm:param type="pyraAcctBkgdNode" val="acctBkgd"/>
+          <dgm:param type="pyraAcctTxNode" val="acctTx"/>
+          <dgm:param type="pyraLvlNode" val="level"/>
+        </dgm:alg>
+      </dgm:else>
+    </dgm:choose>
+    <dgm:shape xmlns:r="http://schemas.openxmlformats.org/officeDocument/2006/relationships" r:blip="">
+      <dgm:adjLst/>
+    </dgm:shape>
+    <dgm:presOf/>
+    <dgm:choose name="Name4">
+      <dgm:if name="Name5" axis="root des" ptType="all node" func="maxDepth" op="gte" val="2">
+        <dgm:constrLst>
+          <dgm:constr type="primFontSz" for="des" forName="levelTx" op="equ"/>
+          <dgm:constr type="secFontSz" for="des" forName="acctTx" op="equ"/>
+          <dgm:constr type="pyraAcctRatio" val="0.32"/>
+        </dgm:constrLst>
+      </dgm:if>
+      <dgm:else name="Name6">
+        <dgm:constrLst>
+          <dgm:constr type="primFontSz" for="des" forName="levelTx" op="equ"/>
+          <dgm:constr type="secFontSz" for="des" forName="acctTx" op="equ"/>
+          <dgm:constr type="pyraAcctRatio"/>
+        </dgm:constrLst>
+      </dgm:else>
+    </dgm:choose>
+    <dgm:ruleLst/>
+    <dgm:forEach name="Name7" axis="ch" ptType="node">
+      <dgm:layoutNode name="Name8">
+        <dgm:alg type="composite">
+          <dgm:param type="horzAlign" val="none"/>
+        </dgm:alg>
+        <dgm:shape xmlns:r="http://schemas.openxmlformats.org/officeDocument/2006/relationships" r:blip="">
+          <dgm:adjLst/>
+        </dgm:shape>
+        <dgm:presOf/>
+        <dgm:choose name="Name9">
+          <dgm:if name="Name10" axis="self" ptType="node" func="revPos" op="equ" val="1">
+            <dgm:constrLst>
+              <dgm:constr type="ctrX" for="ch" forName="acctBkgd" val="1"/>
+              <dgm:constr type="ctrY" for="ch" forName="acctBkgd" val="1"/>
+              <dgm:constr type="w" for="ch" forName="acctBkgd" val="1"/>
+              <dgm:constr type="h" for="ch" forName="acctBkgd" val="1"/>
+              <dgm:constr type="ctrX" for="ch" forName="acctTx" val="1"/>
+              <dgm:constr type="ctrY" for="ch" forName="acctTx" val="1"/>
+              <dgm:constr type="w" for="ch" forName="acctTx" val="1"/>
+              <dgm:constr type="h" for="ch" forName="acctTx" val="1"/>
+              <dgm:constr type="ctrX" for="ch" forName="level" val="1"/>
+              <dgm:constr type="ctrY" for="ch" forName="level" val="1"/>
+              <dgm:constr type="w" for="ch" forName="level" val="1"/>
+              <dgm:constr type="h" for="ch" forName="level" val="1"/>
+              <dgm:constr type="ctrX" for="ch" forName="levelTx" refType="ctrX" refFor="ch" refForName="level"/>
+              <dgm:constr type="ctrY" for="ch" forName="levelTx" refType="ctrY" refFor="ch" refForName="level"/>
+              <dgm:constr type="w" for="ch" forName="levelTx" refType="w" refFor="ch" refForName="level"/>
+              <dgm:constr type="h" for="ch" forName="levelTx" refType="h" refFor="ch" refForName="level"/>
+            </dgm:constrLst>
+          </dgm:if>
+          <dgm:else name="Name11">
+            <dgm:constrLst>
+              <dgm:constr type="ctrX" for="ch" forName="acctBkgd" val="1"/>
+              <dgm:constr type="ctrY" for="ch" forName="acctBkgd" val="1"/>
+              <dgm:constr type="w" for="ch" forName="acctBkgd" val="1"/>
+              <dgm:constr type="h" for="ch" forName="acctBkgd" val="1"/>
+              <dgm:constr type="ctrX" for="ch" forName="acctTx" val="1"/>
+              <dgm:constr type="ctrY" for="ch" forName="acctTx" val="1"/>
+              <dgm:constr type="w" for="ch" forName="acctTx" val="1"/>
+              <dgm:constr type="h" for="ch" forName="acctTx" val="1"/>
+              <dgm:constr type="ctrX" for="ch" forName="level" val="1"/>
+              <dgm:constr type="ctrY" for="ch" forName="level" val="1"/>
+              <dgm:constr type="w" for="ch" forName="level" val="1"/>
+              <dgm:constr type="h" for="ch" forName="level" val="1"/>
+              <dgm:constr type="ctrX" for="ch" forName="levelTx" refType="ctrX" refFor="ch" refForName="level"/>
+              <dgm:constr type="ctrY" for="ch" forName="levelTx" refType="ctrY" refFor="ch" refForName="level"/>
+              <dgm:constr type="w" for="ch" forName="levelTx" refType="w" refFor="ch" refForName="level" fact="0.65"/>
+              <dgm:constr type="h" for="ch" forName="levelTx" refType="h" refFor="ch" refForName="level"/>
+            </dgm:constrLst>
+          </dgm:else>
+        </dgm:choose>
+        <dgm:ruleLst/>
+        <dgm:choose name="Name12">
+          <dgm:if name="Name13" axis="ch" ptType="node" func="cnt" op="gte" val="1">
+            <dgm:layoutNode name="acctBkgd" styleLbl="alignAcc1">
+              <dgm:alg type="sp"/>
+              <dgm:shape xmlns:r="http://schemas.openxmlformats.org/officeDocument/2006/relationships" type="nonIsoscelesTrapezoid" r:blip="">
+                <dgm:adjLst/>
+              </dgm:shape>
+              <dgm:presOf axis="des" ptType="node"/>
+              <dgm:constrLst/>
+              <dgm:ruleLst/>
+            </dgm:layoutNode>
+            <dgm:layoutNode name="acctTx" styleLbl="alignAcc1">
+              <dgm:varLst>
+                <dgm:bulletEnabled val="1"/>
+              </dgm:varLst>
+              <dgm:alg type="tx">
+                <dgm:param type="stBulletLvl" val="1"/>
+                <dgm:param type="txAnchorVertCh" val="t"/>
+              </dgm:alg>
+              <dgm:shape xmlns:r="http://schemas.openxmlformats.org/officeDocument/2006/relationships" type="nonIsoscelesTrapezoid" r:blip="" hideGeom="1">
+                <dgm:adjLst/>
+              </dgm:shape>
+              <dgm:presOf axis="des" ptType="node"/>
+              <dgm:constrLst>
+                <dgm:constr type="secFontSz" val="65"/>
+                <dgm:constr type="primFontSz" refType="secFontSz"/>
+                <dgm:constr type="tMarg" refType="secFontSz" fact="0.3"/>
+                <dgm:constr type="bMarg" refType="secFontSz" fact="0.3"/>
+                <dgm:constr type="lMarg" refType="secFontSz" fact="0.3"/>
+                <dgm:constr type="rMarg" refType="secFontSz" fact="0.3"/>
+              </dgm:constrLst>
+              <dgm:ruleLst>
+                <dgm:rule type="secFontSz" val="5" fact="NaN" max="NaN"/>
+              </dgm:ruleLst>
+            </dgm:layoutNode>
+          </dgm:if>
+          <dgm:else name="Name14"/>
+        </dgm:choose>
+        <dgm:layoutNode name="level">
+          <dgm:varLst>
+            <dgm:chMax val="1"/>
+            <dgm:bulletEnabled val="1"/>
+          </dgm:varLst>
+          <dgm:alg type="sp"/>
+          <dgm:shape xmlns:r="http://schemas.openxmlformats.org/officeDocument/2006/relationships" type="trapezoid" r:blip="">
+            <dgm:adjLst/>
+          </dgm:shape>
+          <dgm:presOf axis="self"/>
+          <dgm:constrLst>
+            <dgm:constr type="h" val="500"/>
+            <dgm:constr type="w" val="1"/>
+          </dgm:constrLst>
+          <dgm:ruleLst/>
+        </dgm:layoutNode>
+        <dgm:layoutNode name="levelTx" styleLbl="revTx">
+          <dgm:varLst>
+            <dgm:chMax val="1"/>
+            <dgm:bulletEnabled val="1"/>
+          </dgm:varLst>
+          <dgm:alg type="tx"/>
+          <dgm:shape xmlns:r="http://schemas.openxmlformats.org/officeDocument/2006/relationships" type="rect" r:blip="" hideGeom="1">
+            <dgm:adjLst/>
+          </dgm:shape>
+          <dgm:presOf axis="self"/>
+          <dgm:constrLst>
+            <dgm:constr type="tMarg" refType="primFontSz" fact="0.1"/>
+            <dgm:constr type="bMarg" refType="primFontSz" fact="0.1"/>
+            <dgm:constr type="lMarg" refType="primFontSz" fact="0.1"/>
+            <dgm:constr type="rMarg" refType="primFontSz" fact="0.1"/>
+            <dgm:constr type="primFontSz" val="65"/>
+          </dgm:constrLst>
+          <dgm:ruleLst>
+            <dgm:rule type="primFontSz" val="5" fact="NaN" max="NaN"/>
+          </dgm:ruleLst>
+        </dgm:layoutNode>
+      </dgm:layoutNode>
+    </dgm:forEach>
+  </dgm:layoutNode>
+</dgm:layoutDef>
+</file>
+
 <file path=ppt/diagrams/quickStyle1.xml><?xml version="1.0" encoding="utf-8"?>
 <dgm:styleDef xmlns:dgm="http://schemas.openxmlformats.org/drawingml/2006/diagram" xmlns:a="http://schemas.openxmlformats.org/drawingml/2006/main" uniqueId="urn:microsoft.com/office/officeart/2005/8/quickstyle/simple5">
   <dgm:title val=""/>
@@ -4227,6 +6742,1040 @@
         <a:scrgbClr r="0" g="0" b="0"/>
       </a:fillRef>
       <a:effectRef idx="3">
+        <a:scrgbClr r="0" g="0" b="0"/>
+      </a:effectRef>
+      <a:fontRef idx="minor"/>
+    </dgm:style>
+  </dgm:styleLbl>
+  <dgm:styleLbl name="revTx">
+    <dgm:scene3d>
+      <a:camera prst="orthographicFront"/>
+      <a:lightRig rig="threePt" dir="t"/>
+    </dgm:scene3d>
+    <dgm:sp3d/>
+    <dgm:txPr/>
+    <dgm:style>
+      <a:lnRef idx="0">
+        <a:scrgbClr r="0" g="0" b="0"/>
+      </a:lnRef>
+      <a:fillRef idx="0">
+        <a:scrgbClr r="0" g="0" b="0"/>
+      </a:fillRef>
+      <a:effectRef idx="0">
+        <a:scrgbClr r="0" g="0" b="0"/>
+      </a:effectRef>
+      <a:fontRef idx="minor"/>
+    </dgm:style>
+  </dgm:styleLbl>
+</dgm:styleDef>
+</file>
+
+<file path=ppt/diagrams/quickStyle2.xml><?xml version="1.0" encoding="utf-8"?>
+<dgm:styleDef xmlns:dgm="http://schemas.openxmlformats.org/drawingml/2006/diagram" xmlns:a="http://schemas.openxmlformats.org/drawingml/2006/main" uniqueId="urn:microsoft.com/office/officeart/2005/8/quickstyle/simple4">
+  <dgm:title val=""/>
+  <dgm:desc val=""/>
+  <dgm:catLst>
+    <dgm:cat type="simple" pri="10400"/>
+  </dgm:catLst>
+  <dgm:scene3d>
+    <a:camera prst="orthographicFront"/>
+    <a:lightRig rig="threePt" dir="t"/>
+  </dgm:scene3d>
+  <dgm:styleLbl name="node0">
+    <dgm:scene3d>
+      <a:camera prst="orthographicFront"/>
+      <a:lightRig rig="threePt" dir="t"/>
+    </dgm:scene3d>
+    <dgm:sp3d/>
+    <dgm:txPr/>
+    <dgm:style>
+      <a:lnRef idx="0">
+        <a:scrgbClr r="0" g="0" b="0"/>
+      </a:lnRef>
+      <a:fillRef idx="3">
+        <a:scrgbClr r="0" g="0" b="0"/>
+      </a:fillRef>
+      <a:effectRef idx="2">
+        <a:scrgbClr r="0" g="0" b="0"/>
+      </a:effectRef>
+      <a:fontRef idx="minor">
+        <a:schemeClr val="lt1"/>
+      </a:fontRef>
+    </dgm:style>
+  </dgm:styleLbl>
+  <dgm:styleLbl name="lnNode1">
+    <dgm:scene3d>
+      <a:camera prst="orthographicFront"/>
+      <a:lightRig rig="threePt" dir="t"/>
+    </dgm:scene3d>
+    <dgm:sp3d/>
+    <dgm:txPr/>
+    <dgm:style>
+      <a:lnRef idx="1">
+        <a:scrgbClr r="0" g="0" b="0"/>
+      </a:lnRef>
+      <a:fillRef idx="3">
+        <a:scrgbClr r="0" g="0" b="0"/>
+      </a:fillRef>
+      <a:effectRef idx="2">
+        <a:scrgbClr r="0" g="0" b="0"/>
+      </a:effectRef>
+      <a:fontRef idx="minor">
+        <a:schemeClr val="lt1"/>
+      </a:fontRef>
+    </dgm:style>
+  </dgm:styleLbl>
+  <dgm:styleLbl name="vennNode1">
+    <dgm:scene3d>
+      <a:camera prst="orthographicFront"/>
+      <a:lightRig rig="threePt" dir="t"/>
+    </dgm:scene3d>
+    <dgm:sp3d/>
+    <dgm:txPr/>
+    <dgm:style>
+      <a:lnRef idx="0">
+        <a:scrgbClr r="0" g="0" b="0"/>
+      </a:lnRef>
+      <a:fillRef idx="3">
+        <a:scrgbClr r="0" g="0" b="0"/>
+      </a:fillRef>
+      <a:effectRef idx="0">
+        <a:scrgbClr r="0" g="0" b="0"/>
+      </a:effectRef>
+      <a:fontRef idx="minor">
+        <a:schemeClr val="tx1"/>
+      </a:fontRef>
+    </dgm:style>
+  </dgm:styleLbl>
+  <dgm:styleLbl name="alignNode1">
+    <dgm:scene3d>
+      <a:camera prst="orthographicFront"/>
+      <a:lightRig rig="threePt" dir="t"/>
+    </dgm:scene3d>
+    <dgm:sp3d/>
+    <dgm:txPr/>
+    <dgm:style>
+      <a:lnRef idx="1">
+        <a:scrgbClr r="0" g="0" b="0"/>
+      </a:lnRef>
+      <a:fillRef idx="3">
+        <a:scrgbClr r="0" g="0" b="0"/>
+      </a:fillRef>
+      <a:effectRef idx="2">
+        <a:scrgbClr r="0" g="0" b="0"/>
+      </a:effectRef>
+      <a:fontRef idx="minor">
+        <a:schemeClr val="lt1"/>
+      </a:fontRef>
+    </dgm:style>
+  </dgm:styleLbl>
+  <dgm:styleLbl name="node1">
+    <dgm:scene3d>
+      <a:camera prst="orthographicFront"/>
+      <a:lightRig rig="threePt" dir="t"/>
+    </dgm:scene3d>
+    <dgm:sp3d/>
+    <dgm:txPr/>
+    <dgm:style>
+      <a:lnRef idx="0">
+        <a:scrgbClr r="0" g="0" b="0"/>
+      </a:lnRef>
+      <a:fillRef idx="3">
+        <a:scrgbClr r="0" g="0" b="0"/>
+      </a:fillRef>
+      <a:effectRef idx="2">
+        <a:scrgbClr r="0" g="0" b="0"/>
+      </a:effectRef>
+      <a:fontRef idx="minor">
+        <a:schemeClr val="lt1"/>
+      </a:fontRef>
+    </dgm:style>
+  </dgm:styleLbl>
+  <dgm:styleLbl name="node2">
+    <dgm:scene3d>
+      <a:camera prst="orthographicFront"/>
+      <a:lightRig rig="threePt" dir="t"/>
+    </dgm:scene3d>
+    <dgm:sp3d/>
+    <dgm:txPr/>
+    <dgm:style>
+      <a:lnRef idx="0">
+        <a:scrgbClr r="0" g="0" b="0"/>
+      </a:lnRef>
+      <a:fillRef idx="3">
+        <a:scrgbClr r="0" g="0" b="0"/>
+      </a:fillRef>
+      <a:effectRef idx="2">
+        <a:scrgbClr r="0" g="0" b="0"/>
+      </a:effectRef>
+      <a:fontRef idx="minor">
+        <a:schemeClr val="lt1"/>
+      </a:fontRef>
+    </dgm:style>
+  </dgm:styleLbl>
+  <dgm:styleLbl name="node3">
+    <dgm:scene3d>
+      <a:camera prst="orthographicFront"/>
+      <a:lightRig rig="threePt" dir="t"/>
+    </dgm:scene3d>
+    <dgm:sp3d/>
+    <dgm:txPr/>
+    <dgm:style>
+      <a:lnRef idx="0">
+        <a:scrgbClr r="0" g="0" b="0"/>
+      </a:lnRef>
+      <a:fillRef idx="3">
+        <a:scrgbClr r="0" g="0" b="0"/>
+      </a:fillRef>
+      <a:effectRef idx="2">
+        <a:scrgbClr r="0" g="0" b="0"/>
+      </a:effectRef>
+      <a:fontRef idx="minor">
+        <a:schemeClr val="lt1"/>
+      </a:fontRef>
+    </dgm:style>
+  </dgm:styleLbl>
+  <dgm:styleLbl name="node4">
+    <dgm:scene3d>
+      <a:camera prst="orthographicFront"/>
+      <a:lightRig rig="threePt" dir="t"/>
+    </dgm:scene3d>
+    <dgm:sp3d/>
+    <dgm:txPr/>
+    <dgm:style>
+      <a:lnRef idx="0">
+        <a:scrgbClr r="0" g="0" b="0"/>
+      </a:lnRef>
+      <a:fillRef idx="3">
+        <a:scrgbClr r="0" g="0" b="0"/>
+      </a:fillRef>
+      <a:effectRef idx="2">
+        <a:scrgbClr r="0" g="0" b="0"/>
+      </a:effectRef>
+      <a:fontRef idx="minor">
+        <a:schemeClr val="lt1"/>
+      </a:fontRef>
+    </dgm:style>
+  </dgm:styleLbl>
+  <dgm:styleLbl name="fgImgPlace1">
+    <dgm:scene3d>
+      <a:camera prst="orthographicFront"/>
+      <a:lightRig rig="threePt" dir="t"/>
+    </dgm:scene3d>
+    <dgm:sp3d/>
+    <dgm:txPr/>
+    <dgm:style>
+      <a:lnRef idx="0">
+        <a:scrgbClr r="0" g="0" b="0"/>
+      </a:lnRef>
+      <a:fillRef idx="1">
+        <a:scrgbClr r="0" g="0" b="0"/>
+      </a:fillRef>
+      <a:effectRef idx="2">
+        <a:scrgbClr r="0" g="0" b="0"/>
+      </a:effectRef>
+      <a:fontRef idx="minor"/>
+    </dgm:style>
+  </dgm:styleLbl>
+  <dgm:styleLbl name="alignImgPlace1">
+    <dgm:scene3d>
+      <a:camera prst="orthographicFront"/>
+      <a:lightRig rig="threePt" dir="t"/>
+    </dgm:scene3d>
+    <dgm:sp3d/>
+    <dgm:txPr/>
+    <dgm:style>
+      <a:lnRef idx="0">
+        <a:scrgbClr r="0" g="0" b="0"/>
+      </a:lnRef>
+      <a:fillRef idx="1">
+        <a:scrgbClr r="0" g="0" b="0"/>
+      </a:fillRef>
+      <a:effectRef idx="2">
+        <a:scrgbClr r="0" g="0" b="0"/>
+      </a:effectRef>
+      <a:fontRef idx="minor"/>
+    </dgm:style>
+  </dgm:styleLbl>
+  <dgm:styleLbl name="bgImgPlace1">
+    <dgm:scene3d>
+      <a:camera prst="orthographicFront"/>
+      <a:lightRig rig="threePt" dir="t"/>
+    </dgm:scene3d>
+    <dgm:sp3d/>
+    <dgm:txPr/>
+    <dgm:style>
+      <a:lnRef idx="0">
+        <a:scrgbClr r="0" g="0" b="0"/>
+      </a:lnRef>
+      <a:fillRef idx="1">
+        <a:scrgbClr r="0" g="0" b="0"/>
+      </a:fillRef>
+      <a:effectRef idx="2">
+        <a:scrgbClr r="0" g="0" b="0"/>
+      </a:effectRef>
+      <a:fontRef idx="minor"/>
+    </dgm:style>
+  </dgm:styleLbl>
+  <dgm:styleLbl name="sibTrans2D1">
+    <dgm:scene3d>
+      <a:camera prst="orthographicFront"/>
+      <a:lightRig rig="threePt" dir="t"/>
+    </dgm:scene3d>
+    <dgm:sp3d/>
+    <dgm:txPr/>
+    <dgm:style>
+      <a:lnRef idx="0">
+        <a:scrgbClr r="0" g="0" b="0"/>
+      </a:lnRef>
+      <a:fillRef idx="3">
+        <a:scrgbClr r="0" g="0" b="0"/>
+      </a:fillRef>
+      <a:effectRef idx="2">
+        <a:scrgbClr r="0" g="0" b="0"/>
+      </a:effectRef>
+      <a:fontRef idx="minor">
+        <a:schemeClr val="lt1"/>
+      </a:fontRef>
+    </dgm:style>
+  </dgm:styleLbl>
+  <dgm:styleLbl name="fgSibTrans2D1">
+    <dgm:scene3d>
+      <a:camera prst="orthographicFront"/>
+      <a:lightRig rig="threePt" dir="t"/>
+    </dgm:scene3d>
+    <dgm:sp3d/>
+    <dgm:txPr/>
+    <dgm:style>
+      <a:lnRef idx="0">
+        <a:scrgbClr r="0" g="0" b="0"/>
+      </a:lnRef>
+      <a:fillRef idx="3">
+        <a:scrgbClr r="0" g="0" b="0"/>
+      </a:fillRef>
+      <a:effectRef idx="2">
+        <a:scrgbClr r="0" g="0" b="0"/>
+      </a:effectRef>
+      <a:fontRef idx="minor">
+        <a:schemeClr val="lt1"/>
+      </a:fontRef>
+    </dgm:style>
+  </dgm:styleLbl>
+  <dgm:styleLbl name="bgSibTrans2D1">
+    <dgm:scene3d>
+      <a:camera prst="orthographicFront"/>
+      <a:lightRig rig="threePt" dir="t"/>
+    </dgm:scene3d>
+    <dgm:sp3d/>
+    <dgm:txPr/>
+    <dgm:style>
+      <a:lnRef idx="0">
+        <a:scrgbClr r="0" g="0" b="0"/>
+      </a:lnRef>
+      <a:fillRef idx="3">
+        <a:scrgbClr r="0" g="0" b="0"/>
+      </a:fillRef>
+      <a:effectRef idx="2">
+        <a:scrgbClr r="0" g="0" b="0"/>
+      </a:effectRef>
+      <a:fontRef idx="minor">
+        <a:schemeClr val="lt1"/>
+      </a:fontRef>
+    </dgm:style>
+  </dgm:styleLbl>
+  <dgm:styleLbl name="sibTrans1D1">
+    <dgm:scene3d>
+      <a:camera prst="orthographicFront"/>
+      <a:lightRig rig="threePt" dir="t"/>
+    </dgm:scene3d>
+    <dgm:sp3d/>
+    <dgm:txPr/>
+    <dgm:style>
+      <a:lnRef idx="1">
+        <a:scrgbClr r="0" g="0" b="0"/>
+      </a:lnRef>
+      <a:fillRef idx="0">
+        <a:scrgbClr r="0" g="0" b="0"/>
+      </a:fillRef>
+      <a:effectRef idx="0">
+        <a:scrgbClr r="0" g="0" b="0"/>
+      </a:effectRef>
+      <a:fontRef idx="minor"/>
+    </dgm:style>
+  </dgm:styleLbl>
+  <dgm:styleLbl name="callout">
+    <dgm:scene3d>
+      <a:camera prst="orthographicFront"/>
+      <a:lightRig rig="threePt" dir="t"/>
+    </dgm:scene3d>
+    <dgm:sp3d/>
+    <dgm:txPr/>
+    <dgm:style>
+      <a:lnRef idx="2">
+        <a:scrgbClr r="0" g="0" b="0"/>
+      </a:lnRef>
+      <a:fillRef idx="1">
+        <a:scrgbClr r="0" g="0" b="0"/>
+      </a:fillRef>
+      <a:effectRef idx="1">
+        <a:scrgbClr r="0" g="0" b="0"/>
+      </a:effectRef>
+      <a:fontRef idx="minor"/>
+    </dgm:style>
+  </dgm:styleLbl>
+  <dgm:styleLbl name="asst0">
+    <dgm:scene3d>
+      <a:camera prst="orthographicFront"/>
+      <a:lightRig rig="threePt" dir="t"/>
+    </dgm:scene3d>
+    <dgm:sp3d/>
+    <dgm:txPr/>
+    <dgm:style>
+      <a:lnRef idx="0">
+        <a:scrgbClr r="0" g="0" b="0"/>
+      </a:lnRef>
+      <a:fillRef idx="3">
+        <a:scrgbClr r="0" g="0" b="0"/>
+      </a:fillRef>
+      <a:effectRef idx="2">
+        <a:scrgbClr r="0" g="0" b="0"/>
+      </a:effectRef>
+      <a:fontRef idx="minor">
+        <a:schemeClr val="lt1"/>
+      </a:fontRef>
+    </dgm:style>
+  </dgm:styleLbl>
+  <dgm:styleLbl name="asst1">
+    <dgm:scene3d>
+      <a:camera prst="orthographicFront"/>
+      <a:lightRig rig="threePt" dir="t"/>
+    </dgm:scene3d>
+    <dgm:sp3d/>
+    <dgm:txPr/>
+    <dgm:style>
+      <a:lnRef idx="0">
+        <a:scrgbClr r="0" g="0" b="0"/>
+      </a:lnRef>
+      <a:fillRef idx="3">
+        <a:scrgbClr r="0" g="0" b="0"/>
+      </a:fillRef>
+      <a:effectRef idx="2">
+        <a:scrgbClr r="0" g="0" b="0"/>
+      </a:effectRef>
+      <a:fontRef idx="minor">
+        <a:schemeClr val="lt1"/>
+      </a:fontRef>
+    </dgm:style>
+  </dgm:styleLbl>
+  <dgm:styleLbl name="asst2">
+    <dgm:scene3d>
+      <a:camera prst="orthographicFront"/>
+      <a:lightRig rig="threePt" dir="t"/>
+    </dgm:scene3d>
+    <dgm:sp3d/>
+    <dgm:txPr/>
+    <dgm:style>
+      <a:lnRef idx="0">
+        <a:scrgbClr r="0" g="0" b="0"/>
+      </a:lnRef>
+      <a:fillRef idx="3">
+        <a:scrgbClr r="0" g="0" b="0"/>
+      </a:fillRef>
+      <a:effectRef idx="2">
+        <a:scrgbClr r="0" g="0" b="0"/>
+      </a:effectRef>
+      <a:fontRef idx="minor">
+        <a:schemeClr val="lt1"/>
+      </a:fontRef>
+    </dgm:style>
+  </dgm:styleLbl>
+  <dgm:styleLbl name="asst3">
+    <dgm:scene3d>
+      <a:camera prst="orthographicFront"/>
+      <a:lightRig rig="threePt" dir="t"/>
+    </dgm:scene3d>
+    <dgm:sp3d/>
+    <dgm:txPr/>
+    <dgm:style>
+      <a:lnRef idx="0">
+        <a:scrgbClr r="0" g="0" b="0"/>
+      </a:lnRef>
+      <a:fillRef idx="3">
+        <a:scrgbClr r="0" g="0" b="0"/>
+      </a:fillRef>
+      <a:effectRef idx="2">
+        <a:scrgbClr r="0" g="0" b="0"/>
+      </a:effectRef>
+      <a:fontRef idx="minor">
+        <a:schemeClr val="lt1"/>
+      </a:fontRef>
+    </dgm:style>
+  </dgm:styleLbl>
+  <dgm:styleLbl name="asst4">
+    <dgm:scene3d>
+      <a:camera prst="orthographicFront"/>
+      <a:lightRig rig="threePt" dir="t"/>
+    </dgm:scene3d>
+    <dgm:sp3d/>
+    <dgm:txPr/>
+    <dgm:style>
+      <a:lnRef idx="0">
+        <a:scrgbClr r="0" g="0" b="0"/>
+      </a:lnRef>
+      <a:fillRef idx="3">
+        <a:scrgbClr r="0" g="0" b="0"/>
+      </a:fillRef>
+      <a:effectRef idx="2">
+        <a:scrgbClr r="0" g="0" b="0"/>
+      </a:effectRef>
+      <a:fontRef idx="minor">
+        <a:schemeClr val="lt1"/>
+      </a:fontRef>
+    </dgm:style>
+  </dgm:styleLbl>
+  <dgm:styleLbl name="parChTrans2D1">
+    <dgm:scene3d>
+      <a:camera prst="orthographicFront"/>
+      <a:lightRig rig="threePt" dir="t"/>
+    </dgm:scene3d>
+    <dgm:sp3d/>
+    <dgm:txPr/>
+    <dgm:style>
+      <a:lnRef idx="0">
+        <a:scrgbClr r="0" g="0" b="0"/>
+      </a:lnRef>
+      <a:fillRef idx="3">
+        <a:scrgbClr r="0" g="0" b="0"/>
+      </a:fillRef>
+      <a:effectRef idx="2">
+        <a:scrgbClr r="0" g="0" b="0"/>
+      </a:effectRef>
+      <a:fontRef idx="minor">
+        <a:schemeClr val="lt1"/>
+      </a:fontRef>
+    </dgm:style>
+  </dgm:styleLbl>
+  <dgm:styleLbl name="parChTrans2D2">
+    <dgm:scene3d>
+      <a:camera prst="orthographicFront"/>
+      <a:lightRig rig="threePt" dir="t"/>
+    </dgm:scene3d>
+    <dgm:sp3d/>
+    <dgm:txPr/>
+    <dgm:style>
+      <a:lnRef idx="0">
+        <a:scrgbClr r="0" g="0" b="0"/>
+      </a:lnRef>
+      <a:fillRef idx="3">
+        <a:scrgbClr r="0" g="0" b="0"/>
+      </a:fillRef>
+      <a:effectRef idx="2">
+        <a:scrgbClr r="0" g="0" b="0"/>
+      </a:effectRef>
+      <a:fontRef idx="minor">
+        <a:schemeClr val="lt1"/>
+      </a:fontRef>
+    </dgm:style>
+  </dgm:styleLbl>
+  <dgm:styleLbl name="parChTrans2D3">
+    <dgm:scene3d>
+      <a:camera prst="orthographicFront"/>
+      <a:lightRig rig="threePt" dir="t"/>
+    </dgm:scene3d>
+    <dgm:sp3d/>
+    <dgm:txPr/>
+    <dgm:style>
+      <a:lnRef idx="1">
+        <a:scrgbClr r="0" g="0" b="0"/>
+      </a:lnRef>
+      <a:fillRef idx="3">
+        <a:scrgbClr r="0" g="0" b="0"/>
+      </a:fillRef>
+      <a:effectRef idx="2">
+        <a:scrgbClr r="0" g="0" b="0"/>
+      </a:effectRef>
+      <a:fontRef idx="minor">
+        <a:schemeClr val="lt1"/>
+      </a:fontRef>
+    </dgm:style>
+  </dgm:styleLbl>
+  <dgm:styleLbl name="parChTrans2D4">
+    <dgm:scene3d>
+      <a:camera prst="orthographicFront"/>
+      <a:lightRig rig="threePt" dir="t"/>
+    </dgm:scene3d>
+    <dgm:sp3d/>
+    <dgm:txPr/>
+    <dgm:style>
+      <a:lnRef idx="1">
+        <a:scrgbClr r="0" g="0" b="0"/>
+      </a:lnRef>
+      <a:fillRef idx="3">
+        <a:scrgbClr r="0" g="0" b="0"/>
+      </a:fillRef>
+      <a:effectRef idx="2">
+        <a:scrgbClr r="0" g="0" b="0"/>
+      </a:effectRef>
+      <a:fontRef idx="minor">
+        <a:schemeClr val="lt1"/>
+      </a:fontRef>
+    </dgm:style>
+  </dgm:styleLbl>
+  <dgm:styleLbl name="parChTrans1D1">
+    <dgm:scene3d>
+      <a:camera prst="orthographicFront"/>
+      <a:lightRig rig="threePt" dir="t"/>
+    </dgm:scene3d>
+    <dgm:sp3d/>
+    <dgm:txPr/>
+    <dgm:style>
+      <a:lnRef idx="1">
+        <a:scrgbClr r="0" g="0" b="0"/>
+      </a:lnRef>
+      <a:fillRef idx="0">
+        <a:scrgbClr r="0" g="0" b="0"/>
+      </a:fillRef>
+      <a:effectRef idx="0">
+        <a:scrgbClr r="0" g="0" b="0"/>
+      </a:effectRef>
+      <a:fontRef idx="minor"/>
+    </dgm:style>
+  </dgm:styleLbl>
+  <dgm:styleLbl name="parChTrans1D2">
+    <dgm:scene3d>
+      <a:camera prst="orthographicFront"/>
+      <a:lightRig rig="threePt" dir="t"/>
+    </dgm:scene3d>
+    <dgm:sp3d/>
+    <dgm:txPr/>
+    <dgm:style>
+      <a:lnRef idx="1">
+        <a:scrgbClr r="0" g="0" b="0"/>
+      </a:lnRef>
+      <a:fillRef idx="0">
+        <a:scrgbClr r="0" g="0" b="0"/>
+      </a:fillRef>
+      <a:effectRef idx="0">
+        <a:scrgbClr r="0" g="0" b="0"/>
+      </a:effectRef>
+      <a:fontRef idx="minor"/>
+    </dgm:style>
+  </dgm:styleLbl>
+  <dgm:styleLbl name="parChTrans1D3">
+    <dgm:scene3d>
+      <a:camera prst="orthographicFront"/>
+      <a:lightRig rig="threePt" dir="t"/>
+    </dgm:scene3d>
+    <dgm:sp3d/>
+    <dgm:txPr/>
+    <dgm:style>
+      <a:lnRef idx="1">
+        <a:scrgbClr r="0" g="0" b="0"/>
+      </a:lnRef>
+      <a:fillRef idx="0">
+        <a:scrgbClr r="0" g="0" b="0"/>
+      </a:fillRef>
+      <a:effectRef idx="0">
+        <a:scrgbClr r="0" g="0" b="0"/>
+      </a:effectRef>
+      <a:fontRef idx="minor"/>
+    </dgm:style>
+  </dgm:styleLbl>
+  <dgm:styleLbl name="parChTrans1D4">
+    <dgm:scene3d>
+      <a:camera prst="orthographicFront"/>
+      <a:lightRig rig="threePt" dir="t"/>
+    </dgm:scene3d>
+    <dgm:sp3d/>
+    <dgm:txPr/>
+    <dgm:style>
+      <a:lnRef idx="1">
+        <a:scrgbClr r="0" g="0" b="0"/>
+      </a:lnRef>
+      <a:fillRef idx="0">
+        <a:scrgbClr r="0" g="0" b="0"/>
+      </a:fillRef>
+      <a:effectRef idx="0">
+        <a:scrgbClr r="0" g="0" b="0"/>
+      </a:effectRef>
+      <a:fontRef idx="minor"/>
+    </dgm:style>
+  </dgm:styleLbl>
+  <dgm:styleLbl name="fgAcc1">
+    <dgm:scene3d>
+      <a:camera prst="orthographicFront"/>
+      <a:lightRig rig="threePt" dir="t"/>
+    </dgm:scene3d>
+    <dgm:sp3d/>
+    <dgm:txPr/>
+    <dgm:style>
+      <a:lnRef idx="1">
+        <a:scrgbClr r="0" g="0" b="0"/>
+      </a:lnRef>
+      <a:fillRef idx="1">
+        <a:scrgbClr r="0" g="0" b="0"/>
+      </a:fillRef>
+      <a:effectRef idx="0">
+        <a:scrgbClr r="0" g="0" b="0"/>
+      </a:effectRef>
+      <a:fontRef idx="minor"/>
+    </dgm:style>
+  </dgm:styleLbl>
+  <dgm:styleLbl name="conFgAcc1">
+    <dgm:scene3d>
+      <a:camera prst="orthographicFront"/>
+      <a:lightRig rig="threePt" dir="t"/>
+    </dgm:scene3d>
+    <dgm:sp3d/>
+    <dgm:txPr/>
+    <dgm:style>
+      <a:lnRef idx="1">
+        <a:scrgbClr r="0" g="0" b="0"/>
+      </a:lnRef>
+      <a:fillRef idx="1">
+        <a:scrgbClr r="0" g="0" b="0"/>
+      </a:fillRef>
+      <a:effectRef idx="0">
+        <a:scrgbClr r="0" g="0" b="0"/>
+      </a:effectRef>
+      <a:fontRef idx="minor"/>
+    </dgm:style>
+  </dgm:styleLbl>
+  <dgm:styleLbl name="alignAcc1">
+    <dgm:scene3d>
+      <a:camera prst="orthographicFront"/>
+      <a:lightRig rig="threePt" dir="t"/>
+    </dgm:scene3d>
+    <dgm:sp3d/>
+    <dgm:txPr/>
+    <dgm:style>
+      <a:lnRef idx="1">
+        <a:scrgbClr r="0" g="0" b="0"/>
+      </a:lnRef>
+      <a:fillRef idx="1">
+        <a:scrgbClr r="0" g="0" b="0"/>
+      </a:fillRef>
+      <a:effectRef idx="0">
+        <a:scrgbClr r="0" g="0" b="0"/>
+      </a:effectRef>
+      <a:fontRef idx="minor"/>
+    </dgm:style>
+  </dgm:styleLbl>
+  <dgm:styleLbl name="trAlignAcc1">
+    <dgm:scene3d>
+      <a:camera prst="orthographicFront"/>
+      <a:lightRig rig="threePt" dir="t"/>
+    </dgm:scene3d>
+    <dgm:sp3d/>
+    <dgm:txPr/>
+    <dgm:style>
+      <a:lnRef idx="1">
+        <a:scrgbClr r="0" g="0" b="0"/>
+      </a:lnRef>
+      <a:fillRef idx="1">
+        <a:scrgbClr r="0" g="0" b="0"/>
+      </a:fillRef>
+      <a:effectRef idx="0">
+        <a:scrgbClr r="0" g="0" b="0"/>
+      </a:effectRef>
+      <a:fontRef idx="minor"/>
+    </dgm:style>
+  </dgm:styleLbl>
+  <dgm:styleLbl name="bgAcc1">
+    <dgm:scene3d>
+      <a:camera prst="orthographicFront"/>
+      <a:lightRig rig="threePt" dir="t"/>
+    </dgm:scene3d>
+    <dgm:sp3d/>
+    <dgm:txPr/>
+    <dgm:style>
+      <a:lnRef idx="1">
+        <a:scrgbClr r="0" g="0" b="0"/>
+      </a:lnRef>
+      <a:fillRef idx="1">
+        <a:scrgbClr r="0" g="0" b="0"/>
+      </a:fillRef>
+      <a:effectRef idx="0">
+        <a:scrgbClr r="0" g="0" b="0"/>
+      </a:effectRef>
+      <a:fontRef idx="minor"/>
+    </dgm:style>
+  </dgm:styleLbl>
+  <dgm:styleLbl name="solidFgAcc1">
+    <dgm:scene3d>
+      <a:camera prst="orthographicFront"/>
+      <a:lightRig rig="threePt" dir="t"/>
+    </dgm:scene3d>
+    <dgm:sp3d/>
+    <dgm:txPr/>
+    <dgm:style>
+      <a:lnRef idx="1">
+        <a:scrgbClr r="0" g="0" b="0"/>
+      </a:lnRef>
+      <a:fillRef idx="1">
+        <a:scrgbClr r="0" g="0" b="0"/>
+      </a:fillRef>
+      <a:effectRef idx="0">
+        <a:scrgbClr r="0" g="0" b="0"/>
+      </a:effectRef>
+      <a:fontRef idx="minor"/>
+    </dgm:style>
+  </dgm:styleLbl>
+  <dgm:styleLbl name="solidAlignAcc1">
+    <dgm:scene3d>
+      <a:camera prst="orthographicFront"/>
+      <a:lightRig rig="threePt" dir="t"/>
+    </dgm:scene3d>
+    <dgm:sp3d/>
+    <dgm:txPr/>
+    <dgm:style>
+      <a:lnRef idx="1">
+        <a:scrgbClr r="0" g="0" b="0"/>
+      </a:lnRef>
+      <a:fillRef idx="1">
+        <a:scrgbClr r="0" g="0" b="0"/>
+      </a:fillRef>
+      <a:effectRef idx="0">
+        <a:scrgbClr r="0" g="0" b="0"/>
+      </a:effectRef>
+      <a:fontRef idx="minor"/>
+    </dgm:style>
+  </dgm:styleLbl>
+  <dgm:styleLbl name="solidBgAcc1">
+    <dgm:scene3d>
+      <a:camera prst="orthographicFront"/>
+      <a:lightRig rig="threePt" dir="t"/>
+    </dgm:scene3d>
+    <dgm:sp3d/>
+    <dgm:txPr/>
+    <dgm:style>
+      <a:lnRef idx="1">
+        <a:scrgbClr r="0" g="0" b="0"/>
+      </a:lnRef>
+      <a:fillRef idx="1">
+        <a:scrgbClr r="0" g="0" b="0"/>
+      </a:fillRef>
+      <a:effectRef idx="0">
+        <a:scrgbClr r="0" g="0" b="0"/>
+      </a:effectRef>
+      <a:fontRef idx="minor"/>
+    </dgm:style>
+  </dgm:styleLbl>
+  <dgm:styleLbl name="fgAccFollowNode1">
+    <dgm:scene3d>
+      <a:camera prst="orthographicFront"/>
+      <a:lightRig rig="threePt" dir="t"/>
+    </dgm:scene3d>
+    <dgm:sp3d/>
+    <dgm:txPr/>
+    <dgm:style>
+      <a:lnRef idx="1">
+        <a:scrgbClr r="0" g="0" b="0"/>
+      </a:lnRef>
+      <a:fillRef idx="1">
+        <a:scrgbClr r="0" g="0" b="0"/>
+      </a:fillRef>
+      <a:effectRef idx="0">
+        <a:scrgbClr r="0" g="0" b="0"/>
+      </a:effectRef>
+      <a:fontRef idx="minor"/>
+    </dgm:style>
+  </dgm:styleLbl>
+  <dgm:styleLbl name="alignAccFollowNode1">
+    <dgm:scene3d>
+      <a:camera prst="orthographicFront"/>
+      <a:lightRig rig="threePt" dir="t"/>
+    </dgm:scene3d>
+    <dgm:sp3d/>
+    <dgm:txPr/>
+    <dgm:style>
+      <a:lnRef idx="1">
+        <a:scrgbClr r="0" g="0" b="0"/>
+      </a:lnRef>
+      <a:fillRef idx="1">
+        <a:scrgbClr r="0" g="0" b="0"/>
+      </a:fillRef>
+      <a:effectRef idx="0">
+        <a:scrgbClr r="0" g="0" b="0"/>
+      </a:effectRef>
+      <a:fontRef idx="minor"/>
+    </dgm:style>
+  </dgm:styleLbl>
+  <dgm:styleLbl name="bgAccFollowNode1">
+    <dgm:scene3d>
+      <a:camera prst="orthographicFront"/>
+      <a:lightRig rig="threePt" dir="t"/>
+    </dgm:scene3d>
+    <dgm:sp3d/>
+    <dgm:txPr/>
+    <dgm:style>
+      <a:lnRef idx="1">
+        <a:scrgbClr r="0" g="0" b="0"/>
+      </a:lnRef>
+      <a:fillRef idx="1">
+        <a:scrgbClr r="0" g="0" b="0"/>
+      </a:fillRef>
+      <a:effectRef idx="0">
+        <a:scrgbClr r="0" g="0" b="0"/>
+      </a:effectRef>
+      <a:fontRef idx="minor"/>
+    </dgm:style>
+  </dgm:styleLbl>
+  <dgm:styleLbl name="fgAcc0">
+    <dgm:scene3d>
+      <a:camera prst="orthographicFront"/>
+      <a:lightRig rig="threePt" dir="t"/>
+    </dgm:scene3d>
+    <dgm:sp3d/>
+    <dgm:txPr/>
+    <dgm:style>
+      <a:lnRef idx="1">
+        <a:scrgbClr r="0" g="0" b="0"/>
+      </a:lnRef>
+      <a:fillRef idx="1">
+        <a:scrgbClr r="0" g="0" b="0"/>
+      </a:fillRef>
+      <a:effectRef idx="0">
+        <a:scrgbClr r="0" g="0" b="0"/>
+      </a:effectRef>
+      <a:fontRef idx="minor"/>
+    </dgm:style>
+  </dgm:styleLbl>
+  <dgm:styleLbl name="fgAcc2">
+    <dgm:scene3d>
+      <a:camera prst="orthographicFront"/>
+      <a:lightRig rig="threePt" dir="t"/>
+    </dgm:scene3d>
+    <dgm:sp3d/>
+    <dgm:txPr/>
+    <dgm:style>
+      <a:lnRef idx="1">
+        <a:scrgbClr r="0" g="0" b="0"/>
+      </a:lnRef>
+      <a:fillRef idx="1">
+        <a:scrgbClr r="0" g="0" b="0"/>
+      </a:fillRef>
+      <a:effectRef idx="0">
+        <a:scrgbClr r="0" g="0" b="0"/>
+      </a:effectRef>
+      <a:fontRef idx="minor"/>
+    </dgm:style>
+  </dgm:styleLbl>
+  <dgm:styleLbl name="fgAcc3">
+    <dgm:scene3d>
+      <a:camera prst="orthographicFront"/>
+      <a:lightRig rig="threePt" dir="t"/>
+    </dgm:scene3d>
+    <dgm:sp3d/>
+    <dgm:txPr/>
+    <dgm:style>
+      <a:lnRef idx="1">
+        <a:scrgbClr r="0" g="0" b="0"/>
+      </a:lnRef>
+      <a:fillRef idx="1">
+        <a:scrgbClr r="0" g="0" b="0"/>
+      </a:fillRef>
+      <a:effectRef idx="0">
+        <a:scrgbClr r="0" g="0" b="0"/>
+      </a:effectRef>
+      <a:fontRef idx="minor"/>
+    </dgm:style>
+  </dgm:styleLbl>
+  <dgm:styleLbl name="fgAcc4">
+    <dgm:scene3d>
+      <a:camera prst="orthographicFront"/>
+      <a:lightRig rig="threePt" dir="t"/>
+    </dgm:scene3d>
+    <dgm:sp3d/>
+    <dgm:txPr/>
+    <dgm:style>
+      <a:lnRef idx="1">
+        <a:scrgbClr r="0" g="0" b="0"/>
+      </a:lnRef>
+      <a:fillRef idx="1">
+        <a:scrgbClr r="0" g="0" b="0"/>
+      </a:fillRef>
+      <a:effectRef idx="0">
+        <a:scrgbClr r="0" g="0" b="0"/>
+      </a:effectRef>
+      <a:fontRef idx="minor"/>
+    </dgm:style>
+  </dgm:styleLbl>
+  <dgm:styleLbl name="bgShp">
+    <dgm:scene3d>
+      <a:camera prst="orthographicFront"/>
+      <a:lightRig rig="threePt" dir="t"/>
+    </dgm:scene3d>
+    <dgm:sp3d/>
+    <dgm:txPr/>
+    <dgm:style>
+      <a:lnRef idx="0">
+        <a:scrgbClr r="0" g="0" b="0"/>
+      </a:lnRef>
+      <a:fillRef idx="1">
+        <a:scrgbClr r="0" g="0" b="0"/>
+      </a:fillRef>
+      <a:effectRef idx="2">
+        <a:scrgbClr r="0" g="0" b="0"/>
+      </a:effectRef>
+      <a:fontRef idx="minor"/>
+    </dgm:style>
+  </dgm:styleLbl>
+  <dgm:styleLbl name="dkBgShp">
+    <dgm:scene3d>
+      <a:camera prst="orthographicFront"/>
+      <a:lightRig rig="threePt" dir="t"/>
+    </dgm:scene3d>
+    <dgm:sp3d/>
+    <dgm:txPr/>
+    <dgm:style>
+      <a:lnRef idx="0">
+        <a:scrgbClr r="0" g="0" b="0"/>
+      </a:lnRef>
+      <a:fillRef idx="1">
+        <a:scrgbClr r="0" g="0" b="0"/>
+      </a:fillRef>
+      <a:effectRef idx="2">
+        <a:scrgbClr r="0" g="0" b="0"/>
+      </a:effectRef>
+      <a:fontRef idx="minor"/>
+    </dgm:style>
+  </dgm:styleLbl>
+  <dgm:styleLbl name="trBgShp">
+    <dgm:scene3d>
+      <a:camera prst="orthographicFront"/>
+      <a:lightRig rig="threePt" dir="t"/>
+    </dgm:scene3d>
+    <dgm:sp3d/>
+    <dgm:txPr/>
+    <dgm:style>
+      <a:lnRef idx="0">
+        <a:scrgbClr r="0" g="0" b="0"/>
+      </a:lnRef>
+      <a:fillRef idx="1">
+        <a:scrgbClr r="0" g="0" b="0"/>
+      </a:fillRef>
+      <a:effectRef idx="0">
+        <a:scrgbClr r="0" g="0" b="0"/>
+      </a:effectRef>
+      <a:fontRef idx="minor"/>
+    </dgm:style>
+  </dgm:styleLbl>
+  <dgm:styleLbl name="fgShp">
+    <dgm:scene3d>
+      <a:camera prst="orthographicFront"/>
+      <a:lightRig rig="threePt" dir="t"/>
+    </dgm:scene3d>
+    <dgm:sp3d/>
+    <dgm:txPr/>
+    <dgm:style>
+      <a:lnRef idx="0">
+        <a:scrgbClr r="0" g="0" b="0"/>
+      </a:lnRef>
+      <a:fillRef idx="3">
+        <a:scrgbClr r="0" g="0" b="0"/>
+      </a:fillRef>
+      <a:effectRef idx="2">
         <a:scrgbClr r="0" g="0" b="0"/>
       </a:effectRef>
       <a:fontRef idx="minor"/>
@@ -4436,7 +7985,7 @@
           <a:p>
             <a:fld id="{42C8FD29-FE79-F342-B3A1-DE230763DD95}" type="datetimeFigureOut">
               <a:rPr lang="en-US" smtClean="0"/>
-              <a:t>11/15/12</a:t>
+              <a:t>11/29/12</a:t>
             </a:fld>
             <a:endParaRPr lang="en-US"/>
           </a:p>
@@ -4606,7 +8155,7 @@
           <a:p>
             <a:fld id="{42C8FD29-FE79-F342-B3A1-DE230763DD95}" type="datetimeFigureOut">
               <a:rPr lang="en-US" smtClean="0"/>
-              <a:t>11/15/12</a:t>
+              <a:t>11/29/12</a:t>
             </a:fld>
             <a:endParaRPr lang="en-US"/>
           </a:p>
@@ -4786,7 +8335,7 @@
           <a:p>
             <a:fld id="{42C8FD29-FE79-F342-B3A1-DE230763DD95}" type="datetimeFigureOut">
               <a:rPr lang="en-US" smtClean="0"/>
-              <a:t>11/15/12</a:t>
+              <a:t>11/29/12</a:t>
             </a:fld>
             <a:endParaRPr lang="en-US"/>
           </a:p>
@@ -4956,7 +8505,7 @@
           <a:p>
             <a:fld id="{42C8FD29-FE79-F342-B3A1-DE230763DD95}" type="datetimeFigureOut">
               <a:rPr lang="en-US" smtClean="0"/>
-              <a:t>11/15/12</a:t>
+              <a:t>11/29/12</a:t>
             </a:fld>
             <a:endParaRPr lang="en-US"/>
           </a:p>
@@ -5202,7 +8751,7 @@
           <a:p>
             <a:fld id="{42C8FD29-FE79-F342-B3A1-DE230763DD95}" type="datetimeFigureOut">
               <a:rPr lang="en-US" smtClean="0"/>
-              <a:t>11/15/12</a:t>
+              <a:t>11/29/12</a:t>
             </a:fld>
             <a:endParaRPr lang="en-US"/>
           </a:p>
@@ -5490,7 +9039,7 @@
           <a:p>
             <a:fld id="{42C8FD29-FE79-F342-B3A1-DE230763DD95}" type="datetimeFigureOut">
               <a:rPr lang="en-US" smtClean="0"/>
-              <a:t>11/15/12</a:t>
+              <a:t>11/29/12</a:t>
             </a:fld>
             <a:endParaRPr lang="en-US"/>
           </a:p>
@@ -5912,7 +9461,7 @@
           <a:p>
             <a:fld id="{42C8FD29-FE79-F342-B3A1-DE230763DD95}" type="datetimeFigureOut">
               <a:rPr lang="en-US" smtClean="0"/>
-              <a:t>11/15/12</a:t>
+              <a:t>11/29/12</a:t>
             </a:fld>
             <a:endParaRPr lang="en-US"/>
           </a:p>
@@ -6030,7 +9579,7 @@
           <a:p>
             <a:fld id="{42C8FD29-FE79-F342-B3A1-DE230763DD95}" type="datetimeFigureOut">
               <a:rPr lang="en-US" smtClean="0"/>
-              <a:t>11/15/12</a:t>
+              <a:t>11/29/12</a:t>
             </a:fld>
             <a:endParaRPr lang="en-US"/>
           </a:p>
@@ -6125,7 +9674,7 @@
           <a:p>
             <a:fld id="{42C8FD29-FE79-F342-B3A1-DE230763DD95}" type="datetimeFigureOut">
               <a:rPr lang="en-US" smtClean="0"/>
-              <a:t>11/15/12</a:t>
+              <a:t>11/29/12</a:t>
             </a:fld>
             <a:endParaRPr lang="en-US"/>
           </a:p>
@@ -6402,7 +9951,7 @@
           <a:p>
             <a:fld id="{42C8FD29-FE79-F342-B3A1-DE230763DD95}" type="datetimeFigureOut">
               <a:rPr lang="en-US" smtClean="0"/>
-              <a:t>11/15/12</a:t>
+              <a:t>11/29/12</a:t>
             </a:fld>
             <a:endParaRPr lang="en-US"/>
           </a:p>
@@ -6655,7 +10204,7 @@
           <a:p>
             <a:fld id="{42C8FD29-FE79-F342-B3A1-DE230763DD95}" type="datetimeFigureOut">
               <a:rPr lang="en-US" smtClean="0"/>
-              <a:t>11/15/12</a:t>
+              <a:t>11/29/12</a:t>
             </a:fld>
             <a:endParaRPr lang="en-US"/>
           </a:p>
@@ -6868,7 +10417,7 @@
           <a:p>
             <a:fld id="{42C8FD29-FE79-F342-B3A1-DE230763DD95}" type="datetimeFigureOut">
               <a:rPr lang="en-US" smtClean="0"/>
-              <a:t>11/15/12</a:t>
+              <a:t>11/29/12</a:t>
             </a:fld>
             <a:endParaRPr lang="en-US"/>
           </a:p>
@@ -9555,6 +13104,96 @@
 </p:sld>
 </file>
 
+<file path=ppt/slides/slide7.xml><?xml version="1.0" encoding="utf-8"?>
+<p:sld xmlns:a="http://schemas.openxmlformats.org/drawingml/2006/main" xmlns:r="http://schemas.openxmlformats.org/officeDocument/2006/relationships" xmlns:p="http://schemas.openxmlformats.org/presentationml/2006/main">
+  <p:cSld>
+    <p:spTree>
+      <p:nvGrpSpPr>
+        <p:cNvPr id="1" name=""/>
+        <p:cNvGrpSpPr/>
+        <p:nvPr/>
+      </p:nvGrpSpPr>
+      <p:grpSpPr>
+        <a:xfrm>
+          <a:off x="0" y="0"/>
+          <a:ext cx="0" cy="0"/>
+          <a:chOff x="0" y="0"/>
+          <a:chExt cx="0" cy="0"/>
+        </a:xfrm>
+      </p:grpSpPr>
+      <p:sp>
+        <p:nvSpPr>
+          <p:cNvPr id="2" name="Title 1"/>
+          <p:cNvSpPr>
+            <a:spLocks noGrp="1"/>
+          </p:cNvSpPr>
+          <p:nvPr>
+            <p:ph type="ctrTitle"/>
+          </p:nvPr>
+        </p:nvSpPr>
+        <p:spPr/>
+        <p:txBody>
+          <a:bodyPr/>
+          <a:lstStyle/>
+          <a:p>
+            <a:endParaRPr lang="en-US"/>
+          </a:p>
+        </p:txBody>
+      </p:sp>
+      <p:sp>
+        <p:nvSpPr>
+          <p:cNvPr id="3" name="Subtitle 2"/>
+          <p:cNvSpPr>
+            <a:spLocks noGrp="1"/>
+          </p:cNvSpPr>
+          <p:nvPr>
+            <p:ph type="subTitle" idx="1"/>
+          </p:nvPr>
+        </p:nvSpPr>
+        <p:spPr/>
+        <p:txBody>
+          <a:bodyPr/>
+          <a:lstStyle/>
+          <a:p>
+            <a:endParaRPr lang="en-US"/>
+          </a:p>
+        </p:txBody>
+      </p:sp>
+      <p:graphicFrame>
+        <p:nvGraphicFramePr>
+          <p:cNvPr id="4" name="Diagram 3"/>
+          <p:cNvGraphicFramePr/>
+          <p:nvPr>
+            <p:extLst>
+              <p:ext uri="{D42A27DB-BD31-4B8C-83A1-F6EECF244321}">
+                <p14:modId xmlns:p14="http://schemas.microsoft.com/office/powerpoint/2010/main" val="3173996450"/>
+              </p:ext>
+            </p:extLst>
+          </p:nvPr>
+        </p:nvGraphicFramePr>
+        <p:xfrm>
+          <a:off x="1524000" y="1397000"/>
+          <a:ext cx="6096000" cy="4064000"/>
+        </p:xfrm>
+        <a:graphic>
+          <a:graphicData uri="http://schemas.openxmlformats.org/drawingml/2006/diagram">
+            <dgm:relIds xmlns:dgm="http://schemas.openxmlformats.org/drawingml/2006/diagram" xmlns:r="http://schemas.openxmlformats.org/officeDocument/2006/relationships" r:dm="rId2" r:lo="rId3" r:qs="rId4" r:cs="rId5"/>
+          </a:graphicData>
+        </a:graphic>
+      </p:graphicFrame>
+    </p:spTree>
+    <p:extLst>
+      <p:ext uri="{BB962C8B-B14F-4D97-AF65-F5344CB8AC3E}">
+        <p14:creationId xmlns:p14="http://schemas.microsoft.com/office/powerpoint/2010/main" val="4039274181"/>
+      </p:ext>
+    </p:extLst>
+  </p:cSld>
+  <p:clrMapOvr>
+    <a:masterClrMapping/>
+  </p:clrMapOvr>
+</p:sld>
+</file>
+
 <file path=ppt/theme/theme1.xml><?xml version="1.0" encoding="utf-8"?>
 <a:theme xmlns:a="http://schemas.openxmlformats.org/drawingml/2006/main" name="Office Theme">
   <a:themeElements>

--- a/SL_website_components.pptx
+++ b/SL_website_components.pptx
@@ -4,6 +4,9 @@
   <p:sldMasterIdLst>
     <p:sldMasterId id="2147483648" r:id="rId1"/>
   </p:sldMasterIdLst>
+  <p:notesMasterIdLst>
+    <p:notesMasterId r:id="rId9"/>
+  </p:notesMasterIdLst>
   <p:sldIdLst>
     <p:sldId id="257" r:id="rId2"/>
     <p:sldId id="258" r:id="rId3"/>
@@ -2622,7 +2625,7 @@
         <a:p>
           <a:r>
             <a:rPr lang="en-US" dirty="0" smtClean="0"/>
-            <a:t>Idea stage</a:t>
+            <a:t>Has Idea</a:t>
           </a:r>
           <a:endParaRPr lang="en-US" dirty="0"/>
         </a:p>
@@ -2631,10 +2634,24 @@
     <dgm:pt modelId="{188B425B-CDF7-204A-B120-21D2183D2CF0}" type="parTrans" cxnId="{334494DB-7E18-7A41-BE77-4D9E004C58A1}">
       <dgm:prSet/>
       <dgm:spPr/>
+      <dgm:t>
+        <a:bodyPr/>
+        <a:lstStyle/>
+        <a:p>
+          <a:endParaRPr lang="en-US"/>
+        </a:p>
+      </dgm:t>
     </dgm:pt>
     <dgm:pt modelId="{7030D38B-80A5-2746-9B31-180E6F4169DB}" type="sibTrans" cxnId="{334494DB-7E18-7A41-BE77-4D9E004C58A1}">
       <dgm:prSet/>
       <dgm:spPr/>
+      <dgm:t>
+        <a:bodyPr/>
+        <a:lstStyle/>
+        <a:p>
+          <a:endParaRPr lang="en-US"/>
+        </a:p>
+      </dgm:t>
     </dgm:pt>
     <dgm:pt modelId="{C559639B-D9AB-1B49-A598-2C9D63F1E200}">
       <dgm:prSet phldrT="[Text]"/>
@@ -2644,47 +2661,71 @@
         <a:lstStyle/>
         <a:p>
           <a:r>
-            <a:rPr lang="en-US" dirty="0" err="1" smtClean="0"/>
-            <a:t>Concepting</a:t>
+            <a:rPr lang="en-US" dirty="0" smtClean="0"/>
+            <a:t>Has Concept</a:t>
           </a:r>
+          <a:endParaRPr lang="en-US" dirty="0"/>
+        </a:p>
+      </dgm:t>
+    </dgm:pt>
+    <dgm:pt modelId="{AB4ABF48-4D3C-9141-A6CE-3F9995A8B132}" type="parTrans" cxnId="{FA8AE733-E4FB-8742-937B-48CA02C58FC6}">
+      <dgm:prSet/>
+      <dgm:spPr/>
+      <dgm:t>
+        <a:bodyPr/>
+        <a:lstStyle/>
+        <a:p>
+          <a:endParaRPr lang="en-US"/>
+        </a:p>
+      </dgm:t>
+    </dgm:pt>
+    <dgm:pt modelId="{77865C0E-95C7-7C47-9502-1EF2EC07055A}" type="sibTrans" cxnId="{FA8AE733-E4FB-8742-937B-48CA02C58FC6}">
+      <dgm:prSet/>
+      <dgm:spPr/>
+      <dgm:t>
+        <a:bodyPr/>
+        <a:lstStyle/>
+        <a:p>
+          <a:endParaRPr lang="en-US"/>
+        </a:p>
+      </dgm:t>
+    </dgm:pt>
+    <dgm:pt modelId="{5C1C7905-B1AA-2C40-A469-2A57F2C58469}">
+      <dgm:prSet phldrT="[Text]"/>
+      <dgm:spPr/>
+      <dgm:t>
+        <a:bodyPr/>
+        <a:lstStyle/>
+        <a:p>
           <a:r>
             <a:rPr lang="en-US" dirty="0" smtClean="0"/>
-            <a:t> stage</a:t>
+            <a:t>Has Launched</a:t>
           </a:r>
           <a:endParaRPr lang="en-US" dirty="0"/>
         </a:p>
       </dgm:t>
     </dgm:pt>
-    <dgm:pt modelId="{AB4ABF48-4D3C-9141-A6CE-3F9995A8B132}" type="parTrans" cxnId="{FA8AE733-E4FB-8742-937B-48CA02C58FC6}">
+    <dgm:pt modelId="{93B2EE4C-B3DE-8940-B72E-EEDC80702EE6}" type="parTrans" cxnId="{9ED98955-DCF6-234D-BBBF-05623F360BDD}">
       <dgm:prSet/>
-      <dgm:spPr/>
-    </dgm:pt>
-    <dgm:pt modelId="{77865C0E-95C7-7C47-9502-1EF2EC07055A}" type="sibTrans" cxnId="{FA8AE733-E4FB-8742-937B-48CA02C58FC6}">
-      <dgm:prSet/>
-      <dgm:spPr/>
-    </dgm:pt>
-    <dgm:pt modelId="{5C1C7905-B1AA-2C40-A469-2A57F2C58469}">
-      <dgm:prSet phldrT="[Text]"/>
       <dgm:spPr/>
       <dgm:t>
         <a:bodyPr/>
         <a:lstStyle/>
         <a:p>
-          <a:r>
-            <a:rPr lang="en-US" dirty="0" smtClean="0"/>
-            <a:t>Build stage</a:t>
-          </a:r>
-          <a:endParaRPr lang="en-US" dirty="0"/>
+          <a:endParaRPr lang="en-US"/>
         </a:p>
       </dgm:t>
-    </dgm:pt>
-    <dgm:pt modelId="{93B2EE4C-B3DE-8940-B72E-EEDC80702EE6}" type="parTrans" cxnId="{9ED98955-DCF6-234D-BBBF-05623F360BDD}">
-      <dgm:prSet/>
-      <dgm:spPr/>
     </dgm:pt>
     <dgm:pt modelId="{9B10F7AF-55D0-C749-9F4A-165BE6C2385B}" type="sibTrans" cxnId="{9ED98955-DCF6-234D-BBBF-05623F360BDD}">
       <dgm:prSet/>
       <dgm:spPr/>
+      <dgm:t>
+        <a:bodyPr/>
+        <a:lstStyle/>
+        <a:p>
+          <a:endParaRPr lang="en-US"/>
+        </a:p>
+      </dgm:t>
     </dgm:pt>
     <dgm:pt modelId="{2FBA6042-1D3F-FD45-B8DA-1E3767E439B7}">
       <dgm:prSet phldrT="[Text]"/>
@@ -2704,10 +2745,24 @@
     <dgm:pt modelId="{227B47C7-72A7-AC47-ADA1-ECB6C0CB73D6}" type="parTrans" cxnId="{6205BBF0-8626-CF4F-81D1-6114330FEA8A}">
       <dgm:prSet/>
       <dgm:spPr/>
+      <dgm:t>
+        <a:bodyPr/>
+        <a:lstStyle/>
+        <a:p>
+          <a:endParaRPr lang="en-US"/>
+        </a:p>
+      </dgm:t>
     </dgm:pt>
     <dgm:pt modelId="{093761F6-23B7-B34D-9D59-8DD4FD8D8260}" type="sibTrans" cxnId="{6205BBF0-8626-CF4F-81D1-6114330FEA8A}">
       <dgm:prSet/>
       <dgm:spPr/>
+      <dgm:t>
+        <a:bodyPr/>
+        <a:lstStyle/>
+        <a:p>
+          <a:endParaRPr lang="en-US"/>
+        </a:p>
+      </dgm:t>
     </dgm:pt>
     <dgm:pt modelId="{27AACB5A-BFC3-BF4A-A4E7-540F38D14163}">
       <dgm:prSet phldrT="[Text]"/>
@@ -2727,10 +2782,24 @@
     <dgm:pt modelId="{BC5C68D7-0BCB-DD4A-B925-F2293112195B}" type="parTrans" cxnId="{D809F54F-0EA3-F24F-8B63-EA5B25B87AFD}">
       <dgm:prSet/>
       <dgm:spPr/>
+      <dgm:t>
+        <a:bodyPr/>
+        <a:lstStyle/>
+        <a:p>
+          <a:endParaRPr lang="en-US"/>
+        </a:p>
+      </dgm:t>
     </dgm:pt>
     <dgm:pt modelId="{70131370-B034-8140-B335-D1E371C3C98C}" type="sibTrans" cxnId="{D809F54F-0EA3-F24F-8B63-EA5B25B87AFD}">
       <dgm:prSet/>
       <dgm:spPr/>
+      <dgm:t>
+        <a:bodyPr/>
+        <a:lstStyle/>
+        <a:p>
+          <a:endParaRPr lang="en-US"/>
+        </a:p>
+      </dgm:t>
     </dgm:pt>
     <dgm:pt modelId="{F27CFEE9-BD56-8943-B9F6-35F1E49BA691}">
       <dgm:prSet phldrT="[Text]"/>
@@ -2750,10 +2819,24 @@
     <dgm:pt modelId="{CAEB420B-D1CC-6D4A-9D03-7F706E1B4B08}" type="parTrans" cxnId="{17DEE64A-0930-7C4A-BFEC-C757B9F25492}">
       <dgm:prSet/>
       <dgm:spPr/>
+      <dgm:t>
+        <a:bodyPr/>
+        <a:lstStyle/>
+        <a:p>
+          <a:endParaRPr lang="en-US"/>
+        </a:p>
+      </dgm:t>
     </dgm:pt>
     <dgm:pt modelId="{D63147FD-32E7-B240-9288-B13037A38F94}" type="sibTrans" cxnId="{17DEE64A-0930-7C4A-BFEC-C757B9F25492}">
       <dgm:prSet/>
       <dgm:spPr/>
+      <dgm:t>
+        <a:bodyPr/>
+        <a:lstStyle/>
+        <a:p>
+          <a:endParaRPr lang="en-US"/>
+        </a:p>
+      </dgm:t>
     </dgm:pt>
     <dgm:pt modelId="{64FCD341-D7FD-264F-8CFF-899C856D8808}">
       <dgm:prSet phldrT="[Text]"/>
@@ -2773,10 +2856,24 @@
     <dgm:pt modelId="{5B4E52B0-9011-5B46-BB96-3F8563C2C6F9}" type="parTrans" cxnId="{E64A737E-958A-5042-A0E3-3D2DC7690065}">
       <dgm:prSet/>
       <dgm:spPr/>
+      <dgm:t>
+        <a:bodyPr/>
+        <a:lstStyle/>
+        <a:p>
+          <a:endParaRPr lang="en-US"/>
+        </a:p>
+      </dgm:t>
     </dgm:pt>
     <dgm:pt modelId="{14E2C643-D3D8-C44E-97AB-4D685BDDF021}" type="sibTrans" cxnId="{E64A737E-958A-5042-A0E3-3D2DC7690065}">
       <dgm:prSet/>
       <dgm:spPr/>
+      <dgm:t>
+        <a:bodyPr/>
+        <a:lstStyle/>
+        <a:p>
+          <a:endParaRPr lang="en-US"/>
+        </a:p>
+      </dgm:t>
     </dgm:pt>
     <dgm:pt modelId="{DCC00C95-6912-4A43-8BD7-06427F440CC8}">
       <dgm:prSet phldrT="[Text]"/>
@@ -2796,10 +2893,24 @@
     <dgm:pt modelId="{D0E4163F-09E7-2049-8766-3B27BCBDE23F}" type="parTrans" cxnId="{52A4428A-2385-744D-83EB-AB4F734574F7}">
       <dgm:prSet/>
       <dgm:spPr/>
+      <dgm:t>
+        <a:bodyPr/>
+        <a:lstStyle/>
+        <a:p>
+          <a:endParaRPr lang="en-US"/>
+        </a:p>
+      </dgm:t>
     </dgm:pt>
     <dgm:pt modelId="{59793A66-D0DC-F449-A370-62E462CD7307}" type="sibTrans" cxnId="{52A4428A-2385-744D-83EB-AB4F734574F7}">
       <dgm:prSet/>
       <dgm:spPr/>
+      <dgm:t>
+        <a:bodyPr/>
+        <a:lstStyle/>
+        <a:p>
+          <a:endParaRPr lang="en-US"/>
+        </a:p>
+      </dgm:t>
     </dgm:pt>
     <dgm:pt modelId="{1BA3D334-8A2D-8D4B-B82F-14674E10CC53}">
       <dgm:prSet phldrT="[Text]"/>
@@ -2819,10 +2930,24 @@
     <dgm:pt modelId="{DB310F0B-5C13-BF4D-A8F6-DF8084FD9A68}" type="parTrans" cxnId="{5543607B-1EBE-EB4F-81E5-CEECC117FFE4}">
       <dgm:prSet/>
       <dgm:spPr/>
+      <dgm:t>
+        <a:bodyPr/>
+        <a:lstStyle/>
+        <a:p>
+          <a:endParaRPr lang="en-US"/>
+        </a:p>
+      </dgm:t>
     </dgm:pt>
     <dgm:pt modelId="{0EEC1A43-E22C-4A48-8361-5AFAF360CB74}" type="sibTrans" cxnId="{5543607B-1EBE-EB4F-81E5-CEECC117FFE4}">
       <dgm:prSet/>
       <dgm:spPr/>
+      <dgm:t>
+        <a:bodyPr/>
+        <a:lstStyle/>
+        <a:p>
+          <a:endParaRPr lang="en-US"/>
+        </a:p>
+      </dgm:t>
     </dgm:pt>
     <dgm:pt modelId="{66EFC987-E9B0-DA48-BF32-C66FE8F12748}">
       <dgm:prSet phldrT="[Text]"/>
@@ -2842,10 +2967,24 @@
     <dgm:pt modelId="{E8995E6D-2BBA-3C45-95DC-6C07D7E6428B}" type="parTrans" cxnId="{86556745-C91D-2C4D-A18C-EC29BFC10D88}">
       <dgm:prSet/>
       <dgm:spPr/>
+      <dgm:t>
+        <a:bodyPr/>
+        <a:lstStyle/>
+        <a:p>
+          <a:endParaRPr lang="en-US"/>
+        </a:p>
+      </dgm:t>
     </dgm:pt>
     <dgm:pt modelId="{89DB22ED-FAA9-BF40-BEC2-B2011A179731}" type="sibTrans" cxnId="{86556745-C91D-2C4D-A18C-EC29BFC10D88}">
       <dgm:prSet/>
       <dgm:spPr/>
+      <dgm:t>
+        <a:bodyPr/>
+        <a:lstStyle/>
+        <a:p>
+          <a:endParaRPr lang="en-US"/>
+        </a:p>
+      </dgm:t>
     </dgm:pt>
     <dgm:pt modelId="{6CAA17DC-1D7C-AA41-899E-64A947AA6C75}">
       <dgm:prSet phldrT="[Text]"/>
@@ -2865,10 +3004,24 @@
     <dgm:pt modelId="{780377E3-B6F0-7E49-AAF7-460D0E8FED26}" type="parTrans" cxnId="{73C284EB-C325-5F4C-AED0-04A6D2D6869C}">
       <dgm:prSet/>
       <dgm:spPr/>
+      <dgm:t>
+        <a:bodyPr/>
+        <a:lstStyle/>
+        <a:p>
+          <a:endParaRPr lang="en-US"/>
+        </a:p>
+      </dgm:t>
     </dgm:pt>
     <dgm:pt modelId="{31436C3B-5987-9F4D-A2CE-1C382F809345}" type="sibTrans" cxnId="{73C284EB-C325-5F4C-AED0-04A6D2D6869C}">
       <dgm:prSet/>
       <dgm:spPr/>
+      <dgm:t>
+        <a:bodyPr/>
+        <a:lstStyle/>
+        <a:p>
+          <a:endParaRPr lang="en-US"/>
+        </a:p>
+      </dgm:t>
     </dgm:pt>
     <dgm:pt modelId="{C6AB3235-8C81-6246-B11A-029AA07EF305}">
       <dgm:prSet phldrT="[Text]"/>
@@ -2888,10 +3041,24 @@
     <dgm:pt modelId="{8B0A4E66-B372-FF45-B8CA-3E02E10CA3B2}" type="parTrans" cxnId="{B3F4A245-D017-7C41-9503-059FD6A75E8C}">
       <dgm:prSet/>
       <dgm:spPr/>
+      <dgm:t>
+        <a:bodyPr/>
+        <a:lstStyle/>
+        <a:p>
+          <a:endParaRPr lang="en-US"/>
+        </a:p>
+      </dgm:t>
     </dgm:pt>
     <dgm:pt modelId="{D32A7034-86D9-B24C-8F1C-94DA3D92B5C1}" type="sibTrans" cxnId="{B3F4A245-D017-7C41-9503-059FD6A75E8C}">
       <dgm:prSet/>
       <dgm:spPr/>
+      <dgm:t>
+        <a:bodyPr/>
+        <a:lstStyle/>
+        <a:p>
+          <a:endParaRPr lang="en-US"/>
+        </a:p>
+      </dgm:t>
     </dgm:pt>
     <dgm:pt modelId="{99BEC77D-3F60-C341-AFAC-A1A86029AA42}">
       <dgm:prSet phldrT="[Text]"/>
@@ -2902,7 +3069,7 @@
         <a:p>
           <a:r>
             <a:rPr lang="en-US" dirty="0" smtClean="0"/>
-            <a:t>Scaling stage</a:t>
+            <a:t>Is Scaling</a:t>
           </a:r>
           <a:endParaRPr lang="en-US" dirty="0"/>
         </a:p>
@@ -2911,10 +3078,24 @@
     <dgm:pt modelId="{F2349434-1BB1-8748-91BA-2C33423F5662}" type="parTrans" cxnId="{4D944B64-9DE8-464D-92A6-A9E46D98724A}">
       <dgm:prSet/>
       <dgm:spPr/>
+      <dgm:t>
+        <a:bodyPr/>
+        <a:lstStyle/>
+        <a:p>
+          <a:endParaRPr lang="en-US"/>
+        </a:p>
+      </dgm:t>
     </dgm:pt>
     <dgm:pt modelId="{E2AA1975-FABE-9145-8E66-14155B26A308}" type="sibTrans" cxnId="{4D944B64-9DE8-464D-92A6-A9E46D98724A}">
       <dgm:prSet/>
       <dgm:spPr/>
+      <dgm:t>
+        <a:bodyPr/>
+        <a:lstStyle/>
+        <a:p>
+          <a:endParaRPr lang="en-US"/>
+        </a:p>
+      </dgm:t>
     </dgm:pt>
     <dgm:pt modelId="{21834B05-4EC5-BE47-B975-E770A1A3C0A8}">
       <dgm:prSet phldrT="[Text]"/>
@@ -2934,10 +3115,24 @@
     <dgm:pt modelId="{E0EAA080-722B-EE4F-BCD2-522C216D2C3F}" type="parTrans" cxnId="{EC980D6A-D65A-3948-92A2-4AFA322F5AFA}">
       <dgm:prSet/>
       <dgm:spPr/>
+      <dgm:t>
+        <a:bodyPr/>
+        <a:lstStyle/>
+        <a:p>
+          <a:endParaRPr lang="en-US"/>
+        </a:p>
+      </dgm:t>
     </dgm:pt>
     <dgm:pt modelId="{52A16E67-7DA3-6340-AD52-03CC439B692A}" type="sibTrans" cxnId="{EC980D6A-D65A-3948-92A2-4AFA322F5AFA}">
       <dgm:prSet/>
       <dgm:spPr/>
+      <dgm:t>
+        <a:bodyPr/>
+        <a:lstStyle/>
+        <a:p>
+          <a:endParaRPr lang="en-US"/>
+        </a:p>
+      </dgm:t>
     </dgm:pt>
     <dgm:pt modelId="{F7117F4D-DEAB-8041-BBAF-DAE0C20B60D9}">
       <dgm:prSet phldrT="[Text]"/>
@@ -2957,10 +3152,24 @@
     <dgm:pt modelId="{1B29A668-061B-124B-BCE0-5697913BAB4D}" type="parTrans" cxnId="{9DBB715F-FF3B-D841-9932-52FA0BB01E1E}">
       <dgm:prSet/>
       <dgm:spPr/>
+      <dgm:t>
+        <a:bodyPr/>
+        <a:lstStyle/>
+        <a:p>
+          <a:endParaRPr lang="en-US"/>
+        </a:p>
+      </dgm:t>
     </dgm:pt>
     <dgm:pt modelId="{AF821381-0F3B-B643-94D9-356F4FF8EF49}" type="sibTrans" cxnId="{9DBB715F-FF3B-D841-9932-52FA0BB01E1E}">
       <dgm:prSet/>
       <dgm:spPr/>
+      <dgm:t>
+        <a:bodyPr/>
+        <a:lstStyle/>
+        <a:p>
+          <a:endParaRPr lang="en-US"/>
+        </a:p>
+      </dgm:t>
     </dgm:pt>
     <dgm:pt modelId="{08BBB9EC-DB7C-3B46-B42E-906E71E7BD1C}">
       <dgm:prSet phldrT="[Text]"/>
@@ -2980,10 +3189,24 @@
     <dgm:pt modelId="{5E14345C-EBC6-2C4B-967E-B60110A14A13}" type="parTrans" cxnId="{E8D65DCD-B0E9-A04A-8649-7A443D610DED}">
       <dgm:prSet/>
       <dgm:spPr/>
+      <dgm:t>
+        <a:bodyPr/>
+        <a:lstStyle/>
+        <a:p>
+          <a:endParaRPr lang="en-US"/>
+        </a:p>
+      </dgm:t>
     </dgm:pt>
     <dgm:pt modelId="{843842FC-7575-4243-8E50-A28DB66EA82E}" type="sibTrans" cxnId="{E8D65DCD-B0E9-A04A-8649-7A443D610DED}">
       <dgm:prSet/>
       <dgm:spPr/>
+      <dgm:t>
+        <a:bodyPr/>
+        <a:lstStyle/>
+        <a:p>
+          <a:endParaRPr lang="en-US"/>
+        </a:p>
+      </dgm:t>
     </dgm:pt>
     <dgm:pt modelId="{B751D1EF-582C-2447-8F32-3D71F4BB8BA9}" type="pres">
       <dgm:prSet presAssocID="{B3471ACF-F02B-0148-ADED-4EDAC5A0EC60}" presName="Name0" presStyleCnt="0">
@@ -3002,6 +3225,13 @@
     <dgm:pt modelId="{496BD920-3458-2B47-8130-E33376B0FA38}" type="pres">
       <dgm:prSet presAssocID="{91ECAC54-A2F5-E044-A718-942D090993E4}" presName="acctBkgd" presStyleLbl="alignAcc1" presStyleIdx="0" presStyleCnt="4"/>
       <dgm:spPr/>
+      <dgm:t>
+        <a:bodyPr/>
+        <a:lstStyle/>
+        <a:p>
+          <a:endParaRPr lang="en-US"/>
+        </a:p>
+      </dgm:t>
     </dgm:pt>
     <dgm:pt modelId="{C30709DD-7B49-684A-8F9C-5931BFA81612}" type="pres">
       <dgm:prSet presAssocID="{91ECAC54-A2F5-E044-A718-942D090993E4}" presName="acctTx" presStyleLbl="alignAcc1" presStyleIdx="0" presStyleCnt="4">
@@ -3010,6 +3240,13 @@
         </dgm:presLayoutVars>
       </dgm:prSet>
       <dgm:spPr/>
+      <dgm:t>
+        <a:bodyPr/>
+        <a:lstStyle/>
+        <a:p>
+          <a:endParaRPr lang="en-US"/>
+        </a:p>
+      </dgm:t>
     </dgm:pt>
     <dgm:pt modelId="{98E1E7A1-4094-6F42-8C87-ECA4E6CC74DB}" type="pres">
       <dgm:prSet presAssocID="{91ECAC54-A2F5-E044-A718-942D090993E4}" presName="level" presStyleLbl="node1" presStyleIdx="0" presStyleCnt="4">
@@ -3019,6 +3256,13 @@
         </dgm:presLayoutVars>
       </dgm:prSet>
       <dgm:spPr/>
+      <dgm:t>
+        <a:bodyPr/>
+        <a:lstStyle/>
+        <a:p>
+          <a:endParaRPr lang="en-US"/>
+        </a:p>
+      </dgm:t>
     </dgm:pt>
     <dgm:pt modelId="{E7B436EB-F1D6-4E4B-A45A-184A3E2801DC}" type="pres">
       <dgm:prSet presAssocID="{91ECAC54-A2F5-E044-A718-942D090993E4}" presName="levelTx" presStyleLbl="revTx" presStyleIdx="0" presStyleCnt="0">
@@ -3028,6 +3272,13 @@
         </dgm:presLayoutVars>
       </dgm:prSet>
       <dgm:spPr/>
+      <dgm:t>
+        <a:bodyPr/>
+        <a:lstStyle/>
+        <a:p>
+          <a:endParaRPr lang="en-US"/>
+        </a:p>
+      </dgm:t>
     </dgm:pt>
     <dgm:pt modelId="{7D8EB3A8-92FA-3442-8511-1B59B433B17B}" type="pres">
       <dgm:prSet presAssocID="{C559639B-D9AB-1B49-A598-2C9D63F1E200}" presName="Name8" presStyleCnt="0"/>
@@ -3129,6 +3380,13 @@
         </dgm:presLayoutVars>
       </dgm:prSet>
       <dgm:spPr/>
+      <dgm:t>
+        <a:bodyPr/>
+        <a:lstStyle/>
+        <a:p>
+          <a:endParaRPr lang="en-US"/>
+        </a:p>
+      </dgm:t>
     </dgm:pt>
     <dgm:pt modelId="{0E6B5700-3091-214B-8535-EE851B91B59D}" type="pres">
       <dgm:prSet presAssocID="{5C1C7905-B1AA-2C40-A469-2A57F2C58469}" presName="levelTx" presStyleLbl="revTx" presStyleIdx="0" presStyleCnt="0">
@@ -3138,6 +3396,13 @@
         </dgm:presLayoutVars>
       </dgm:prSet>
       <dgm:spPr/>
+      <dgm:t>
+        <a:bodyPr/>
+        <a:lstStyle/>
+        <a:p>
+          <a:endParaRPr lang="en-US"/>
+        </a:p>
+      </dgm:t>
     </dgm:pt>
     <dgm:pt modelId="{85AE50E1-DF2A-964C-ACD4-7D01DD45176D}" type="pres">
       <dgm:prSet presAssocID="{99BEC77D-3F60-C341-AFAC-A1A86029AA42}" presName="Name8" presStyleCnt="0"/>
@@ -3146,6 +3411,13 @@
     <dgm:pt modelId="{481B595E-653F-9C40-A731-B860258430A4}" type="pres">
       <dgm:prSet presAssocID="{99BEC77D-3F60-C341-AFAC-A1A86029AA42}" presName="acctBkgd" presStyleLbl="alignAcc1" presStyleIdx="3" presStyleCnt="4"/>
       <dgm:spPr/>
+      <dgm:t>
+        <a:bodyPr/>
+        <a:lstStyle/>
+        <a:p>
+          <a:endParaRPr lang="en-US"/>
+        </a:p>
+      </dgm:t>
     </dgm:pt>
     <dgm:pt modelId="{8F3D15B9-1C0A-1946-84DC-C23F01523C52}" type="pres">
       <dgm:prSet presAssocID="{99BEC77D-3F60-C341-AFAC-A1A86029AA42}" presName="acctTx" presStyleLbl="alignAcc1" presStyleIdx="3" presStyleCnt="4">
@@ -3154,6 +3426,13 @@
         </dgm:presLayoutVars>
       </dgm:prSet>
       <dgm:spPr/>
+      <dgm:t>
+        <a:bodyPr/>
+        <a:lstStyle/>
+        <a:p>
+          <a:endParaRPr lang="en-US"/>
+        </a:p>
+      </dgm:t>
     </dgm:pt>
     <dgm:pt modelId="{687CBC0B-004E-344F-B38E-489B21050C37}" type="pres">
       <dgm:prSet presAssocID="{99BEC77D-3F60-C341-AFAC-A1A86029AA42}" presName="level" presStyleLbl="node1" presStyleIdx="3" presStyleCnt="4">
@@ -3192,16 +3471,16 @@
     <dgm:cxn modelId="{5543607B-1EBE-EB4F-81E5-CEECC117FFE4}" srcId="{C559639B-D9AB-1B49-A598-2C9D63F1E200}" destId="{1BA3D334-8A2D-8D4B-B82F-14674E10CC53}" srcOrd="2" destOrd="0" parTransId="{DB310F0B-5C13-BF4D-A8F6-DF8084FD9A68}" sibTransId="{0EEC1A43-E22C-4A48-8361-5AFAF360CB74}"/>
     <dgm:cxn modelId="{90C14D7F-EC94-C440-99EE-69D33F78B2B8}" type="presOf" srcId="{64FCD341-D7FD-264F-8CFF-899C856D8808}" destId="{E8711004-A79C-E84A-BB6C-551FD46B60D9}" srcOrd="0" destOrd="0" presId="urn:microsoft.com/office/officeart/2005/8/layout/pyramid3"/>
     <dgm:cxn modelId="{334494DB-7E18-7A41-BE77-4D9E004C58A1}" srcId="{B3471ACF-F02B-0148-ADED-4EDAC5A0EC60}" destId="{91ECAC54-A2F5-E044-A718-942D090993E4}" srcOrd="0" destOrd="0" parTransId="{188B425B-CDF7-204A-B120-21D2183D2CF0}" sibTransId="{7030D38B-80A5-2746-9B31-180E6F4169DB}"/>
+    <dgm:cxn modelId="{6E1A5BE3-6BFB-CF4F-8EC3-CE3AEB1E5014}" type="presOf" srcId="{5C1C7905-B1AA-2C40-A469-2A57F2C58469}" destId="{0E6B5700-3091-214B-8535-EE851B91B59D}" srcOrd="1" destOrd="0" presId="urn:microsoft.com/office/officeart/2005/8/layout/pyramid3"/>
     <dgm:cxn modelId="{372D7FB3-C1E3-184C-8EFE-EAF181020964}" type="presOf" srcId="{91ECAC54-A2F5-E044-A718-942D090993E4}" destId="{98E1E7A1-4094-6F42-8C87-ECA4E6CC74DB}" srcOrd="0" destOrd="0" presId="urn:microsoft.com/office/officeart/2005/8/layout/pyramid3"/>
-    <dgm:cxn modelId="{6E1A5BE3-6BFB-CF4F-8EC3-CE3AEB1E5014}" type="presOf" srcId="{5C1C7905-B1AA-2C40-A469-2A57F2C58469}" destId="{0E6B5700-3091-214B-8535-EE851B91B59D}" srcOrd="1" destOrd="0" presId="urn:microsoft.com/office/officeart/2005/8/layout/pyramid3"/>
     <dgm:cxn modelId="{58DA661F-48A2-774A-A2A8-BE4115E11230}" type="presOf" srcId="{C6AB3235-8C81-6246-B11A-029AA07EF305}" destId="{6712DA5E-4FB0-B94C-B6D1-F02BB2ABC33A}" srcOrd="1" destOrd="2" presId="urn:microsoft.com/office/officeart/2005/8/layout/pyramid3"/>
     <dgm:cxn modelId="{D809F54F-0EA3-F24F-8B63-EA5B25B87AFD}" srcId="{91ECAC54-A2F5-E044-A718-942D090993E4}" destId="{27AACB5A-BFC3-BF4A-A4E7-540F38D14163}" srcOrd="1" destOrd="0" parTransId="{BC5C68D7-0BCB-DD4A-B925-F2293112195B}" sibTransId="{70131370-B034-8140-B335-D1E371C3C98C}"/>
     <dgm:cxn modelId="{D73736BF-F422-E047-9350-14ECBC11508D}" type="presOf" srcId="{91ECAC54-A2F5-E044-A718-942D090993E4}" destId="{E7B436EB-F1D6-4E4B-A45A-184A3E2801DC}" srcOrd="1" destOrd="0" presId="urn:microsoft.com/office/officeart/2005/8/layout/pyramid3"/>
+    <dgm:cxn modelId="{38DDF3DC-F757-6C46-8EA4-D7F163839975}" type="presOf" srcId="{1BA3D334-8A2D-8D4B-B82F-14674E10CC53}" destId="{E8711004-A79C-E84A-BB6C-551FD46B60D9}" srcOrd="0" destOrd="2" presId="urn:microsoft.com/office/officeart/2005/8/layout/pyramid3"/>
     <dgm:cxn modelId="{1FF7DA6F-DAC8-2A49-BC6F-0F77FD65A8CD}" type="presOf" srcId="{99BEC77D-3F60-C341-AFAC-A1A86029AA42}" destId="{796142DD-9CC1-324A-810C-B52EFFE36D95}" srcOrd="1" destOrd="0" presId="urn:microsoft.com/office/officeart/2005/8/layout/pyramid3"/>
-    <dgm:cxn modelId="{38DDF3DC-F757-6C46-8EA4-D7F163839975}" type="presOf" srcId="{1BA3D334-8A2D-8D4B-B82F-14674E10CC53}" destId="{E8711004-A79C-E84A-BB6C-551FD46B60D9}" srcOrd="0" destOrd="2" presId="urn:microsoft.com/office/officeart/2005/8/layout/pyramid3"/>
     <dgm:cxn modelId="{0A7EAB17-4565-6747-BBFE-1CCE117970D7}" type="presOf" srcId="{27AACB5A-BFC3-BF4A-A4E7-540F38D14163}" destId="{C30709DD-7B49-684A-8F9C-5931BFA81612}" srcOrd="1" destOrd="1" presId="urn:microsoft.com/office/officeart/2005/8/layout/pyramid3"/>
+    <dgm:cxn modelId="{D70044B7-FCB8-6746-A67C-7F479EF0C9D1}" type="presOf" srcId="{C559639B-D9AB-1B49-A598-2C9D63F1E200}" destId="{4A45014A-2C2D-1E41-AD4C-A433202774CF}" srcOrd="0" destOrd="0" presId="urn:microsoft.com/office/officeart/2005/8/layout/pyramid3"/>
     <dgm:cxn modelId="{73C284EB-C325-5F4C-AED0-04A6D2D6869C}" srcId="{5C1C7905-B1AA-2C40-A469-2A57F2C58469}" destId="{6CAA17DC-1D7C-AA41-899E-64A947AA6C75}" srcOrd="1" destOrd="0" parTransId="{780377E3-B6F0-7E49-AAF7-460D0E8FED26}" sibTransId="{31436C3B-5987-9F4D-A2CE-1C382F809345}"/>
-    <dgm:cxn modelId="{D70044B7-FCB8-6746-A67C-7F479EF0C9D1}" type="presOf" srcId="{C559639B-D9AB-1B49-A598-2C9D63F1E200}" destId="{4A45014A-2C2D-1E41-AD4C-A433202774CF}" srcOrd="0" destOrd="0" presId="urn:microsoft.com/office/officeart/2005/8/layout/pyramid3"/>
     <dgm:cxn modelId="{9ED98955-DCF6-234D-BBBF-05623F360BDD}" srcId="{B3471ACF-F02B-0148-ADED-4EDAC5A0EC60}" destId="{5C1C7905-B1AA-2C40-A469-2A57F2C58469}" srcOrd="2" destOrd="0" parTransId="{93B2EE4C-B3DE-8940-B72E-EEDC80702EE6}" sibTransId="{9B10F7AF-55D0-C749-9F4A-165BE6C2385B}"/>
     <dgm:cxn modelId="{86556745-C91D-2C4D-A18C-EC29BFC10D88}" srcId="{5C1C7905-B1AA-2C40-A469-2A57F2C58469}" destId="{66EFC987-E9B0-DA48-BF32-C66FE8F12748}" srcOrd="0" destOrd="0" parTransId="{E8995E6D-2BBA-3C45-95DC-6C07D7E6428B}" sibTransId="{89DB22ED-FAA9-BF40-BEC2-B2011A179731}"/>
     <dgm:cxn modelId="{25225F9E-8EEB-274B-95F3-E1A1BA7DFBC6}" type="presOf" srcId="{C559639B-D9AB-1B49-A598-2C9D63F1E200}" destId="{F4B11C88-6846-B94B-B924-1969CDF7CC42}" srcOrd="1" destOrd="0" presId="urn:microsoft.com/office/officeart/2005/8/layout/pyramid3"/>
@@ -3214,17 +3493,17 @@
     <dgm:cxn modelId="{FFA3FC79-2011-FD4C-8E5D-0DB3C0119852}" type="presOf" srcId="{F7117F4D-DEAB-8041-BBAF-DAE0C20B60D9}" destId="{481B595E-653F-9C40-A731-B860258430A4}" srcOrd="0" destOrd="1" presId="urn:microsoft.com/office/officeart/2005/8/layout/pyramid3"/>
     <dgm:cxn modelId="{2C4AB422-8676-584C-88CC-67AFEDFBD044}" type="presOf" srcId="{08BBB9EC-DB7C-3B46-B42E-906E71E7BD1C}" destId="{8F3D15B9-1C0A-1946-84DC-C23F01523C52}" srcOrd="1" destOrd="2" presId="urn:microsoft.com/office/officeart/2005/8/layout/pyramid3"/>
     <dgm:cxn modelId="{EC980D6A-D65A-3948-92A2-4AFA322F5AFA}" srcId="{99BEC77D-3F60-C341-AFAC-A1A86029AA42}" destId="{21834B05-4EC5-BE47-B975-E770A1A3C0A8}" srcOrd="0" destOrd="0" parTransId="{E0EAA080-722B-EE4F-BCD2-522C216D2C3F}" sibTransId="{52A16E67-7DA3-6340-AD52-03CC439B692A}"/>
+    <dgm:cxn modelId="{D847C91D-0BDC-3247-87DB-9E7A6B6C81BA}" type="presOf" srcId="{66EFC987-E9B0-DA48-BF32-C66FE8F12748}" destId="{1C3D28C7-1E5F-CF41-8338-D2C597E520C3}" srcOrd="0" destOrd="0" presId="urn:microsoft.com/office/officeart/2005/8/layout/pyramid3"/>
     <dgm:cxn modelId="{3E13D742-A86B-AD4A-B70D-63B79B1A7F60}" type="presOf" srcId="{DCC00C95-6912-4A43-8BD7-06427F440CC8}" destId="{49205E4E-76B7-8948-B093-064C85A2FC61}" srcOrd="1" destOrd="1" presId="urn:microsoft.com/office/officeart/2005/8/layout/pyramid3"/>
-    <dgm:cxn modelId="{D847C91D-0BDC-3247-87DB-9E7A6B6C81BA}" type="presOf" srcId="{66EFC987-E9B0-DA48-BF32-C66FE8F12748}" destId="{1C3D28C7-1E5F-CF41-8338-D2C597E520C3}" srcOrd="0" destOrd="0" presId="urn:microsoft.com/office/officeart/2005/8/layout/pyramid3"/>
     <dgm:cxn modelId="{B3F4A245-D017-7C41-9503-059FD6A75E8C}" srcId="{5C1C7905-B1AA-2C40-A469-2A57F2C58469}" destId="{C6AB3235-8C81-6246-B11A-029AA07EF305}" srcOrd="2" destOrd="0" parTransId="{8B0A4E66-B372-FF45-B8CA-3E02E10CA3B2}" sibTransId="{D32A7034-86D9-B24C-8F1C-94DA3D92B5C1}"/>
     <dgm:cxn modelId="{5CF33624-EA61-5548-8CB9-62DA934286C3}" type="presOf" srcId="{C6AB3235-8C81-6246-B11A-029AA07EF305}" destId="{1C3D28C7-1E5F-CF41-8338-D2C597E520C3}" srcOrd="0" destOrd="2" presId="urn:microsoft.com/office/officeart/2005/8/layout/pyramid3"/>
     <dgm:cxn modelId="{345975FC-2EC1-E044-92A4-CD9C22DB6561}" type="presOf" srcId="{F7117F4D-DEAB-8041-BBAF-DAE0C20B60D9}" destId="{8F3D15B9-1C0A-1946-84DC-C23F01523C52}" srcOrd="1" destOrd="1" presId="urn:microsoft.com/office/officeart/2005/8/layout/pyramid3"/>
     <dgm:cxn modelId="{382B4A5B-919D-7842-999B-73411F62568D}" type="presOf" srcId="{B3471ACF-F02B-0148-ADED-4EDAC5A0EC60}" destId="{B751D1EF-582C-2447-8F32-3D71F4BB8BA9}" srcOrd="0" destOrd="0" presId="urn:microsoft.com/office/officeart/2005/8/layout/pyramid3"/>
     <dgm:cxn modelId="{FA8AE733-E4FB-8742-937B-48CA02C58FC6}" srcId="{B3471ACF-F02B-0148-ADED-4EDAC5A0EC60}" destId="{C559639B-D9AB-1B49-A598-2C9D63F1E200}" srcOrd="1" destOrd="0" parTransId="{AB4ABF48-4D3C-9141-A6CE-3F9995A8B132}" sibTransId="{77865C0E-95C7-7C47-9502-1EF2EC07055A}"/>
     <dgm:cxn modelId="{2DBD57A0-CAB0-034B-8A98-620F33A11056}" type="presOf" srcId="{99BEC77D-3F60-C341-AFAC-A1A86029AA42}" destId="{687CBC0B-004E-344F-B38E-489B21050C37}" srcOrd="0" destOrd="0" presId="urn:microsoft.com/office/officeart/2005/8/layout/pyramid3"/>
-    <dgm:cxn modelId="{E8D65DCD-B0E9-A04A-8649-7A443D610DED}" srcId="{99BEC77D-3F60-C341-AFAC-A1A86029AA42}" destId="{08BBB9EC-DB7C-3B46-B42E-906E71E7BD1C}" srcOrd="2" destOrd="0" parTransId="{5E14345C-EBC6-2C4B-967E-B60110A14A13}" sibTransId="{843842FC-7575-4243-8E50-A28DB66EA82E}"/>
     <dgm:cxn modelId="{D14482F4-14B5-0544-8501-177F433426AB}" type="presOf" srcId="{5C1C7905-B1AA-2C40-A469-2A57F2C58469}" destId="{1537DB8E-15E6-324A-8914-306ECDC7928C}" srcOrd="0" destOrd="0" presId="urn:microsoft.com/office/officeart/2005/8/layout/pyramid3"/>
     <dgm:cxn modelId="{C0375BF8-385A-E94D-A762-C9B3AD572D3A}" type="presOf" srcId="{27AACB5A-BFC3-BF4A-A4E7-540F38D14163}" destId="{496BD920-3458-2B47-8130-E33376B0FA38}" srcOrd="0" destOrd="1" presId="urn:microsoft.com/office/officeart/2005/8/layout/pyramid3"/>
+    <dgm:cxn modelId="{E8D65DCD-B0E9-A04A-8649-7A443D610DED}" srcId="{99BEC77D-3F60-C341-AFAC-A1A86029AA42}" destId="{08BBB9EC-DB7C-3B46-B42E-906E71E7BD1C}" srcOrd="2" destOrd="0" parTransId="{5E14345C-EBC6-2C4B-967E-B60110A14A13}" sibTransId="{843842FC-7575-4243-8E50-A28DB66EA82E}"/>
     <dgm:cxn modelId="{BCCC613D-1A9A-CB45-ABF7-09F074BD7F5C}" type="presOf" srcId="{6CAA17DC-1D7C-AA41-899E-64A947AA6C75}" destId="{6712DA5E-4FB0-B94C-B6D1-F02BB2ABC33A}" srcOrd="1" destOrd="1" presId="urn:microsoft.com/office/officeart/2005/8/layout/pyramid3"/>
     <dgm:cxn modelId="{52A4428A-2385-744D-83EB-AB4F734574F7}" srcId="{C559639B-D9AB-1B49-A598-2C9D63F1E200}" destId="{DCC00C95-6912-4A43-8BD7-06427F440CC8}" srcOrd="1" destOrd="0" parTransId="{D0E4163F-09E7-2049-8766-3B27BCBDE23F}" sibTransId="{59793A66-D0DC-F449-A370-62E462CD7307}"/>
     <dgm:cxn modelId="{3E9CEF84-C107-8E4A-85A1-A4DD0E1C7779}" type="presOf" srcId="{2FBA6042-1D3F-FD45-B8DA-1E3767E439B7}" destId="{C30709DD-7B49-684A-8F9C-5931BFA81612}" srcOrd="1" destOrd="0" presId="urn:microsoft.com/office/officeart/2005/8/layout/pyramid3"/>
@@ -3263,7 +3542,7 @@
   <dgm:whole/>
   <dgm:extLst>
     <a:ext uri="http://schemas.microsoft.com/office/drawing/2008/diagram">
-      <dsp:dataModelExt xmlns:dsp="http://schemas.microsoft.com/office/drawing/2008/diagram" relId="rId6" minVer="http://schemas.openxmlformats.org/drawingml/2006/diagram"/>
+      <dsp:dataModelExt xmlns:dsp="http://schemas.microsoft.com/office/drawing/2008/diagram" relId="rId7" minVer="http://schemas.openxmlformats.org/drawingml/2006/diagram"/>
     </a:ext>
   </dgm:extLst>
 </dgm:dataModel>
@@ -4543,12 +4822,12 @@
         </a:fontRef>
       </dsp:style>
       <dsp:txBody>
-        <a:bodyPr spcFirstLastPara="0" vert="horz" wrap="square" lIns="34290" tIns="34290" rIns="34290" bIns="34290" numCol="1" spcCol="1270" anchor="ctr" anchorCtr="0">
+        <a:bodyPr spcFirstLastPara="0" vert="horz" wrap="square" lIns="31750" tIns="31750" rIns="31750" bIns="31750" numCol="1" spcCol="1270" anchor="ctr" anchorCtr="0">
           <a:noAutofit/>
         </a:bodyPr>
         <a:lstStyle/>
         <a:p>
-          <a:pPr lvl="0" algn="ctr" defTabSz="1200150">
+          <a:pPr lvl="0" algn="ctr" defTabSz="1111250">
             <a:lnSpc>
               <a:spcPct val="90000"/>
             </a:lnSpc>
@@ -4560,10 +4839,10 @@
             </a:spcAft>
           </a:pPr>
           <a:r>
-            <a:rPr lang="en-US" sz="2700" kern="1200" dirty="0" smtClean="0"/>
-            <a:t>Idea stage</a:t>
+            <a:rPr lang="en-US" sz="2500" kern="1200" dirty="0" smtClean="0"/>
+            <a:t>Has Idea</a:t>
           </a:r>
-          <a:endParaRPr lang="en-US" sz="2700" kern="1200" dirty="0"/>
+          <a:endParaRPr lang="en-US" sz="2500" kern="1200" dirty="0"/>
         </a:p>
       </dsp:txBody>
       <dsp:txXfrm rot="-10800000">
@@ -4757,12 +5036,12 @@
         </a:fontRef>
       </dsp:style>
       <dsp:txBody>
-        <a:bodyPr spcFirstLastPara="0" vert="horz" wrap="square" lIns="34290" tIns="34290" rIns="34290" bIns="34290" numCol="1" spcCol="1270" anchor="ctr" anchorCtr="0">
+        <a:bodyPr spcFirstLastPara="0" vert="horz" wrap="square" lIns="31750" tIns="31750" rIns="31750" bIns="31750" numCol="1" spcCol="1270" anchor="ctr" anchorCtr="0">
           <a:noAutofit/>
         </a:bodyPr>
         <a:lstStyle/>
         <a:p>
-          <a:pPr lvl="0" algn="ctr" defTabSz="1200150">
+          <a:pPr lvl="0" algn="ctr" defTabSz="1111250">
             <a:lnSpc>
               <a:spcPct val="90000"/>
             </a:lnSpc>
@@ -4774,14 +5053,10 @@
             </a:spcAft>
           </a:pPr>
           <a:r>
-            <a:rPr lang="en-US" sz="2700" kern="1200" dirty="0" err="1" smtClean="0"/>
-            <a:t>Concepting</a:t>
+            <a:rPr lang="en-US" sz="2500" kern="1200" dirty="0" smtClean="0"/>
+            <a:t>Has Concept</a:t>
           </a:r>
-          <a:r>
-            <a:rPr lang="en-US" sz="2700" kern="1200" dirty="0" smtClean="0"/>
-            <a:t> stage</a:t>
-          </a:r>
-          <a:endParaRPr lang="en-US" sz="2700" kern="1200" dirty="0"/>
+          <a:endParaRPr lang="en-US" sz="2500" kern="1200" dirty="0"/>
         </a:p>
       </dsp:txBody>
       <dsp:txXfrm rot="-10800000">
@@ -4975,12 +5250,12 @@
         </a:fontRef>
       </dsp:style>
       <dsp:txBody>
-        <a:bodyPr spcFirstLastPara="0" vert="horz" wrap="square" lIns="34290" tIns="34290" rIns="34290" bIns="34290" numCol="1" spcCol="1270" anchor="ctr" anchorCtr="0">
+        <a:bodyPr spcFirstLastPara="0" vert="horz" wrap="square" lIns="31750" tIns="31750" rIns="31750" bIns="31750" numCol="1" spcCol="1270" anchor="ctr" anchorCtr="0">
           <a:noAutofit/>
         </a:bodyPr>
         <a:lstStyle/>
         <a:p>
-          <a:pPr lvl="0" algn="ctr" defTabSz="1200150">
+          <a:pPr lvl="0" algn="ctr" defTabSz="1111250">
             <a:lnSpc>
               <a:spcPct val="90000"/>
             </a:lnSpc>
@@ -4992,10 +5267,10 @@
             </a:spcAft>
           </a:pPr>
           <a:r>
-            <a:rPr lang="en-US" sz="2700" kern="1200" dirty="0" smtClean="0"/>
-            <a:t>Build stage</a:t>
+            <a:rPr lang="en-US" sz="2500" kern="1200" dirty="0" smtClean="0"/>
+            <a:t>Has Launched</a:t>
           </a:r>
-          <a:endParaRPr lang="en-US" sz="2700" kern="1200" dirty="0"/>
+          <a:endParaRPr lang="en-US" sz="2500" kern="1200" dirty="0"/>
         </a:p>
       </dsp:txBody>
       <dsp:txXfrm rot="-10800000">
@@ -5189,12 +5464,12 @@
         </a:fontRef>
       </dsp:style>
       <dsp:txBody>
-        <a:bodyPr spcFirstLastPara="0" vert="horz" wrap="square" lIns="34290" tIns="34290" rIns="34290" bIns="34290" numCol="1" spcCol="1270" anchor="ctr" anchorCtr="0">
+        <a:bodyPr spcFirstLastPara="0" vert="horz" wrap="square" lIns="31750" tIns="31750" rIns="31750" bIns="31750" numCol="1" spcCol="1270" anchor="ctr" anchorCtr="0">
           <a:noAutofit/>
         </a:bodyPr>
         <a:lstStyle/>
         <a:p>
-          <a:pPr lvl="0" algn="ctr" defTabSz="1200150">
+          <a:pPr lvl="0" algn="ctr" defTabSz="1111250">
             <a:lnSpc>
               <a:spcPct val="90000"/>
             </a:lnSpc>
@@ -5206,10 +5481,10 @@
             </a:spcAft>
           </a:pPr>
           <a:r>
-            <a:rPr lang="en-US" sz="2700" kern="1200" dirty="0" smtClean="0"/>
-            <a:t>Scaling stage</a:t>
+            <a:rPr lang="en-US" sz="2500" kern="1200" dirty="0" smtClean="0"/>
+            <a:t>Is Scaling</a:t>
           </a:r>
-          <a:endParaRPr lang="en-US" sz="2700" kern="1200" dirty="0"/>
+          <a:endParaRPr lang="en-US" sz="2500" kern="1200" dirty="0"/>
         </a:p>
       </dsp:txBody>
       <dsp:txXfrm rot="-10800000">
@@ -7802,6 +8077,440 @@
     </dgm:style>
   </dgm:styleLbl>
 </dgm:styleDef>
+</file>
+
+<file path=ppt/notesMasters/notesMaster1.xml><?xml version="1.0" encoding="utf-8"?>
+<p:notesMaster xmlns:a="http://schemas.openxmlformats.org/drawingml/2006/main" xmlns:r="http://schemas.openxmlformats.org/officeDocument/2006/relationships" xmlns:p="http://schemas.openxmlformats.org/presentationml/2006/main">
+  <p:cSld>
+    <p:bg>
+      <p:bgRef idx="1001">
+        <a:schemeClr val="bg1"/>
+      </p:bgRef>
+    </p:bg>
+    <p:spTree>
+      <p:nvGrpSpPr>
+        <p:cNvPr id="1" name=""/>
+        <p:cNvGrpSpPr/>
+        <p:nvPr/>
+      </p:nvGrpSpPr>
+      <p:grpSpPr>
+        <a:xfrm>
+          <a:off x="0" y="0"/>
+          <a:ext cx="0" cy="0"/>
+          <a:chOff x="0" y="0"/>
+          <a:chExt cx="0" cy="0"/>
+        </a:xfrm>
+      </p:grpSpPr>
+      <p:sp>
+        <p:nvSpPr>
+          <p:cNvPr id="2" name="Header Placeholder 1"/>
+          <p:cNvSpPr>
+            <a:spLocks noGrp="1"/>
+          </p:cNvSpPr>
+          <p:nvPr>
+            <p:ph type="hdr" sz="quarter"/>
+          </p:nvPr>
+        </p:nvSpPr>
+        <p:spPr>
+          <a:xfrm>
+            <a:off x="0" y="0"/>
+            <a:ext cx="2971800" cy="457200"/>
+          </a:xfrm>
+          <a:prstGeom prst="rect">
+            <a:avLst/>
+          </a:prstGeom>
+        </p:spPr>
+        <p:txBody>
+          <a:bodyPr vert="horz" lIns="91440" tIns="45720" rIns="91440" bIns="45720" rtlCol="0"/>
+          <a:lstStyle>
+            <a:lvl1pPr algn="l">
+              <a:defRPr sz="1200"/>
+            </a:lvl1pPr>
+          </a:lstStyle>
+          <a:p>
+            <a:endParaRPr lang="en-US"/>
+          </a:p>
+        </p:txBody>
+      </p:sp>
+      <p:sp>
+        <p:nvSpPr>
+          <p:cNvPr id="3" name="Date Placeholder 2"/>
+          <p:cNvSpPr>
+            <a:spLocks noGrp="1"/>
+          </p:cNvSpPr>
+          <p:nvPr>
+            <p:ph type="dt" idx="1"/>
+          </p:nvPr>
+        </p:nvSpPr>
+        <p:spPr>
+          <a:xfrm>
+            <a:off x="3884613" y="0"/>
+            <a:ext cx="2971800" cy="457200"/>
+          </a:xfrm>
+          <a:prstGeom prst="rect">
+            <a:avLst/>
+          </a:prstGeom>
+        </p:spPr>
+        <p:txBody>
+          <a:bodyPr vert="horz" lIns="91440" tIns="45720" rIns="91440" bIns="45720" rtlCol="0"/>
+          <a:lstStyle>
+            <a:lvl1pPr algn="r">
+              <a:defRPr sz="1200"/>
+            </a:lvl1pPr>
+          </a:lstStyle>
+          <a:p>
+            <a:fld id="{8C40539F-DBD6-B148-A1BC-3BB40D5E6A78}" type="datetimeFigureOut">
+              <a:rPr lang="en-US" smtClean="0"/>
+              <a:t>11/29/12</a:t>
+            </a:fld>
+            <a:endParaRPr lang="en-US"/>
+          </a:p>
+        </p:txBody>
+      </p:sp>
+      <p:sp>
+        <p:nvSpPr>
+          <p:cNvPr id="4" name="Slide Image Placeholder 3"/>
+          <p:cNvSpPr>
+            <a:spLocks noGrp="1" noRot="1" noChangeAspect="1"/>
+          </p:cNvSpPr>
+          <p:nvPr>
+            <p:ph type="sldImg" idx="2"/>
+          </p:nvPr>
+        </p:nvSpPr>
+        <p:spPr>
+          <a:xfrm>
+            <a:off x="1143000" y="685800"/>
+            <a:ext cx="4572000" cy="3429000"/>
+          </a:xfrm>
+          <a:prstGeom prst="rect">
+            <a:avLst/>
+          </a:prstGeom>
+          <a:noFill/>
+          <a:ln w="12700">
+            <a:solidFill>
+              <a:prstClr val="black"/>
+            </a:solidFill>
+          </a:ln>
+        </p:spPr>
+        <p:txBody>
+          <a:bodyPr vert="horz" lIns="91440" tIns="45720" rIns="91440" bIns="45720" rtlCol="0" anchor="ctr"/>
+          <a:lstStyle/>
+          <a:p>
+            <a:endParaRPr lang="en-US"/>
+          </a:p>
+        </p:txBody>
+      </p:sp>
+      <p:sp>
+        <p:nvSpPr>
+          <p:cNvPr id="5" name="Notes Placeholder 4"/>
+          <p:cNvSpPr>
+            <a:spLocks noGrp="1"/>
+          </p:cNvSpPr>
+          <p:nvPr>
+            <p:ph type="body" sz="quarter" idx="3"/>
+          </p:nvPr>
+        </p:nvSpPr>
+        <p:spPr>
+          <a:xfrm>
+            <a:off x="685800" y="4343400"/>
+            <a:ext cx="5486400" cy="4114800"/>
+          </a:xfrm>
+          <a:prstGeom prst="rect">
+            <a:avLst/>
+          </a:prstGeom>
+        </p:spPr>
+        <p:txBody>
+          <a:bodyPr vert="horz" lIns="91440" tIns="45720" rIns="91440" bIns="45720" rtlCol="0"/>
+          <a:lstStyle/>
+          <a:p>
+            <a:pPr lvl="0"/>
+            <a:r>
+              <a:rPr lang="en-US" smtClean="0"/>
+              <a:t>Click to edit Master text styles</a:t>
+            </a:r>
+          </a:p>
+          <a:p>
+            <a:pPr lvl="1"/>
+            <a:r>
+              <a:rPr lang="en-US" smtClean="0"/>
+              <a:t>Second level</a:t>
+            </a:r>
+          </a:p>
+          <a:p>
+            <a:pPr lvl="2"/>
+            <a:r>
+              <a:rPr lang="en-US" smtClean="0"/>
+              <a:t>Third level</a:t>
+            </a:r>
+          </a:p>
+          <a:p>
+            <a:pPr lvl="3"/>
+            <a:r>
+              <a:rPr lang="en-US" smtClean="0"/>
+              <a:t>Fourth level</a:t>
+            </a:r>
+          </a:p>
+          <a:p>
+            <a:pPr lvl="4"/>
+            <a:r>
+              <a:rPr lang="en-US" smtClean="0"/>
+              <a:t>Fifth level</a:t>
+            </a:r>
+            <a:endParaRPr lang="en-US"/>
+          </a:p>
+        </p:txBody>
+      </p:sp>
+      <p:sp>
+        <p:nvSpPr>
+          <p:cNvPr id="6" name="Footer Placeholder 5"/>
+          <p:cNvSpPr>
+            <a:spLocks noGrp="1"/>
+          </p:cNvSpPr>
+          <p:nvPr>
+            <p:ph type="ftr" sz="quarter" idx="4"/>
+          </p:nvPr>
+        </p:nvSpPr>
+        <p:spPr>
+          <a:xfrm>
+            <a:off x="0" y="8685213"/>
+            <a:ext cx="2971800" cy="457200"/>
+          </a:xfrm>
+          <a:prstGeom prst="rect">
+            <a:avLst/>
+          </a:prstGeom>
+        </p:spPr>
+        <p:txBody>
+          <a:bodyPr vert="horz" lIns="91440" tIns="45720" rIns="91440" bIns="45720" rtlCol="0" anchor="b"/>
+          <a:lstStyle>
+            <a:lvl1pPr algn="l">
+              <a:defRPr sz="1200"/>
+            </a:lvl1pPr>
+          </a:lstStyle>
+          <a:p>
+            <a:endParaRPr lang="en-US"/>
+          </a:p>
+        </p:txBody>
+      </p:sp>
+      <p:sp>
+        <p:nvSpPr>
+          <p:cNvPr id="7" name="Slide Number Placeholder 6"/>
+          <p:cNvSpPr>
+            <a:spLocks noGrp="1"/>
+          </p:cNvSpPr>
+          <p:nvPr>
+            <p:ph type="sldNum" sz="quarter" idx="5"/>
+          </p:nvPr>
+        </p:nvSpPr>
+        <p:spPr>
+          <a:xfrm>
+            <a:off x="3884613" y="8685213"/>
+            <a:ext cx="2971800" cy="457200"/>
+          </a:xfrm>
+          <a:prstGeom prst="rect">
+            <a:avLst/>
+          </a:prstGeom>
+        </p:spPr>
+        <p:txBody>
+          <a:bodyPr vert="horz" lIns="91440" tIns="45720" rIns="91440" bIns="45720" rtlCol="0" anchor="b"/>
+          <a:lstStyle>
+            <a:lvl1pPr algn="r">
+              <a:defRPr sz="1200"/>
+            </a:lvl1pPr>
+          </a:lstStyle>
+          <a:p>
+            <a:fld id="{0494A352-931E-4B4B-ABE9-5CB519E4B265}" type="slidenum">
+              <a:rPr lang="en-US" smtClean="0"/>
+              <a:t>‹#›</a:t>
+            </a:fld>
+            <a:endParaRPr lang="en-US"/>
+          </a:p>
+        </p:txBody>
+      </p:sp>
+    </p:spTree>
+    <p:extLst>
+      <p:ext uri="{BB962C8B-B14F-4D97-AF65-F5344CB8AC3E}">
+        <p14:creationId xmlns:p14="http://schemas.microsoft.com/office/powerpoint/2010/main" val="1843043393"/>
+      </p:ext>
+    </p:extLst>
+  </p:cSld>
+  <p:clrMap bg1="lt1" tx1="dk1" bg2="lt2" tx2="dk2" accent1="accent1" accent2="accent2" accent3="accent3" accent4="accent4" accent5="accent5" accent6="accent6" hlink="hlink" folHlink="folHlink"/>
+  <p:notesStyle>
+    <a:lvl1pPr marL="0" algn="l" defTabSz="457200" rtl="0" eaLnBrk="1" latinLnBrk="0" hangingPunct="1">
+      <a:defRPr sz="1200" kern="1200">
+        <a:solidFill>
+          <a:schemeClr val="tx1"/>
+        </a:solidFill>
+        <a:latin typeface="+mn-lt"/>
+        <a:ea typeface="+mn-ea"/>
+        <a:cs typeface="+mn-cs"/>
+      </a:defRPr>
+    </a:lvl1pPr>
+    <a:lvl2pPr marL="457200" algn="l" defTabSz="457200" rtl="0" eaLnBrk="1" latinLnBrk="0" hangingPunct="1">
+      <a:defRPr sz="1200" kern="1200">
+        <a:solidFill>
+          <a:schemeClr val="tx1"/>
+        </a:solidFill>
+        <a:latin typeface="+mn-lt"/>
+        <a:ea typeface="+mn-ea"/>
+        <a:cs typeface="+mn-cs"/>
+      </a:defRPr>
+    </a:lvl2pPr>
+    <a:lvl3pPr marL="914400" algn="l" defTabSz="457200" rtl="0" eaLnBrk="1" latinLnBrk="0" hangingPunct="1">
+      <a:defRPr sz="1200" kern="1200">
+        <a:solidFill>
+          <a:schemeClr val="tx1"/>
+        </a:solidFill>
+        <a:latin typeface="+mn-lt"/>
+        <a:ea typeface="+mn-ea"/>
+        <a:cs typeface="+mn-cs"/>
+      </a:defRPr>
+    </a:lvl3pPr>
+    <a:lvl4pPr marL="1371600" algn="l" defTabSz="457200" rtl="0" eaLnBrk="1" latinLnBrk="0" hangingPunct="1">
+      <a:defRPr sz="1200" kern="1200">
+        <a:solidFill>
+          <a:schemeClr val="tx1"/>
+        </a:solidFill>
+        <a:latin typeface="+mn-lt"/>
+        <a:ea typeface="+mn-ea"/>
+        <a:cs typeface="+mn-cs"/>
+      </a:defRPr>
+    </a:lvl4pPr>
+    <a:lvl5pPr marL="1828800" algn="l" defTabSz="457200" rtl="0" eaLnBrk="1" latinLnBrk="0" hangingPunct="1">
+      <a:defRPr sz="1200" kern="1200">
+        <a:solidFill>
+          <a:schemeClr val="tx1"/>
+        </a:solidFill>
+        <a:latin typeface="+mn-lt"/>
+        <a:ea typeface="+mn-ea"/>
+        <a:cs typeface="+mn-cs"/>
+      </a:defRPr>
+    </a:lvl5pPr>
+    <a:lvl6pPr marL="2286000" algn="l" defTabSz="457200" rtl="0" eaLnBrk="1" latinLnBrk="0" hangingPunct="1">
+      <a:defRPr sz="1200" kern="1200">
+        <a:solidFill>
+          <a:schemeClr val="tx1"/>
+        </a:solidFill>
+        <a:latin typeface="+mn-lt"/>
+        <a:ea typeface="+mn-ea"/>
+        <a:cs typeface="+mn-cs"/>
+      </a:defRPr>
+    </a:lvl6pPr>
+    <a:lvl7pPr marL="2743200" algn="l" defTabSz="457200" rtl="0" eaLnBrk="1" latinLnBrk="0" hangingPunct="1">
+      <a:defRPr sz="1200" kern="1200">
+        <a:solidFill>
+          <a:schemeClr val="tx1"/>
+        </a:solidFill>
+        <a:latin typeface="+mn-lt"/>
+        <a:ea typeface="+mn-ea"/>
+        <a:cs typeface="+mn-cs"/>
+      </a:defRPr>
+    </a:lvl7pPr>
+    <a:lvl8pPr marL="3200400" algn="l" defTabSz="457200" rtl="0" eaLnBrk="1" latinLnBrk="0" hangingPunct="1">
+      <a:defRPr sz="1200" kern="1200">
+        <a:solidFill>
+          <a:schemeClr val="tx1"/>
+        </a:solidFill>
+        <a:latin typeface="+mn-lt"/>
+        <a:ea typeface="+mn-ea"/>
+        <a:cs typeface="+mn-cs"/>
+      </a:defRPr>
+    </a:lvl8pPr>
+    <a:lvl9pPr marL="3657600" algn="l" defTabSz="457200" rtl="0" eaLnBrk="1" latinLnBrk="0" hangingPunct="1">
+      <a:defRPr sz="1200" kern="1200">
+        <a:solidFill>
+          <a:schemeClr val="tx1"/>
+        </a:solidFill>
+        <a:latin typeface="+mn-lt"/>
+        <a:ea typeface="+mn-ea"/>
+        <a:cs typeface="+mn-cs"/>
+      </a:defRPr>
+    </a:lvl9pPr>
+  </p:notesStyle>
+</p:notesMaster>
+</file>
+
+<file path=ppt/notesSlides/notesSlide1.xml><?xml version="1.0" encoding="utf-8"?>
+<p:notes xmlns:a="http://schemas.openxmlformats.org/drawingml/2006/main" xmlns:r="http://schemas.openxmlformats.org/officeDocument/2006/relationships" xmlns:p="http://schemas.openxmlformats.org/presentationml/2006/main">
+  <p:cSld>
+    <p:spTree>
+      <p:nvGrpSpPr>
+        <p:cNvPr id="1" name=""/>
+        <p:cNvGrpSpPr/>
+        <p:nvPr/>
+      </p:nvGrpSpPr>
+      <p:grpSpPr>
+        <a:xfrm>
+          <a:off x="0" y="0"/>
+          <a:ext cx="0" cy="0"/>
+          <a:chOff x="0" y="0"/>
+          <a:chExt cx="0" cy="0"/>
+        </a:xfrm>
+      </p:grpSpPr>
+      <p:sp>
+        <p:nvSpPr>
+          <p:cNvPr id="2" name="Slide Image Placeholder 1"/>
+          <p:cNvSpPr>
+            <a:spLocks noGrp="1" noRot="1" noChangeAspect="1"/>
+          </p:cNvSpPr>
+          <p:nvPr>
+            <p:ph type="sldImg"/>
+          </p:nvPr>
+        </p:nvSpPr>
+        <p:spPr/>
+      </p:sp>
+      <p:sp>
+        <p:nvSpPr>
+          <p:cNvPr id="3" name="Notes Placeholder 2"/>
+          <p:cNvSpPr>
+            <a:spLocks noGrp="1"/>
+          </p:cNvSpPr>
+          <p:nvPr>
+            <p:ph type="body" idx="1"/>
+          </p:nvPr>
+        </p:nvSpPr>
+        <p:spPr/>
+        <p:txBody>
+          <a:bodyPr/>
+          <a:lstStyle/>
+          <a:p>
+            <a:endParaRPr lang="en-US" dirty="0"/>
+          </a:p>
+        </p:txBody>
+      </p:sp>
+      <p:sp>
+        <p:nvSpPr>
+          <p:cNvPr id="4" name="Slide Number Placeholder 3"/>
+          <p:cNvSpPr>
+            <a:spLocks noGrp="1"/>
+          </p:cNvSpPr>
+          <p:nvPr>
+            <p:ph type="sldNum" sz="quarter" idx="10"/>
+          </p:nvPr>
+        </p:nvSpPr>
+        <p:spPr/>
+        <p:txBody>
+          <a:bodyPr/>
+          <a:lstStyle/>
+          <a:p>
+            <a:fld id="{0494A352-931E-4B4B-ABE9-5CB519E4B265}" type="slidenum">
+              <a:rPr lang="en-US" smtClean="0"/>
+              <a:t>7</a:t>
+            </a:fld>
+            <a:endParaRPr lang="en-US"/>
+          </a:p>
+        </p:txBody>
+      </p:sp>
+    </p:spTree>
+    <p:extLst>
+      <p:ext uri="{BB962C8B-B14F-4D97-AF65-F5344CB8AC3E}">
+        <p14:creationId xmlns:p14="http://schemas.microsoft.com/office/powerpoint/2010/main" val="3330584974"/>
+      </p:ext>
+    </p:extLst>
+  </p:cSld>
+  <p:clrMapOvr>
+    <a:masterClrMapping/>
+  </p:clrMapOvr>
+</p:notes>
 </file>
 
 <file path=ppt/slideLayouts/slideLayout1.xml><?xml version="1.0" encoding="utf-8"?>
@@ -13121,44 +13830,6 @@
           <a:chExt cx="0" cy="0"/>
         </a:xfrm>
       </p:grpSpPr>
-      <p:sp>
-        <p:nvSpPr>
-          <p:cNvPr id="2" name="Title 1"/>
-          <p:cNvSpPr>
-            <a:spLocks noGrp="1"/>
-          </p:cNvSpPr>
-          <p:nvPr>
-            <p:ph type="ctrTitle"/>
-          </p:nvPr>
-        </p:nvSpPr>
-        <p:spPr/>
-        <p:txBody>
-          <a:bodyPr/>
-          <a:lstStyle/>
-          <a:p>
-            <a:endParaRPr lang="en-US"/>
-          </a:p>
-        </p:txBody>
-      </p:sp>
-      <p:sp>
-        <p:nvSpPr>
-          <p:cNvPr id="3" name="Subtitle 2"/>
-          <p:cNvSpPr>
-            <a:spLocks noGrp="1"/>
-          </p:cNvSpPr>
-          <p:nvPr>
-            <p:ph type="subTitle" idx="1"/>
-          </p:nvPr>
-        </p:nvSpPr>
-        <p:spPr/>
-        <p:txBody>
-          <a:bodyPr/>
-          <a:lstStyle/>
-          <a:p>
-            <a:endParaRPr lang="en-US"/>
-          </a:p>
-        </p:txBody>
-      </p:sp>
       <p:graphicFrame>
         <p:nvGraphicFramePr>
           <p:cNvPr id="4" name="Diagram 3"/>
@@ -13166,7 +13837,7 @@
           <p:nvPr>
             <p:extLst>
               <p:ext uri="{D42A27DB-BD31-4B8C-83A1-F6EECF244321}">
-                <p14:modId xmlns:p14="http://schemas.microsoft.com/office/powerpoint/2010/main" val="3173996450"/>
+                <p14:modId xmlns:p14="http://schemas.microsoft.com/office/powerpoint/2010/main" val="3878038184"/>
               </p:ext>
             </p:extLst>
           </p:nvPr>
@@ -13177,7 +13848,7 @@
         </p:xfrm>
         <a:graphic>
           <a:graphicData uri="http://schemas.openxmlformats.org/drawingml/2006/diagram">
-            <dgm:relIds xmlns:dgm="http://schemas.openxmlformats.org/drawingml/2006/diagram" xmlns:r="http://schemas.openxmlformats.org/officeDocument/2006/relationships" r:dm="rId2" r:lo="rId3" r:qs="rId4" r:cs="rId5"/>
+            <dgm:relIds xmlns:dgm="http://schemas.openxmlformats.org/drawingml/2006/diagram" xmlns:r="http://schemas.openxmlformats.org/officeDocument/2006/relationships" r:dm="rId3" r:lo="rId4" r:qs="rId5" r:cs="rId6"/>
           </a:graphicData>
         </a:graphic>
       </p:graphicFrame>
@@ -13512,4 +14183,324 @@
   </a:objectDefaults>
   <a:extraClrSchemeLst/>
 </a:theme>
+</file>
+
+<file path=ppt/theme/theme2.xml><?xml version="1.0" encoding="utf-8"?>
+<a:theme xmlns:a="http://schemas.openxmlformats.org/drawingml/2006/main" name="Office Theme">
+  <a:themeElements>
+    <a:clrScheme name="Office">
+      <a:dk1>
+        <a:sysClr val="windowText" lastClr="000000"/>
+      </a:dk1>
+      <a:lt1>
+        <a:sysClr val="window" lastClr="FFFFFF"/>
+      </a:lt1>
+      <a:dk2>
+        <a:srgbClr val="1F497D"/>
+      </a:dk2>
+      <a:lt2>
+        <a:srgbClr val="EEECE1"/>
+      </a:lt2>
+      <a:accent1>
+        <a:srgbClr val="4F81BD"/>
+      </a:accent1>
+      <a:accent2>
+        <a:srgbClr val="C0504D"/>
+      </a:accent2>
+      <a:accent3>
+        <a:srgbClr val="9BBB59"/>
+      </a:accent3>
+      <a:accent4>
+        <a:srgbClr val="8064A2"/>
+      </a:accent4>
+      <a:accent5>
+        <a:srgbClr val="4BACC6"/>
+      </a:accent5>
+      <a:accent6>
+        <a:srgbClr val="F79646"/>
+      </a:accent6>
+      <a:hlink>
+        <a:srgbClr val="0000FF"/>
+      </a:hlink>
+      <a:folHlink>
+        <a:srgbClr val="800080"/>
+      </a:folHlink>
+    </a:clrScheme>
+    <a:fontScheme name="Office">
+      <a:majorFont>
+        <a:latin typeface="Calibri"/>
+        <a:ea typeface=""/>
+        <a:cs typeface=""/>
+        <a:font script="Jpan" typeface="ＭＳ Ｐゴシック"/>
+        <a:font script="Hang" typeface="맑은 고딕"/>
+        <a:font script="Hans" typeface="宋体"/>
+        <a:font script="Hant" typeface="新細明體"/>
+        <a:font script="Arab" typeface="Times New Roman"/>
+        <a:font script="Hebr" typeface="Times New Roman"/>
+        <a:font script="Thai" typeface="Angsana New"/>
+        <a:font script="Ethi" typeface="Nyala"/>
+        <a:font script="Beng" typeface="Vrinda"/>
+        <a:font script="Gujr" typeface="Shruti"/>
+        <a:font script="Khmr" typeface="MoolBoran"/>
+        <a:font script="Knda" typeface="Tunga"/>
+        <a:font script="Guru" typeface="Raavi"/>
+        <a:font script="Cans" typeface="Euphemia"/>
+        <a:font script="Cher" typeface="Plantagenet Cherokee"/>
+        <a:font script="Yiii" typeface="Microsoft Yi Baiti"/>
+        <a:font script="Tibt" typeface="Microsoft Himalaya"/>
+        <a:font script="Thaa" typeface="MV Boli"/>
+        <a:font script="Deva" typeface="Mangal"/>
+        <a:font script="Telu" typeface="Gautami"/>
+        <a:font script="Taml" typeface="Latha"/>
+        <a:font script="Syrc" typeface="Estrangelo Edessa"/>
+        <a:font script="Orya" typeface="Kalinga"/>
+        <a:font script="Mlym" typeface="Kartika"/>
+        <a:font script="Laoo" typeface="DokChampa"/>
+        <a:font script="Sinh" typeface="Iskoola Pota"/>
+        <a:font script="Mong" typeface="Mongolian Baiti"/>
+        <a:font script="Viet" typeface="Times New Roman"/>
+        <a:font script="Uigh" typeface="Microsoft Uighur"/>
+        <a:font script="Geor" typeface="Sylfaen"/>
+      </a:majorFont>
+      <a:minorFont>
+        <a:latin typeface="Calibri"/>
+        <a:ea typeface=""/>
+        <a:cs typeface=""/>
+        <a:font script="Jpan" typeface="ＭＳ Ｐゴシック"/>
+        <a:font script="Hang" typeface="맑은 고딕"/>
+        <a:font script="Hans" typeface="宋体"/>
+        <a:font script="Hant" typeface="新細明體"/>
+        <a:font script="Arab" typeface="Arial"/>
+        <a:font script="Hebr" typeface="Arial"/>
+        <a:font script="Thai" typeface="Cordia New"/>
+        <a:font script="Ethi" typeface="Nyala"/>
+        <a:font script="Beng" typeface="Vrinda"/>
+        <a:font script="Gujr" typeface="Shruti"/>
+        <a:font script="Khmr" typeface="DaunPenh"/>
+        <a:font script="Knda" typeface="Tunga"/>
+        <a:font script="Guru" typeface="Raavi"/>
+        <a:font script="Cans" typeface="Euphemia"/>
+        <a:font script="Cher" typeface="Plantagenet Cherokee"/>
+        <a:font script="Yiii" typeface="Microsoft Yi Baiti"/>
+        <a:font script="Tibt" typeface="Microsoft Himalaya"/>
+        <a:font script="Thaa" typeface="MV Boli"/>
+        <a:font script="Deva" typeface="Mangal"/>
+        <a:font script="Telu" typeface="Gautami"/>
+        <a:font script="Taml" typeface="Latha"/>
+        <a:font script="Syrc" typeface="Estrangelo Edessa"/>
+        <a:font script="Orya" typeface="Kalinga"/>
+        <a:font script="Mlym" typeface="Kartika"/>
+        <a:font script="Laoo" typeface="DokChampa"/>
+        <a:font script="Sinh" typeface="Iskoola Pota"/>
+        <a:font script="Mong" typeface="Mongolian Baiti"/>
+        <a:font script="Viet" typeface="Arial"/>
+        <a:font script="Uigh" typeface="Microsoft Uighur"/>
+        <a:font script="Geor" typeface="Sylfaen"/>
+      </a:minorFont>
+    </a:fontScheme>
+    <a:fmtScheme name="Office">
+      <a:fillStyleLst>
+        <a:solidFill>
+          <a:schemeClr val="phClr"/>
+        </a:solidFill>
+        <a:gradFill rotWithShape="1">
+          <a:gsLst>
+            <a:gs pos="0">
+              <a:schemeClr val="phClr">
+                <a:tint val="50000"/>
+                <a:satMod val="300000"/>
+              </a:schemeClr>
+            </a:gs>
+            <a:gs pos="35000">
+              <a:schemeClr val="phClr">
+                <a:tint val="37000"/>
+                <a:satMod val="300000"/>
+              </a:schemeClr>
+            </a:gs>
+            <a:gs pos="100000">
+              <a:schemeClr val="phClr">
+                <a:tint val="15000"/>
+                <a:satMod val="350000"/>
+              </a:schemeClr>
+            </a:gs>
+          </a:gsLst>
+          <a:lin ang="16200000" scaled="1"/>
+        </a:gradFill>
+        <a:gradFill rotWithShape="1">
+          <a:gsLst>
+            <a:gs pos="0">
+              <a:schemeClr val="phClr">
+                <a:tint val="100000"/>
+                <a:shade val="100000"/>
+                <a:satMod val="130000"/>
+              </a:schemeClr>
+            </a:gs>
+            <a:gs pos="100000">
+              <a:schemeClr val="phClr">
+                <a:tint val="50000"/>
+                <a:shade val="100000"/>
+                <a:satMod val="350000"/>
+              </a:schemeClr>
+            </a:gs>
+          </a:gsLst>
+          <a:lin ang="16200000" scaled="0"/>
+        </a:gradFill>
+      </a:fillStyleLst>
+      <a:lnStyleLst>
+        <a:ln w="9525" cap="flat" cmpd="sng" algn="ctr">
+          <a:solidFill>
+            <a:schemeClr val="phClr">
+              <a:shade val="95000"/>
+              <a:satMod val="105000"/>
+            </a:schemeClr>
+          </a:solidFill>
+          <a:prstDash val="solid"/>
+        </a:ln>
+        <a:ln w="25400" cap="flat" cmpd="sng" algn="ctr">
+          <a:solidFill>
+            <a:schemeClr val="phClr"/>
+          </a:solidFill>
+          <a:prstDash val="solid"/>
+        </a:ln>
+        <a:ln w="38100" cap="flat" cmpd="sng" algn="ctr">
+          <a:solidFill>
+            <a:schemeClr val="phClr"/>
+          </a:solidFill>
+          <a:prstDash val="solid"/>
+        </a:ln>
+      </a:lnStyleLst>
+      <a:effectStyleLst>
+        <a:effectStyle>
+          <a:effectLst>
+            <a:outerShdw blurRad="40000" dist="20000" dir="5400000" rotWithShape="0">
+              <a:srgbClr val="000000">
+                <a:alpha val="38000"/>
+              </a:srgbClr>
+            </a:outerShdw>
+          </a:effectLst>
+        </a:effectStyle>
+        <a:effectStyle>
+          <a:effectLst>
+            <a:outerShdw blurRad="40000" dist="23000" dir="5400000" rotWithShape="0">
+              <a:srgbClr val="000000">
+                <a:alpha val="35000"/>
+              </a:srgbClr>
+            </a:outerShdw>
+          </a:effectLst>
+        </a:effectStyle>
+        <a:effectStyle>
+          <a:effectLst>
+            <a:outerShdw blurRad="40000" dist="23000" dir="5400000" rotWithShape="0">
+              <a:srgbClr val="000000">
+                <a:alpha val="35000"/>
+              </a:srgbClr>
+            </a:outerShdw>
+          </a:effectLst>
+          <a:scene3d>
+            <a:camera prst="orthographicFront">
+              <a:rot lat="0" lon="0" rev="0"/>
+            </a:camera>
+            <a:lightRig rig="threePt" dir="t">
+              <a:rot lat="0" lon="0" rev="1200000"/>
+            </a:lightRig>
+          </a:scene3d>
+          <a:sp3d>
+            <a:bevelT w="63500" h="25400"/>
+          </a:sp3d>
+        </a:effectStyle>
+      </a:effectStyleLst>
+      <a:bgFillStyleLst>
+        <a:solidFill>
+          <a:schemeClr val="phClr"/>
+        </a:solidFill>
+        <a:gradFill rotWithShape="1">
+          <a:gsLst>
+            <a:gs pos="0">
+              <a:schemeClr val="phClr">
+                <a:tint val="40000"/>
+                <a:satMod val="350000"/>
+              </a:schemeClr>
+            </a:gs>
+            <a:gs pos="40000">
+              <a:schemeClr val="phClr">
+                <a:tint val="45000"/>
+                <a:shade val="99000"/>
+                <a:satMod val="350000"/>
+              </a:schemeClr>
+            </a:gs>
+            <a:gs pos="100000">
+              <a:schemeClr val="phClr">
+                <a:shade val="20000"/>
+                <a:satMod val="255000"/>
+              </a:schemeClr>
+            </a:gs>
+          </a:gsLst>
+          <a:path path="circle">
+            <a:fillToRect l="50000" t="-80000" r="50000" b="180000"/>
+          </a:path>
+        </a:gradFill>
+        <a:gradFill rotWithShape="1">
+          <a:gsLst>
+            <a:gs pos="0">
+              <a:schemeClr val="phClr">
+                <a:tint val="80000"/>
+                <a:satMod val="300000"/>
+              </a:schemeClr>
+            </a:gs>
+            <a:gs pos="100000">
+              <a:schemeClr val="phClr">
+                <a:shade val="30000"/>
+                <a:satMod val="200000"/>
+              </a:schemeClr>
+            </a:gs>
+          </a:gsLst>
+          <a:path path="circle">
+            <a:fillToRect l="50000" t="50000" r="50000" b="50000"/>
+          </a:path>
+        </a:gradFill>
+      </a:bgFillStyleLst>
+    </a:fmtScheme>
+  </a:themeElements>
+  <a:objectDefaults>
+    <a:spDef>
+      <a:spPr/>
+      <a:bodyPr/>
+      <a:lstStyle/>
+      <a:style>
+        <a:lnRef idx="1">
+          <a:schemeClr val="accent1"/>
+        </a:lnRef>
+        <a:fillRef idx="3">
+          <a:schemeClr val="accent1"/>
+        </a:fillRef>
+        <a:effectRef idx="2">
+          <a:schemeClr val="accent1"/>
+        </a:effectRef>
+        <a:fontRef idx="minor">
+          <a:schemeClr val="lt1"/>
+        </a:fontRef>
+      </a:style>
+    </a:spDef>
+    <a:lnDef>
+      <a:spPr/>
+      <a:bodyPr/>
+      <a:lstStyle/>
+      <a:style>
+        <a:lnRef idx="2">
+          <a:schemeClr val="accent1"/>
+        </a:lnRef>
+        <a:fillRef idx="0">
+          <a:schemeClr val="accent1"/>
+        </a:fillRef>
+        <a:effectRef idx="1">
+          <a:schemeClr val="accent1"/>
+        </a:effectRef>
+        <a:fontRef idx="minor">
+          <a:schemeClr val="tx1"/>
+        </a:fontRef>
+      </a:style>
+    </a:lnDef>
+  </a:objectDefaults>
+  <a:extraClrSchemeLst/>
+</a:theme>
 </file>